--- a/Slides/Sharda_11e_full_accessible_ppt_06.pptx
+++ b/Slides/Sharda_11e_full_accessible_ppt_06.pptx
@@ -5,10 +5,10 @@
     <p:sldMasterId id="2147483648" r:id="rId1"/>
   </p:sldMasterIdLst>
   <p:notesMasterIdLst>
-    <p:notesMasterId r:id="rId58"/>
+    <p:notesMasterId r:id="rId55"/>
   </p:notesMasterIdLst>
   <p:handoutMasterIdLst>
-    <p:handoutMasterId r:id="rId59"/>
+    <p:handoutMasterId r:id="rId56"/>
   </p:handoutMasterIdLst>
   <p:sldIdLst>
     <p:sldId id="1074" r:id="rId2"/>
@@ -62,11 +62,8 @@
     <p:sldId id="1221" r:id="rId50"/>
     <p:sldId id="1214" r:id="rId51"/>
     <p:sldId id="1215" r:id="rId52"/>
-    <p:sldId id="1216" r:id="rId53"/>
-    <p:sldId id="1217" r:id="rId54"/>
-    <p:sldId id="1218" r:id="rId55"/>
-    <p:sldId id="1219" r:id="rId56"/>
-    <p:sldId id="1165" r:id="rId57"/>
+    <p:sldId id="1219" r:id="rId53"/>
+    <p:sldId id="1165" r:id="rId54"/>
   </p:sldIdLst>
   <p:sldSz cx="9144000" cy="6858000" type="screen4x3"/>
   <p:notesSz cx="6858000" cy="9144000"/>
@@ -167,7 +164,7 @@
   </p:defaultTextStyle>
   <p:extLst>
     <p:ext uri="{EFAFB233-063F-42B5-8137-9DF3F51BA10A}">
-      <p15:sldGuideLst xmlns="" xmlns:p15="http://schemas.microsoft.com/office/powerpoint/2012/main">
+      <p15:sldGuideLst xmlns:p15="http://schemas.microsoft.com/office/powerpoint/2012/main">
         <p15:guide id="1" orient="horz" pos="2160">
           <p15:clr>
             <a:srgbClr val="A4A3A4"/>
@@ -178,10 +175,40 @@
             <a:srgbClr val="A4A3A4"/>
           </p15:clr>
         </p15:guide>
+        <p15:guide id="3" orient="horz" pos="336">
+          <p15:clr>
+            <a:srgbClr val="A4A3A4"/>
+          </p15:clr>
+        </p15:guide>
+        <p15:guide id="4" orient="horz" pos="3984">
+          <p15:clr>
+            <a:srgbClr val="A4A3A4"/>
+          </p15:clr>
+        </p15:guide>
+        <p15:guide id="5" orient="horz" pos="912">
+          <p15:clr>
+            <a:srgbClr val="A4A3A4"/>
+          </p15:clr>
+        </p15:guide>
+        <p15:guide id="6" orient="horz" pos="672">
+          <p15:clr>
+            <a:srgbClr val="A4A3A4"/>
+          </p15:clr>
+        </p15:guide>
+        <p15:guide id="7" pos="288">
+          <p15:clr>
+            <a:srgbClr val="A4A3A4"/>
+          </p15:clr>
+        </p15:guide>
+        <p15:guide id="8" pos="5424">
+          <p15:clr>
+            <a:srgbClr val="A4A3A4"/>
+          </p15:clr>
+        </p15:guide>
       </p15:sldGuideLst>
     </p:ext>
     <p:ext uri="{2D200454-40CA-4A62-9FC3-DE9A4176ACB9}">
-      <p15:notesGuideLst xmlns="" xmlns:p15="http://schemas.microsoft.com/office/powerpoint/2012/main">
+      <p15:notesGuideLst xmlns:p15="http://schemas.microsoft.com/office/powerpoint/2012/main">
         <p15:guide id="1" orient="horz" pos="2880">
           <p15:clr>
             <a:srgbClr val="A4A3A4"/>
@@ -200,9 +227,7 @@
 
 <file path=ppt/commentAuthors.xml><?xml version="1.0" encoding="utf-8"?>
 <p:cmAuthorLst xmlns:a="http://schemas.openxmlformats.org/drawingml/2006/main" xmlns:r="http://schemas.openxmlformats.org/officeDocument/2006/relationships" xmlns:p="http://schemas.openxmlformats.org/presentationml/2006/main">
-  <p:cmAuthor id="1" name="D, Mohanapriya" initials="DM" lastIdx="1" clrIdx="0">
-    <p:extLst/>
-  </p:cmAuthor>
+  <p:cmAuthor id="1" name="D, Mohanapriya" initials="DM" lastIdx="1" clrIdx="0"/>
 </p:cmAuthorLst>
 </file>
 
@@ -288,7 +313,7 @@
           <a:p>
             <a:fld id="{8D8D874E-E9D5-433B-A149-BDF6BFDD40A8}" type="datetimeFigureOut">
               <a:rPr lang="en-US" smtClean="0"/>
-              <a:t>5/29/2019</a:t>
+              <a:t>11/22/21</a:t>
             </a:fld>
             <a:endParaRPr lang="en-US" dirty="0"/>
           </a:p>
@@ -453,7 +478,7 @@
           <a:p>
             <a:fld id="{EA051F04-9E25-42C3-8BC5-EC2E8469D95E}" type="datetimeFigureOut">
               <a:rPr lang="en-US" smtClean="0"/>
-              <a:t>5/29/2019</a:t>
+              <a:t>11/22/21</a:t>
             </a:fld>
             <a:endParaRPr lang="en-US" dirty="0"/>
           </a:p>
@@ -517,38 +542,37 @@
           <a:p>
             <a:pPr lvl="0"/>
             <a:r>
-              <a:rPr lang="en-US" smtClean="0"/>
+              <a:rPr lang="en-US"/>
               <a:t>Click to edit Master text styles</a:t>
             </a:r>
           </a:p>
           <a:p>
             <a:pPr lvl="1"/>
             <a:r>
-              <a:rPr lang="en-US" smtClean="0"/>
+              <a:rPr lang="en-US"/>
               <a:t>Second level</a:t>
             </a:r>
           </a:p>
           <a:p>
             <a:pPr lvl="2"/>
             <a:r>
-              <a:rPr lang="en-US" smtClean="0"/>
+              <a:rPr lang="en-US"/>
               <a:t>Third level</a:t>
             </a:r>
           </a:p>
           <a:p>
             <a:pPr lvl="3"/>
             <a:r>
-              <a:rPr lang="en-US" smtClean="0"/>
+              <a:rPr lang="en-US"/>
               <a:t>Fourth level</a:t>
             </a:r>
           </a:p>
           <a:p>
             <a:pPr lvl="4"/>
             <a:r>
-              <a:rPr lang="en-US" smtClean="0"/>
+              <a:rPr lang="en-US"/>
               <a:t>Fifth level</a:t>
             </a:r>
-            <a:endParaRPr lang="en-US"/>
           </a:p>
         </p:txBody>
       </p:sp>
@@ -783,7 +807,7 @@
               <a:defRPr/>
             </a:pPr>
             <a:r>
-              <a:rPr lang="en-IN" dirty="0" smtClean="0"/>
+              <a:rPr lang="en-IN" dirty="0"/>
               <a:t>If this PowerPoint presentation contains mathematical equations, you may need to check that your computer has the following installed:</a:t>
             </a:r>
           </a:p>
@@ -806,7 +830,7 @@
               <a:defRPr/>
             </a:pPr>
             <a:r>
-              <a:rPr lang="en-IN" dirty="0" smtClean="0"/>
+              <a:rPr lang="en-IN" dirty="0"/>
               <a:t>1) Math Type Plugin</a:t>
             </a:r>
           </a:p>
@@ -829,7 +853,7 @@
               <a:defRPr/>
             </a:pPr>
             <a:r>
-              <a:rPr lang="en-IN" dirty="0" smtClean="0"/>
+              <a:rPr lang="en-IN" dirty="0"/>
               <a:t>2) Math Player (free versions available)</a:t>
             </a:r>
           </a:p>
@@ -852,7 +876,7 @@
               <a:defRPr/>
             </a:pPr>
             <a:r>
-              <a:rPr lang="en-IN" dirty="0" smtClean="0"/>
+              <a:rPr lang="en-IN" dirty="0"/>
               <a:t>3) NVDA Reader (free versions available)</a:t>
             </a:r>
           </a:p>
@@ -942,7 +966,7 @@
             <a:pPr defTabSz="931774">
               <a:defRPr/>
             </a:pPr>
-            <a:endParaRPr lang="en-US" dirty="0" smtClean="0"/>
+            <a:endParaRPr lang="en-US" dirty="0"/>
           </a:p>
         </p:txBody>
       </p:sp>
@@ -1029,7 +1053,7 @@
             <a:pPr defTabSz="931774">
               <a:defRPr/>
             </a:pPr>
-            <a:endParaRPr lang="en-US" dirty="0" smtClean="0"/>
+            <a:endParaRPr lang="en-US" dirty="0"/>
           </a:p>
         </p:txBody>
       </p:sp>
@@ -1116,7 +1140,7 @@
             <a:pPr defTabSz="931774">
               <a:defRPr/>
             </a:pPr>
-            <a:endParaRPr lang="en-US" dirty="0" smtClean="0"/>
+            <a:endParaRPr lang="en-US" dirty="0"/>
           </a:p>
         </p:txBody>
       </p:sp>
@@ -1203,7 +1227,7 @@
             <a:pPr defTabSz="931774">
               <a:defRPr/>
             </a:pPr>
-            <a:endParaRPr lang="en-US" dirty="0" smtClean="0"/>
+            <a:endParaRPr lang="en-US" dirty="0"/>
           </a:p>
         </p:txBody>
       </p:sp>
@@ -1290,7 +1314,7 @@
             <a:pPr defTabSz="931774">
               <a:defRPr/>
             </a:pPr>
-            <a:endParaRPr lang="en-US" dirty="0" smtClean="0"/>
+            <a:endParaRPr lang="en-US" dirty="0"/>
           </a:p>
         </p:txBody>
       </p:sp>
@@ -1377,7 +1401,7 @@
             <a:pPr defTabSz="931774">
               <a:defRPr/>
             </a:pPr>
-            <a:endParaRPr lang="en-US" dirty="0" smtClean="0"/>
+            <a:endParaRPr lang="en-US" dirty="0"/>
           </a:p>
         </p:txBody>
       </p:sp>
@@ -1464,7 +1488,7 @@
             <a:pPr defTabSz="931774">
               <a:defRPr/>
             </a:pPr>
-            <a:endParaRPr lang="en-US" dirty="0" smtClean="0"/>
+            <a:endParaRPr lang="en-US" dirty="0"/>
           </a:p>
         </p:txBody>
       </p:sp>
@@ -1551,7 +1575,7 @@
             <a:pPr defTabSz="931774">
               <a:defRPr/>
             </a:pPr>
-            <a:endParaRPr lang="en-US" dirty="0" smtClean="0"/>
+            <a:endParaRPr lang="en-US" dirty="0"/>
           </a:p>
         </p:txBody>
       </p:sp>
@@ -1638,7 +1662,7 @@
             <a:pPr defTabSz="931774">
               <a:defRPr/>
             </a:pPr>
-            <a:endParaRPr lang="en-US" dirty="0" smtClean="0"/>
+            <a:endParaRPr lang="en-US" dirty="0"/>
           </a:p>
         </p:txBody>
       </p:sp>
@@ -1725,7 +1749,7 @@
             <a:pPr defTabSz="931774">
               <a:defRPr/>
             </a:pPr>
-            <a:endParaRPr lang="en-US" dirty="0" smtClean="0"/>
+            <a:endParaRPr lang="en-US" dirty="0"/>
           </a:p>
         </p:txBody>
       </p:sp>
@@ -1827,7 +1851,7 @@
               <a:defRPr/>
             </a:pPr>
             <a:r>
-              <a:rPr lang="en-US" b="0" dirty="0" smtClean="0"/>
+              <a:rPr lang="en-US" b="0" dirty="0"/>
               <a:t>Slide 2 is list of textbook LO numbers and statements</a:t>
             </a:r>
           </a:p>
@@ -1835,7 +1859,7 @@
             <a:pPr defTabSz="931774">
               <a:defRPr/>
             </a:pPr>
-            <a:endParaRPr lang="en-US" dirty="0" smtClean="0"/>
+            <a:endParaRPr lang="en-US" dirty="0"/>
           </a:p>
         </p:txBody>
       </p:sp>
@@ -1922,7 +1946,7 @@
             <a:pPr defTabSz="931774">
               <a:defRPr/>
             </a:pPr>
-            <a:endParaRPr lang="en-US" dirty="0" smtClean="0"/>
+            <a:endParaRPr lang="en-US" dirty="0"/>
           </a:p>
         </p:txBody>
       </p:sp>
@@ -2009,7 +2033,7 @@
             <a:pPr defTabSz="931774">
               <a:defRPr/>
             </a:pPr>
-            <a:endParaRPr lang="en-US" dirty="0" smtClean="0"/>
+            <a:endParaRPr lang="en-US" dirty="0"/>
           </a:p>
         </p:txBody>
       </p:sp>
@@ -2096,7 +2120,7 @@
             <a:pPr defTabSz="931774">
               <a:defRPr/>
             </a:pPr>
-            <a:endParaRPr lang="en-US" dirty="0" smtClean="0"/>
+            <a:endParaRPr lang="en-US" dirty="0"/>
           </a:p>
         </p:txBody>
       </p:sp>
@@ -2183,7 +2207,7 @@
             <a:pPr defTabSz="931774">
               <a:defRPr/>
             </a:pPr>
-            <a:endParaRPr lang="en-US" dirty="0" smtClean="0"/>
+            <a:endParaRPr lang="en-US" dirty="0"/>
           </a:p>
         </p:txBody>
       </p:sp>
@@ -2270,7 +2294,7 @@
             <a:pPr defTabSz="931774">
               <a:defRPr/>
             </a:pPr>
-            <a:endParaRPr lang="en-US" dirty="0" smtClean="0"/>
+            <a:endParaRPr lang="en-US" dirty="0"/>
           </a:p>
         </p:txBody>
       </p:sp>
@@ -2357,7 +2381,7 @@
             <a:pPr defTabSz="931774">
               <a:defRPr/>
             </a:pPr>
-            <a:endParaRPr lang="en-US" dirty="0" smtClean="0"/>
+            <a:endParaRPr lang="en-US" dirty="0"/>
           </a:p>
         </p:txBody>
       </p:sp>
@@ -2444,7 +2468,7 @@
             <a:pPr defTabSz="931774">
               <a:defRPr/>
             </a:pPr>
-            <a:endParaRPr lang="en-US" dirty="0" smtClean="0"/>
+            <a:endParaRPr lang="en-US" dirty="0"/>
           </a:p>
         </p:txBody>
       </p:sp>
@@ -2531,7 +2555,7 @@
             <a:pPr defTabSz="931774">
               <a:defRPr/>
             </a:pPr>
-            <a:endParaRPr lang="en-US" dirty="0" smtClean="0"/>
+            <a:endParaRPr lang="en-US" dirty="0"/>
           </a:p>
         </p:txBody>
       </p:sp>
@@ -2618,7 +2642,7 @@
             <a:pPr defTabSz="931774">
               <a:defRPr/>
             </a:pPr>
-            <a:endParaRPr lang="en-US" dirty="0" smtClean="0"/>
+            <a:endParaRPr lang="en-US" dirty="0"/>
           </a:p>
         </p:txBody>
       </p:sp>
@@ -2705,7 +2729,7 @@
             <a:pPr defTabSz="931774">
               <a:defRPr/>
             </a:pPr>
-            <a:endParaRPr lang="en-US" dirty="0" smtClean="0"/>
+            <a:endParaRPr lang="en-US" dirty="0"/>
           </a:p>
         </p:txBody>
       </p:sp>
@@ -2807,7 +2831,7 @@
               <a:defRPr/>
             </a:pPr>
             <a:r>
-              <a:rPr lang="en-US" b="0" dirty="0" smtClean="0"/>
+              <a:rPr lang="en-US" b="0" dirty="0"/>
               <a:t>Slide 2 is list of textbook LO numbers and statements</a:t>
             </a:r>
           </a:p>
@@ -2815,7 +2839,7 @@
             <a:pPr defTabSz="931774">
               <a:defRPr/>
             </a:pPr>
-            <a:endParaRPr lang="en-US" dirty="0" smtClean="0"/>
+            <a:endParaRPr lang="en-US" dirty="0"/>
           </a:p>
         </p:txBody>
       </p:sp>
@@ -2902,7 +2926,7 @@
             <a:pPr defTabSz="931774">
               <a:defRPr/>
             </a:pPr>
-            <a:endParaRPr lang="en-US" dirty="0" smtClean="0"/>
+            <a:endParaRPr lang="en-US" dirty="0"/>
           </a:p>
         </p:txBody>
       </p:sp>
@@ -2989,7 +3013,7 @@
             <a:pPr defTabSz="931774">
               <a:defRPr/>
             </a:pPr>
-            <a:endParaRPr lang="en-US" dirty="0" smtClean="0"/>
+            <a:endParaRPr lang="en-US" dirty="0"/>
           </a:p>
         </p:txBody>
       </p:sp>
@@ -3076,7 +3100,7 @@
             <a:pPr defTabSz="931774">
               <a:defRPr/>
             </a:pPr>
-            <a:endParaRPr lang="en-US" dirty="0" smtClean="0"/>
+            <a:endParaRPr lang="en-US" dirty="0"/>
           </a:p>
         </p:txBody>
       </p:sp>
@@ -3163,7 +3187,7 @@
             <a:pPr defTabSz="931774">
               <a:defRPr/>
             </a:pPr>
-            <a:endParaRPr lang="en-US" dirty="0" smtClean="0"/>
+            <a:endParaRPr lang="en-US" dirty="0"/>
           </a:p>
         </p:txBody>
       </p:sp>
@@ -3250,7 +3274,7 @@
             <a:pPr defTabSz="931774">
               <a:defRPr/>
             </a:pPr>
-            <a:endParaRPr lang="en-US" dirty="0" smtClean="0"/>
+            <a:endParaRPr lang="en-US" dirty="0"/>
           </a:p>
         </p:txBody>
       </p:sp>
@@ -3337,7 +3361,7 @@
             <a:pPr defTabSz="931774">
               <a:defRPr/>
             </a:pPr>
-            <a:endParaRPr lang="en-US" dirty="0" smtClean="0"/>
+            <a:endParaRPr lang="en-US" dirty="0"/>
           </a:p>
         </p:txBody>
       </p:sp>
@@ -3424,7 +3448,7 @@
             <a:pPr defTabSz="931774">
               <a:defRPr/>
             </a:pPr>
-            <a:endParaRPr lang="en-US" dirty="0" smtClean="0"/>
+            <a:endParaRPr lang="en-US" dirty="0"/>
           </a:p>
         </p:txBody>
       </p:sp>
@@ -3511,7 +3535,7 @@
             <a:pPr defTabSz="931774">
               <a:defRPr/>
             </a:pPr>
-            <a:endParaRPr lang="en-US" dirty="0" smtClean="0"/>
+            <a:endParaRPr lang="en-US" dirty="0"/>
           </a:p>
         </p:txBody>
       </p:sp>
@@ -3598,7 +3622,7 @@
             <a:pPr defTabSz="931774">
               <a:defRPr/>
             </a:pPr>
-            <a:endParaRPr lang="en-US" dirty="0" smtClean="0"/>
+            <a:endParaRPr lang="en-US" dirty="0"/>
           </a:p>
         </p:txBody>
       </p:sp>
@@ -3685,7 +3709,7 @@
             <a:pPr defTabSz="931774">
               <a:defRPr/>
             </a:pPr>
-            <a:endParaRPr lang="en-US" dirty="0" smtClean="0"/>
+            <a:endParaRPr lang="en-US" dirty="0"/>
           </a:p>
         </p:txBody>
       </p:sp>
@@ -3772,7 +3796,7 @@
             <a:pPr defTabSz="931774">
               <a:defRPr/>
             </a:pPr>
-            <a:endParaRPr lang="en-US" dirty="0" smtClean="0"/>
+            <a:endParaRPr lang="en-US" dirty="0"/>
           </a:p>
         </p:txBody>
       </p:sp>
@@ -3859,7 +3883,7 @@
             <a:pPr defTabSz="931774">
               <a:defRPr/>
             </a:pPr>
-            <a:endParaRPr lang="en-US" dirty="0" smtClean="0"/>
+            <a:endParaRPr lang="en-US" dirty="0"/>
           </a:p>
         </p:txBody>
       </p:sp>
@@ -3946,7 +3970,7 @@
             <a:pPr defTabSz="931774">
               <a:defRPr/>
             </a:pPr>
-            <a:endParaRPr lang="en-US" dirty="0" smtClean="0"/>
+            <a:endParaRPr lang="en-US" dirty="0"/>
           </a:p>
         </p:txBody>
       </p:sp>
@@ -4033,7 +4057,7 @@
             <a:pPr defTabSz="931774">
               <a:defRPr/>
             </a:pPr>
-            <a:endParaRPr lang="en-US" dirty="0" smtClean="0"/>
+            <a:endParaRPr lang="en-US" dirty="0"/>
           </a:p>
         </p:txBody>
       </p:sp>
@@ -4120,7 +4144,7 @@
             <a:pPr defTabSz="931774">
               <a:defRPr/>
             </a:pPr>
-            <a:endParaRPr lang="en-US" dirty="0" smtClean="0"/>
+            <a:endParaRPr lang="en-US" dirty="0"/>
           </a:p>
         </p:txBody>
       </p:sp>
@@ -4207,7 +4231,7 @@
             <a:pPr defTabSz="931774">
               <a:defRPr/>
             </a:pPr>
-            <a:endParaRPr lang="en-US" dirty="0" smtClean="0"/>
+            <a:endParaRPr lang="en-US" dirty="0"/>
           </a:p>
         </p:txBody>
       </p:sp>
@@ -4294,7 +4318,7 @@
             <a:pPr defTabSz="931774">
               <a:defRPr/>
             </a:pPr>
-            <a:endParaRPr lang="en-US" dirty="0" smtClean="0"/>
+            <a:endParaRPr lang="en-US" dirty="0"/>
           </a:p>
         </p:txBody>
       </p:sp>
@@ -4381,7 +4405,7 @@
             <a:pPr defTabSz="931774">
               <a:defRPr/>
             </a:pPr>
-            <a:endParaRPr lang="en-US" dirty="0" smtClean="0"/>
+            <a:endParaRPr lang="en-US" dirty="0"/>
           </a:p>
         </p:txBody>
       </p:sp>
@@ -4468,7 +4492,7 @@
             <a:pPr defTabSz="931774">
               <a:defRPr/>
             </a:pPr>
-            <a:endParaRPr lang="en-US" dirty="0" smtClean="0"/>
+            <a:endParaRPr lang="en-US" dirty="0"/>
           </a:p>
         </p:txBody>
       </p:sp>
@@ -4555,7 +4579,7 @@
             <a:pPr defTabSz="931774">
               <a:defRPr/>
             </a:pPr>
-            <a:endParaRPr lang="en-US" dirty="0" smtClean="0"/>
+            <a:endParaRPr lang="en-US" dirty="0"/>
           </a:p>
         </p:txBody>
       </p:sp>
@@ -4642,7 +4666,7 @@
             <a:pPr defTabSz="931774">
               <a:defRPr/>
             </a:pPr>
-            <a:endParaRPr lang="en-US" dirty="0" smtClean="0"/>
+            <a:endParaRPr lang="en-US" dirty="0"/>
           </a:p>
         </p:txBody>
       </p:sp>
@@ -4729,7 +4753,7 @@
             <a:pPr defTabSz="931774">
               <a:defRPr/>
             </a:pPr>
-            <a:endParaRPr lang="en-US" dirty="0" smtClean="0"/>
+            <a:endParaRPr lang="en-US" dirty="0"/>
           </a:p>
         </p:txBody>
       </p:sp>
@@ -4816,7 +4840,7 @@
             <a:pPr defTabSz="931774">
               <a:defRPr/>
             </a:pPr>
-            <a:endParaRPr lang="en-US" dirty="0" smtClean="0"/>
+            <a:endParaRPr lang="en-US" dirty="0"/>
           </a:p>
         </p:txBody>
       </p:sp>
@@ -4903,7 +4927,7 @@
             <a:pPr defTabSz="931774">
               <a:defRPr/>
             </a:pPr>
-            <a:endParaRPr lang="en-US" dirty="0" smtClean="0"/>
+            <a:endParaRPr lang="en-US" dirty="0"/>
           </a:p>
         </p:txBody>
       </p:sp>
@@ -4990,7 +5014,7 @@
             <a:pPr defTabSz="931774">
               <a:defRPr/>
             </a:pPr>
-            <a:endParaRPr lang="en-US" dirty="0" smtClean="0"/>
+            <a:endParaRPr lang="en-US" dirty="0"/>
           </a:p>
         </p:txBody>
       </p:sp>
@@ -5012,267 +5036,6 @@
             <a:fld id="{A73D6722-9B4D-4E29-B226-C325925A8118}" type="slidenum">
               <a:rPr lang="en-US" smtClean="0"/>
               <a:t>52</a:t>
-            </a:fld>
-            <a:endParaRPr lang="en-US" dirty="0"/>
-          </a:p>
-        </p:txBody>
-      </p:sp>
-    </p:spTree>
-    <p:extLst>
-      <p:ext uri="{BB962C8B-B14F-4D97-AF65-F5344CB8AC3E}">
-        <p14:creationId xmlns:p14="http://schemas.microsoft.com/office/powerpoint/2010/main" val="2124979669"/>
-      </p:ext>
-    </p:extLst>
-  </p:cSld>
-  <p:clrMapOvr>
-    <a:masterClrMapping/>
-  </p:clrMapOvr>
-</p:notes>
-</file>
-
-<file path=ppt/notesSlides/notesSlide53.xml><?xml version="1.0" encoding="utf-8"?>
-<p:notes xmlns:a="http://schemas.openxmlformats.org/drawingml/2006/main" xmlns:r="http://schemas.openxmlformats.org/officeDocument/2006/relationships" xmlns:p="http://schemas.openxmlformats.org/presentationml/2006/main">
-  <p:cSld>
-    <p:spTree>
-      <p:nvGrpSpPr>
-        <p:cNvPr id="1" name=""/>
-        <p:cNvGrpSpPr/>
-        <p:nvPr/>
-      </p:nvGrpSpPr>
-      <p:grpSpPr>
-        <a:xfrm>
-          <a:off x="0" y="0"/>
-          <a:ext cx="0" cy="0"/>
-          <a:chOff x="0" y="0"/>
-          <a:chExt cx="0" cy="0"/>
-        </a:xfrm>
-      </p:grpSpPr>
-      <p:sp>
-        <p:nvSpPr>
-          <p:cNvPr id="2" name="Slide Image Placeholder 1"/>
-          <p:cNvSpPr>
-            <a:spLocks noGrp="1" noRot="1" noChangeAspect="1"/>
-          </p:cNvSpPr>
-          <p:nvPr>
-            <p:ph type="sldImg"/>
-          </p:nvPr>
-        </p:nvSpPr>
-        <p:spPr/>
-      </p:sp>
-      <p:sp>
-        <p:nvSpPr>
-          <p:cNvPr id="3" name="Notes Placeholder 2"/>
-          <p:cNvSpPr>
-            <a:spLocks noGrp="1"/>
-          </p:cNvSpPr>
-          <p:nvPr>
-            <p:ph type="body" idx="1"/>
-          </p:nvPr>
-        </p:nvSpPr>
-        <p:spPr/>
-        <p:txBody>
-          <a:bodyPr/>
-          <a:lstStyle/>
-          <a:p>
-            <a:pPr defTabSz="931774">
-              <a:defRPr/>
-            </a:pPr>
-            <a:endParaRPr lang="en-US" dirty="0" smtClean="0"/>
-          </a:p>
-        </p:txBody>
-      </p:sp>
-      <p:sp>
-        <p:nvSpPr>
-          <p:cNvPr id="4" name="Slide Number Placeholder 3"/>
-          <p:cNvSpPr>
-            <a:spLocks noGrp="1"/>
-          </p:cNvSpPr>
-          <p:nvPr>
-            <p:ph type="sldNum" sz="quarter" idx="10"/>
-          </p:nvPr>
-        </p:nvSpPr>
-        <p:spPr/>
-        <p:txBody>
-          <a:bodyPr/>
-          <a:lstStyle/>
-          <a:p>
-            <a:fld id="{A73D6722-9B4D-4E29-B226-C325925A8118}" type="slidenum">
-              <a:rPr lang="en-US" smtClean="0"/>
-              <a:t>53</a:t>
-            </a:fld>
-            <a:endParaRPr lang="en-US" dirty="0"/>
-          </a:p>
-        </p:txBody>
-      </p:sp>
-    </p:spTree>
-    <p:extLst>
-      <p:ext uri="{BB962C8B-B14F-4D97-AF65-F5344CB8AC3E}">
-        <p14:creationId xmlns:p14="http://schemas.microsoft.com/office/powerpoint/2010/main" val="2124979669"/>
-      </p:ext>
-    </p:extLst>
-  </p:cSld>
-  <p:clrMapOvr>
-    <a:masterClrMapping/>
-  </p:clrMapOvr>
-</p:notes>
-</file>
-
-<file path=ppt/notesSlides/notesSlide54.xml><?xml version="1.0" encoding="utf-8"?>
-<p:notes xmlns:a="http://schemas.openxmlformats.org/drawingml/2006/main" xmlns:r="http://schemas.openxmlformats.org/officeDocument/2006/relationships" xmlns:p="http://schemas.openxmlformats.org/presentationml/2006/main">
-  <p:cSld>
-    <p:spTree>
-      <p:nvGrpSpPr>
-        <p:cNvPr id="1" name=""/>
-        <p:cNvGrpSpPr/>
-        <p:nvPr/>
-      </p:nvGrpSpPr>
-      <p:grpSpPr>
-        <a:xfrm>
-          <a:off x="0" y="0"/>
-          <a:ext cx="0" cy="0"/>
-          <a:chOff x="0" y="0"/>
-          <a:chExt cx="0" cy="0"/>
-        </a:xfrm>
-      </p:grpSpPr>
-      <p:sp>
-        <p:nvSpPr>
-          <p:cNvPr id="2" name="Slide Image Placeholder 1"/>
-          <p:cNvSpPr>
-            <a:spLocks noGrp="1" noRot="1" noChangeAspect="1"/>
-          </p:cNvSpPr>
-          <p:nvPr>
-            <p:ph type="sldImg"/>
-          </p:nvPr>
-        </p:nvSpPr>
-        <p:spPr/>
-      </p:sp>
-      <p:sp>
-        <p:nvSpPr>
-          <p:cNvPr id="3" name="Notes Placeholder 2"/>
-          <p:cNvSpPr>
-            <a:spLocks noGrp="1"/>
-          </p:cNvSpPr>
-          <p:nvPr>
-            <p:ph type="body" idx="1"/>
-          </p:nvPr>
-        </p:nvSpPr>
-        <p:spPr/>
-        <p:txBody>
-          <a:bodyPr/>
-          <a:lstStyle/>
-          <a:p>
-            <a:pPr defTabSz="931774">
-              <a:defRPr/>
-            </a:pPr>
-            <a:endParaRPr lang="en-US" dirty="0" smtClean="0"/>
-          </a:p>
-        </p:txBody>
-      </p:sp>
-      <p:sp>
-        <p:nvSpPr>
-          <p:cNvPr id="4" name="Slide Number Placeholder 3"/>
-          <p:cNvSpPr>
-            <a:spLocks noGrp="1"/>
-          </p:cNvSpPr>
-          <p:nvPr>
-            <p:ph type="sldNum" sz="quarter" idx="10"/>
-          </p:nvPr>
-        </p:nvSpPr>
-        <p:spPr/>
-        <p:txBody>
-          <a:bodyPr/>
-          <a:lstStyle/>
-          <a:p>
-            <a:fld id="{A73D6722-9B4D-4E29-B226-C325925A8118}" type="slidenum">
-              <a:rPr lang="en-US" smtClean="0"/>
-              <a:t>54</a:t>
-            </a:fld>
-            <a:endParaRPr lang="en-US" dirty="0"/>
-          </a:p>
-        </p:txBody>
-      </p:sp>
-    </p:spTree>
-    <p:extLst>
-      <p:ext uri="{BB962C8B-B14F-4D97-AF65-F5344CB8AC3E}">
-        <p14:creationId xmlns:p14="http://schemas.microsoft.com/office/powerpoint/2010/main" val="2124979669"/>
-      </p:ext>
-    </p:extLst>
-  </p:cSld>
-  <p:clrMapOvr>
-    <a:masterClrMapping/>
-  </p:clrMapOvr>
-</p:notes>
-</file>
-
-<file path=ppt/notesSlides/notesSlide55.xml><?xml version="1.0" encoding="utf-8"?>
-<p:notes xmlns:a="http://schemas.openxmlformats.org/drawingml/2006/main" xmlns:r="http://schemas.openxmlformats.org/officeDocument/2006/relationships" xmlns:p="http://schemas.openxmlformats.org/presentationml/2006/main">
-  <p:cSld>
-    <p:spTree>
-      <p:nvGrpSpPr>
-        <p:cNvPr id="1" name=""/>
-        <p:cNvGrpSpPr/>
-        <p:nvPr/>
-      </p:nvGrpSpPr>
-      <p:grpSpPr>
-        <a:xfrm>
-          <a:off x="0" y="0"/>
-          <a:ext cx="0" cy="0"/>
-          <a:chOff x="0" y="0"/>
-          <a:chExt cx="0" cy="0"/>
-        </a:xfrm>
-      </p:grpSpPr>
-      <p:sp>
-        <p:nvSpPr>
-          <p:cNvPr id="2" name="Slide Image Placeholder 1"/>
-          <p:cNvSpPr>
-            <a:spLocks noGrp="1" noRot="1" noChangeAspect="1"/>
-          </p:cNvSpPr>
-          <p:nvPr>
-            <p:ph type="sldImg"/>
-          </p:nvPr>
-        </p:nvSpPr>
-        <p:spPr/>
-      </p:sp>
-      <p:sp>
-        <p:nvSpPr>
-          <p:cNvPr id="3" name="Notes Placeholder 2"/>
-          <p:cNvSpPr>
-            <a:spLocks noGrp="1"/>
-          </p:cNvSpPr>
-          <p:nvPr>
-            <p:ph type="body" idx="1"/>
-          </p:nvPr>
-        </p:nvSpPr>
-        <p:spPr/>
-        <p:txBody>
-          <a:bodyPr/>
-          <a:lstStyle/>
-          <a:p>
-            <a:pPr defTabSz="931774">
-              <a:defRPr/>
-            </a:pPr>
-            <a:endParaRPr lang="en-US" dirty="0" smtClean="0"/>
-          </a:p>
-        </p:txBody>
-      </p:sp>
-      <p:sp>
-        <p:nvSpPr>
-          <p:cNvPr id="4" name="Slide Number Placeholder 3"/>
-          <p:cNvSpPr>
-            <a:spLocks noGrp="1"/>
-          </p:cNvSpPr>
-          <p:nvPr>
-            <p:ph type="sldNum" sz="quarter" idx="10"/>
-          </p:nvPr>
-        </p:nvSpPr>
-        <p:spPr/>
-        <p:txBody>
-          <a:bodyPr/>
-          <a:lstStyle/>
-          <a:p>
-            <a:fld id="{A73D6722-9B4D-4E29-B226-C325925A8118}" type="slidenum">
-              <a:rPr lang="en-US" smtClean="0"/>
-              <a:t>55</a:t>
             </a:fld>
             <a:endParaRPr lang="en-US" dirty="0"/>
           </a:p>
@@ -5338,7 +5101,7 @@
             <a:pPr defTabSz="931774">
               <a:defRPr/>
             </a:pPr>
-            <a:endParaRPr lang="en-US" dirty="0" smtClean="0"/>
+            <a:endParaRPr lang="en-US" dirty="0"/>
           </a:p>
         </p:txBody>
       </p:sp>
@@ -5425,7 +5188,7 @@
             <a:pPr defTabSz="931774">
               <a:defRPr/>
             </a:pPr>
-            <a:endParaRPr lang="en-US" dirty="0" smtClean="0"/>
+            <a:endParaRPr lang="en-US" dirty="0"/>
           </a:p>
         </p:txBody>
       </p:sp>
@@ -5512,7 +5275,7 @@
             <a:pPr defTabSz="931774">
               <a:defRPr/>
             </a:pPr>
-            <a:endParaRPr lang="en-US" dirty="0" smtClean="0"/>
+            <a:endParaRPr lang="en-US" dirty="0"/>
           </a:p>
         </p:txBody>
       </p:sp>
@@ -5599,7 +5362,7 @@
             <a:pPr defTabSz="931774">
               <a:defRPr/>
             </a:pPr>
-            <a:endParaRPr lang="en-US" dirty="0" smtClean="0"/>
+            <a:endParaRPr lang="en-US" dirty="0"/>
           </a:p>
         </p:txBody>
       </p:sp>
@@ -5735,10 +5498,9 @@
           </a:lstStyle>
           <a:p>
             <a:r>
-              <a:rPr lang="en-US" dirty="0" smtClean="0"/>
+              <a:rPr lang="en-US" dirty="0"/>
               <a:t>Click to edit Master title style</a:t>
             </a:r>
-            <a:endParaRPr lang="en-US" dirty="0"/>
           </a:p>
         </p:txBody>
       </p:sp>
@@ -5857,10 +5619,9 @@
           </a:lstStyle>
           <a:p>
             <a:r>
-              <a:rPr lang="en-US" dirty="0" smtClean="0"/>
+              <a:rPr lang="en-US" dirty="0"/>
               <a:t>Click to edit Master subtitle style</a:t>
             </a:r>
-            <a:endParaRPr lang="en-US" dirty="0"/>
           </a:p>
         </p:txBody>
       </p:sp>
@@ -5905,7 +5666,7 @@
           <a:p>
             <a:fld id="{A9DF6EFB-3F44-496C-A842-1E0B3D3B975A}" type="datetimeFigureOut">
               <a:rPr lang="en-US" smtClean="0"/>
-              <a:t>5/29/2019</a:t>
+              <a:t>11/22/21</a:t>
             </a:fld>
             <a:endParaRPr lang="en-US" dirty="0"/>
           </a:p>
@@ -5974,7 +5735,7 @@
               <a:defRPr/>
             </a:pPr>
             <a:r>
-              <a:rPr lang="en-US" altLang="en-US" sz="1200" dirty="0" smtClean="0">
+              <a:rPr lang="en-US" altLang="en-US" sz="1200" dirty="0">
                 <a:latin typeface="Verdana" panose="020B0604030504040204" pitchFamily="34" charset="0"/>
               </a:rPr>
               <a:t>Copyright © 2020 by Pearson Education, Inc. All Rights Reserved</a:t>
@@ -6022,21 +5783,6 @@
   <p:clrMapOvr>
     <a:masterClrMapping/>
   </p:clrMapOvr>
-  <mc:AlternateContent xmlns:mc="http://schemas.openxmlformats.org/markup-compatibility/2006" xmlns:p14="http://schemas.microsoft.com/office/powerpoint/2010/main">
-    <mc:Choice Requires="p14">
-      <p:transition spd="slow" p14:dur="2000"/>
-    </mc:Choice>
-    <mc:Fallback xmlns="">
-      <p:transition spd="slow"/>
-    </mc:Fallback>
-  </mc:AlternateContent>
-  <p:timing>
-    <p:tnLst>
-      <p:par>
-        <p:cTn id="1" dur="indefinite" restart="never" nodeType="tmRoot"/>
-      </p:par>
-    </p:tnLst>
-  </p:timing>
 </p:sldLayout>
 </file>
 
@@ -6073,10 +5819,9 @@
           <a:lstStyle/>
           <a:p>
             <a:r>
-              <a:rPr lang="en-US" dirty="0" smtClean="0"/>
+              <a:rPr lang="en-US" dirty="0"/>
               <a:t>Click to edit Master title style</a:t>
             </a:r>
-            <a:endParaRPr lang="en-US" dirty="0"/>
           </a:p>
         </p:txBody>
       </p:sp>
@@ -6130,38 +5875,37 @@
           <a:p>
             <a:pPr lvl="0"/>
             <a:r>
-              <a:rPr lang="en-US" dirty="0" smtClean="0"/>
+              <a:rPr lang="en-US" dirty="0"/>
               <a:t>Click to edit Master text styles</a:t>
             </a:r>
           </a:p>
           <a:p>
             <a:pPr lvl="1"/>
             <a:r>
-              <a:rPr lang="en-US" dirty="0" smtClean="0"/>
+              <a:rPr lang="en-US" dirty="0"/>
               <a:t>Second level</a:t>
             </a:r>
           </a:p>
           <a:p>
             <a:pPr lvl="2"/>
             <a:r>
-              <a:rPr lang="en-US" dirty="0" smtClean="0"/>
+              <a:rPr lang="en-US" dirty="0"/>
               <a:t>Third level</a:t>
             </a:r>
           </a:p>
           <a:p>
             <a:pPr lvl="3"/>
             <a:r>
-              <a:rPr lang="en-US" dirty="0" smtClean="0"/>
+              <a:rPr lang="en-US" dirty="0"/>
               <a:t>Fourth level</a:t>
             </a:r>
           </a:p>
           <a:p>
             <a:pPr lvl="4"/>
             <a:r>
-              <a:rPr lang="en-US" dirty="0" smtClean="0"/>
+              <a:rPr lang="en-US" dirty="0"/>
               <a:t>Fifth level</a:t>
             </a:r>
-            <a:endParaRPr lang="en-US" dirty="0"/>
           </a:p>
         </p:txBody>
       </p:sp>
@@ -6215,38 +5959,37 @@
           <a:p>
             <a:pPr lvl="0"/>
             <a:r>
-              <a:rPr lang="en-US" dirty="0" smtClean="0"/>
+              <a:rPr lang="en-US" dirty="0"/>
               <a:t>Click to edit Master text styles</a:t>
             </a:r>
           </a:p>
           <a:p>
             <a:pPr lvl="1"/>
             <a:r>
-              <a:rPr lang="en-US" dirty="0" smtClean="0"/>
+              <a:rPr lang="en-US" dirty="0"/>
               <a:t>Second level</a:t>
             </a:r>
           </a:p>
           <a:p>
             <a:pPr lvl="2"/>
             <a:r>
-              <a:rPr lang="en-US" dirty="0" smtClean="0"/>
+              <a:rPr lang="en-US" dirty="0"/>
               <a:t>Third level</a:t>
             </a:r>
           </a:p>
           <a:p>
             <a:pPr lvl="3"/>
             <a:r>
-              <a:rPr lang="en-US" dirty="0" smtClean="0"/>
+              <a:rPr lang="en-US" dirty="0"/>
               <a:t>Fourth level</a:t>
             </a:r>
           </a:p>
           <a:p>
             <a:pPr lvl="4"/>
             <a:r>
-              <a:rPr lang="en-US" dirty="0" smtClean="0"/>
+              <a:rPr lang="en-US" dirty="0"/>
               <a:t>Fifth level</a:t>
             </a:r>
-            <a:endParaRPr lang="en-US" dirty="0"/>
           </a:p>
         </p:txBody>
       </p:sp>
@@ -6291,7 +6034,7 @@
           <a:p>
             <a:fld id="{A9DF6EFB-3F44-496C-A842-1E0B3D3B975A}" type="datetimeFigureOut">
               <a:rPr lang="en-US" smtClean="0"/>
-              <a:t>5/29/2019</a:t>
+              <a:t>11/22/21</a:t>
             </a:fld>
             <a:endParaRPr lang="en-US" dirty="0"/>
           </a:p>
@@ -6342,35 +6085,35 @@
           <a:p>
             <a:pPr lvl="0"/>
             <a:r>
-              <a:rPr lang="en-US" dirty="0" smtClean="0"/>
+              <a:rPr lang="en-US" dirty="0"/>
               <a:t>Click to edit Master text styles</a:t>
             </a:r>
           </a:p>
           <a:p>
             <a:pPr lvl="1"/>
             <a:r>
-              <a:rPr lang="en-US" dirty="0" smtClean="0"/>
+              <a:rPr lang="en-US" dirty="0"/>
               <a:t>Second level</a:t>
             </a:r>
           </a:p>
           <a:p>
             <a:pPr lvl="2"/>
             <a:r>
-              <a:rPr lang="en-US" dirty="0" smtClean="0"/>
+              <a:rPr lang="en-US" dirty="0"/>
               <a:t>Third level</a:t>
             </a:r>
           </a:p>
           <a:p>
             <a:pPr lvl="3"/>
             <a:r>
-              <a:rPr lang="en-US" dirty="0" smtClean="0"/>
+              <a:rPr lang="en-US" dirty="0"/>
               <a:t>Fourth level</a:t>
             </a:r>
           </a:p>
           <a:p>
             <a:pPr lvl="4"/>
             <a:r>
-              <a:rPr lang="en-US" dirty="0" smtClean="0"/>
+              <a:rPr lang="en-US" dirty="0"/>
               <a:t>Fifth level</a:t>
             </a:r>
             <a:endParaRPr lang="en-IN" dirty="0"/>
@@ -6387,21 +6130,6 @@
   <p:clrMapOvr>
     <a:masterClrMapping/>
   </p:clrMapOvr>
-  <mc:AlternateContent xmlns:mc="http://schemas.openxmlformats.org/markup-compatibility/2006" xmlns:p14="http://schemas.microsoft.com/office/powerpoint/2010/main">
-    <mc:Choice Requires="p14">
-      <p:transition spd="slow" p14:dur="2000"/>
-    </mc:Choice>
-    <mc:Fallback xmlns="">
-      <p:transition spd="slow"/>
-    </mc:Fallback>
-  </mc:AlternateContent>
-  <p:timing>
-    <p:tnLst>
-      <p:par>
-        <p:cTn id="1" dur="indefinite" restart="never" nodeType="tmRoot"/>
-      </p:par>
-    </p:tnLst>
-  </p:timing>
 </p:sldLayout>
 </file>
 
@@ -6438,10 +6166,9 @@
           <a:lstStyle/>
           <a:p>
             <a:r>
-              <a:rPr lang="en-US" dirty="0" smtClean="0"/>
+              <a:rPr lang="en-US" dirty="0"/>
               <a:t>Click to edit Master title style</a:t>
             </a:r>
-            <a:endParaRPr lang="en-US" dirty="0"/>
           </a:p>
         </p:txBody>
       </p:sp>
@@ -6495,38 +6222,37 @@
           <a:p>
             <a:pPr lvl="0"/>
             <a:r>
-              <a:rPr lang="en-US" dirty="0" smtClean="0"/>
+              <a:rPr lang="en-US" dirty="0"/>
               <a:t>Click to edit Master text styles</a:t>
             </a:r>
           </a:p>
           <a:p>
             <a:pPr lvl="1"/>
             <a:r>
-              <a:rPr lang="en-US" dirty="0" smtClean="0"/>
+              <a:rPr lang="en-US" dirty="0"/>
               <a:t>Second level</a:t>
             </a:r>
           </a:p>
           <a:p>
             <a:pPr lvl="2"/>
             <a:r>
-              <a:rPr lang="en-US" dirty="0" smtClean="0"/>
+              <a:rPr lang="en-US" dirty="0"/>
               <a:t>Third level</a:t>
             </a:r>
           </a:p>
           <a:p>
             <a:pPr lvl="3"/>
             <a:r>
-              <a:rPr lang="en-US" dirty="0" smtClean="0"/>
+              <a:rPr lang="en-US" dirty="0"/>
               <a:t>Fourth level</a:t>
             </a:r>
           </a:p>
           <a:p>
             <a:pPr lvl="4"/>
             <a:r>
-              <a:rPr lang="en-US" dirty="0" smtClean="0"/>
+              <a:rPr lang="en-US" dirty="0"/>
               <a:t>Fifth level</a:t>
             </a:r>
-            <a:endParaRPr lang="en-US" dirty="0"/>
           </a:p>
         </p:txBody>
       </p:sp>
@@ -6580,38 +6306,37 @@
           <a:p>
             <a:pPr lvl="0"/>
             <a:r>
-              <a:rPr lang="en-US" dirty="0" smtClean="0"/>
+              <a:rPr lang="en-US" dirty="0"/>
               <a:t>Click to edit Master text styles</a:t>
             </a:r>
           </a:p>
           <a:p>
             <a:pPr lvl="1"/>
             <a:r>
-              <a:rPr lang="en-US" dirty="0" smtClean="0"/>
+              <a:rPr lang="en-US" dirty="0"/>
               <a:t>Second level</a:t>
             </a:r>
           </a:p>
           <a:p>
             <a:pPr lvl="2"/>
             <a:r>
-              <a:rPr lang="en-US" dirty="0" smtClean="0"/>
+              <a:rPr lang="en-US" dirty="0"/>
               <a:t>Third level</a:t>
             </a:r>
           </a:p>
           <a:p>
             <a:pPr lvl="3"/>
             <a:r>
-              <a:rPr lang="en-US" dirty="0" smtClean="0"/>
+              <a:rPr lang="en-US" dirty="0"/>
               <a:t>Fourth level</a:t>
             </a:r>
           </a:p>
           <a:p>
             <a:pPr lvl="4"/>
             <a:r>
-              <a:rPr lang="en-US" dirty="0" smtClean="0"/>
+              <a:rPr lang="en-US" dirty="0"/>
               <a:t>Fifth level</a:t>
             </a:r>
-            <a:endParaRPr lang="en-US" dirty="0"/>
           </a:p>
         </p:txBody>
       </p:sp>
@@ -6656,7 +6381,7 @@
           <a:p>
             <a:fld id="{A9DF6EFB-3F44-496C-A842-1E0B3D3B975A}" type="datetimeFigureOut">
               <a:rPr lang="en-US" smtClean="0"/>
-              <a:t>5/29/2019</a:t>
+              <a:t>11/22/21</a:t>
             </a:fld>
             <a:endParaRPr lang="en-US" dirty="0"/>
           </a:p>
@@ -6735,38 +6460,37 @@
           <a:p>
             <a:pPr lvl="0"/>
             <a:r>
-              <a:rPr lang="en-US" dirty="0" smtClean="0"/>
+              <a:rPr lang="en-US" dirty="0"/>
               <a:t>Click to edit Master text styles</a:t>
             </a:r>
           </a:p>
           <a:p>
             <a:pPr lvl="1"/>
             <a:r>
-              <a:rPr lang="en-US" dirty="0" smtClean="0"/>
+              <a:rPr lang="en-US" dirty="0"/>
               <a:t>Second level</a:t>
             </a:r>
           </a:p>
           <a:p>
             <a:pPr lvl="2"/>
             <a:r>
-              <a:rPr lang="en-US" dirty="0" smtClean="0"/>
+              <a:rPr lang="en-US" dirty="0"/>
               <a:t>Third level</a:t>
             </a:r>
           </a:p>
           <a:p>
             <a:pPr lvl="3"/>
             <a:r>
-              <a:rPr lang="en-US" dirty="0" smtClean="0"/>
+              <a:rPr lang="en-US" dirty="0"/>
               <a:t>Fourth level</a:t>
             </a:r>
           </a:p>
           <a:p>
             <a:pPr lvl="4"/>
             <a:r>
-              <a:rPr lang="en-US" dirty="0" smtClean="0"/>
+              <a:rPr lang="en-US" dirty="0"/>
               <a:t>Fifth level</a:t>
             </a:r>
-            <a:endParaRPr lang="en-US" dirty="0"/>
           </a:p>
         </p:txBody>
       </p:sp>
@@ -6780,21 +6504,6 @@
   <p:clrMapOvr>
     <a:masterClrMapping/>
   </p:clrMapOvr>
-  <mc:AlternateContent xmlns:mc="http://schemas.openxmlformats.org/markup-compatibility/2006" xmlns:p14="http://schemas.microsoft.com/office/powerpoint/2010/main">
-    <mc:Choice Requires="p14">
-      <p:transition spd="slow" p14:dur="2000"/>
-    </mc:Choice>
-    <mc:Fallback xmlns="">
-      <p:transition spd="slow"/>
-    </mc:Fallback>
-  </mc:AlternateContent>
-  <p:timing>
-    <p:tnLst>
-      <p:par>
-        <p:cTn id="1" dur="indefinite" restart="never" nodeType="tmRoot"/>
-      </p:par>
-    </p:tnLst>
-  </p:timing>
 </p:sldLayout>
 </file>
 
@@ -6846,10 +6555,9 @@
           </a:lstStyle>
           <a:p>
             <a:r>
-              <a:rPr lang="en-US" dirty="0" smtClean="0"/>
+              <a:rPr lang="en-US" dirty="0"/>
               <a:t>Click to edit Master title style</a:t>
             </a:r>
-            <a:endParaRPr lang="en-US" dirty="0"/>
           </a:p>
         </p:txBody>
       </p:sp>
@@ -6969,7 +6677,7 @@
           <a:p>
             <a:pPr lvl="0"/>
             <a:r>
-              <a:rPr lang="en-US" dirty="0" smtClean="0"/>
+              <a:rPr lang="en-US" dirty="0"/>
               <a:t>Click to edit Master text styles</a:t>
             </a:r>
           </a:p>
@@ -7016,7 +6724,7 @@
           <a:p>
             <a:fld id="{A9DF6EFB-3F44-496C-A842-1E0B3D3B975A}" type="datetimeFigureOut">
               <a:rPr lang="en-US" smtClean="0"/>
-              <a:t>5/29/2019</a:t>
+              <a:t>11/22/21</a:t>
             </a:fld>
             <a:endParaRPr lang="en-US" dirty="0"/>
           </a:p>
@@ -7055,21 +6763,6 @@
   <p:clrMapOvr>
     <a:masterClrMapping/>
   </p:clrMapOvr>
-  <mc:AlternateContent xmlns:mc="http://schemas.openxmlformats.org/markup-compatibility/2006" xmlns:p14="http://schemas.microsoft.com/office/powerpoint/2010/main">
-    <mc:Choice Requires="p14">
-      <p:transition spd="slow" p14:dur="2000"/>
-    </mc:Choice>
-    <mc:Fallback xmlns="">
-      <p:transition spd="slow"/>
-    </mc:Fallback>
-  </mc:AlternateContent>
-  <p:timing>
-    <p:tnLst>
-      <p:par>
-        <p:cTn id="1" dur="indefinite" restart="never" nodeType="tmRoot"/>
-      </p:par>
-    </p:tnLst>
-  </p:timing>
 </p:sldLayout>
 </file>
 
@@ -7106,10 +6799,9 @@
           <a:lstStyle/>
           <a:p>
             <a:r>
-              <a:rPr lang="en-US" dirty="0" smtClean="0"/>
+              <a:rPr lang="en-US" dirty="0"/>
               <a:t>Click to edit Master title style</a:t>
             </a:r>
-            <a:endParaRPr lang="en-US" dirty="0"/>
           </a:p>
         </p:txBody>
       </p:sp>
@@ -7154,7 +6846,7 @@
           <a:p>
             <a:fld id="{A9DF6EFB-3F44-496C-A842-1E0B3D3B975A}" type="datetimeFigureOut">
               <a:rPr lang="en-US" smtClean="0"/>
-              <a:t>5/29/2019</a:t>
+              <a:t>11/22/21</a:t>
             </a:fld>
             <a:endParaRPr lang="en-US" dirty="0"/>
           </a:p>
@@ -7193,21 +6885,6 @@
   <p:clrMapOvr>
     <a:masterClrMapping/>
   </p:clrMapOvr>
-  <mc:AlternateContent xmlns:mc="http://schemas.openxmlformats.org/markup-compatibility/2006" xmlns:p14="http://schemas.microsoft.com/office/powerpoint/2010/main">
-    <mc:Choice Requires="p14">
-      <p:transition spd="slow" p14:dur="2000"/>
-    </mc:Choice>
-    <mc:Fallback xmlns="">
-      <p:transition spd="slow"/>
-    </mc:Fallback>
-  </mc:AlternateContent>
-  <p:timing>
-    <p:tnLst>
-      <p:par>
-        <p:cTn id="1" dur="indefinite" restart="never" nodeType="tmRoot"/>
-      </p:par>
-    </p:tnLst>
-  </p:timing>
 </p:sldLayout>
 </file>
 
@@ -7278,7 +6955,7 @@
             <a:fld id="{A9DF6EFB-3F44-496C-A842-1E0B3D3B975A}" type="datetimeFigureOut">
               <a:rPr lang="en-US" smtClean="0"/>
               <a:pPr/>
-              <a:t>5/29/2019</a:t>
+              <a:t>11/22/21</a:t>
             </a:fld>
             <a:endParaRPr lang="en-US" dirty="0"/>
           </a:p>
@@ -7356,7 +7033,7 @@
               <a:defRPr/>
             </a:pPr>
             <a:r>
-              <a:rPr lang="en-US" altLang="en-US" sz="1200" dirty="0" smtClean="0">
+              <a:rPr lang="en-US" altLang="en-US" sz="1200" dirty="0">
                 <a:latin typeface="Verdana" panose="020B0604030504040204" pitchFamily="34" charset="0"/>
               </a:rPr>
               <a:t>Copyright © 2020 by Pearson Education, Inc. All Rights Reserved</a:t>
@@ -7404,21 +7081,6 @@
   <p:clrMapOvr>
     <a:masterClrMapping/>
   </p:clrMapOvr>
-  <mc:AlternateContent xmlns:mc="http://schemas.openxmlformats.org/markup-compatibility/2006" xmlns:p14="http://schemas.microsoft.com/office/powerpoint/2010/main">
-    <mc:Choice Requires="p14">
-      <p:transition spd="slow" p14:dur="2000"/>
-    </mc:Choice>
-    <mc:Fallback xmlns="">
-      <p:transition spd="slow"/>
-    </mc:Fallback>
-  </mc:AlternateContent>
-  <p:timing>
-    <p:tnLst>
-      <p:par>
-        <p:cTn id="1" dur="indefinite" restart="never" nodeType="tmRoot"/>
-      </p:par>
-    </p:tnLst>
-  </p:timing>
 </p:sldLayout>
 </file>
 
@@ -7460,10 +7122,9 @@
           <a:lstStyle/>
           <a:p>
             <a:r>
-              <a:rPr lang="en-US" dirty="0" smtClean="0"/>
+              <a:rPr lang="en-US" dirty="0"/>
               <a:t>Click to edit Master title style</a:t>
             </a:r>
-            <a:endParaRPr lang="en-US" dirty="0"/>
           </a:p>
         </p:txBody>
       </p:sp>
@@ -7591,10 +7252,9 @@
           <a:p>
             <a:pPr lvl="0"/>
             <a:r>
-              <a:rPr lang="en-US" dirty="0" smtClean="0"/>
+              <a:rPr lang="en-US" dirty="0"/>
               <a:t>Add edition here</a:t>
             </a:r>
-            <a:endParaRPr lang="en-US" dirty="0"/>
           </a:p>
         </p:txBody>
       </p:sp>
@@ -7686,10 +7346,9 @@
           <a:p>
             <a:pPr lvl="0"/>
             <a:r>
-              <a:rPr lang="en-US" dirty="0" smtClean="0"/>
+              <a:rPr lang="en-US" dirty="0"/>
               <a:t>Chapter ##</a:t>
             </a:r>
-            <a:endParaRPr lang="en-US" dirty="0"/>
           </a:p>
         </p:txBody>
       </p:sp>
@@ -7781,10 +7440,9 @@
           <a:p>
             <a:pPr lvl="0"/>
             <a:r>
-              <a:rPr lang="en-US" dirty="0" smtClean="0"/>
+              <a:rPr lang="en-US" dirty="0"/>
               <a:t>Chapter title</a:t>
             </a:r>
-            <a:endParaRPr lang="en-US" dirty="0"/>
           </a:p>
         </p:txBody>
       </p:sp>
@@ -7810,35 +7468,35 @@
           <a:p>
             <a:pPr lvl="0"/>
             <a:r>
-              <a:rPr lang="en-US" dirty="0" smtClean="0"/>
+              <a:rPr lang="en-US" dirty="0"/>
               <a:t>Edit Master text styles</a:t>
             </a:r>
           </a:p>
           <a:p>
             <a:pPr lvl="1"/>
             <a:r>
-              <a:rPr lang="en-US" dirty="0" smtClean="0"/>
+              <a:rPr lang="en-US" dirty="0"/>
               <a:t>Second level</a:t>
             </a:r>
           </a:p>
           <a:p>
             <a:pPr lvl="2"/>
             <a:r>
-              <a:rPr lang="en-US" dirty="0" smtClean="0"/>
+              <a:rPr lang="en-US" dirty="0"/>
               <a:t>Third level</a:t>
             </a:r>
           </a:p>
           <a:p>
             <a:pPr lvl="3"/>
             <a:r>
-              <a:rPr lang="en-US" dirty="0" smtClean="0"/>
+              <a:rPr lang="en-US" dirty="0"/>
               <a:t>Fourth level</a:t>
             </a:r>
           </a:p>
           <a:p>
             <a:pPr lvl="4"/>
             <a:r>
-              <a:rPr lang="en-US" dirty="0" smtClean="0"/>
+              <a:rPr lang="en-US" dirty="0"/>
               <a:t>Fifth level</a:t>
             </a:r>
             <a:endParaRPr lang="en-IN" dirty="0"/>
@@ -7885,21 +7543,6 @@
   <p:clrMapOvr>
     <a:masterClrMapping/>
   </p:clrMapOvr>
-  <mc:AlternateContent xmlns:mc="http://schemas.openxmlformats.org/markup-compatibility/2006" xmlns:p14="http://schemas.microsoft.com/office/powerpoint/2010/main">
-    <mc:Choice Requires="p14">
-      <p:transition spd="slow" p14:dur="2000"/>
-    </mc:Choice>
-    <mc:Fallback xmlns="">
-      <p:transition spd="slow"/>
-    </mc:Fallback>
-  </mc:AlternateContent>
-  <p:timing>
-    <p:tnLst>
-      <p:par>
-        <p:cTn id="1" dur="indefinite" restart="never" nodeType="tmRoot"/>
-      </p:par>
-    </p:tnLst>
-  </p:timing>
   <p:hf sldNum="0" hdr="0" dt="0"/>
 </p:sldLayout>
 </file>
@@ -7942,10 +7585,9 @@
           <a:lstStyle/>
           <a:p>
             <a:r>
-              <a:rPr lang="en-US" dirty="0" smtClean="0"/>
+              <a:rPr lang="en-US" dirty="0"/>
               <a:t>Click to edit Master title style</a:t>
             </a:r>
-            <a:endParaRPr lang="en-US" dirty="0"/>
           </a:p>
         </p:txBody>
       </p:sp>
@@ -8073,10 +7715,9 @@
           <a:p>
             <a:pPr lvl="0"/>
             <a:r>
-              <a:rPr lang="en-US" dirty="0" smtClean="0"/>
+              <a:rPr lang="en-US" dirty="0"/>
               <a:t>Add edition here</a:t>
             </a:r>
-            <a:endParaRPr lang="en-US" dirty="0"/>
           </a:p>
         </p:txBody>
       </p:sp>
@@ -8168,10 +7809,9 @@
           <a:p>
             <a:pPr lvl="0"/>
             <a:r>
-              <a:rPr lang="en-US" dirty="0" smtClean="0"/>
+              <a:rPr lang="en-US" dirty="0"/>
               <a:t>Chapter ##</a:t>
             </a:r>
-            <a:endParaRPr lang="en-US" dirty="0"/>
           </a:p>
         </p:txBody>
       </p:sp>
@@ -8263,10 +7903,9 @@
           <a:p>
             <a:pPr lvl="0"/>
             <a:r>
-              <a:rPr lang="en-US" dirty="0" smtClean="0"/>
+              <a:rPr lang="en-US" dirty="0"/>
               <a:t>Chapter title</a:t>
             </a:r>
-            <a:endParaRPr lang="en-US" dirty="0"/>
           </a:p>
         </p:txBody>
       </p:sp>
@@ -8312,7 +7951,7 @@
             <a:fld id="{A9DF6EFB-3F44-496C-A842-1E0B3D3B975A}" type="datetimeFigureOut">
               <a:rPr lang="en-US" smtClean="0"/>
               <a:pPr/>
-              <a:t>5/29/2019</a:t>
+              <a:t>11/22/21</a:t>
             </a:fld>
             <a:endParaRPr lang="en-US" dirty="0"/>
           </a:p>
@@ -8382,21 +8021,6 @@
   <p:clrMapOvr>
     <a:masterClrMapping/>
   </p:clrMapOvr>
-  <mc:AlternateContent xmlns:mc="http://schemas.openxmlformats.org/markup-compatibility/2006" xmlns:p14="http://schemas.microsoft.com/office/powerpoint/2010/main">
-    <mc:Choice Requires="p14">
-      <p:transition spd="slow" p14:dur="2000"/>
-    </mc:Choice>
-    <mc:Fallback xmlns="">
-      <p:transition spd="slow"/>
-    </mc:Fallback>
-  </mc:AlternateContent>
-  <p:timing>
-    <p:tnLst>
-      <p:par>
-        <p:cTn id="1" dur="indefinite" restart="never" nodeType="tmRoot"/>
-      </p:par>
-    </p:tnLst>
-  </p:timing>
 </p:sldLayout>
 </file>
 
@@ -8438,10 +8062,9 @@
           <a:lstStyle/>
           <a:p>
             <a:r>
-              <a:rPr lang="en-US" dirty="0" smtClean="0"/>
+              <a:rPr lang="en-US" dirty="0"/>
               <a:t>Click to edit Master title style</a:t>
             </a:r>
-            <a:endParaRPr lang="en-US" dirty="0"/>
           </a:p>
         </p:txBody>
       </p:sp>
@@ -8569,10 +8192,9 @@
           <a:p>
             <a:pPr lvl="0"/>
             <a:r>
-              <a:rPr lang="en-US" dirty="0" smtClean="0"/>
+              <a:rPr lang="en-US" dirty="0"/>
               <a:t>Click to add Learning Objective(s)</a:t>
             </a:r>
-            <a:endParaRPr lang="en-US" dirty="0"/>
           </a:p>
         </p:txBody>
       </p:sp>
@@ -8614,66 +8236,65 @@
           <a:p>
             <a:pPr lvl="0"/>
             <a:r>
-              <a:rPr lang="en-US" dirty="0" smtClean="0"/>
+              <a:rPr lang="en-US" dirty="0"/>
               <a:t>Click to edit Master text styles</a:t>
             </a:r>
           </a:p>
           <a:p>
             <a:pPr lvl="1"/>
             <a:r>
-              <a:rPr lang="en-US" dirty="0" smtClean="0"/>
+              <a:rPr lang="en-US" dirty="0"/>
               <a:t>Second level</a:t>
             </a:r>
           </a:p>
           <a:p>
             <a:pPr lvl="2"/>
             <a:r>
-              <a:rPr lang="en-US" dirty="0" smtClean="0"/>
+              <a:rPr lang="en-US" dirty="0"/>
               <a:t>Third level</a:t>
             </a:r>
           </a:p>
           <a:p>
             <a:pPr lvl="3"/>
             <a:r>
-              <a:rPr lang="en-US" dirty="0" smtClean="0"/>
+              <a:rPr lang="en-US" dirty="0"/>
               <a:t>Fourth level</a:t>
             </a:r>
           </a:p>
           <a:p>
             <a:pPr lvl="4"/>
             <a:r>
-              <a:rPr lang="en-US" dirty="0" smtClean="0"/>
+              <a:rPr lang="en-US" dirty="0"/>
               <a:t>Fifth level</a:t>
             </a:r>
           </a:p>
           <a:p>
             <a:pPr lvl="5"/>
             <a:r>
-              <a:rPr lang="en-US" dirty="0" smtClean="0"/>
+              <a:rPr lang="en-US" dirty="0"/>
               <a:t>Sixth</a:t>
             </a:r>
           </a:p>
           <a:p>
             <a:pPr lvl="6"/>
             <a:r>
-              <a:rPr lang="en-US" dirty="0" smtClean="0"/>
+              <a:rPr lang="en-US" dirty="0"/>
               <a:t>Seventh</a:t>
             </a:r>
           </a:p>
           <a:p>
             <a:pPr lvl="7"/>
             <a:r>
-              <a:rPr lang="en-US" dirty="0" smtClean="0"/>
+              <a:rPr lang="en-US" dirty="0"/>
               <a:t>Eighth</a:t>
             </a:r>
           </a:p>
           <a:p>
             <a:pPr lvl="8"/>
             <a:r>
-              <a:rPr lang="en-US" dirty="0" smtClean="0"/>
+              <a:rPr lang="en-US" dirty="0"/>
               <a:t>Ninth</a:t>
             </a:r>
-            <a:endParaRPr lang="en-US" dirty="0"/>
           </a:p>
         </p:txBody>
       </p:sp>
@@ -8719,7 +8340,7 @@
             <a:fld id="{A9DF6EFB-3F44-496C-A842-1E0B3D3B975A}" type="datetimeFigureOut">
               <a:rPr lang="en-US" smtClean="0"/>
               <a:pPr/>
-              <a:t>5/29/2019</a:t>
+              <a:t>11/22/21</a:t>
             </a:fld>
             <a:endParaRPr lang="en-US" dirty="0"/>
           </a:p>
@@ -8759,21 +8380,6 @@
   <p:clrMapOvr>
     <a:masterClrMapping/>
   </p:clrMapOvr>
-  <mc:AlternateContent xmlns:mc="http://schemas.openxmlformats.org/markup-compatibility/2006" xmlns:p14="http://schemas.microsoft.com/office/powerpoint/2010/main">
-    <mc:Choice Requires="p14">
-      <p:transition spd="slow" p14:dur="2000"/>
-    </mc:Choice>
-    <mc:Fallback xmlns="">
-      <p:transition spd="slow"/>
-    </mc:Fallback>
-  </mc:AlternateContent>
-  <p:timing>
-    <p:tnLst>
-      <p:par>
-        <p:cTn id="1" dur="indefinite" restart="never" nodeType="tmRoot"/>
-      </p:par>
-    </p:tnLst>
-  </p:timing>
 </p:sldLayout>
 </file>
 
@@ -8816,10 +8422,9 @@
           </a:lstStyle>
           <a:p>
             <a:r>
-              <a:rPr lang="en-US" dirty="0" smtClean="0"/>
+              <a:rPr lang="en-US" dirty="0"/>
               <a:t>Click to edit Master title style</a:t>
             </a:r>
-            <a:endParaRPr lang="en-US" dirty="0"/>
           </a:p>
         </p:txBody>
       </p:sp>
@@ -8896,66 +8501,65 @@
           <a:p>
             <a:pPr lvl="0"/>
             <a:r>
-              <a:rPr lang="en-US" dirty="0" smtClean="0"/>
+              <a:rPr lang="en-US" dirty="0"/>
               <a:t>Click to edit Master text styles</a:t>
             </a:r>
           </a:p>
           <a:p>
             <a:pPr lvl="1"/>
             <a:r>
-              <a:rPr lang="en-US" dirty="0" smtClean="0"/>
+              <a:rPr lang="en-US" dirty="0"/>
               <a:t>Second level</a:t>
             </a:r>
           </a:p>
           <a:p>
             <a:pPr lvl="2"/>
             <a:r>
-              <a:rPr lang="en-US" dirty="0" smtClean="0"/>
+              <a:rPr lang="en-US" dirty="0"/>
               <a:t>Third level</a:t>
             </a:r>
           </a:p>
           <a:p>
             <a:pPr lvl="3"/>
             <a:r>
-              <a:rPr lang="en-US" dirty="0" smtClean="0"/>
+              <a:rPr lang="en-US" dirty="0"/>
               <a:t>Fourth level</a:t>
             </a:r>
           </a:p>
           <a:p>
             <a:pPr lvl="4"/>
             <a:r>
-              <a:rPr lang="en-US" dirty="0" smtClean="0"/>
+              <a:rPr lang="en-US" dirty="0"/>
               <a:t>Fifth level</a:t>
             </a:r>
           </a:p>
           <a:p>
             <a:pPr lvl="5"/>
             <a:r>
-              <a:rPr lang="en-US" dirty="0" smtClean="0"/>
+              <a:rPr lang="en-US" dirty="0"/>
               <a:t>Sixth</a:t>
             </a:r>
           </a:p>
           <a:p>
             <a:pPr lvl="6"/>
             <a:r>
-              <a:rPr lang="en-US" dirty="0" smtClean="0"/>
+              <a:rPr lang="en-US" dirty="0"/>
               <a:t>Seventh</a:t>
             </a:r>
           </a:p>
           <a:p>
             <a:pPr lvl="7"/>
             <a:r>
-              <a:rPr lang="en-US" dirty="0" smtClean="0"/>
+              <a:rPr lang="en-US" dirty="0"/>
               <a:t>Eighth</a:t>
             </a:r>
           </a:p>
           <a:p>
             <a:pPr lvl="8"/>
             <a:r>
-              <a:rPr lang="en-US" dirty="0" smtClean="0"/>
+              <a:rPr lang="en-US" dirty="0"/>
               <a:t>Ninth</a:t>
             </a:r>
-            <a:endParaRPr lang="en-US" dirty="0"/>
           </a:p>
         </p:txBody>
       </p:sp>
@@ -9006,7 +8610,7 @@
             <a:fld id="{A9DF6EFB-3F44-496C-A842-1E0B3D3B975A}" type="datetimeFigureOut">
               <a:rPr lang="en-US" smtClean="0"/>
               <a:pPr/>
-              <a:t>5/29/2019</a:t>
+              <a:t>11/22/21</a:t>
             </a:fld>
             <a:endParaRPr lang="en-US" dirty="0"/>
           </a:p>
@@ -9051,21 +8655,6 @@
   <p:clrMapOvr>
     <a:masterClrMapping/>
   </p:clrMapOvr>
-  <mc:AlternateContent xmlns:mc="http://schemas.openxmlformats.org/markup-compatibility/2006" xmlns:p14="http://schemas.microsoft.com/office/powerpoint/2010/main">
-    <mc:Choice Requires="p14">
-      <p:transition spd="slow" p14:dur="2000"/>
-    </mc:Choice>
-    <mc:Fallback xmlns="">
-      <p:transition spd="slow"/>
-    </mc:Fallback>
-  </mc:AlternateContent>
-  <p:timing>
-    <p:tnLst>
-      <p:par>
-        <p:cTn id="1" dur="indefinite" restart="never" nodeType="tmRoot"/>
-      </p:par>
-    </p:tnLst>
-  </p:timing>
 </p:sldLayout>
 </file>
 
@@ -9102,10 +8691,9 @@
           <a:lstStyle/>
           <a:p>
             <a:r>
-              <a:rPr lang="en-US" smtClean="0"/>
+              <a:rPr lang="en-US"/>
               <a:t>Click to edit Master title style</a:t>
             </a:r>
-            <a:endParaRPr lang="en-US"/>
           </a:p>
         </p:txBody>
       </p:sp>
@@ -9182,66 +8770,65 @@
           <a:p>
             <a:pPr lvl="0"/>
             <a:r>
-              <a:rPr lang="en-US" dirty="0" smtClean="0"/>
+              <a:rPr lang="en-US" dirty="0"/>
               <a:t>Click to edit Master text styles</a:t>
             </a:r>
           </a:p>
           <a:p>
             <a:pPr lvl="1"/>
             <a:r>
-              <a:rPr lang="en-US" dirty="0" smtClean="0"/>
+              <a:rPr lang="en-US" dirty="0"/>
               <a:t>Second level</a:t>
             </a:r>
           </a:p>
           <a:p>
             <a:pPr lvl="2"/>
             <a:r>
-              <a:rPr lang="en-US" dirty="0" smtClean="0"/>
+              <a:rPr lang="en-US" dirty="0"/>
               <a:t>Third level</a:t>
             </a:r>
           </a:p>
           <a:p>
             <a:pPr lvl="3"/>
             <a:r>
-              <a:rPr lang="en-US" dirty="0" smtClean="0"/>
+              <a:rPr lang="en-US" dirty="0"/>
               <a:t>Fourth level</a:t>
             </a:r>
           </a:p>
           <a:p>
             <a:pPr lvl="4"/>
             <a:r>
-              <a:rPr lang="en-US" dirty="0" smtClean="0"/>
+              <a:rPr lang="en-US" dirty="0"/>
               <a:t>Fifth level</a:t>
             </a:r>
           </a:p>
           <a:p>
             <a:pPr lvl="5"/>
             <a:r>
-              <a:rPr lang="en-US" dirty="0" smtClean="0"/>
+              <a:rPr lang="en-US" dirty="0"/>
               <a:t>Sixth</a:t>
             </a:r>
           </a:p>
           <a:p>
             <a:pPr lvl="6"/>
             <a:r>
-              <a:rPr lang="en-US" dirty="0" smtClean="0"/>
+              <a:rPr lang="en-US" dirty="0"/>
               <a:t>Seventh</a:t>
             </a:r>
           </a:p>
           <a:p>
             <a:pPr lvl="7"/>
             <a:r>
-              <a:rPr lang="en-US" dirty="0" smtClean="0"/>
+              <a:rPr lang="en-US" dirty="0"/>
               <a:t>Eighth</a:t>
             </a:r>
           </a:p>
           <a:p>
             <a:pPr lvl="8"/>
             <a:r>
-              <a:rPr lang="en-US" dirty="0" smtClean="0"/>
+              <a:rPr lang="en-US" dirty="0"/>
               <a:t>Ninth</a:t>
             </a:r>
-            <a:endParaRPr lang="en-US" dirty="0"/>
           </a:p>
         </p:txBody>
       </p:sp>
@@ -9286,7 +8873,7 @@
           <a:p>
             <a:fld id="{A9DF6EFB-3F44-496C-A842-1E0B3D3B975A}" type="datetimeFigureOut">
               <a:rPr lang="en-US" smtClean="0"/>
-              <a:t>5/29/2019</a:t>
+              <a:t>11/22/21</a:t>
             </a:fld>
             <a:endParaRPr lang="en-US" dirty="0"/>
           </a:p>
@@ -9325,21 +8912,6 @@
   <p:clrMapOvr>
     <a:masterClrMapping/>
   </p:clrMapOvr>
-  <mc:AlternateContent xmlns:mc="http://schemas.openxmlformats.org/markup-compatibility/2006" xmlns:p14="http://schemas.microsoft.com/office/powerpoint/2010/main">
-    <mc:Choice Requires="p14">
-      <p:transition spd="slow" p14:dur="2000"/>
-    </mc:Choice>
-    <mc:Fallback xmlns="">
-      <p:transition spd="slow"/>
-    </mc:Fallback>
-  </mc:AlternateContent>
-  <p:timing>
-    <p:tnLst>
-      <p:par>
-        <p:cTn id="1" dur="indefinite" restart="never" nodeType="tmRoot"/>
-      </p:par>
-    </p:tnLst>
-  </p:timing>
 </p:sldLayout>
 </file>
 
@@ -9389,10 +8961,9 @@
           </a:lstStyle>
           <a:p>
             <a:r>
-              <a:rPr lang="en-US" dirty="0" smtClean="0"/>
+              <a:rPr lang="en-US" dirty="0"/>
               <a:t>Click to add figure number and title</a:t>
             </a:r>
-            <a:endParaRPr lang="en-US" dirty="0"/>
           </a:p>
         </p:txBody>
       </p:sp>
@@ -9482,10 +9053,9 @@
           <a:p>
             <a:pPr lvl="0"/>
             <a:r>
-              <a:rPr lang="en-US" dirty="0" smtClean="0"/>
+              <a:rPr lang="en-US" dirty="0"/>
               <a:t>Click to add caption</a:t>
             </a:r>
-            <a:endParaRPr lang="en-US" dirty="0"/>
           </a:p>
         </p:txBody>
       </p:sp>
@@ -9539,7 +9109,7 @@
             <a:fld id="{A9DF6EFB-3F44-496C-A842-1E0B3D3B975A}" type="datetimeFigureOut">
               <a:rPr lang="en-US" smtClean="0"/>
               <a:pPr/>
-              <a:t>5/29/2019</a:t>
+              <a:t>11/22/21</a:t>
             </a:fld>
             <a:endParaRPr lang="en-US" dirty="0"/>
           </a:p>
@@ -9617,7 +9187,7 @@
               <a:defRPr/>
             </a:pPr>
             <a:r>
-              <a:rPr lang="en-US" altLang="en-US" sz="1200" dirty="0" smtClean="0">
+              <a:rPr lang="en-US" altLang="en-US" sz="1200" dirty="0">
                 <a:latin typeface="Verdana" panose="020B0604030504040204" pitchFamily="34" charset="0"/>
               </a:rPr>
               <a:t>Copyright © 2020 by Pearson Education, Inc. All Rights Reserved</a:t>
@@ -9665,21 +9235,6 @@
   <p:clrMapOvr>
     <a:masterClrMapping/>
   </p:clrMapOvr>
-  <mc:AlternateContent xmlns:mc="http://schemas.openxmlformats.org/markup-compatibility/2006" xmlns:p14="http://schemas.microsoft.com/office/powerpoint/2010/main">
-    <mc:Choice Requires="p14">
-      <p:transition spd="slow" p14:dur="2000"/>
-    </mc:Choice>
-    <mc:Fallback xmlns="">
-      <p:transition spd="slow"/>
-    </mc:Fallback>
-  </mc:AlternateContent>
-  <p:timing>
-    <p:tnLst>
-      <p:par>
-        <p:cTn id="1" dur="indefinite" restart="never" nodeType="tmRoot"/>
-      </p:par>
-    </p:tnLst>
-  </p:timing>
 </p:sldLayout>
 </file>
 
@@ -9716,10 +9271,9 @@
           <a:lstStyle/>
           <a:p>
             <a:r>
-              <a:rPr lang="en-US" dirty="0" smtClean="0"/>
+              <a:rPr lang="en-US" dirty="0"/>
               <a:t>Click to edit Master title style</a:t>
             </a:r>
-            <a:endParaRPr lang="en-US" dirty="0"/>
           </a:p>
         </p:txBody>
       </p:sp>
@@ -9773,38 +9327,37 @@
           <a:p>
             <a:pPr lvl="0"/>
             <a:r>
-              <a:rPr lang="en-US" dirty="0" smtClean="0"/>
+              <a:rPr lang="en-US" dirty="0"/>
               <a:t>Click to edit Master text styles</a:t>
             </a:r>
           </a:p>
           <a:p>
             <a:pPr lvl="1"/>
             <a:r>
-              <a:rPr lang="en-US" dirty="0" smtClean="0"/>
+              <a:rPr lang="en-US" dirty="0"/>
               <a:t>Second level</a:t>
             </a:r>
           </a:p>
           <a:p>
             <a:pPr lvl="2"/>
             <a:r>
-              <a:rPr lang="en-US" dirty="0" smtClean="0"/>
+              <a:rPr lang="en-US" dirty="0"/>
               <a:t>Third level</a:t>
             </a:r>
           </a:p>
           <a:p>
             <a:pPr lvl="3"/>
             <a:r>
-              <a:rPr lang="en-US" dirty="0" smtClean="0"/>
+              <a:rPr lang="en-US" dirty="0"/>
               <a:t>Fourth level</a:t>
             </a:r>
           </a:p>
           <a:p>
             <a:pPr lvl="4"/>
             <a:r>
-              <a:rPr lang="en-US" dirty="0" smtClean="0"/>
+              <a:rPr lang="en-US" dirty="0"/>
               <a:t>Fifth level</a:t>
             </a:r>
-            <a:endParaRPr lang="en-US" dirty="0"/>
           </a:p>
         </p:txBody>
       </p:sp>
@@ -9858,38 +9411,37 @@
           <a:p>
             <a:pPr lvl="0"/>
             <a:r>
-              <a:rPr lang="en-US" dirty="0" smtClean="0"/>
+              <a:rPr lang="en-US" dirty="0"/>
               <a:t>Click to edit Master text styles</a:t>
             </a:r>
           </a:p>
           <a:p>
             <a:pPr lvl="1"/>
             <a:r>
-              <a:rPr lang="en-US" dirty="0" smtClean="0"/>
+              <a:rPr lang="en-US" dirty="0"/>
               <a:t>Second level</a:t>
             </a:r>
           </a:p>
           <a:p>
             <a:pPr lvl="2"/>
             <a:r>
-              <a:rPr lang="en-US" dirty="0" smtClean="0"/>
+              <a:rPr lang="en-US" dirty="0"/>
               <a:t>Third level</a:t>
             </a:r>
           </a:p>
           <a:p>
             <a:pPr lvl="3"/>
             <a:r>
-              <a:rPr lang="en-US" dirty="0" smtClean="0"/>
+              <a:rPr lang="en-US" dirty="0"/>
               <a:t>Fourth level</a:t>
             </a:r>
           </a:p>
           <a:p>
             <a:pPr lvl="4"/>
             <a:r>
-              <a:rPr lang="en-US" dirty="0" smtClean="0"/>
+              <a:rPr lang="en-US" dirty="0"/>
               <a:t>Fifth level</a:t>
             </a:r>
-            <a:endParaRPr lang="en-US" dirty="0"/>
           </a:p>
         </p:txBody>
       </p:sp>
@@ -9934,7 +9486,7 @@
           <a:p>
             <a:fld id="{A9DF6EFB-3F44-496C-A842-1E0B3D3B975A}" type="datetimeFigureOut">
               <a:rPr lang="en-US" smtClean="0"/>
-              <a:t>5/29/2019</a:t>
+              <a:t>11/22/21</a:t>
             </a:fld>
             <a:endParaRPr lang="en-US" dirty="0"/>
           </a:p>
@@ -10013,38 +9565,37 @@
           <a:p>
             <a:pPr lvl="0"/>
             <a:r>
-              <a:rPr lang="en-US" dirty="0" smtClean="0"/>
+              <a:rPr lang="en-US" dirty="0"/>
               <a:t>Click to edit Master text styles</a:t>
             </a:r>
           </a:p>
           <a:p>
             <a:pPr lvl="1"/>
             <a:r>
-              <a:rPr lang="en-US" dirty="0" smtClean="0"/>
+              <a:rPr lang="en-US" dirty="0"/>
               <a:t>Second level</a:t>
             </a:r>
           </a:p>
           <a:p>
             <a:pPr lvl="2"/>
             <a:r>
-              <a:rPr lang="en-US" dirty="0" smtClean="0"/>
+              <a:rPr lang="en-US" dirty="0"/>
               <a:t>Third level</a:t>
             </a:r>
           </a:p>
           <a:p>
             <a:pPr lvl="3"/>
             <a:r>
-              <a:rPr lang="en-US" dirty="0" smtClean="0"/>
+              <a:rPr lang="en-US" dirty="0"/>
               <a:t>Fourth level</a:t>
             </a:r>
           </a:p>
           <a:p>
             <a:pPr lvl="4"/>
             <a:r>
-              <a:rPr lang="en-US" dirty="0" smtClean="0"/>
+              <a:rPr lang="en-US" dirty="0"/>
               <a:t>Fifth level</a:t>
             </a:r>
-            <a:endParaRPr lang="en-US" dirty="0"/>
           </a:p>
         </p:txBody>
       </p:sp>
@@ -10098,38 +9649,37 @@
           <a:p>
             <a:pPr lvl="0"/>
             <a:r>
-              <a:rPr lang="en-US" dirty="0" smtClean="0"/>
+              <a:rPr lang="en-US" dirty="0"/>
               <a:t>Click to edit Master text styles</a:t>
             </a:r>
           </a:p>
           <a:p>
             <a:pPr lvl="1"/>
             <a:r>
-              <a:rPr lang="en-US" dirty="0" smtClean="0"/>
+              <a:rPr lang="en-US" dirty="0"/>
               <a:t>Second level</a:t>
             </a:r>
           </a:p>
           <a:p>
             <a:pPr lvl="2"/>
             <a:r>
-              <a:rPr lang="en-US" dirty="0" smtClean="0"/>
+              <a:rPr lang="en-US" dirty="0"/>
               <a:t>Third level</a:t>
             </a:r>
           </a:p>
           <a:p>
             <a:pPr lvl="3"/>
             <a:r>
-              <a:rPr lang="en-US" dirty="0" smtClean="0"/>
+              <a:rPr lang="en-US" dirty="0"/>
               <a:t>Fourth level</a:t>
             </a:r>
           </a:p>
           <a:p>
             <a:pPr lvl="4"/>
             <a:r>
-              <a:rPr lang="en-US" dirty="0" smtClean="0"/>
+              <a:rPr lang="en-US" dirty="0"/>
               <a:t>Fifth level</a:t>
             </a:r>
-            <a:endParaRPr lang="en-US" dirty="0"/>
           </a:p>
         </p:txBody>
       </p:sp>
@@ -10183,38 +9733,37 @@
           <a:p>
             <a:pPr lvl="0"/>
             <a:r>
-              <a:rPr lang="en-US" dirty="0" smtClean="0"/>
+              <a:rPr lang="en-US" dirty="0"/>
               <a:t>Click to edit Master text styles</a:t>
             </a:r>
           </a:p>
           <a:p>
             <a:pPr lvl="1"/>
             <a:r>
-              <a:rPr lang="en-US" dirty="0" smtClean="0"/>
+              <a:rPr lang="en-US" dirty="0"/>
               <a:t>Second level</a:t>
             </a:r>
           </a:p>
           <a:p>
             <a:pPr lvl="2"/>
             <a:r>
-              <a:rPr lang="en-US" dirty="0" smtClean="0"/>
+              <a:rPr lang="en-US" dirty="0"/>
               <a:t>Third level</a:t>
             </a:r>
           </a:p>
           <a:p>
             <a:pPr lvl="3"/>
             <a:r>
-              <a:rPr lang="en-US" dirty="0" smtClean="0"/>
+              <a:rPr lang="en-US" dirty="0"/>
               <a:t>Fourth level</a:t>
             </a:r>
           </a:p>
           <a:p>
             <a:pPr lvl="4"/>
             <a:r>
-              <a:rPr lang="en-US" dirty="0" smtClean="0"/>
+              <a:rPr lang="en-US" dirty="0"/>
               <a:t>Fifth level</a:t>
             </a:r>
-            <a:endParaRPr lang="en-US" dirty="0"/>
           </a:p>
         </p:txBody>
       </p:sp>
@@ -10268,38 +9817,37 @@
           <a:p>
             <a:pPr lvl="0"/>
             <a:r>
-              <a:rPr lang="en-US" dirty="0" smtClean="0"/>
+              <a:rPr lang="en-US" dirty="0"/>
               <a:t>Click to edit Master text styles</a:t>
             </a:r>
           </a:p>
           <a:p>
             <a:pPr lvl="1"/>
             <a:r>
-              <a:rPr lang="en-US" dirty="0" smtClean="0"/>
+              <a:rPr lang="en-US" dirty="0"/>
               <a:t>Second level</a:t>
             </a:r>
           </a:p>
           <a:p>
             <a:pPr lvl="2"/>
             <a:r>
-              <a:rPr lang="en-US" dirty="0" smtClean="0"/>
+              <a:rPr lang="en-US" dirty="0"/>
               <a:t>Third level</a:t>
             </a:r>
           </a:p>
           <a:p>
             <a:pPr lvl="3"/>
             <a:r>
-              <a:rPr lang="en-US" dirty="0" smtClean="0"/>
+              <a:rPr lang="en-US" dirty="0"/>
               <a:t>Fourth level</a:t>
             </a:r>
           </a:p>
           <a:p>
             <a:pPr lvl="4"/>
             <a:r>
-              <a:rPr lang="en-US" dirty="0" smtClean="0"/>
+              <a:rPr lang="en-US" dirty="0"/>
               <a:t>Fifth level</a:t>
             </a:r>
-            <a:endParaRPr lang="en-US" dirty="0"/>
           </a:p>
         </p:txBody>
       </p:sp>
@@ -10313,21 +9861,6 @@
   <p:clrMapOvr>
     <a:masterClrMapping/>
   </p:clrMapOvr>
-  <mc:AlternateContent xmlns:mc="http://schemas.openxmlformats.org/markup-compatibility/2006" xmlns:p14="http://schemas.microsoft.com/office/powerpoint/2010/main">
-    <mc:Choice Requires="p14">
-      <p:transition spd="slow" p14:dur="2000"/>
-    </mc:Choice>
-    <mc:Fallback xmlns="">
-      <p:transition spd="slow"/>
-    </mc:Fallback>
-  </mc:AlternateContent>
-  <p:timing>
-    <p:tnLst>
-      <p:par>
-        <p:cTn id="1" dur="indefinite" restart="never" nodeType="tmRoot"/>
-      </p:par>
-    </p:tnLst>
-  </p:timing>
 </p:sldLayout>
 </file>
 
@@ -10364,10 +9897,9 @@
           <a:lstStyle/>
           <a:p>
             <a:r>
-              <a:rPr lang="en-US" dirty="0" smtClean="0"/>
+              <a:rPr lang="en-US" dirty="0"/>
               <a:t>Click to edit Master title style</a:t>
             </a:r>
-            <a:endParaRPr lang="en-US" dirty="0"/>
           </a:p>
         </p:txBody>
       </p:sp>
@@ -10421,38 +9953,37 @@
           <a:p>
             <a:pPr lvl="0"/>
             <a:r>
-              <a:rPr lang="en-US" dirty="0" smtClean="0"/>
+              <a:rPr lang="en-US" dirty="0"/>
               <a:t>Click to edit Master text styles</a:t>
             </a:r>
           </a:p>
           <a:p>
             <a:pPr lvl="1"/>
             <a:r>
-              <a:rPr lang="en-US" dirty="0" smtClean="0"/>
+              <a:rPr lang="en-US" dirty="0"/>
               <a:t>Second level</a:t>
             </a:r>
           </a:p>
           <a:p>
             <a:pPr lvl="2"/>
             <a:r>
-              <a:rPr lang="en-US" dirty="0" smtClean="0"/>
+              <a:rPr lang="en-US" dirty="0"/>
               <a:t>Third level</a:t>
             </a:r>
           </a:p>
           <a:p>
             <a:pPr lvl="3"/>
             <a:r>
-              <a:rPr lang="en-US" dirty="0" smtClean="0"/>
+              <a:rPr lang="en-US" dirty="0"/>
               <a:t>Fourth level</a:t>
             </a:r>
           </a:p>
           <a:p>
             <a:pPr lvl="4"/>
             <a:r>
-              <a:rPr lang="en-US" dirty="0" smtClean="0"/>
+              <a:rPr lang="en-US" dirty="0"/>
               <a:t>Fifth level</a:t>
             </a:r>
-            <a:endParaRPr lang="en-US" dirty="0"/>
           </a:p>
         </p:txBody>
       </p:sp>
@@ -10506,38 +10037,37 @@
           <a:p>
             <a:pPr lvl="0"/>
             <a:r>
-              <a:rPr lang="en-US" dirty="0" smtClean="0"/>
+              <a:rPr lang="en-US" dirty="0"/>
               <a:t>Click to edit Master text styles</a:t>
             </a:r>
           </a:p>
           <a:p>
             <a:pPr lvl="1"/>
             <a:r>
-              <a:rPr lang="en-US" dirty="0" smtClean="0"/>
+              <a:rPr lang="en-US" dirty="0"/>
               <a:t>Second level</a:t>
             </a:r>
           </a:p>
           <a:p>
             <a:pPr lvl="2"/>
             <a:r>
-              <a:rPr lang="en-US" dirty="0" smtClean="0"/>
+              <a:rPr lang="en-US" dirty="0"/>
               <a:t>Third level</a:t>
             </a:r>
           </a:p>
           <a:p>
             <a:pPr lvl="3"/>
             <a:r>
-              <a:rPr lang="en-US" dirty="0" smtClean="0"/>
+              <a:rPr lang="en-US" dirty="0"/>
               <a:t>Fourth level</a:t>
             </a:r>
           </a:p>
           <a:p>
             <a:pPr lvl="4"/>
             <a:r>
-              <a:rPr lang="en-US" dirty="0" smtClean="0"/>
+              <a:rPr lang="en-US" dirty="0"/>
               <a:t>Fifth level</a:t>
             </a:r>
-            <a:endParaRPr lang="en-US" dirty="0"/>
           </a:p>
         </p:txBody>
       </p:sp>
@@ -10582,7 +10112,7 @@
           <a:p>
             <a:fld id="{A9DF6EFB-3F44-496C-A842-1E0B3D3B975A}" type="datetimeFigureOut">
               <a:rPr lang="en-US" smtClean="0"/>
-              <a:t>5/29/2019</a:t>
+              <a:t>11/22/21</a:t>
             </a:fld>
             <a:endParaRPr lang="en-US" dirty="0"/>
           </a:p>
@@ -10661,38 +10191,37 @@
           <a:p>
             <a:pPr lvl="0"/>
             <a:r>
-              <a:rPr lang="en-US" dirty="0" smtClean="0"/>
+              <a:rPr lang="en-US" dirty="0"/>
               <a:t>Click to edit Master text styles</a:t>
             </a:r>
           </a:p>
           <a:p>
             <a:pPr lvl="1"/>
             <a:r>
-              <a:rPr lang="en-US" dirty="0" smtClean="0"/>
+              <a:rPr lang="en-US" dirty="0"/>
               <a:t>Second level</a:t>
             </a:r>
           </a:p>
           <a:p>
             <a:pPr lvl="2"/>
             <a:r>
-              <a:rPr lang="en-US" dirty="0" smtClean="0"/>
+              <a:rPr lang="en-US" dirty="0"/>
               <a:t>Third level</a:t>
             </a:r>
           </a:p>
           <a:p>
             <a:pPr lvl="3"/>
             <a:r>
-              <a:rPr lang="en-US" dirty="0" smtClean="0"/>
+              <a:rPr lang="en-US" dirty="0"/>
               <a:t>Fourth level</a:t>
             </a:r>
           </a:p>
           <a:p>
             <a:pPr lvl="4"/>
             <a:r>
-              <a:rPr lang="en-US" dirty="0" smtClean="0"/>
+              <a:rPr lang="en-US" dirty="0"/>
               <a:t>Fifth level</a:t>
             </a:r>
-            <a:endParaRPr lang="en-US" dirty="0"/>
           </a:p>
         </p:txBody>
       </p:sp>
@@ -10746,38 +10275,37 @@
           <a:p>
             <a:pPr lvl="0"/>
             <a:r>
-              <a:rPr lang="en-US" dirty="0" smtClean="0"/>
+              <a:rPr lang="en-US" dirty="0"/>
               <a:t>Click to edit Master text styles</a:t>
             </a:r>
           </a:p>
           <a:p>
             <a:pPr lvl="1"/>
             <a:r>
-              <a:rPr lang="en-US" dirty="0" smtClean="0"/>
+              <a:rPr lang="en-US" dirty="0"/>
               <a:t>Second level</a:t>
             </a:r>
           </a:p>
           <a:p>
             <a:pPr lvl="2"/>
             <a:r>
-              <a:rPr lang="en-US" dirty="0" smtClean="0"/>
+              <a:rPr lang="en-US" dirty="0"/>
               <a:t>Third level</a:t>
             </a:r>
           </a:p>
           <a:p>
             <a:pPr lvl="3"/>
             <a:r>
-              <a:rPr lang="en-US" dirty="0" smtClean="0"/>
+              <a:rPr lang="en-US" dirty="0"/>
               <a:t>Fourth level</a:t>
             </a:r>
           </a:p>
           <a:p>
             <a:pPr lvl="4"/>
             <a:r>
-              <a:rPr lang="en-US" dirty="0" smtClean="0"/>
+              <a:rPr lang="en-US" dirty="0"/>
               <a:t>Fifth level</a:t>
             </a:r>
-            <a:endParaRPr lang="en-US" dirty="0"/>
           </a:p>
         </p:txBody>
       </p:sp>
@@ -10831,38 +10359,37 @@
           <a:p>
             <a:pPr lvl="0"/>
             <a:r>
-              <a:rPr lang="en-US" dirty="0" smtClean="0"/>
+              <a:rPr lang="en-US" dirty="0"/>
               <a:t>Click to edit Master text styles</a:t>
             </a:r>
           </a:p>
           <a:p>
             <a:pPr lvl="1"/>
             <a:r>
-              <a:rPr lang="en-US" dirty="0" smtClean="0"/>
+              <a:rPr lang="en-US" dirty="0"/>
               <a:t>Second level</a:t>
             </a:r>
           </a:p>
           <a:p>
             <a:pPr lvl="2"/>
             <a:r>
-              <a:rPr lang="en-US" dirty="0" smtClean="0"/>
+              <a:rPr lang="en-US" dirty="0"/>
               <a:t>Third level</a:t>
             </a:r>
           </a:p>
           <a:p>
             <a:pPr lvl="3"/>
             <a:r>
-              <a:rPr lang="en-US" dirty="0" smtClean="0"/>
+              <a:rPr lang="en-US" dirty="0"/>
               <a:t>Fourth level</a:t>
             </a:r>
           </a:p>
           <a:p>
             <a:pPr lvl="4"/>
             <a:r>
-              <a:rPr lang="en-US" dirty="0" smtClean="0"/>
+              <a:rPr lang="en-US" dirty="0"/>
               <a:t>Fifth level</a:t>
             </a:r>
-            <a:endParaRPr lang="en-US" dirty="0"/>
           </a:p>
         </p:txBody>
       </p:sp>
@@ -10916,38 +10443,37 @@
           <a:p>
             <a:pPr lvl="0"/>
             <a:r>
-              <a:rPr lang="en-US" dirty="0" smtClean="0"/>
+              <a:rPr lang="en-US" dirty="0"/>
               <a:t>Click to edit Master text styles</a:t>
             </a:r>
           </a:p>
           <a:p>
             <a:pPr lvl="1"/>
             <a:r>
-              <a:rPr lang="en-US" dirty="0" smtClean="0"/>
+              <a:rPr lang="en-US" dirty="0"/>
               <a:t>Second level</a:t>
             </a:r>
           </a:p>
           <a:p>
             <a:pPr lvl="2"/>
             <a:r>
-              <a:rPr lang="en-US" dirty="0" smtClean="0"/>
+              <a:rPr lang="en-US" dirty="0"/>
               <a:t>Third level</a:t>
             </a:r>
           </a:p>
           <a:p>
             <a:pPr lvl="3"/>
             <a:r>
-              <a:rPr lang="en-US" dirty="0" smtClean="0"/>
+              <a:rPr lang="en-US" dirty="0"/>
               <a:t>Fourth level</a:t>
             </a:r>
           </a:p>
           <a:p>
             <a:pPr lvl="4"/>
             <a:r>
-              <a:rPr lang="en-US" dirty="0" smtClean="0"/>
+              <a:rPr lang="en-US" dirty="0"/>
               <a:t>Fifth level</a:t>
             </a:r>
-            <a:endParaRPr lang="en-US" dirty="0"/>
           </a:p>
         </p:txBody>
       </p:sp>
@@ -11001,38 +10527,37 @@
           <a:p>
             <a:pPr lvl="0"/>
             <a:r>
-              <a:rPr lang="en-US" dirty="0" smtClean="0"/>
+              <a:rPr lang="en-US" dirty="0"/>
               <a:t>Click to edit Master text styles</a:t>
             </a:r>
           </a:p>
           <a:p>
             <a:pPr lvl="1"/>
             <a:r>
-              <a:rPr lang="en-US" dirty="0" smtClean="0"/>
+              <a:rPr lang="en-US" dirty="0"/>
               <a:t>Second level</a:t>
             </a:r>
           </a:p>
           <a:p>
             <a:pPr lvl="2"/>
             <a:r>
-              <a:rPr lang="en-US" dirty="0" smtClean="0"/>
+              <a:rPr lang="en-US" dirty="0"/>
               <a:t>Third level</a:t>
             </a:r>
           </a:p>
           <a:p>
             <a:pPr lvl="3"/>
             <a:r>
-              <a:rPr lang="en-US" dirty="0" smtClean="0"/>
+              <a:rPr lang="en-US" dirty="0"/>
               <a:t>Fourth level</a:t>
             </a:r>
           </a:p>
           <a:p>
             <a:pPr lvl="4"/>
             <a:r>
-              <a:rPr lang="en-US" dirty="0" smtClean="0"/>
+              <a:rPr lang="en-US" dirty="0"/>
               <a:t>Fifth level</a:t>
             </a:r>
-            <a:endParaRPr lang="en-US" dirty="0"/>
           </a:p>
         </p:txBody>
       </p:sp>
@@ -11086,38 +10611,37 @@
           <a:p>
             <a:pPr lvl="0"/>
             <a:r>
-              <a:rPr lang="en-US" dirty="0" smtClean="0"/>
+              <a:rPr lang="en-US" dirty="0"/>
               <a:t>Click to edit Master text styles</a:t>
             </a:r>
           </a:p>
           <a:p>
             <a:pPr lvl="1"/>
             <a:r>
-              <a:rPr lang="en-US" dirty="0" smtClean="0"/>
+              <a:rPr lang="en-US" dirty="0"/>
               <a:t>Second level</a:t>
             </a:r>
           </a:p>
           <a:p>
             <a:pPr lvl="2"/>
             <a:r>
-              <a:rPr lang="en-US" dirty="0" smtClean="0"/>
+              <a:rPr lang="en-US" dirty="0"/>
               <a:t>Third level</a:t>
             </a:r>
           </a:p>
           <a:p>
             <a:pPr lvl="3"/>
             <a:r>
-              <a:rPr lang="en-US" dirty="0" smtClean="0"/>
+              <a:rPr lang="en-US" dirty="0"/>
               <a:t>Fourth level</a:t>
             </a:r>
           </a:p>
           <a:p>
             <a:pPr lvl="4"/>
             <a:r>
-              <a:rPr lang="en-US" dirty="0" smtClean="0"/>
+              <a:rPr lang="en-US" dirty="0"/>
               <a:t>Fifth level</a:t>
             </a:r>
-            <a:endParaRPr lang="en-US" dirty="0"/>
           </a:p>
         </p:txBody>
       </p:sp>
@@ -11171,38 +10695,37 @@
           <a:p>
             <a:pPr lvl="0"/>
             <a:r>
-              <a:rPr lang="en-US" dirty="0" smtClean="0"/>
+              <a:rPr lang="en-US" dirty="0"/>
               <a:t>Click to edit Master text styles</a:t>
             </a:r>
           </a:p>
           <a:p>
             <a:pPr lvl="1"/>
             <a:r>
-              <a:rPr lang="en-US" dirty="0" smtClean="0"/>
+              <a:rPr lang="en-US" dirty="0"/>
               <a:t>Second level</a:t>
             </a:r>
           </a:p>
           <a:p>
             <a:pPr lvl="2"/>
             <a:r>
-              <a:rPr lang="en-US" dirty="0" smtClean="0"/>
+              <a:rPr lang="en-US" dirty="0"/>
               <a:t>Third level</a:t>
             </a:r>
           </a:p>
           <a:p>
             <a:pPr lvl="3"/>
             <a:r>
-              <a:rPr lang="en-US" dirty="0" smtClean="0"/>
+              <a:rPr lang="en-US" dirty="0"/>
               <a:t>Fourth level</a:t>
             </a:r>
           </a:p>
           <a:p>
             <a:pPr lvl="4"/>
             <a:r>
-              <a:rPr lang="en-US" dirty="0" smtClean="0"/>
+              <a:rPr lang="en-US" dirty="0"/>
               <a:t>Fifth level</a:t>
             </a:r>
-            <a:endParaRPr lang="en-US" dirty="0"/>
           </a:p>
         </p:txBody>
       </p:sp>
@@ -11256,38 +10779,37 @@
           <a:p>
             <a:pPr lvl="0"/>
             <a:r>
-              <a:rPr lang="en-US" dirty="0" smtClean="0"/>
+              <a:rPr lang="en-US" dirty="0"/>
               <a:t>Click to edit Master text styles</a:t>
             </a:r>
           </a:p>
           <a:p>
             <a:pPr lvl="1"/>
             <a:r>
-              <a:rPr lang="en-US" dirty="0" smtClean="0"/>
+              <a:rPr lang="en-US" dirty="0"/>
               <a:t>Second level</a:t>
             </a:r>
           </a:p>
           <a:p>
             <a:pPr lvl="2"/>
             <a:r>
-              <a:rPr lang="en-US" dirty="0" smtClean="0"/>
+              <a:rPr lang="en-US" dirty="0"/>
               <a:t>Third level</a:t>
             </a:r>
           </a:p>
           <a:p>
             <a:pPr lvl="3"/>
             <a:r>
-              <a:rPr lang="en-US" dirty="0" smtClean="0"/>
+              <a:rPr lang="en-US" dirty="0"/>
               <a:t>Fourth level</a:t>
             </a:r>
           </a:p>
           <a:p>
             <a:pPr lvl="4"/>
             <a:r>
-              <a:rPr lang="en-US" dirty="0" smtClean="0"/>
+              <a:rPr lang="en-US" dirty="0"/>
               <a:t>Fifth level</a:t>
             </a:r>
-            <a:endParaRPr lang="en-US" dirty="0"/>
           </a:p>
         </p:txBody>
       </p:sp>
@@ -11341,38 +10863,37 @@
           <a:p>
             <a:pPr lvl="0"/>
             <a:r>
-              <a:rPr lang="en-US" dirty="0" smtClean="0"/>
+              <a:rPr lang="en-US" dirty="0"/>
               <a:t>Click to edit Master text styles</a:t>
             </a:r>
           </a:p>
           <a:p>
             <a:pPr lvl="1"/>
             <a:r>
-              <a:rPr lang="en-US" dirty="0" smtClean="0"/>
+              <a:rPr lang="en-US" dirty="0"/>
               <a:t>Second level</a:t>
             </a:r>
           </a:p>
           <a:p>
             <a:pPr lvl="2"/>
             <a:r>
-              <a:rPr lang="en-US" dirty="0" smtClean="0"/>
+              <a:rPr lang="en-US" dirty="0"/>
               <a:t>Third level</a:t>
             </a:r>
           </a:p>
           <a:p>
             <a:pPr lvl="3"/>
             <a:r>
-              <a:rPr lang="en-US" dirty="0" smtClean="0"/>
+              <a:rPr lang="en-US" dirty="0"/>
               <a:t>Fourth level</a:t>
             </a:r>
           </a:p>
           <a:p>
             <a:pPr lvl="4"/>
             <a:r>
-              <a:rPr lang="en-US" dirty="0" smtClean="0"/>
+              <a:rPr lang="en-US" dirty="0"/>
               <a:t>Fifth level</a:t>
             </a:r>
-            <a:endParaRPr lang="en-US" dirty="0"/>
           </a:p>
         </p:txBody>
       </p:sp>
@@ -11426,38 +10947,37 @@
           <a:p>
             <a:pPr lvl="0"/>
             <a:r>
-              <a:rPr lang="en-US" dirty="0" smtClean="0"/>
+              <a:rPr lang="en-US" dirty="0"/>
               <a:t>Click to edit Master text styles</a:t>
             </a:r>
           </a:p>
           <a:p>
             <a:pPr lvl="1"/>
             <a:r>
-              <a:rPr lang="en-US" dirty="0" smtClean="0"/>
+              <a:rPr lang="en-US" dirty="0"/>
               <a:t>Second level</a:t>
             </a:r>
           </a:p>
           <a:p>
             <a:pPr lvl="2"/>
             <a:r>
-              <a:rPr lang="en-US" dirty="0" smtClean="0"/>
+              <a:rPr lang="en-US" dirty="0"/>
               <a:t>Third level</a:t>
             </a:r>
           </a:p>
           <a:p>
             <a:pPr lvl="3"/>
             <a:r>
-              <a:rPr lang="en-US" dirty="0" smtClean="0"/>
+              <a:rPr lang="en-US" dirty="0"/>
               <a:t>Fourth level</a:t>
             </a:r>
           </a:p>
           <a:p>
             <a:pPr lvl="4"/>
             <a:r>
-              <a:rPr lang="en-US" dirty="0" smtClean="0"/>
+              <a:rPr lang="en-US" dirty="0"/>
               <a:t>Fifth level</a:t>
             </a:r>
-            <a:endParaRPr lang="en-US" dirty="0"/>
           </a:p>
         </p:txBody>
       </p:sp>
@@ -11471,21 +10991,6 @@
   <p:clrMapOvr>
     <a:masterClrMapping/>
   </p:clrMapOvr>
-  <mc:AlternateContent xmlns:mc="http://schemas.openxmlformats.org/markup-compatibility/2006" xmlns:p14="http://schemas.microsoft.com/office/powerpoint/2010/main">
-    <mc:Choice Requires="p14">
-      <p:transition spd="slow" p14:dur="2000"/>
-    </mc:Choice>
-    <mc:Fallback xmlns="">
-      <p:transition spd="slow"/>
-    </mc:Fallback>
-  </mc:AlternateContent>
-  <p:timing>
-    <p:tnLst>
-      <p:par>
-        <p:cTn id="1" dur="indefinite" restart="never" nodeType="tmRoot"/>
-      </p:par>
-    </p:tnLst>
-  </p:timing>
 </p:sldLayout>
 </file>
 
@@ -11522,10 +11027,9 @@
           <a:lstStyle/>
           <a:p>
             <a:r>
-              <a:rPr lang="en-US" dirty="0" smtClean="0"/>
+              <a:rPr lang="en-US" dirty="0"/>
               <a:t>Click to edit Master title style</a:t>
             </a:r>
-            <a:endParaRPr lang="en-US" dirty="0"/>
           </a:p>
         </p:txBody>
       </p:sp>
@@ -11579,38 +11083,37 @@
           <a:p>
             <a:pPr lvl="0"/>
             <a:r>
-              <a:rPr lang="en-US" dirty="0" smtClean="0"/>
+              <a:rPr lang="en-US" dirty="0"/>
               <a:t>Click to edit Master text styles</a:t>
             </a:r>
           </a:p>
           <a:p>
             <a:pPr lvl="1"/>
             <a:r>
-              <a:rPr lang="en-US" dirty="0" smtClean="0"/>
+              <a:rPr lang="en-US" dirty="0"/>
               <a:t>Second level</a:t>
             </a:r>
           </a:p>
           <a:p>
             <a:pPr lvl="2"/>
             <a:r>
-              <a:rPr lang="en-US" dirty="0" smtClean="0"/>
+              <a:rPr lang="en-US" dirty="0"/>
               <a:t>Third level</a:t>
             </a:r>
           </a:p>
           <a:p>
             <a:pPr lvl="3"/>
             <a:r>
-              <a:rPr lang="en-US" dirty="0" smtClean="0"/>
+              <a:rPr lang="en-US" dirty="0"/>
               <a:t>Fourth level</a:t>
             </a:r>
           </a:p>
           <a:p>
             <a:pPr lvl="4"/>
             <a:r>
-              <a:rPr lang="en-US" dirty="0" smtClean="0"/>
+              <a:rPr lang="en-US" dirty="0"/>
               <a:t>Fifth level</a:t>
             </a:r>
-            <a:endParaRPr lang="en-US" dirty="0"/>
           </a:p>
         </p:txBody>
       </p:sp>
@@ -11664,38 +11167,37 @@
           <a:p>
             <a:pPr lvl="0"/>
             <a:r>
-              <a:rPr lang="en-US" dirty="0" smtClean="0"/>
+              <a:rPr lang="en-US" dirty="0"/>
               <a:t>Click to edit Master text styles</a:t>
             </a:r>
           </a:p>
           <a:p>
             <a:pPr lvl="1"/>
             <a:r>
-              <a:rPr lang="en-US" dirty="0" smtClean="0"/>
+              <a:rPr lang="en-US" dirty="0"/>
               <a:t>Second level</a:t>
             </a:r>
           </a:p>
           <a:p>
             <a:pPr lvl="2"/>
             <a:r>
-              <a:rPr lang="en-US" dirty="0" smtClean="0"/>
+              <a:rPr lang="en-US" dirty="0"/>
               <a:t>Third level</a:t>
             </a:r>
           </a:p>
           <a:p>
             <a:pPr lvl="3"/>
             <a:r>
-              <a:rPr lang="en-US" dirty="0" smtClean="0"/>
+              <a:rPr lang="en-US" dirty="0"/>
               <a:t>Fourth level</a:t>
             </a:r>
           </a:p>
           <a:p>
             <a:pPr lvl="4"/>
             <a:r>
-              <a:rPr lang="en-US" dirty="0" smtClean="0"/>
+              <a:rPr lang="en-US" dirty="0"/>
               <a:t>Fifth level</a:t>
             </a:r>
-            <a:endParaRPr lang="en-US" dirty="0"/>
           </a:p>
         </p:txBody>
       </p:sp>
@@ -11740,7 +11242,7 @@
           <a:p>
             <a:fld id="{A9DF6EFB-3F44-496C-A842-1E0B3D3B975A}" type="datetimeFigureOut">
               <a:rPr lang="en-US" smtClean="0"/>
-              <a:t>5/29/2019</a:t>
+              <a:t>11/22/21</a:t>
             </a:fld>
             <a:endParaRPr lang="en-US" dirty="0"/>
           </a:p>
@@ -11779,21 +11281,6 @@
   <p:clrMapOvr>
     <a:masterClrMapping/>
   </p:clrMapOvr>
-  <mc:AlternateContent xmlns:mc="http://schemas.openxmlformats.org/markup-compatibility/2006" xmlns:p14="http://schemas.microsoft.com/office/powerpoint/2010/main">
-    <mc:Choice Requires="p14">
-      <p:transition spd="slow" p14:dur="2000"/>
-    </mc:Choice>
-    <mc:Fallback xmlns="">
-      <p:transition spd="slow"/>
-    </mc:Fallback>
-  </mc:AlternateContent>
-  <p:timing>
-    <p:tnLst>
-      <p:par>
-        <p:cTn id="1" dur="indefinite" restart="never" nodeType="tmRoot"/>
-      </p:par>
-    </p:tnLst>
-  </p:timing>
 </p:sldLayout>
 </file>
 
@@ -11845,17 +11332,16 @@
           <a:lstStyle/>
           <a:p>
             <a:r>
-              <a:rPr lang="en-US" dirty="0" smtClean="0"/>
+              <a:rPr lang="en-US" dirty="0"/>
               <a:t>Click to edit </a:t>
             </a:r>
             <a:br>
-              <a:rPr lang="en-US" dirty="0" smtClean="0"/>
+              <a:rPr lang="en-US" dirty="0"/>
             </a:br>
             <a:r>
-              <a:rPr lang="en-US" dirty="0" smtClean="0"/>
+              <a:rPr lang="en-US" dirty="0"/>
               <a:t>Master title style</a:t>
             </a:r>
-            <a:endParaRPr lang="en-US" dirty="0"/>
           </a:p>
         </p:txBody>
       </p:sp>
@@ -11886,66 +11372,65 @@
           <a:p>
             <a:pPr lvl="0"/>
             <a:r>
-              <a:rPr lang="en-US" dirty="0" smtClean="0"/>
+              <a:rPr lang="en-US" dirty="0"/>
               <a:t>Click to edit Master text styles</a:t>
             </a:r>
           </a:p>
           <a:p>
             <a:pPr lvl="1"/>
             <a:r>
-              <a:rPr lang="en-US" dirty="0" smtClean="0"/>
+              <a:rPr lang="en-US" dirty="0"/>
               <a:t>Second level</a:t>
             </a:r>
           </a:p>
           <a:p>
             <a:pPr lvl="2"/>
             <a:r>
-              <a:rPr lang="en-US" dirty="0" smtClean="0"/>
+              <a:rPr lang="en-US" dirty="0"/>
               <a:t>Third level</a:t>
             </a:r>
           </a:p>
           <a:p>
             <a:pPr lvl="3"/>
             <a:r>
-              <a:rPr lang="en-US" dirty="0" smtClean="0"/>
+              <a:rPr lang="en-US" dirty="0"/>
               <a:t>Fourth level</a:t>
             </a:r>
           </a:p>
           <a:p>
             <a:pPr lvl="4"/>
             <a:r>
-              <a:rPr lang="en-US" dirty="0" smtClean="0"/>
+              <a:rPr lang="en-US" dirty="0"/>
               <a:t>Fifth level</a:t>
             </a:r>
           </a:p>
           <a:p>
             <a:pPr lvl="5"/>
             <a:r>
-              <a:rPr lang="en-US" dirty="0" smtClean="0"/>
+              <a:rPr lang="en-US" dirty="0"/>
               <a:t>Sixth</a:t>
             </a:r>
           </a:p>
           <a:p>
             <a:pPr lvl="6"/>
             <a:r>
-              <a:rPr lang="en-US" dirty="0" smtClean="0"/>
+              <a:rPr lang="en-US" dirty="0"/>
               <a:t>Seventh</a:t>
             </a:r>
           </a:p>
           <a:p>
             <a:pPr lvl="7"/>
             <a:r>
-              <a:rPr lang="en-US" dirty="0" smtClean="0"/>
+              <a:rPr lang="en-US" dirty="0"/>
               <a:t>Eighth</a:t>
             </a:r>
           </a:p>
           <a:p>
             <a:pPr lvl="8"/>
             <a:r>
-              <a:rPr lang="en-US" dirty="0" smtClean="0"/>
+              <a:rPr lang="en-US" dirty="0"/>
               <a:t>Ninth</a:t>
             </a:r>
-            <a:endParaRPr lang="en-US" dirty="0"/>
           </a:p>
         </p:txBody>
       </p:sp>
@@ -12018,7 +11503,7 @@
             <a:fld id="{A9DF6EFB-3F44-496C-A842-1E0B3D3B975A}" type="datetimeFigureOut">
               <a:rPr lang="en-US" smtClean="0"/>
               <a:pPr/>
-              <a:t>5/29/2019</a:t>
+              <a:t>11/22/21</a:t>
             </a:fld>
             <a:endParaRPr lang="en-US" dirty="0"/>
           </a:p>
@@ -12091,18 +11576,13 @@
               <a:defRPr/>
             </a:pPr>
             <a:r>
-              <a:rPr lang="en-US" altLang="en-US" sz="1200" dirty="0" smtClean="0">
+              <a:rPr lang="en-US" altLang="en-US" sz="1200" dirty="0">
                 <a:latin typeface="Verdana"/>
                 <a:ea typeface="Verdana" panose="020B0604030504040204" pitchFamily="34" charset="0"/>
                 <a:cs typeface="Verdana" panose="020B0604030504040204" pitchFamily="34" charset="0"/>
               </a:rPr>
               <a:t>Copyright © 2020, 2015, 2011 Pearson Education, Inc. All Rights Reserved</a:t>
             </a:r>
-            <a:endParaRPr lang="en-US" altLang="en-US" sz="1200" dirty="0">
-              <a:latin typeface="Verdana"/>
-              <a:ea typeface="Verdana" panose="020B0604030504040204" pitchFamily="34" charset="0"/>
-              <a:cs typeface="Verdana" panose="020B0604030504040204" pitchFamily="34" charset="0"/>
-            </a:endParaRPr>
           </a:p>
         </p:txBody>
       </p:sp>
@@ -12161,21 +11641,6 @@
     <p:sldLayoutId id="2147483655" r:id="rId14"/>
     <p:sldLayoutId id="2147483664" r:id="rId15"/>
   </p:sldLayoutIdLst>
-  <mc:AlternateContent xmlns:mc="http://schemas.openxmlformats.org/markup-compatibility/2006" xmlns:p14="http://schemas.microsoft.com/office/powerpoint/2010/main">
-    <mc:Choice Requires="p14">
-      <p:transition spd="slow" p14:dur="2000"/>
-    </mc:Choice>
-    <mc:Fallback xmlns="">
-      <p:transition spd="slow"/>
-    </mc:Fallback>
-  </mc:AlternateContent>
-  <p:timing>
-    <p:tnLst>
-      <p:par>
-        <p:cTn id="1" dur="indefinite" restart="never" nodeType="tmRoot"/>
-      </p:par>
-    </p:tnLst>
-  </p:timing>
   <p:txStyles>
     <p:titleStyle>
       <a:lvl1pPr algn="l" defTabSz="914400" rtl="0" eaLnBrk="1" latinLnBrk="0" hangingPunct="1">
@@ -12511,37 +11976,19 @@
               <a:rPr lang="en-US" altLang="en-US" sz="3600" dirty="0">
                 <a:latin typeface="+mj-lt"/>
               </a:rPr>
-              <a:t>Analytics, Data </a:t>
-            </a:r>
-            <a:r>
-              <a:rPr lang="en-US" altLang="en-US" sz="3600" dirty="0" smtClean="0">
-                <a:latin typeface="+mj-lt"/>
-              </a:rPr>
-              <a:t>Science and </a:t>
-            </a:r>
-            <a:r>
-              <a:rPr lang="en-US" altLang="en-US" sz="3600" spc="-500" dirty="0" smtClean="0">
+              <a:t>Analytics, Data Science and </a:t>
+            </a:r>
+            <a:r>
+              <a:rPr lang="en-US" altLang="en-US" sz="3600" spc="-500" dirty="0">
                 <a:latin typeface="+mj-lt"/>
               </a:rPr>
               <a:t>A </a:t>
             </a:r>
             <a:r>
-              <a:rPr lang="en-US" altLang="en-US" sz="3600" dirty="0" smtClean="0">
-                <a:latin typeface="+mj-lt"/>
-              </a:rPr>
-              <a:t>I</a:t>
-            </a:r>
-            <a:r>
               <a:rPr lang="en-US" altLang="en-US" sz="3600" dirty="0">
                 <a:latin typeface="+mj-lt"/>
               </a:rPr>
-              <a:t>: </a:t>
-            </a:r>
-            <a:r>
-              <a:rPr lang="en-US" altLang="en-US" sz="3600" dirty="0" smtClean="0">
-                <a:latin typeface="+mj-lt"/>
-              </a:rPr>
-              <a:t>Systems for Decision Support</a:t>
+              <a:t>I: Systems for Decision Support</a:t>
             </a:r>
             <a:endParaRPr lang="en-IN" sz="3600" dirty="0">
               <a:latin typeface="+mj-lt"/>
@@ -12572,11 +12019,11 @@
           <a:lstStyle/>
           <a:p>
             <a:r>
-              <a:rPr lang="en-US" altLang="en-US" dirty="0" smtClean="0"/>
+              <a:rPr lang="en-US" altLang="en-US" dirty="0"/>
               <a:t>Eleventh</a:t>
             </a:r>
             <a:r>
-              <a:rPr lang="en-US" altLang="en-US" dirty="0" smtClean="0">
+              <a:rPr lang="en-US" altLang="en-US" dirty="0">
                 <a:solidFill>
                   <a:srgbClr val="FFFFFF"/>
                 </a:solidFill>
@@ -12584,7 +12031,7 @@
               <a:t> </a:t>
             </a:r>
             <a:r>
-              <a:rPr lang="en-US" dirty="0" smtClean="0"/>
+              <a:rPr lang="en-US" dirty="0"/>
               <a:t>Edition</a:t>
             </a:r>
             <a:endParaRPr lang="en-IN" dirty="0"/>
@@ -12615,13 +12062,8 @@
           <a:p>
             <a:r>
               <a:rPr lang="en-US" sz="3200" dirty="0"/>
-              <a:t>Chapter </a:t>
-            </a:r>
-            <a:r>
-              <a:rPr lang="en-US" sz="3200" dirty="0" smtClean="0"/>
-              <a:t>6</a:t>
-            </a:r>
-            <a:endParaRPr lang="en-US" sz="3200" dirty="0"/>
+              <a:t>Chapter 6</a:t>
+            </a:r>
           </a:p>
         </p:txBody>
       </p:sp>
@@ -12732,34 +12174,13 @@
               <a:buNone/>
             </a:pPr>
             <a:r>
-              <a:rPr lang="en-US" altLang="en-US" sz="1200" dirty="0" smtClean="0">
-                <a:latin typeface="Verdana"/>
-                <a:ea typeface="Verdana" panose="020B0604030504040204" pitchFamily="34" charset="0"/>
-                <a:cs typeface="Verdana" panose="020B0604030504040204" pitchFamily="34" charset="0"/>
-              </a:rPr>
-              <a:t>Copyright </a:t>
-            </a:r>
-            <a:r>
               <a:rPr lang="en-US" altLang="en-US" sz="1200" dirty="0">
                 <a:latin typeface="Verdana"/>
                 <a:ea typeface="Verdana" panose="020B0604030504040204" pitchFamily="34" charset="0"/>
                 <a:cs typeface="Verdana" panose="020B0604030504040204" pitchFamily="34" charset="0"/>
               </a:rPr>
-              <a:t>© 2020, 2015, 2011 Pearson Education, Inc. All Rights </a:t>
-            </a:r>
-            <a:r>
-              <a:rPr lang="en-US" altLang="en-US" sz="1200" dirty="0" smtClean="0">
-                <a:latin typeface="Verdana"/>
-                <a:ea typeface="Verdana" panose="020B0604030504040204" pitchFamily="34" charset="0"/>
-                <a:cs typeface="Verdana" panose="020B0604030504040204" pitchFamily="34" charset="0"/>
-              </a:rPr>
-              <a:t>Reserved</a:t>
-            </a:r>
-            <a:endParaRPr lang="en-US" altLang="en-US" sz="1200" dirty="0">
-              <a:latin typeface="Verdana"/>
-              <a:ea typeface="Verdana" panose="020B0604030504040204" pitchFamily="34" charset="0"/>
-              <a:cs typeface="Verdana" panose="020B0604030504040204" pitchFamily="34" charset="0"/>
-            </a:endParaRPr>
+              <a:t>Copyright © 2020, 2015, 2011 Pearson Education, Inc. All Rights Reserved</a:t>
+            </a:r>
           </a:p>
         </p:txBody>
       </p:sp>
@@ -12885,29 +12306,8 @@
                   <a:schemeClr val="bg1"/>
                 </a:solidFill>
               </a:rPr>
-              <a:t>Slide in this Presentation Contain Hyperlinks. JAWS users should be able to get a list of </a:t>
-            </a:r>
-            <a:r>
-              <a:rPr lang="en-IN" sz="1000" dirty="0" smtClean="0">
-                <a:solidFill>
-                  <a:schemeClr val="bg1"/>
-                </a:solidFill>
-              </a:rPr>
-              <a:t>links </a:t>
-            </a:r>
-            <a:r>
-              <a:rPr lang="en-IN" sz="1000" dirty="0">
-                <a:solidFill>
-                  <a:schemeClr val="bg1"/>
-                </a:solidFill>
-              </a:rPr>
-              <a:t>by using INSERT+F7</a:t>
-            </a:r>
-            <a:endParaRPr lang="en-IN" sz="1000" dirty="0" smtClean="0">
-              <a:solidFill>
-                <a:schemeClr val="bg1"/>
-              </a:solidFill>
-            </a:endParaRPr>
+              <a:t>Slide in this Presentation Contain Hyperlinks. JAWS users should be able to get a list of links by using INSERT+F7</a:t>
+            </a:r>
           </a:p>
         </p:txBody>
       </p:sp>
@@ -12921,21 +12321,6 @@
   <p:clrMapOvr>
     <a:masterClrMapping/>
   </p:clrMapOvr>
-  <mc:AlternateContent xmlns:mc="http://schemas.openxmlformats.org/markup-compatibility/2006" xmlns:p14="http://schemas.microsoft.com/office/powerpoint/2010/main">
-    <mc:Choice Requires="p14">
-      <p:transition spd="slow" p14:dur="2000"/>
-    </mc:Choice>
-    <mc:Fallback xmlns="">
-      <p:transition spd="slow"/>
-    </mc:Fallback>
-  </mc:AlternateContent>
-  <p:timing>
-    <p:tnLst>
-      <p:par>
-        <p:cTn id="1" dur="indefinite" restart="never" nodeType="tmRoot"/>
-      </p:par>
-    </p:tnLst>
-  </p:timing>
 </p:sld>
 </file>
 
@@ -12982,16 +12367,10 @@
               <a:rPr lang="en-US" sz="3600" dirty="0">
                 <a:latin typeface="+mj-lt"/>
               </a:rPr>
-              <a:t>Introduction to Deep </a:t>
-            </a:r>
-            <a:r>
-              <a:rPr lang="en-US" sz="3600" dirty="0" smtClean="0">
-                <a:latin typeface="+mj-lt"/>
-              </a:rPr>
-              <a:t>Learning </a:t>
-            </a:r>
-            <a:r>
-              <a:rPr lang="en-US" sz="2800" dirty="0" smtClean="0">
+              <a:t>Introduction to Deep Learning </a:t>
+            </a:r>
+            <a:r>
+              <a:rPr lang="en-US" sz="2800" dirty="0">
                 <a:latin typeface="+mj-lt"/>
               </a:rPr>
               <a:t>(3 of 3)</a:t>
@@ -13080,21 +12459,6 @@
   <p:clrMapOvr>
     <a:masterClrMapping/>
   </p:clrMapOvr>
-  <mc:AlternateContent xmlns:mc="http://schemas.openxmlformats.org/markup-compatibility/2006" xmlns:p14="http://schemas.microsoft.com/office/powerpoint/2010/main">
-    <mc:Choice Requires="p14">
-      <p:transition spd="slow" p14:dur="2000"/>
-    </mc:Choice>
-    <mc:Fallback xmlns="">
-      <p:transition spd="slow"/>
-    </mc:Fallback>
-  </mc:AlternateContent>
-  <p:timing>
-    <p:tnLst>
-      <p:par>
-        <p:cTn id="1" dur="indefinite" restart="never" nodeType="tmRoot"/>
-      </p:par>
-    </p:tnLst>
-  </p:timing>
 </p:sld>
 </file>
 
@@ -13141,29 +12505,20 @@
               <a:rPr lang="en-US" sz="3600" dirty="0">
                 <a:latin typeface="+mj-lt"/>
               </a:rPr>
-              <a:t>Application Case </a:t>
-            </a:r>
-            <a:r>
-              <a:rPr lang="en-US" sz="3600" dirty="0" smtClean="0">
-                <a:latin typeface="+mj-lt"/>
-              </a:rPr>
-              <a:t>6.1 </a:t>
-            </a:r>
-            <a:r>
-              <a:rPr lang="en-US" sz="2800" dirty="0" smtClean="0">
+              <a:t>Application Case 6.1 </a:t>
+            </a:r>
+            <a:r>
+              <a:rPr lang="en-US" sz="2800" dirty="0">
                 <a:latin typeface="+mj-lt"/>
               </a:rPr>
               <a:t>(1 of 2)</a:t>
             </a:r>
             <a:r>
-              <a:rPr lang="en-US" sz="3600" dirty="0" smtClean="0">
+              <a:rPr lang="en-US" sz="3600" dirty="0">
                 <a:latin typeface="+mj-lt"/>
               </a:rPr>
               <a:t> </a:t>
             </a:r>
-            <a:endParaRPr lang="en-US" sz="3600" dirty="0">
-              <a:latin typeface="+mj-lt"/>
-            </a:endParaRPr>
           </a:p>
         </p:txBody>
       </p:sp>
@@ -13302,21 +12657,6 @@
   <p:clrMapOvr>
     <a:masterClrMapping/>
   </p:clrMapOvr>
-  <mc:AlternateContent xmlns:mc="http://schemas.openxmlformats.org/markup-compatibility/2006" xmlns:p14="http://schemas.microsoft.com/office/powerpoint/2010/main">
-    <mc:Choice Requires="p14">
-      <p:transition spd="slow" p14:dur="2000"/>
-    </mc:Choice>
-    <mc:Fallback xmlns="">
-      <p:transition spd="slow"/>
-    </mc:Fallback>
-  </mc:AlternateContent>
-  <p:timing>
-    <p:tnLst>
-      <p:par>
-        <p:cTn id="1" dur="indefinite" restart="never" nodeType="tmRoot"/>
-      </p:par>
-    </p:tnLst>
-  </p:timing>
 </p:sld>
 </file>
 
@@ -13363,29 +12703,20 @@
               <a:rPr lang="en-US" sz="3600" dirty="0">
                 <a:latin typeface="+mj-lt"/>
               </a:rPr>
-              <a:t>Application Case </a:t>
-            </a:r>
-            <a:r>
-              <a:rPr lang="en-US" sz="3600" dirty="0" smtClean="0">
-                <a:latin typeface="+mj-lt"/>
-              </a:rPr>
-              <a:t>6.1 </a:t>
-            </a:r>
-            <a:r>
-              <a:rPr lang="en-US" sz="2800" dirty="0" smtClean="0">
+              <a:t>Application Case 6.1 </a:t>
+            </a:r>
+            <a:r>
+              <a:rPr lang="en-US" sz="2800" dirty="0">
                 <a:latin typeface="+mj-lt"/>
               </a:rPr>
               <a:t>(2 of 2)</a:t>
             </a:r>
             <a:r>
-              <a:rPr lang="en-US" sz="3600" dirty="0" smtClean="0">
+              <a:rPr lang="en-US" sz="3600" dirty="0">
                 <a:latin typeface="+mj-lt"/>
               </a:rPr>
               <a:t> </a:t>
             </a:r>
-            <a:endParaRPr lang="en-US" sz="3600" dirty="0">
-              <a:latin typeface="+mj-lt"/>
-            </a:endParaRPr>
           </a:p>
         </p:txBody>
       </p:sp>
@@ -13521,10 +12852,9 @@
               <a:t>SciSports</a:t>
             </a:r>
             <a:r>
-              <a:rPr lang="en-US" sz="2400" dirty="0" smtClean="0"/>
+              <a:rPr lang="en-US" sz="2400" dirty="0"/>
               <a:t>?</a:t>
             </a:r>
-            <a:endParaRPr lang="en-US" sz="2400" dirty="0"/>
           </a:p>
         </p:txBody>
       </p:sp>
@@ -13538,21 +12868,6 @@
   <p:clrMapOvr>
     <a:masterClrMapping/>
   </p:clrMapOvr>
-  <mc:AlternateContent xmlns:mc="http://schemas.openxmlformats.org/markup-compatibility/2006" xmlns:p14="http://schemas.microsoft.com/office/powerpoint/2010/main">
-    <mc:Choice Requires="p14">
-      <p:transition spd="slow" p14:dur="2000"/>
-    </mc:Choice>
-    <mc:Fallback xmlns="">
-      <p:transition spd="slow"/>
-    </mc:Fallback>
-  </mc:AlternateContent>
-  <p:timing>
-    <p:tnLst>
-      <p:par>
-        <p:cTn id="1" dur="indefinite" restart="never" nodeType="tmRoot"/>
-      </p:par>
-    </p:tnLst>
-  </p:timing>
 </p:sld>
 </file>
 
@@ -13599,13 +12914,7 @@
               <a:rPr lang="en-US" sz="3600" dirty="0">
                 <a:latin typeface="+mj-lt"/>
               </a:rPr>
-              <a:t>Basics of “Shallow” </a:t>
-            </a:r>
-            <a:r>
-              <a:rPr lang="en-US" sz="3600" dirty="0" smtClean="0">
-                <a:latin typeface="+mj-lt"/>
-              </a:rPr>
-              <a:t>Learning </a:t>
+              <a:t>Basics of “Shallow” Learning </a:t>
             </a:r>
             <a:r>
               <a:rPr lang="en-US" sz="2800" dirty="0">
@@ -13649,36 +12958,27 @@
               <a:t>Neurons = Processing Elements (</a:t>
             </a:r>
             <a:r>
-              <a:rPr lang="en-US" sz="2400" spc="-300" dirty="0" smtClean="0"/>
+              <a:rPr lang="en-US" sz="2400" spc="-300" dirty="0"/>
               <a:t>P E </a:t>
             </a:r>
             <a:r>
-              <a:rPr lang="en-US" sz="2400" dirty="0" smtClean="0"/>
-              <a:t>s</a:t>
-            </a:r>
-            <a:r>
               <a:rPr lang="en-US" sz="2400" dirty="0"/>
-              <a:t>)</a:t>
+              <a:t>s)</a:t>
             </a:r>
           </a:p>
           <a:p>
             <a:r>
               <a:rPr lang="en-US" sz="2400" dirty="0"/>
-              <a:t>Single-input and single-output </a:t>
-            </a:r>
-            <a:r>
-              <a:rPr lang="en-US" sz="2400" dirty="0" smtClean="0"/>
-              <a:t>neuron/</a:t>
-            </a:r>
-            <a:r>
-              <a:rPr lang="en-US" sz="2400" spc="-400" dirty="0" smtClean="0"/>
+              <a:t>Single-input and single-output neuron/</a:t>
+            </a:r>
+            <a:r>
+              <a:rPr lang="en-US" sz="2400" spc="-400" dirty="0"/>
               <a:t>P </a:t>
             </a:r>
             <a:r>
-              <a:rPr lang="en-US" sz="2400" dirty="0" smtClean="0"/>
+              <a:rPr lang="en-US" sz="2400" dirty="0"/>
               <a:t>E</a:t>
             </a:r>
-            <a:endParaRPr lang="en-US" sz="2400" dirty="0"/>
           </a:p>
         </p:txBody>
       </p:sp>
@@ -13731,21 +13031,6 @@
   <p:clrMapOvr>
     <a:masterClrMapping/>
   </p:clrMapOvr>
-  <mc:AlternateContent xmlns:mc="http://schemas.openxmlformats.org/markup-compatibility/2006" xmlns:p14="http://schemas.microsoft.com/office/powerpoint/2010/main">
-    <mc:Choice Requires="p14">
-      <p:transition spd="slow" p14:dur="2000"/>
-    </mc:Choice>
-    <mc:Fallback xmlns="">
-      <p:transition spd="slow"/>
-    </mc:Fallback>
-  </mc:AlternateContent>
-  <p:timing>
-    <p:tnLst>
-      <p:par>
-        <p:cTn id="1" dur="indefinite" restart="never" nodeType="tmRoot"/>
-      </p:par>
-    </p:tnLst>
-  </p:timing>
 </p:sld>
 </file>
 
@@ -13792,16 +13077,10 @@
               <a:rPr lang="en-US" sz="3600" dirty="0">
                 <a:latin typeface="+mj-lt"/>
               </a:rPr>
-              <a:t>Basics of “Shallow” </a:t>
-            </a:r>
-            <a:r>
-              <a:rPr lang="en-US" sz="3600" dirty="0" smtClean="0">
-                <a:latin typeface="+mj-lt"/>
-              </a:rPr>
-              <a:t>Learning </a:t>
-            </a:r>
-            <a:r>
-              <a:rPr lang="en-US" sz="2800" dirty="0" smtClean="0">
+              <a:t>Basics of “Shallow” Learning </a:t>
+            </a:r>
+            <a:r>
+              <a:rPr lang="en-US" sz="2800" dirty="0">
                 <a:latin typeface="+mj-lt"/>
               </a:rPr>
               <a:t>(2 of 4)</a:t>
@@ -13890,21 +13169,6 @@
   <p:clrMapOvr>
     <a:masterClrMapping/>
   </p:clrMapOvr>
-  <mc:AlternateContent xmlns:mc="http://schemas.openxmlformats.org/markup-compatibility/2006" xmlns:p14="http://schemas.microsoft.com/office/powerpoint/2010/main">
-    <mc:Choice Requires="p14">
-      <p:transition spd="slow" p14:dur="2000"/>
-    </mc:Choice>
-    <mc:Fallback xmlns="">
-      <p:transition spd="slow"/>
-    </mc:Fallback>
-  </mc:AlternateContent>
-  <p:timing>
-    <p:tnLst>
-      <p:par>
-        <p:cTn id="1" dur="indefinite" restart="never" nodeType="tmRoot"/>
-      </p:par>
-    </p:tnLst>
-  </p:timing>
 </p:sld>
 </file>
 
@@ -13951,25 +13215,13 @@
               <a:rPr lang="en-US" sz="3600" dirty="0">
                 <a:latin typeface="+mj-lt"/>
               </a:rPr>
-              <a:t>Basics of “Shallow” </a:t>
-            </a:r>
-            <a:r>
-              <a:rPr lang="en-US" sz="3600" dirty="0" smtClean="0">
-                <a:latin typeface="+mj-lt"/>
-              </a:rPr>
-              <a:t>Learning </a:t>
-            </a:r>
-            <a:r>
-              <a:rPr lang="en-US" sz="2800" dirty="0" smtClean="0">
-                <a:latin typeface="+mj-lt"/>
-              </a:rPr>
-              <a:t>(3 </a:t>
+              <a:t>Basics of “Shallow” Learning </a:t>
             </a:r>
             <a:r>
               <a:rPr lang="en-US" sz="2800" dirty="0">
                 <a:latin typeface="+mj-lt"/>
               </a:rPr>
-              <a:t>of 4)</a:t>
+              <a:t>(3 of 4)</a:t>
             </a:r>
           </a:p>
         </p:txBody>
@@ -14072,7 +13324,7 @@
           <a:graphicData uri="http://schemas.openxmlformats.org/presentationml/2006/ole">
             <mc:AlternateContent xmlns:mc="http://schemas.openxmlformats.org/markup-compatibility/2006">
               <mc:Choice xmlns:v="urn:schemas-microsoft-com:vml" Requires="v">
-                <p:oleObj spid="_x0000_s1234" name="Equation" r:id="rId5" imgW="2628720" imgH="457200" progId="Equation.DSMT4">
+                <p:oleObj spid="_x0000_s1235" name="Equation" r:id="rId5" imgW="2628720" imgH="457200" progId="Equation.DSMT4">
                   <p:embed/>
                 </p:oleObj>
               </mc:Choice>
@@ -14117,21 +13369,6 @@
   <p:clrMapOvr>
     <a:masterClrMapping/>
   </p:clrMapOvr>
-  <mc:AlternateContent xmlns:mc="http://schemas.openxmlformats.org/markup-compatibility/2006" xmlns:p14="http://schemas.microsoft.com/office/powerpoint/2010/main">
-    <mc:Choice Requires="p14">
-      <p:transition spd="slow" p14:dur="2000"/>
-    </mc:Choice>
-    <mc:Fallback xmlns="">
-      <p:transition spd="slow"/>
-    </mc:Fallback>
-  </mc:AlternateContent>
-  <p:timing>
-    <p:tnLst>
-      <p:par>
-        <p:cTn id="1" dur="indefinite" restart="never" nodeType="tmRoot"/>
-      </p:par>
-    </p:tnLst>
-  </p:timing>
 </p:sld>
 </file>
 
@@ -14178,25 +13415,13 @@
               <a:rPr lang="en-US" sz="3600" dirty="0">
                 <a:latin typeface="+mj-lt"/>
               </a:rPr>
-              <a:t>Basics of “Shallow” </a:t>
-            </a:r>
-            <a:r>
-              <a:rPr lang="en-US" sz="3600" dirty="0" smtClean="0">
-                <a:latin typeface="+mj-lt"/>
-              </a:rPr>
-              <a:t>Learning </a:t>
-            </a:r>
-            <a:r>
-              <a:rPr lang="en-US" sz="2800" dirty="0" smtClean="0">
-                <a:latin typeface="+mj-lt"/>
-              </a:rPr>
-              <a:t>(4 </a:t>
+              <a:t>Basics of “Shallow” Learning </a:t>
             </a:r>
             <a:r>
               <a:rPr lang="en-US" sz="2800" dirty="0">
                 <a:latin typeface="+mj-lt"/>
               </a:rPr>
-              <a:t>of 4)</a:t>
+              <a:t>(4 of 4)</a:t>
             </a:r>
           </a:p>
         </p:txBody>
@@ -14265,21 +13490,6 @@
   <p:clrMapOvr>
     <a:masterClrMapping/>
   </p:clrMapOvr>
-  <mc:AlternateContent xmlns:mc="http://schemas.openxmlformats.org/markup-compatibility/2006" xmlns:p14="http://schemas.microsoft.com/office/powerpoint/2010/main">
-    <mc:Choice Requires="p14">
-      <p:transition spd="slow" p14:dur="2000"/>
-    </mc:Choice>
-    <mc:Fallback xmlns="">
-      <p:transition spd="slow"/>
-    </mc:Fallback>
-  </mc:AlternateContent>
-  <p:timing>
-    <p:tnLst>
-      <p:par>
-        <p:cTn id="1" dur="indefinite" restart="never" nodeType="tmRoot"/>
-      </p:par>
-    </p:tnLst>
-  </p:timing>
 </p:sld>
 </file>
 
@@ -14326,17 +13536,8 @@
               <a:rPr lang="en-US" sz="3600" dirty="0">
                 <a:latin typeface="+mj-lt"/>
               </a:rPr>
-              <a:t>Application Case </a:t>
-            </a:r>
-            <a:r>
-              <a:rPr lang="en-US" sz="3600" dirty="0" smtClean="0">
-                <a:latin typeface="+mj-lt"/>
-              </a:rPr>
-              <a:t>6.2 </a:t>
-            </a:r>
-            <a:endParaRPr lang="en-US" sz="3600" dirty="0">
-              <a:latin typeface="+mj-lt"/>
-            </a:endParaRPr>
+              <a:t>Application Case 6.2 </a:t>
+            </a:r>
           </a:p>
         </p:txBody>
       </p:sp>
@@ -14381,31 +13582,7 @@
                   <a:srgbClr val="007FA3"/>
                 </a:solidFill>
               </a:rPr>
-              <a:t>Gaming Companies Use Data Analytics </a:t>
-            </a:r>
-            <a:r>
-              <a:rPr lang="en-IN" sz="2800" b="1" dirty="0" smtClean="0">
-                <a:solidFill>
-                  <a:srgbClr val="007FA3"/>
-                </a:solidFill>
-              </a:rPr>
-              <a:t>to Score </a:t>
-            </a:r>
-            <a:r>
-              <a:rPr lang="en-IN" sz="2800" b="1" dirty="0">
-                <a:solidFill>
-                  <a:srgbClr val="007FA3"/>
-                </a:solidFill>
-              </a:rPr>
-              <a:t>Points with </a:t>
-            </a:r>
-            <a:r>
-              <a:rPr lang="en-IN" sz="2800" b="1" dirty="0" smtClean="0">
-                <a:solidFill>
-                  <a:srgbClr val="007FA3"/>
-                </a:solidFill>
-              </a:rPr>
-              <a:t>Players</a:t>
+              <a:t>Gaming Companies Use Data Analytics to Score Points with Players</a:t>
             </a:r>
           </a:p>
         </p:txBody>
@@ -14452,7 +13629,7 @@
               <a:t> </a:t>
             </a:r>
             <a:r>
-              <a:rPr lang="en-US" sz="2400" dirty="0" smtClean="0">
+              <a:rPr lang="en-US" sz="2400" dirty="0">
                 <a:hlinkClick r:id="rId3" tooltip="Art of Analytics – The Sword"/>
               </a:rPr>
               <a:t>Art of Analytics – The Sword</a:t>
@@ -14531,13 +13708,8 @@
             </a:pPr>
             <a:r>
               <a:rPr lang="en-US" sz="2400" dirty="0"/>
-              <a:t>What types of data can gaming companies obtain and use for analytics</a:t>
-            </a:r>
-            <a:r>
-              <a:rPr lang="en-US" sz="2400" dirty="0" smtClean="0"/>
-              <a:t>?</a:t>
-            </a:r>
-            <a:endParaRPr lang="en-US" sz="2400" dirty="0"/>
+              <a:t>What types of data can gaming companies obtain and use for analytics?</a:t>
+            </a:r>
           </a:p>
         </p:txBody>
       </p:sp>
@@ -14551,21 +13723,6 @@
   <p:clrMapOvr>
     <a:masterClrMapping/>
   </p:clrMapOvr>
-  <mc:AlternateContent xmlns:mc="http://schemas.openxmlformats.org/markup-compatibility/2006" xmlns:p14="http://schemas.microsoft.com/office/powerpoint/2010/main">
-    <mc:Choice Requires="p14">
-      <p:transition spd="slow" p14:dur="2000"/>
-    </mc:Choice>
-    <mc:Fallback xmlns="">
-      <p:transition spd="slow"/>
-    </mc:Fallback>
-  </mc:AlternateContent>
-  <p:timing>
-    <p:tnLst>
-      <p:par>
-        <p:cTn id="1" dur="indefinite" restart="never" nodeType="tmRoot"/>
-      </p:par>
-    </p:tnLst>
-  </p:timing>
 </p:sld>
 </file>
 
@@ -14615,7 +13772,7 @@
               <a:t>Technology Insight 6.1 </a:t>
             </a:r>
             <a:r>
-              <a:rPr lang="en-US" sz="2800" dirty="0" smtClean="0">
+              <a:rPr lang="en-US" sz="2800" dirty="0">
                 <a:latin typeface="+mj-lt"/>
               </a:rPr>
               <a:t>(1 of 3)</a:t>
@@ -14669,11 +13826,6 @@
               </a:rPr>
               <a:t>Elements of an Artificial Neural Network</a:t>
             </a:r>
-            <a:endParaRPr lang="en-IN" sz="2800" b="1" dirty="0" smtClean="0">
-              <a:solidFill>
-                <a:srgbClr val="007FA3"/>
-              </a:solidFill>
-            </a:endParaRPr>
           </a:p>
         </p:txBody>
       </p:sp>
@@ -14709,16 +13861,12 @@
               <a:t>Processing element (</a:t>
             </a:r>
             <a:r>
-              <a:rPr lang="en-US" sz="2400" spc="-300" dirty="0" smtClean="0"/>
+              <a:rPr lang="en-US" sz="2400" spc="-300" dirty="0"/>
               <a:t>P </a:t>
             </a:r>
             <a:r>
-              <a:rPr lang="en-US" sz="2400" dirty="0" smtClean="0"/>
-              <a:t>E</a:t>
-            </a:r>
-            <a:r>
               <a:rPr lang="en-US" sz="2400" dirty="0"/>
-              <a:t>)</a:t>
+              <a:t>E)</a:t>
             </a:r>
           </a:p>
           <a:p>
@@ -14759,12 +13907,8 @@
           </a:p>
           <a:p>
             <a:r>
-              <a:rPr lang="en-US" sz="2400" dirty="0" smtClean="0"/>
-              <a:t>Summation </a:t>
-            </a:r>
-            <a:r>
               <a:rPr lang="en-US" sz="2400" dirty="0"/>
-              <a:t>function</a:t>
+              <a:t>Summation function</a:t>
             </a:r>
           </a:p>
           <a:p>
@@ -14785,21 +13929,6 @@
   <p:clrMapOvr>
     <a:masterClrMapping/>
   </p:clrMapOvr>
-  <mc:AlternateContent xmlns:mc="http://schemas.openxmlformats.org/markup-compatibility/2006" xmlns:p14="http://schemas.microsoft.com/office/powerpoint/2010/main">
-    <mc:Choice Requires="p14">
-      <p:transition spd="slow" p14:dur="2000"/>
-    </mc:Choice>
-    <mc:Fallback xmlns="">
-      <p:transition spd="slow"/>
-    </mc:Fallback>
-  </mc:AlternateContent>
-  <p:timing>
-    <p:tnLst>
-      <p:par>
-        <p:cTn id="1" dur="indefinite" restart="never" nodeType="tmRoot"/>
-      </p:par>
-    </p:tnLst>
-  </p:timing>
 </p:sld>
 </file>
 
@@ -14849,7 +13978,7 @@
               <a:t>Technology Insight 6.1 </a:t>
             </a:r>
             <a:r>
-              <a:rPr lang="en-US" sz="2800" dirty="0" smtClean="0">
+              <a:rPr lang="en-US" sz="2800" dirty="0">
                 <a:latin typeface="+mj-lt"/>
               </a:rPr>
               <a:t>(2 of 3)</a:t>
@@ -14903,11 +14032,6 @@
               </a:rPr>
               <a:t>Elements of an Artificial Neural Network</a:t>
             </a:r>
-            <a:endParaRPr lang="en-IN" sz="2800" b="1" dirty="0" smtClean="0">
-              <a:solidFill>
-                <a:srgbClr val="007FA3"/>
-              </a:solidFill>
-            </a:endParaRPr>
           </a:p>
         </p:txBody>
       </p:sp>
@@ -14994,21 +14118,6 @@
   <p:clrMapOvr>
     <a:masterClrMapping/>
   </p:clrMapOvr>
-  <mc:AlternateContent xmlns:mc="http://schemas.openxmlformats.org/markup-compatibility/2006" xmlns:p14="http://schemas.microsoft.com/office/powerpoint/2010/main">
-    <mc:Choice Requires="p14">
-      <p:transition spd="slow" p14:dur="2000"/>
-    </mc:Choice>
-    <mc:Fallback xmlns="">
-      <p:transition spd="slow"/>
-    </mc:Fallback>
-  </mc:AlternateContent>
-  <p:timing>
-    <p:tnLst>
-      <p:par>
-        <p:cTn id="1" dur="indefinite" restart="never" nodeType="tmRoot"/>
-      </p:par>
-    </p:tnLst>
-  </p:timing>
 </p:sld>
 </file>
 
@@ -15104,35 +14213,11 @@
                   <a:srgbClr val="007FA3"/>
                 </a:solidFill>
               </a:rPr>
-              <a:t>6</a:t>
-            </a:r>
-            <a:r>
-              <a:rPr lang="en-US" sz="2400" b="1" dirty="0" smtClean="0">
-                <a:solidFill>
-                  <a:srgbClr val="007FA3"/>
-                </a:solidFill>
-              </a:rPr>
-              <a:t>.1</a:t>
-            </a:r>
-            <a:r>
-              <a:rPr lang="en-US" sz="2400" dirty="0" smtClean="0"/>
-              <a:t> 	Learn </a:t>
+              <a:t>6.1</a:t>
             </a:r>
             <a:r>
               <a:rPr lang="en-US" sz="2400" dirty="0"/>
-              <a:t>what deep learning is and how it is changing </a:t>
-            </a:r>
-            <a:r>
-              <a:rPr lang="en-US" sz="2400" dirty="0" smtClean="0"/>
-              <a:t>the world </a:t>
-            </a:r>
-            <a:r>
-              <a:rPr lang="en-US" sz="2400" dirty="0"/>
-              <a:t>of </a:t>
-            </a:r>
-            <a:r>
-              <a:rPr lang="en-US" sz="2400" dirty="0" smtClean="0"/>
-              <a:t>computing</a:t>
+              <a:t> 	Learn what deep learning is and how it is changing the world of computing</a:t>
             </a:r>
           </a:p>
           <a:p>
@@ -15151,18 +14236,10 @@
                   <a:srgbClr val="007FA3"/>
                 </a:solidFill>
               </a:rPr>
-              <a:t>6</a:t>
-            </a:r>
-            <a:r>
-              <a:rPr lang="en-US" sz="2400" b="1" dirty="0" smtClean="0">
-                <a:solidFill>
-                  <a:srgbClr val="007FA3"/>
-                </a:solidFill>
-              </a:rPr>
-              <a:t>.2</a:t>
-            </a:r>
-            <a:r>
-              <a:rPr lang="en-US" sz="2400" b="1" dirty="0" smtClean="0">
+              <a:t>6.2</a:t>
+            </a:r>
+            <a:r>
+              <a:rPr lang="en-US" sz="2400" b="1" dirty="0">
                 <a:solidFill>
                   <a:schemeClr val="accent1"/>
                 </a:solidFill>
@@ -15170,15 +14247,15 @@
               <a:t> 	</a:t>
             </a:r>
             <a:r>
-              <a:rPr lang="en-US" sz="2400" dirty="0" smtClean="0"/>
+              <a:rPr lang="en-US" sz="2400" dirty="0"/>
               <a:t>Know the placement of deep learning within the broad family of </a:t>
             </a:r>
             <a:r>
-              <a:rPr lang="en-US" sz="2400" spc="-300" dirty="0" smtClean="0"/>
+              <a:rPr lang="en-US" sz="2400" spc="-300" dirty="0"/>
               <a:t>A </a:t>
             </a:r>
             <a:r>
-              <a:rPr lang="en-US" sz="2400" dirty="0" smtClean="0"/>
+              <a:rPr lang="en-US" sz="2400" dirty="0"/>
               <a:t>I learning methods</a:t>
             </a:r>
           </a:p>
@@ -15198,43 +14275,19 @@
                   <a:srgbClr val="007FA3"/>
                 </a:solidFill>
               </a:rPr>
-              <a:t>6</a:t>
-            </a:r>
-            <a:r>
-              <a:rPr lang="en-US" sz="2400" b="1" dirty="0" smtClean="0">
-                <a:solidFill>
-                  <a:srgbClr val="007FA3"/>
-                </a:solidFill>
-              </a:rPr>
-              <a:t>.3</a:t>
-            </a:r>
-            <a:r>
-              <a:rPr lang="en-US" sz="2400" dirty="0" smtClean="0"/>
-              <a:t> 	Understand </a:t>
+              <a:t>6.3</a:t>
             </a:r>
             <a:r>
               <a:rPr lang="en-US" sz="2400" dirty="0"/>
-              <a:t>how traditional “shallow” artificial neural </a:t>
-            </a:r>
-            <a:r>
-              <a:rPr lang="en-US" sz="2400" dirty="0" smtClean="0"/>
-              <a:t>networks </a:t>
+              <a:t> 	Understand how traditional “shallow” artificial neural networks (</a:t>
+            </a:r>
+            <a:r>
+              <a:rPr lang="en-US" sz="2400" spc="-300" dirty="0"/>
+              <a:t>A N </a:t>
             </a:r>
             <a:r>
               <a:rPr lang="en-US" sz="2400" dirty="0"/>
-              <a:t>(</a:t>
-            </a:r>
-            <a:r>
-              <a:rPr lang="en-US" sz="2400" spc="-300" dirty="0" smtClean="0"/>
-              <a:t>A N </a:t>
-            </a:r>
-            <a:r>
-              <a:rPr lang="en-US" sz="2400" dirty="0" smtClean="0"/>
-              <a:t>N</a:t>
-            </a:r>
-            <a:r>
-              <a:rPr lang="en-US" sz="2400" dirty="0"/>
-              <a:t>) work</a:t>
+              <a:t>N) work</a:t>
             </a:r>
           </a:p>
           <a:p>
@@ -15254,18 +14307,10 @@
                   <a:srgbClr val="007FA3"/>
                 </a:solidFill>
               </a:rPr>
-              <a:t>6</a:t>
-            </a:r>
-            <a:r>
-              <a:rPr lang="en-US" sz="2400" b="1" dirty="0" smtClean="0">
-                <a:solidFill>
-                  <a:srgbClr val="007FA3"/>
-                </a:solidFill>
-              </a:rPr>
-              <a:t>.4</a:t>
-            </a:r>
-            <a:r>
-              <a:rPr lang="en-US" sz="2400" b="1" dirty="0" smtClean="0">
+              <a:t>6.4</a:t>
+            </a:r>
+            <a:r>
+              <a:rPr lang="en-US" sz="2400" b="1" dirty="0">
                 <a:solidFill>
                   <a:schemeClr val="accent1"/>
                 </a:solidFill>
@@ -15273,27 +14318,15 @@
               <a:t> 	</a:t>
             </a:r>
             <a:r>
-              <a:rPr lang="en-US" sz="2400" dirty="0" smtClean="0"/>
-              <a:t>Become </a:t>
-            </a:r>
-            <a:r>
               <a:rPr lang="en-US" sz="2400" dirty="0"/>
-              <a:t>familiar with the development and learning </a:t>
-            </a:r>
-            <a:r>
-              <a:rPr lang="en-US" sz="2400" dirty="0" smtClean="0"/>
-              <a:t>processes </a:t>
-            </a:r>
-            <a:r>
-              <a:rPr lang="en-US" sz="2400" dirty="0"/>
-              <a:t>of </a:t>
-            </a:r>
-            <a:r>
-              <a:rPr lang="en-US" sz="2400" spc="-300" dirty="0" smtClean="0"/>
+              <a:t>Become familiar with the development and learning processes of </a:t>
+            </a:r>
+            <a:r>
+              <a:rPr lang="en-US" sz="2400" spc="-300" dirty="0"/>
               <a:t>A N </a:t>
             </a:r>
             <a:r>
-              <a:rPr lang="en-US" sz="2400" dirty="0" err="1" smtClean="0"/>
+              <a:rPr lang="en-US" sz="2400" dirty="0" err="1"/>
               <a:t>N</a:t>
             </a:r>
             <a:endParaRPr lang="en-US" sz="2400" dirty="0"/>
@@ -15315,51 +14348,23 @@
                   <a:srgbClr val="007FA3"/>
                 </a:solidFill>
               </a:rPr>
-              <a:t>6</a:t>
-            </a:r>
-            <a:r>
-              <a:rPr lang="en-US" sz="2400" b="1" dirty="0" smtClean="0">
-                <a:solidFill>
-                  <a:srgbClr val="007FA3"/>
-                </a:solidFill>
-              </a:rPr>
-              <a:t>.5</a:t>
-            </a:r>
-            <a:r>
-              <a:rPr lang="en-US" sz="2400" dirty="0" smtClean="0"/>
-              <a:t> 	Develop </a:t>
+              <a:t>6.5</a:t>
             </a:r>
             <a:r>
               <a:rPr lang="en-US" sz="2400" dirty="0"/>
-              <a:t>an understanding of the methods to shed light </a:t>
-            </a:r>
-            <a:r>
-              <a:rPr lang="en-US" sz="2400" dirty="0" smtClean="0"/>
-              <a:t>into </a:t>
+              <a:t> 	Develop an understanding of the methods to shed light into the </a:t>
+            </a:r>
+            <a:r>
+              <a:rPr lang="en-US" sz="2400" spc="-300" dirty="0"/>
+              <a:t>A N </a:t>
+            </a:r>
+            <a:r>
+              <a:rPr lang="en-US" sz="2400" dirty="0" err="1"/>
+              <a:t>N</a:t>
             </a:r>
             <a:r>
               <a:rPr lang="en-US" sz="2400" dirty="0"/>
-              <a:t>the </a:t>
-            </a:r>
-            <a:r>
-              <a:rPr lang="en-US" sz="2400" spc="-300" dirty="0" smtClean="0"/>
-              <a:t>A N </a:t>
-            </a:r>
-            <a:r>
-              <a:rPr lang="en-US" sz="2400" dirty="0" err="1" smtClean="0"/>
-              <a:t>N</a:t>
-            </a:r>
-            <a:r>
-              <a:rPr lang="en-US" sz="2400" dirty="0" smtClean="0"/>
-              <a:t> </a:t>
-            </a:r>
-            <a:r>
-              <a:rPr lang="en-US" sz="2400" dirty="0"/>
-              <a:t>black </a:t>
-            </a:r>
-            <a:r>
-              <a:rPr lang="en-US" sz="2400" dirty="0" smtClean="0"/>
-              <a:t>box</a:t>
+              <a:t> black box</a:t>
             </a:r>
           </a:p>
         </p:txBody>
@@ -15374,21 +14379,6 @@
   <p:clrMapOvr>
     <a:masterClrMapping/>
   </p:clrMapOvr>
-  <mc:AlternateContent xmlns:mc="http://schemas.openxmlformats.org/markup-compatibility/2006" xmlns:p14="http://schemas.microsoft.com/office/powerpoint/2010/main">
-    <mc:Choice Requires="p14">
-      <p:transition spd="slow" p14:dur="2000"/>
-    </mc:Choice>
-    <mc:Fallback xmlns="">
-      <p:transition spd="slow"/>
-    </mc:Fallback>
-  </mc:AlternateContent>
-  <p:timing>
-    <p:tnLst>
-      <p:par>
-        <p:cTn id="1" dur="indefinite" restart="never" nodeType="tmRoot"/>
-      </p:par>
-    </p:tnLst>
-  </p:timing>
 </p:sld>
 </file>
 
@@ -15438,7 +14428,7 @@
               <a:t>Technology Insight 6.1 </a:t>
             </a:r>
             <a:r>
-              <a:rPr lang="en-US" sz="2800" dirty="0" smtClean="0">
+              <a:rPr lang="en-US" sz="2800" dirty="0">
                 <a:latin typeface="+mj-lt"/>
               </a:rPr>
               <a:t>(3 of 3)</a:t>
@@ -15492,11 +14482,6 @@
               </a:rPr>
               <a:t>Elements of an Artificial Neural Network</a:t>
             </a:r>
-            <a:endParaRPr lang="en-IN" sz="2800" b="1" dirty="0" smtClean="0">
-              <a:solidFill>
-                <a:srgbClr val="007FA3"/>
-              </a:solidFill>
-            </a:endParaRPr>
           </a:p>
         </p:txBody>
       </p:sp>
@@ -15570,21 +14555,8 @@
                   <a:srgbClr val="007FA3"/>
                 </a:solidFill>
               </a:rPr>
-              <a:t>Summation </a:t>
-            </a:r>
-            <a:r>
-              <a:rPr lang="en-US" sz="1800" dirty="0" smtClean="0">
-                <a:solidFill>
-                  <a:srgbClr val="007FA3"/>
-                </a:solidFill>
-              </a:rPr>
-              <a:t>Functions</a:t>
-            </a:r>
-            <a:endParaRPr lang="en-US" sz="1800" dirty="0">
-              <a:solidFill>
-                <a:srgbClr val="007FA3"/>
-              </a:solidFill>
-            </a:endParaRPr>
+              <a:t>Summation Functions</a:t>
+            </a:r>
           </a:p>
         </p:txBody>
       </p:sp>
@@ -15658,21 +14630,8 @@
                   <a:schemeClr val="bg2"/>
                 </a:solidFill>
               </a:rPr>
-              <a:t>Transfer </a:t>
-            </a:r>
-            <a:r>
-              <a:rPr lang="en-IN" sz="1800" dirty="0" smtClean="0">
-                <a:solidFill>
-                  <a:schemeClr val="bg2"/>
-                </a:solidFill>
-              </a:rPr>
-              <a:t>Function</a:t>
-            </a:r>
-            <a:endParaRPr lang="en-IN" sz="1800" dirty="0">
-              <a:solidFill>
-                <a:schemeClr val="bg2"/>
-              </a:solidFill>
-            </a:endParaRPr>
+              <a:t>Transfer Function</a:t>
+            </a:r>
           </a:p>
         </p:txBody>
       </p:sp>
@@ -15686,21 +14645,6 @@
   <p:clrMapOvr>
     <a:masterClrMapping/>
   </p:clrMapOvr>
-  <mc:AlternateContent xmlns:mc="http://schemas.openxmlformats.org/markup-compatibility/2006" xmlns:p14="http://schemas.microsoft.com/office/powerpoint/2010/main">
-    <mc:Choice Requires="p14">
-      <p:transition spd="slow" p14:dur="2000"/>
-    </mc:Choice>
-    <mc:Fallback xmlns="">
-      <p:transition spd="slow"/>
-    </mc:Fallback>
-  </mc:AlternateContent>
-  <p:timing>
-    <p:tnLst>
-      <p:par>
-        <p:cTn id="1" dur="indefinite" restart="never" nodeType="tmRoot"/>
-      </p:par>
-    </p:tnLst>
-  </p:timing>
 </p:sld>
 </file>
 
@@ -15747,17 +14691,8 @@
               <a:rPr lang="en-US" sz="3600" dirty="0">
                 <a:latin typeface="+mj-lt"/>
               </a:rPr>
-              <a:t>Application Case </a:t>
-            </a:r>
-            <a:r>
-              <a:rPr lang="en-US" sz="3600" dirty="0" smtClean="0">
-                <a:latin typeface="+mj-lt"/>
-              </a:rPr>
-              <a:t>6.3 </a:t>
-            </a:r>
-            <a:endParaRPr lang="en-US" sz="3600" dirty="0">
-              <a:latin typeface="+mj-lt"/>
-            </a:endParaRPr>
+              <a:t>Application Case 6.3 </a:t>
+            </a:r>
           </a:p>
         </p:txBody>
       </p:sp>
@@ -15804,11 +14739,6 @@
               </a:rPr>
               <a:t>Artificial Intelligence Helps Protect Animals from Extinction</a:t>
             </a:r>
-            <a:endParaRPr lang="en-IN" sz="2800" b="1" dirty="0" smtClean="0">
-              <a:solidFill>
-                <a:srgbClr val="007FA3"/>
-              </a:solidFill>
-            </a:endParaRPr>
           </a:p>
         </p:txBody>
       </p:sp>
@@ -15897,13 +14827,8 @@
             </a:pPr>
             <a:r>
               <a:rPr lang="en-US" sz="2400" b="1" dirty="0"/>
-              <a:t>Discussion </a:t>
-            </a:r>
-            <a:r>
-              <a:rPr lang="en-US" sz="2400" b="1" dirty="0" smtClean="0"/>
-              <a:t>Questions </a:t>
-            </a:r>
-            <a:endParaRPr lang="en-US" sz="2400" b="1" dirty="0"/>
+              <a:t>Discussion Questions </a:t>
+            </a:r>
           </a:p>
           <a:p>
             <a:pPr marL="457200" indent="-457200">
@@ -15972,21 +14897,6 @@
   <p:clrMapOvr>
     <a:masterClrMapping/>
   </p:clrMapOvr>
-  <mc:AlternateContent xmlns:mc="http://schemas.openxmlformats.org/markup-compatibility/2006" xmlns:p14="http://schemas.microsoft.com/office/powerpoint/2010/main">
-    <mc:Choice Requires="p14">
-      <p:transition spd="slow" p14:dur="2000"/>
-    </mc:Choice>
-    <mc:Fallback xmlns="">
-      <p:transition spd="slow"/>
-    </mc:Fallback>
-  </mc:AlternateContent>
-  <p:timing>
-    <p:tnLst>
-      <p:par>
-        <p:cTn id="1" dur="indefinite" restart="never" nodeType="tmRoot"/>
-      </p:par>
-    </p:tnLst>
-  </p:timing>
 </p:sld>
 </file>
 
@@ -16124,21 +15034,6 @@
   <p:clrMapOvr>
     <a:masterClrMapping/>
   </p:clrMapOvr>
-  <mc:AlternateContent xmlns:mc="http://schemas.openxmlformats.org/markup-compatibility/2006" xmlns:p14="http://schemas.microsoft.com/office/powerpoint/2010/main">
-    <mc:Choice Requires="p14">
-      <p:transition spd="slow" p14:dur="2000"/>
-    </mc:Choice>
-    <mc:Fallback xmlns="">
-      <p:transition spd="slow"/>
-    </mc:Fallback>
-  </mc:AlternateContent>
-  <p:timing>
-    <p:tnLst>
-      <p:par>
-        <p:cTn id="1" dur="indefinite" restart="never" nodeType="tmRoot"/>
-      </p:par>
-    </p:tnLst>
-  </p:timing>
 </p:sld>
 </file>
 
@@ -16188,13 +15083,13 @@
               <a:t>Learning Process in </a:t>
             </a:r>
             <a:r>
-              <a:rPr lang="en-IN" sz="3600" spc="-450" dirty="0" smtClean="0">
+              <a:rPr lang="en-IN" sz="3600" spc="-450" dirty="0">
                 <a:latin typeface="+mj-lt"/>
               </a:rPr>
               <a:t>A N </a:t>
             </a:r>
             <a:r>
-              <a:rPr lang="en-IN" sz="3600" dirty="0" err="1" smtClean="0">
+              <a:rPr lang="en-IN" sz="3600" dirty="0" err="1">
                 <a:latin typeface="+mj-lt"/>
               </a:rPr>
               <a:t>N</a:t>
@@ -16316,21 +15211,6 @@
   <p:clrMapOvr>
     <a:masterClrMapping/>
   </p:clrMapOvr>
-  <mc:AlternateContent xmlns:mc="http://schemas.openxmlformats.org/markup-compatibility/2006" xmlns:p14="http://schemas.microsoft.com/office/powerpoint/2010/main">
-    <mc:Choice Requires="p14">
-      <p:transition spd="slow" p14:dur="2000"/>
-    </mc:Choice>
-    <mc:Fallback xmlns="">
-      <p:transition spd="slow"/>
-    </mc:Fallback>
-  </mc:AlternateContent>
-  <p:timing>
-    <p:tnLst>
-      <p:par>
-        <p:cTn id="1" dur="indefinite" restart="never" nodeType="tmRoot"/>
-      </p:par>
-    </p:tnLst>
-  </p:timing>
 </p:sld>
 </file>
 
@@ -16386,31 +15266,31 @@
               <a:t> for </a:t>
             </a:r>
             <a:r>
-              <a:rPr lang="en-IN" sz="3600" spc="-450" dirty="0" smtClean="0">
+              <a:rPr lang="en-IN" sz="3600" spc="-450" dirty="0">
                 <a:latin typeface="+mj-lt"/>
               </a:rPr>
               <a:t>A N </a:t>
             </a:r>
             <a:r>
-              <a:rPr lang="en-IN" sz="3600" dirty="0" err="1" smtClean="0">
+              <a:rPr lang="en-IN" sz="3600" dirty="0" err="1">
                 <a:latin typeface="+mj-lt"/>
               </a:rPr>
               <a:t>N</a:t>
             </a:r>
             <a:r>
-              <a:rPr lang="en-IN" sz="3600" dirty="0" smtClean="0">
+              <a:rPr lang="en-IN" sz="3600" dirty="0">
                 <a:latin typeface="+mj-lt"/>
               </a:rPr>
               <a:t> Training    </a:t>
             </a:r>
             <a:r>
-              <a:rPr lang="en-IN" sz="2800" dirty="0" smtClean="0">
+              <a:rPr lang="en-IN" sz="2800" dirty="0">
                 <a:latin typeface="+mj-lt"/>
               </a:rPr>
               <a:t>(1 of 2)</a:t>
             </a:r>
             <a:r>
-              <a:rPr lang="en-IN" sz="3600" dirty="0" smtClean="0">
+              <a:rPr lang="en-IN" sz="3600" dirty="0">
                 <a:latin typeface="+mj-lt"/>
               </a:rPr>
               <a:t> </a:t>
@@ -16559,21 +15439,6 @@
   <p:clrMapOvr>
     <a:masterClrMapping/>
   </p:clrMapOvr>
-  <mc:AlternateContent xmlns:mc="http://schemas.openxmlformats.org/markup-compatibility/2006" xmlns:p14="http://schemas.microsoft.com/office/powerpoint/2010/main">
-    <mc:Choice Requires="p14">
-      <p:transition spd="slow" p14:dur="2000"/>
-    </mc:Choice>
-    <mc:Fallback xmlns="">
-      <p:transition spd="slow"/>
-    </mc:Fallback>
-  </mc:AlternateContent>
-  <p:timing>
-    <p:tnLst>
-      <p:par>
-        <p:cTn id="1" dur="indefinite" restart="never" nodeType="tmRoot"/>
-      </p:par>
-    </p:tnLst>
-  </p:timing>
 </p:sld>
 </file>
 
@@ -16629,31 +15494,31 @@
               <a:t> for </a:t>
             </a:r>
             <a:r>
-              <a:rPr lang="en-IN" sz="3600" spc="-450" dirty="0" smtClean="0">
+              <a:rPr lang="en-IN" sz="3600" spc="-450" dirty="0">
                 <a:latin typeface="+mj-lt"/>
               </a:rPr>
               <a:t>A N </a:t>
             </a:r>
             <a:r>
-              <a:rPr lang="en-IN" sz="3600" dirty="0" err="1" smtClean="0">
+              <a:rPr lang="en-IN" sz="3600" dirty="0" err="1">
                 <a:latin typeface="+mj-lt"/>
               </a:rPr>
               <a:t>N</a:t>
             </a:r>
             <a:r>
-              <a:rPr lang="en-IN" sz="3600" dirty="0" smtClean="0">
+              <a:rPr lang="en-IN" sz="3600" dirty="0">
                 <a:latin typeface="+mj-lt"/>
               </a:rPr>
               <a:t> Training    </a:t>
             </a:r>
             <a:r>
-              <a:rPr lang="en-IN" sz="2800" dirty="0" smtClean="0">
+              <a:rPr lang="en-IN" sz="2800" dirty="0">
                 <a:latin typeface="+mj-lt"/>
               </a:rPr>
               <a:t>(2 of 2)</a:t>
             </a:r>
             <a:r>
-              <a:rPr lang="en-IN" sz="3600" dirty="0" smtClean="0">
+              <a:rPr lang="en-IN" sz="3600" dirty="0">
                 <a:latin typeface="+mj-lt"/>
               </a:rPr>
               <a:t> </a:t>
@@ -16704,11 +15569,11 @@
               <a:t> in </a:t>
             </a:r>
             <a:r>
-              <a:rPr lang="en-US" sz="2400" spc="-300" dirty="0" smtClean="0"/>
+              <a:rPr lang="en-US" sz="2400" spc="-300" dirty="0"/>
               <a:t>A N </a:t>
             </a:r>
             <a:r>
-              <a:rPr lang="en-US" sz="2400" dirty="0" err="1" smtClean="0"/>
+              <a:rPr lang="en-US" sz="2400" dirty="0" err="1"/>
               <a:t>N</a:t>
             </a:r>
             <a:endParaRPr lang="en-US" sz="2000" dirty="0"/>
@@ -16764,21 +15629,6 @@
   <p:clrMapOvr>
     <a:masterClrMapping/>
   </p:clrMapOvr>
-  <mc:AlternateContent xmlns:mc="http://schemas.openxmlformats.org/markup-compatibility/2006" xmlns:p14="http://schemas.microsoft.com/office/powerpoint/2010/main">
-    <mc:Choice Requires="p14">
-      <p:transition spd="slow" p14:dur="2000"/>
-    </mc:Choice>
-    <mc:Fallback xmlns="">
-      <p:transition spd="slow"/>
-    </mc:Fallback>
-  </mc:AlternateContent>
-  <p:timing>
-    <p:tnLst>
-      <p:par>
-        <p:cTn id="1" dur="indefinite" restart="never" nodeType="tmRoot"/>
-      </p:par>
-    </p:tnLst>
-  </p:timing>
 </p:sld>
 </file>
 
@@ -16828,13 +15678,13 @@
               <a:t>Illuminating the Black Box of </a:t>
             </a:r>
             <a:r>
-              <a:rPr lang="en-IN" sz="3600" spc="-450" dirty="0" smtClean="0">
+              <a:rPr lang="en-IN" sz="3600" spc="-450" dirty="0">
                 <a:latin typeface="+mj-lt"/>
               </a:rPr>
               <a:t>A N </a:t>
             </a:r>
             <a:r>
-              <a:rPr lang="en-IN" sz="3600" dirty="0" err="1" smtClean="0">
+              <a:rPr lang="en-IN" sz="3600" dirty="0" err="1">
                 <a:latin typeface="+mj-lt"/>
               </a:rPr>
               <a:t>N</a:t>
@@ -16873,20 +15723,16 @@
               </a:spcBef>
             </a:pPr>
             <a:r>
-              <a:rPr lang="en-US" sz="2400" spc="-300" dirty="0" smtClean="0"/>
+              <a:rPr lang="en-US" sz="2400" spc="-300" dirty="0"/>
               <a:t>A N </a:t>
             </a:r>
             <a:r>
-              <a:rPr lang="en-US" sz="2400" dirty="0" err="1" smtClean="0"/>
+              <a:rPr lang="en-US" sz="2400" dirty="0" err="1"/>
               <a:t>N</a:t>
             </a:r>
             <a:r>
-              <a:rPr lang="en-US" sz="2400" dirty="0" smtClean="0"/>
-              <a:t> </a:t>
-            </a:r>
-            <a:r>
               <a:rPr lang="en-US" sz="2400" dirty="0"/>
-              <a:t>are typically known as black boxes</a:t>
+              <a:t> are typically known as black boxes</a:t>
             </a:r>
           </a:p>
           <a:p>
@@ -16897,13 +15743,8 @@
             </a:pPr>
             <a:r>
               <a:rPr lang="en-US" sz="2400" dirty="0"/>
-              <a:t>Sensitivity analysis can shed light to the </a:t>
-            </a:r>
-            <a:r>
-              <a:rPr lang="en-US" sz="2400" dirty="0" smtClean="0"/>
-              <a:t>black-box</a:t>
-            </a:r>
-            <a:endParaRPr lang="en-US" sz="2400" dirty="0"/>
+              <a:t>Sensitivity analysis can shed light to the black-box</a:t>
+            </a:r>
           </a:p>
         </p:txBody>
       </p:sp>
@@ -16956,21 +15797,6 @@
   <p:clrMapOvr>
     <a:masterClrMapping/>
   </p:clrMapOvr>
-  <mc:AlternateContent xmlns:mc="http://schemas.openxmlformats.org/markup-compatibility/2006" xmlns:p14="http://schemas.microsoft.com/office/powerpoint/2010/main">
-    <mc:Choice Requires="p14">
-      <p:transition spd="slow" p14:dur="2000"/>
-    </mc:Choice>
-    <mc:Fallback xmlns="">
-      <p:transition spd="slow"/>
-    </mc:Fallback>
-  </mc:AlternateContent>
-  <p:timing>
-    <p:tnLst>
-      <p:par>
-        <p:cTn id="1" dur="indefinite" restart="never" nodeType="tmRoot"/>
-      </p:par>
-    </p:tnLst>
-  </p:timing>
 </p:sld>
 </file>
 
@@ -17017,16 +15843,10 @@
               <a:rPr lang="en-US" sz="3600" dirty="0">
                 <a:latin typeface="+mj-lt"/>
               </a:rPr>
-              <a:t>Application Case </a:t>
-            </a:r>
-            <a:r>
-              <a:rPr lang="en-US" sz="3600" dirty="0" smtClean="0">
-                <a:latin typeface="+mj-lt"/>
-              </a:rPr>
-              <a:t>6.4 </a:t>
-            </a:r>
-            <a:r>
-              <a:rPr lang="en-US" sz="2800" dirty="0" smtClean="0">
+              <a:t>Application Case 6.4 </a:t>
+            </a:r>
+            <a:r>
+              <a:rPr lang="en-US" sz="2800" dirty="0">
                 <a:latin typeface="+mj-lt"/>
               </a:rPr>
               <a:t>(1 of 2)</a:t>
@@ -17080,11 +15900,6 @@
               </a:rPr>
               <a:t>Sensitivity Analysis Reveals Injury Severity Factors in Traffic Accidents</a:t>
             </a:r>
-            <a:endParaRPr lang="en-IN" sz="2800" b="1" dirty="0" smtClean="0">
-              <a:solidFill>
-                <a:srgbClr val="007FA3"/>
-              </a:solidFill>
-            </a:endParaRPr>
           </a:p>
         </p:txBody>
       </p:sp>
@@ -17173,21 +15988,6 @@
   <p:clrMapOvr>
     <a:masterClrMapping/>
   </p:clrMapOvr>
-  <mc:AlternateContent xmlns:mc="http://schemas.openxmlformats.org/markup-compatibility/2006" xmlns:p14="http://schemas.microsoft.com/office/powerpoint/2010/main">
-    <mc:Choice Requires="p14">
-      <p:transition spd="slow" p14:dur="2000"/>
-    </mc:Choice>
-    <mc:Fallback xmlns="">
-      <p:transition spd="slow"/>
-    </mc:Fallback>
-  </mc:AlternateContent>
-  <p:timing>
-    <p:tnLst>
-      <p:par>
-        <p:cTn id="1" dur="indefinite" restart="never" nodeType="tmRoot"/>
-      </p:par>
-    </p:tnLst>
-  </p:timing>
 </p:sld>
 </file>
 
@@ -17234,16 +16034,10 @@
               <a:rPr lang="en-US" sz="3600" dirty="0">
                 <a:latin typeface="+mj-lt"/>
               </a:rPr>
-              <a:t>Application Case </a:t>
-            </a:r>
-            <a:r>
-              <a:rPr lang="en-US" sz="3600" dirty="0" smtClean="0">
-                <a:latin typeface="+mj-lt"/>
-              </a:rPr>
-              <a:t>6.4 </a:t>
-            </a:r>
-            <a:r>
-              <a:rPr lang="en-US" sz="2800" dirty="0" smtClean="0">
+              <a:t>Application Case 6.4 </a:t>
+            </a:r>
+            <a:r>
+              <a:rPr lang="en-US" sz="2800" dirty="0">
                 <a:latin typeface="+mj-lt"/>
               </a:rPr>
               <a:t>(2 of 2)</a:t>
@@ -17297,11 +16091,6 @@
               </a:rPr>
               <a:t>Sensitivity Analysis Reveals Injury Severity Factors in Traffic Accidents</a:t>
             </a:r>
-            <a:endParaRPr lang="en-IN" sz="2800" b="1" dirty="0" smtClean="0">
-              <a:solidFill>
-                <a:srgbClr val="007FA3"/>
-              </a:solidFill>
-            </a:endParaRPr>
           </a:p>
         </p:txBody>
       </p:sp>
@@ -17337,20 +16126,16 @@
               <a:t>Graphical representation of the sensitivity analysis results for the eight binary </a:t>
             </a:r>
             <a:r>
-              <a:rPr lang="en-US" sz="2400" spc="-300" dirty="0" smtClean="0"/>
+              <a:rPr lang="en-US" sz="2400" spc="-300" dirty="0"/>
               <a:t>A N </a:t>
             </a:r>
             <a:r>
-              <a:rPr lang="en-US" sz="2400" dirty="0" err="1" smtClean="0"/>
+              <a:rPr lang="en-US" sz="2400" dirty="0" err="1"/>
               <a:t>N</a:t>
             </a:r>
             <a:r>
-              <a:rPr lang="en-US" sz="2400" dirty="0" smtClean="0"/>
-              <a:t> </a:t>
-            </a:r>
-            <a:r>
               <a:rPr lang="en-US" sz="2400" dirty="0"/>
-              <a:t>model configurations</a:t>
+              <a:t> model configurations</a:t>
             </a:r>
           </a:p>
         </p:txBody>
@@ -17404,21 +16189,6 @@
   <p:clrMapOvr>
     <a:masterClrMapping/>
   </p:clrMapOvr>
-  <mc:AlternateContent xmlns:mc="http://schemas.openxmlformats.org/markup-compatibility/2006" xmlns:p14="http://schemas.microsoft.com/office/powerpoint/2010/main">
-    <mc:Choice Requires="p14">
-      <p:transition spd="slow" p14:dur="2000"/>
-    </mc:Choice>
-    <mc:Fallback xmlns="">
-      <p:transition spd="slow"/>
-    </mc:Fallback>
-  </mc:AlternateContent>
-  <p:timing>
-    <p:tnLst>
-      <p:par>
-        <p:cTn id="1" dur="indefinite" restart="never" nodeType="tmRoot"/>
-      </p:par>
-    </p:tnLst>
-  </p:timing>
 </p:sld>
 </file>
 
@@ -17465,16 +16235,10 @@
               <a:rPr lang="en-US" sz="3600" dirty="0">
                 <a:latin typeface="+mj-lt"/>
               </a:rPr>
-              <a:t>Deep Neural </a:t>
-            </a:r>
-            <a:r>
-              <a:rPr lang="en-US" sz="3600" dirty="0" smtClean="0">
-                <a:latin typeface="+mj-lt"/>
-              </a:rPr>
-              <a:t>Networks </a:t>
-            </a:r>
-            <a:r>
-              <a:rPr lang="en-US" sz="2800" dirty="0" smtClean="0">
+              <a:t>Deep Neural Networks </a:t>
+            </a:r>
+            <a:r>
+              <a:rPr lang="en-US" sz="2800" dirty="0">
                 <a:latin typeface="+mj-lt"/>
               </a:rPr>
               <a:t>(1 of 3)</a:t>
@@ -17518,26 +16282,21 @@
               <a:t>In addition to </a:t>
             </a:r>
             <a:r>
-              <a:rPr lang="en-US" sz="2400" spc="-300" dirty="0" smtClean="0"/>
+              <a:rPr lang="en-US" sz="2400" spc="-300" dirty="0"/>
               <a:t>C P </a:t>
             </a:r>
             <a:r>
-              <a:rPr lang="en-US" sz="2400" dirty="0" smtClean="0"/>
+              <a:rPr lang="en-US" sz="2400" dirty="0"/>
+              <a:t>U, it also uses </a:t>
+            </a:r>
+            <a:r>
+              <a:rPr lang="en-US" sz="2400" spc="-300" dirty="0"/>
+              <a:t>G P </a:t>
+            </a:r>
+            <a:r>
+              <a:rPr lang="en-US" sz="2400" dirty="0"/>
               <a:t>U</a:t>
             </a:r>
-            <a:r>
-              <a:rPr lang="en-US" sz="2400" dirty="0"/>
-              <a:t>, it also uses </a:t>
-            </a:r>
-            <a:r>
-              <a:rPr lang="en-US" sz="2400" spc="-300" dirty="0" smtClean="0"/>
-              <a:t>G P </a:t>
-            </a:r>
-            <a:r>
-              <a:rPr lang="en-US" sz="2400" dirty="0" smtClean="0"/>
-              <a:t>U</a:t>
-            </a:r>
-            <a:endParaRPr lang="en-US" sz="2400" dirty="0"/>
           </a:p>
           <a:p>
             <a:pPr lvl="1"/>
@@ -17546,26 +16305,21 @@
               <a:t>With programming languages like </a:t>
             </a:r>
             <a:r>
-              <a:rPr lang="en-US" sz="2400" spc="-300" dirty="0" smtClean="0"/>
+              <a:rPr lang="en-US" sz="2400" spc="-300" dirty="0"/>
               <a:t>C U D </a:t>
             </a:r>
             <a:r>
-              <a:rPr lang="en-US" sz="2400" dirty="0" smtClean="0"/>
+              <a:rPr lang="en-US" sz="2400" dirty="0"/>
+              <a:t>A by </a:t>
+            </a:r>
+            <a:r>
+              <a:rPr lang="en-US" sz="2400" spc="-300" dirty="0"/>
+              <a:t>N V I D I </a:t>
+            </a:r>
+            <a:r>
+              <a:rPr lang="en-US" sz="2400" dirty="0"/>
               <a:t>A </a:t>
             </a:r>
-            <a:r>
-              <a:rPr lang="en-US" sz="2400" dirty="0"/>
-              <a:t>by </a:t>
-            </a:r>
-            <a:r>
-              <a:rPr lang="en-US" sz="2400" spc="-300" dirty="0" smtClean="0"/>
-              <a:t>N V I D I </a:t>
-            </a:r>
-            <a:r>
-              <a:rPr lang="en-US" sz="2400" dirty="0" smtClean="0"/>
-              <a:t>A </a:t>
-            </a:r>
-            <a:endParaRPr lang="en-US" sz="2400" dirty="0"/>
           </a:p>
           <a:p>
             <a:r>
@@ -17611,21 +16365,6 @@
   <p:clrMapOvr>
     <a:masterClrMapping/>
   </p:clrMapOvr>
-  <mc:AlternateContent xmlns:mc="http://schemas.openxmlformats.org/markup-compatibility/2006" xmlns:p14="http://schemas.microsoft.com/office/powerpoint/2010/main">
-    <mc:Choice Requires="p14">
-      <p:transition spd="slow" p14:dur="2000"/>
-    </mc:Choice>
-    <mc:Fallback xmlns="">
-      <p:transition spd="slow"/>
-    </mc:Fallback>
-  </mc:AlternateContent>
-  <p:timing>
-    <p:tnLst>
-      <p:par>
-        <p:cTn id="1" dur="indefinite" restart="never" nodeType="tmRoot"/>
-      </p:par>
-    </p:tnLst>
-  </p:timing>
 </p:sld>
 </file>
 
@@ -17717,31 +16456,11 @@
                   <a:srgbClr val="007FA3"/>
                 </a:solidFill>
               </a:rPr>
-              <a:t>6</a:t>
-            </a:r>
-            <a:r>
-              <a:rPr lang="en-US" sz="2400" b="1" dirty="0" smtClean="0">
-                <a:solidFill>
-                  <a:srgbClr val="007FA3"/>
-                </a:solidFill>
-              </a:rPr>
-              <a:t>.6</a:t>
-            </a:r>
-            <a:r>
-              <a:rPr lang="en-US" sz="2400" dirty="0" smtClean="0"/>
-              <a:t> 	Know </a:t>
+              <a:t>6.6</a:t>
             </a:r>
             <a:r>
               <a:rPr lang="en-US" sz="2400" dirty="0"/>
-              <a:t>the underlying concept and methods for deep </a:t>
-            </a:r>
-            <a:r>
-              <a:rPr lang="en-US" sz="2400" dirty="0" smtClean="0"/>
-              <a:t>neural </a:t>
-            </a:r>
-            <a:r>
-              <a:rPr lang="en-US" sz="2400" dirty="0"/>
-              <a:t>networks</a:t>
+              <a:t> 	Know the underlying concept and methods for deep neural networks</a:t>
             </a:r>
           </a:p>
           <a:p>
@@ -17762,27 +16481,11 @@
                   <a:srgbClr val="007FA3"/>
                 </a:solidFill>
               </a:rPr>
-              <a:t>6</a:t>
-            </a:r>
-            <a:r>
-              <a:rPr lang="en-US" sz="2400" b="1" dirty="0" smtClean="0">
-                <a:solidFill>
-                  <a:srgbClr val="007FA3"/>
-                </a:solidFill>
-              </a:rPr>
-              <a:t>.7</a:t>
-            </a:r>
-            <a:r>
-              <a:rPr lang="en-US" sz="2400" dirty="0" smtClean="0"/>
-              <a:t> 		Become </a:t>
+              <a:t>6.7</a:t>
             </a:r>
             <a:r>
               <a:rPr lang="en-US" sz="2400" dirty="0"/>
-              <a:t>familiar with different types of deep learning </a:t>
-            </a:r>
-            <a:r>
-              <a:rPr lang="en-US" sz="2400" dirty="0" smtClean="0"/>
-              <a:t>methods</a:t>
+              <a:t> 		Become familiar with different types of deep learning methods</a:t>
             </a:r>
           </a:p>
           <a:p>
@@ -17797,7 +16500,7 @@
               </a:tabLst>
             </a:pPr>
             <a:r>
-              <a:rPr lang="en-US" sz="2400" b="1" dirty="0" smtClean="0">
+              <a:rPr lang="en-US" sz="2400" b="1" dirty="0">
                 <a:solidFill>
                   <a:srgbClr val="007FA3"/>
                 </a:solidFill>
@@ -17805,64 +16508,32 @@
               <a:t>6.8</a:t>
             </a:r>
             <a:r>
-              <a:rPr lang="en-US" sz="2400" dirty="0" smtClean="0"/>
-              <a:t> 	Understand </a:t>
-            </a:r>
-            <a:r>
               <a:rPr lang="en-US" sz="2400" dirty="0"/>
-              <a:t>how convolutional neural networks (</a:t>
-            </a:r>
-            <a:r>
-              <a:rPr lang="en-US" sz="2400" spc="-300" dirty="0" smtClean="0"/>
+              <a:t> 	Understand how convolutional neural networks (</a:t>
+            </a:r>
+            <a:r>
+              <a:rPr lang="en-US" sz="2400" spc="-300" dirty="0"/>
               <a:t>C N </a:t>
             </a:r>
             <a:r>
-              <a:rPr lang="en-US" sz="2400" dirty="0" smtClean="0"/>
-              <a:t>N</a:t>
-            </a:r>
-            <a:r>
               <a:rPr lang="en-US" sz="2400" dirty="0"/>
-              <a:t>), </a:t>
-            </a:r>
-            <a:r>
-              <a:rPr lang="en-US" sz="2400" dirty="0" smtClean="0"/>
-              <a:t>recurrent </a:t>
+              <a:t>N), recurrent neural networks (</a:t>
+            </a:r>
+            <a:r>
+              <a:rPr lang="en-US" sz="2400" spc="-300" dirty="0"/>
+              <a:t>R N </a:t>
             </a:r>
             <a:r>
               <a:rPr lang="en-US" sz="2400" dirty="0"/>
-              <a:t>neural networks (</a:t>
-            </a:r>
-            <a:r>
-              <a:rPr lang="en-US" sz="2400" spc="-300" dirty="0" smtClean="0"/>
-              <a:t>R N </a:t>
-            </a:r>
-            <a:r>
-              <a:rPr lang="en-US" sz="2400" dirty="0" smtClean="0"/>
-              <a:t>N</a:t>
+              <a:t>N), and long short-memory networks (</a:t>
+            </a:r>
+            <a:r>
+              <a:rPr lang="en-US" sz="2400" spc="-300" dirty="0"/>
+              <a:t>L S T </a:t>
             </a:r>
             <a:r>
               <a:rPr lang="en-US" sz="2400" dirty="0"/>
-              <a:t>), and long </a:t>
-            </a:r>
-            <a:r>
-              <a:rPr lang="en-US" sz="2400" dirty="0" smtClean="0"/>
-              <a:t>short-memory </a:t>
-            </a:r>
-            <a:r>
-              <a:rPr lang="en-US" sz="2400" dirty="0"/>
-              <a:t>networks (</a:t>
-            </a:r>
-            <a:r>
-              <a:rPr lang="en-US" sz="2400" spc="-300" dirty="0" smtClean="0"/>
-              <a:t>L S T </a:t>
-            </a:r>
-            <a:r>
-              <a:rPr lang="en-US" sz="2400" dirty="0" smtClean="0"/>
-              <a:t>M</a:t>
-            </a:r>
-            <a:r>
-              <a:rPr lang="en-US" sz="2400" dirty="0"/>
-              <a:t>) work</a:t>
+              <a:t>M) work</a:t>
             </a:r>
           </a:p>
           <a:p>
@@ -17877,7 +16548,7 @@
               </a:tabLst>
             </a:pPr>
             <a:r>
-              <a:rPr lang="en-US" sz="2400" b="1" dirty="0" smtClean="0">
+              <a:rPr lang="en-US" sz="2400" b="1" dirty="0">
                 <a:solidFill>
                   <a:srgbClr val="007FA3"/>
                 </a:solidFill>
@@ -17885,20 +16556,8 @@
               <a:t>6.9</a:t>
             </a:r>
             <a:r>
-              <a:rPr lang="en-US" sz="2400" dirty="0" smtClean="0"/>
-              <a:t> 	Become </a:t>
-            </a:r>
-            <a:r>
               <a:rPr lang="en-US" sz="2400" dirty="0"/>
-              <a:t>familiar with the computer frameworks </a:t>
-            </a:r>
-            <a:r>
-              <a:rPr lang="en-US" sz="2400" dirty="0" smtClean="0"/>
-              <a:t>for implementing </a:t>
-            </a:r>
-            <a:r>
-              <a:rPr lang="en-US" sz="2400" dirty="0"/>
-              <a:t>deep learning</a:t>
+              <a:t> 	Become familiar with the computer frameworks for implementing deep learning</a:t>
             </a:r>
           </a:p>
           <a:p>
@@ -17918,41 +16577,20 @@
                   <a:srgbClr val="007FA3"/>
                 </a:solidFill>
               </a:rPr>
-              <a:t>6</a:t>
-            </a:r>
-            <a:r>
-              <a:rPr lang="en-US" sz="2400" b="1" dirty="0" smtClean="0">
-                <a:solidFill>
-                  <a:srgbClr val="007FA3"/>
-                </a:solidFill>
-              </a:rPr>
-              <a:t>.10</a:t>
-            </a:r>
-            <a:r>
-              <a:rPr lang="en-US" sz="2400" dirty="0" smtClean="0"/>
-              <a:t> 	Know </a:t>
+              <a:t>6.10</a:t>
             </a:r>
             <a:r>
               <a:rPr lang="en-US" sz="2400" dirty="0"/>
-              <a:t>the foundational details about </a:t>
-            </a:r>
-            <a:r>
-              <a:rPr lang="en-US" sz="2400" dirty="0" smtClean="0"/>
-              <a:t>cognitive Computing </a:t>
+              <a:t> 	Know the foundational details about cognitive Computing and </a:t>
+            </a:r>
+            <a:r>
+              <a:rPr lang="en-US" sz="2400" spc="-300" dirty="0"/>
+              <a:t>I B </a:t>
             </a:r>
             <a:r>
               <a:rPr lang="en-US" sz="2400" dirty="0"/>
-              <a:t>and </a:t>
-            </a:r>
-            <a:r>
-              <a:rPr lang="en-US" sz="2400" spc="-300" dirty="0" smtClean="0"/>
-              <a:t>I B </a:t>
-            </a:r>
-            <a:r>
-              <a:rPr lang="en-US" sz="2400" dirty="0" smtClean="0"/>
               <a:t>M Watson</a:t>
             </a:r>
-            <a:endParaRPr lang="en-US" sz="2400" dirty="0"/>
           </a:p>
         </p:txBody>
       </p:sp>
@@ -17966,21 +16604,6 @@
   <p:clrMapOvr>
     <a:masterClrMapping/>
   </p:clrMapOvr>
-  <mc:AlternateContent xmlns:mc="http://schemas.openxmlformats.org/markup-compatibility/2006" xmlns:p14="http://schemas.microsoft.com/office/powerpoint/2010/main">
-    <mc:Choice Requires="p14">
-      <p:transition spd="slow" p14:dur="2000"/>
-    </mc:Choice>
-    <mc:Fallback xmlns="">
-      <p:transition spd="slow"/>
-    </mc:Fallback>
-  </mc:AlternateContent>
-  <p:timing>
-    <p:tnLst>
-      <p:par>
-        <p:cTn id="1" dur="indefinite" restart="never" nodeType="tmRoot"/>
-      </p:par>
-    </p:tnLst>
-  </p:timing>
 </p:sld>
 </file>
 
@@ -18027,16 +16650,10 @@
               <a:rPr lang="en-US" sz="3600" dirty="0">
                 <a:latin typeface="+mj-lt"/>
               </a:rPr>
-              <a:t>Deep Neural </a:t>
-            </a:r>
-            <a:r>
-              <a:rPr lang="en-US" sz="3600" dirty="0" smtClean="0">
-                <a:latin typeface="+mj-lt"/>
-              </a:rPr>
-              <a:t>Networks </a:t>
-            </a:r>
-            <a:r>
-              <a:rPr lang="en-US" sz="2800" dirty="0" smtClean="0">
+              <a:t>Deep Neural Networks </a:t>
+            </a:r>
+            <a:r>
+              <a:rPr lang="en-US" sz="2800" dirty="0">
                 <a:latin typeface="+mj-lt"/>
               </a:rPr>
               <a:t>(2 of 3)</a:t>
@@ -18089,7 +16706,7 @@
               <a:t> Multilayer Perceptron (</a:t>
             </a:r>
             <a:r>
-              <a:rPr lang="en-US" sz="2400" spc="-300" dirty="0" smtClean="0">
+              <a:rPr lang="en-US" sz="2400" spc="-300" dirty="0">
                 <a:solidFill>
                   <a:srgbClr val="007FA3"/>
                 </a:solidFill>
@@ -18097,20 +16714,12 @@
               <a:t>M L </a:t>
             </a:r>
             <a:r>
-              <a:rPr lang="en-US" sz="2400" dirty="0" smtClean="0">
-                <a:solidFill>
-                  <a:srgbClr val="007FA3"/>
-                </a:solidFill>
-              </a:rPr>
-              <a:t>P</a:t>
-            </a:r>
-            <a:r>
               <a:rPr lang="en-US" sz="2400" dirty="0">
                 <a:solidFill>
                   <a:srgbClr val="007FA3"/>
                 </a:solidFill>
               </a:rPr>
-              <a:t>)-Type Deep Networks</a:t>
+              <a:t>P)-Type Deep Networks</a:t>
             </a:r>
           </a:p>
           <a:p>
@@ -18125,16 +16734,12 @@
               <a:t>Vector Representation of the First Three Layers in a Typical </a:t>
             </a:r>
             <a:r>
-              <a:rPr lang="en-US" sz="2400" spc="-300" dirty="0" smtClean="0"/>
+              <a:rPr lang="en-US" sz="2400" spc="-300" dirty="0"/>
               <a:t>M L </a:t>
             </a:r>
             <a:r>
-              <a:rPr lang="en-US" sz="2400" dirty="0" smtClean="0"/>
-              <a:t>P </a:t>
-            </a:r>
-            <a:r>
               <a:rPr lang="en-US" sz="2400" dirty="0"/>
-              <a:t>Network.</a:t>
+              <a:t>P Network.</a:t>
             </a:r>
           </a:p>
         </p:txBody>
@@ -18188,21 +16793,6 @@
   <p:clrMapOvr>
     <a:masterClrMapping/>
   </p:clrMapOvr>
-  <mc:AlternateContent xmlns:mc="http://schemas.openxmlformats.org/markup-compatibility/2006" xmlns:p14="http://schemas.microsoft.com/office/powerpoint/2010/main">
-    <mc:Choice Requires="p14">
-      <p:transition spd="slow" p14:dur="2000"/>
-    </mc:Choice>
-    <mc:Fallback xmlns="">
-      <p:transition spd="slow"/>
-    </mc:Fallback>
-  </mc:AlternateContent>
-  <p:timing>
-    <p:tnLst>
-      <p:par>
-        <p:cTn id="1" dur="indefinite" restart="never" nodeType="tmRoot"/>
-      </p:par>
-    </p:tnLst>
-  </p:timing>
 </p:sld>
 </file>
 
@@ -18249,16 +16839,10 @@
               <a:rPr lang="en-US" sz="3600" dirty="0">
                 <a:latin typeface="+mj-lt"/>
               </a:rPr>
-              <a:t>Deep Neural </a:t>
-            </a:r>
-            <a:r>
-              <a:rPr lang="en-US" sz="3600" dirty="0" smtClean="0">
-                <a:latin typeface="+mj-lt"/>
-              </a:rPr>
-              <a:t>Networks </a:t>
-            </a:r>
-            <a:r>
-              <a:rPr lang="en-US" sz="2800" dirty="0" smtClean="0">
+              <a:t>Deep Neural Networks </a:t>
+            </a:r>
+            <a:r>
+              <a:rPr lang="en-US" sz="2800" dirty="0">
                 <a:latin typeface="+mj-lt"/>
               </a:rPr>
               <a:t>(3 of 3)</a:t>
@@ -18296,11 +16880,11 @@
               <a:t>Impact of Random Weights in Deep </a:t>
             </a:r>
             <a:r>
-              <a:rPr lang="en-US" sz="2400" spc="-300" dirty="0" smtClean="0"/>
+              <a:rPr lang="en-US" sz="2400" spc="-300" dirty="0"/>
               <a:t>M L </a:t>
             </a:r>
             <a:r>
-              <a:rPr lang="en-US" sz="2400" dirty="0" smtClean="0"/>
+              <a:rPr lang="en-US" sz="2400" dirty="0"/>
               <a:t>P</a:t>
             </a:r>
           </a:p>
@@ -18319,21 +16903,8 @@
                   <a:schemeClr val="bg2"/>
                 </a:solidFill>
               </a:rPr>
-              <a:t>More hidden layers versus more neurons</a:t>
-            </a:r>
-            <a:r>
-              <a:rPr lang="en-US" sz="2400" dirty="0" smtClean="0">
-                <a:solidFill>
-                  <a:schemeClr val="bg2"/>
-                </a:solidFill>
-              </a:rPr>
-              <a:t>?</a:t>
-            </a:r>
-            <a:endParaRPr lang="en-US" sz="2400" dirty="0">
-              <a:solidFill>
-                <a:schemeClr val="bg2"/>
-              </a:solidFill>
-            </a:endParaRPr>
+              <a:t>More hidden layers versus more neurons?</a:t>
+            </a:r>
           </a:p>
         </p:txBody>
       </p:sp>
@@ -18386,21 +16957,6 @@
   <p:clrMapOvr>
     <a:masterClrMapping/>
   </p:clrMapOvr>
-  <mc:AlternateContent xmlns:mc="http://schemas.openxmlformats.org/markup-compatibility/2006" xmlns:p14="http://schemas.microsoft.com/office/powerpoint/2010/main">
-    <mc:Choice Requires="p14">
-      <p:transition spd="slow" p14:dur="2000"/>
-    </mc:Choice>
-    <mc:Fallback xmlns="">
-      <p:transition spd="slow"/>
-    </mc:Fallback>
-  </mc:AlternateContent>
-  <p:timing>
-    <p:tnLst>
-      <p:par>
-        <p:cTn id="1" dur="indefinite" restart="never" nodeType="tmRoot"/>
-      </p:par>
-    </p:tnLst>
-  </p:timing>
 </p:sld>
 </file>
 
@@ -18447,16 +17003,10 @@
               <a:rPr lang="en-US" sz="3600" dirty="0">
                 <a:latin typeface="+mj-lt"/>
               </a:rPr>
-              <a:t>Application Case </a:t>
-            </a:r>
-            <a:r>
-              <a:rPr lang="en-US" sz="3600" dirty="0" smtClean="0">
-                <a:latin typeface="+mj-lt"/>
-              </a:rPr>
-              <a:t>6.5 </a:t>
-            </a:r>
-            <a:r>
-              <a:rPr lang="en-US" sz="2800" dirty="0" smtClean="0">
+              <a:t>Application Case 6.5 </a:t>
+            </a:r>
+            <a:r>
+              <a:rPr lang="en-US" sz="2800" dirty="0">
                 <a:latin typeface="+mj-lt"/>
               </a:rPr>
               <a:t>(1 of 2)</a:t>
@@ -18511,7 +17061,7 @@
               <a:t>Georgia </a:t>
             </a:r>
             <a:r>
-              <a:rPr lang="en-IN" sz="2800" b="1" spc="-400" dirty="0" smtClean="0">
+              <a:rPr lang="en-IN" sz="2800" b="1" spc="-400" dirty="0">
                 <a:solidFill>
                   <a:srgbClr val="007FA3"/>
                 </a:solidFill>
@@ -18519,26 +17069,13 @@
               <a:t>D O </a:t>
             </a:r>
             <a:r>
-              <a:rPr lang="en-IN" sz="2800" b="1" dirty="0" smtClean="0">
-                <a:solidFill>
-                  <a:srgbClr val="007FA3"/>
-                </a:solidFill>
-              </a:rPr>
-              <a:t>T </a:t>
-            </a:r>
-            <a:r>
               <a:rPr lang="en-IN" sz="2800" b="1" dirty="0">
                 <a:solidFill>
                   <a:srgbClr val="007FA3"/>
                 </a:solidFill>
               </a:rPr>
-              <a:t>Variable Speed Limit Analytics Help Solve Traffic Congestions</a:t>
-            </a:r>
-            <a:endParaRPr lang="en-IN" sz="2800" b="1" dirty="0" smtClean="0">
-              <a:solidFill>
-                <a:srgbClr val="007FA3"/>
-              </a:solidFill>
-            </a:endParaRPr>
+              <a:t>T Variable Speed Limit Analytics Help Solve Traffic Congestions</a:t>
+            </a:r>
           </a:p>
         </p:txBody>
       </p:sp>
@@ -18589,16 +17126,12 @@
               <a:t>What was the nature of the problems that </a:t>
             </a:r>
             <a:r>
-              <a:rPr lang="en-US" sz="2400" spc="-300" dirty="0" smtClean="0"/>
+              <a:rPr lang="en-US" sz="2400" spc="-300" dirty="0"/>
               <a:t>G D O </a:t>
             </a:r>
             <a:r>
-              <a:rPr lang="en-US" sz="2400" dirty="0" smtClean="0"/>
-              <a:t>T </a:t>
-            </a:r>
-            <a:r>
               <a:rPr lang="en-US" sz="2400" dirty="0"/>
-              <a:t>was trying to solve with data science?</a:t>
+              <a:t>T was trying to solve with data science?</a:t>
             </a:r>
           </a:p>
           <a:p>
@@ -18639,21 +17172,6 @@
   <p:clrMapOvr>
     <a:masterClrMapping/>
   </p:clrMapOvr>
-  <mc:AlternateContent xmlns:mc="http://schemas.openxmlformats.org/markup-compatibility/2006" xmlns:p14="http://schemas.microsoft.com/office/powerpoint/2010/main">
-    <mc:Choice Requires="p14">
-      <p:transition spd="slow" p14:dur="2000"/>
-    </mc:Choice>
-    <mc:Fallback xmlns="">
-      <p:transition spd="slow"/>
-    </mc:Fallback>
-  </mc:AlternateContent>
-  <p:timing>
-    <p:tnLst>
-      <p:par>
-        <p:cTn id="1" dur="indefinite" restart="never" nodeType="tmRoot"/>
-      </p:par>
-    </p:tnLst>
-  </p:timing>
 </p:sld>
 </file>
 
@@ -18700,16 +17218,10 @@
               <a:rPr lang="en-US" sz="3600" dirty="0">
                 <a:latin typeface="+mj-lt"/>
               </a:rPr>
-              <a:t>Application Case </a:t>
-            </a:r>
-            <a:r>
-              <a:rPr lang="en-US" sz="3600" dirty="0" smtClean="0">
-                <a:latin typeface="+mj-lt"/>
-              </a:rPr>
-              <a:t>6.5 </a:t>
-            </a:r>
-            <a:r>
-              <a:rPr lang="en-US" sz="2800" dirty="0" smtClean="0">
+              <a:t>Application Case 6.5 </a:t>
+            </a:r>
+            <a:r>
+              <a:rPr lang="en-US" sz="2800" dirty="0">
                 <a:latin typeface="+mj-lt"/>
               </a:rPr>
               <a:t>(2 of 2)</a:t>
@@ -18764,7 +17276,7 @@
               <a:t>Georgia </a:t>
             </a:r>
             <a:r>
-              <a:rPr lang="en-IN" sz="2800" b="1" spc="-400" dirty="0" smtClean="0">
+              <a:rPr lang="en-IN" sz="2800" b="1" spc="-400" dirty="0">
                 <a:solidFill>
                   <a:srgbClr val="007FA3"/>
                 </a:solidFill>
@@ -18772,26 +17284,13 @@
               <a:t>D O </a:t>
             </a:r>
             <a:r>
-              <a:rPr lang="en-IN" sz="2800" b="1" dirty="0" smtClean="0">
-                <a:solidFill>
-                  <a:srgbClr val="007FA3"/>
-                </a:solidFill>
-              </a:rPr>
-              <a:t>T </a:t>
-            </a:r>
-            <a:r>
               <a:rPr lang="en-IN" sz="2800" b="1" dirty="0">
                 <a:solidFill>
                   <a:srgbClr val="007FA3"/>
                 </a:solidFill>
               </a:rPr>
-              <a:t>Variable Speed Limit Analytics Help Solve Traffic Congestions</a:t>
-            </a:r>
-            <a:endParaRPr lang="en-IN" sz="2800" b="1" dirty="0" smtClean="0">
-              <a:solidFill>
-                <a:srgbClr val="007FA3"/>
-              </a:solidFill>
-            </a:endParaRPr>
+              <a:t>T Variable Speed Limit Analytics Help Solve Traffic Congestions</a:t>
+            </a:r>
           </a:p>
         </p:txBody>
       </p:sp>
@@ -18844,21 +17343,6 @@
   <p:clrMapOvr>
     <a:masterClrMapping/>
   </p:clrMapOvr>
-  <mc:AlternateContent xmlns:mc="http://schemas.openxmlformats.org/markup-compatibility/2006" xmlns:p14="http://schemas.microsoft.com/office/powerpoint/2010/main">
-    <mc:Choice Requires="p14">
-      <p:transition spd="slow" p14:dur="2000"/>
-    </mc:Choice>
-    <mc:Fallback xmlns="">
-      <p:transition spd="slow"/>
-    </mc:Fallback>
-  </mc:AlternateContent>
-  <p:timing>
-    <p:tnLst>
-      <p:par>
-        <p:cTn id="1" dur="indefinite" restart="never" nodeType="tmRoot"/>
-      </p:par>
-    </p:tnLst>
-  </p:timing>
 </p:sld>
 </file>
 
@@ -18905,17 +17389,8 @@
               <a:rPr lang="en-US" sz="3600" dirty="0">
                 <a:latin typeface="+mj-lt"/>
               </a:rPr>
-              <a:t>Convolutional “Deep” Neural </a:t>
-            </a:r>
-            <a:r>
-              <a:rPr lang="en-US" sz="3600" dirty="0" smtClean="0">
-                <a:latin typeface="+mj-lt"/>
-              </a:rPr>
-              <a:t>Networks	</a:t>
-            </a:r>
-            <a:endParaRPr lang="en-US" sz="3600" dirty="0">
-              <a:latin typeface="+mj-lt"/>
-            </a:endParaRPr>
+              <a:t>Convolutional “Deep” Neural Networks	</a:t>
+            </a:r>
           </a:p>
         </p:txBody>
       </p:sp>
@@ -18946,24 +17421,20 @@
               <a:t>Most popular </a:t>
             </a:r>
             <a:r>
-              <a:rPr lang="en-US" sz="2400" spc="-300" dirty="0" smtClean="0"/>
+              <a:rPr lang="en-US" sz="2400" spc="-300" dirty="0"/>
               <a:t>M L </a:t>
             </a:r>
             <a:r>
-              <a:rPr lang="en-US" sz="2400" dirty="0" smtClean="0"/>
+              <a:rPr lang="en-US" sz="2400" dirty="0"/>
               <a:t>P-base </a:t>
             </a:r>
             <a:r>
-              <a:rPr lang="en-US" sz="2400" spc="-300" dirty="0" smtClean="0"/>
+              <a:rPr lang="en-US" sz="2400" spc="-300" dirty="0"/>
               <a:t>D </a:t>
             </a:r>
             <a:r>
-              <a:rPr lang="en-US" sz="2400" dirty="0" smtClean="0"/>
-              <a:t>L </a:t>
-            </a:r>
-            <a:r>
               <a:rPr lang="en-US" sz="2400" dirty="0"/>
-              <a:t>method </a:t>
+              <a:t>L method </a:t>
             </a:r>
           </a:p>
           <a:p>
@@ -19027,21 +17498,6 @@
   <p:clrMapOvr>
     <a:masterClrMapping/>
   </p:clrMapOvr>
-  <mc:AlternateContent xmlns:mc="http://schemas.openxmlformats.org/markup-compatibility/2006" xmlns:p14="http://schemas.microsoft.com/office/powerpoint/2010/main">
-    <mc:Choice Requires="p14">
-      <p:transition spd="slow" p14:dur="2000"/>
-    </mc:Choice>
-    <mc:Fallback xmlns="">
-      <p:transition spd="slow"/>
-    </mc:Fallback>
-  </mc:AlternateContent>
-  <p:timing>
-    <p:tnLst>
-      <p:par>
-        <p:cTn id="1" dur="indefinite" restart="never" nodeType="tmRoot"/>
-      </p:par>
-    </p:tnLst>
-  </p:timing>
 </p:sld>
 </file>
 
@@ -19191,13 +17647,8 @@
           <a:p>
             <a:r>
               <a:rPr lang="en-US" sz="2400" dirty="0"/>
-              <a:t>Convolution of a 2 x 2 Kernel by a 3 x 6 Input </a:t>
-            </a:r>
-            <a:r>
-              <a:rPr lang="en-US" sz="2400" dirty="0" smtClean="0"/>
-              <a:t>Matrix</a:t>
-            </a:r>
-            <a:endParaRPr lang="en-US" sz="2400" dirty="0"/>
+              <a:t>Convolution of a 2 x 2 Kernel by a 3 x 6 Input Matrix</a:t>
+            </a:r>
           </a:p>
         </p:txBody>
       </p:sp>
@@ -19250,21 +17701,6 @@
   <p:clrMapOvr>
     <a:masterClrMapping/>
   </p:clrMapOvr>
-  <mc:AlternateContent xmlns:mc="http://schemas.openxmlformats.org/markup-compatibility/2006" xmlns:p14="http://schemas.microsoft.com/office/powerpoint/2010/main">
-    <mc:Choice Requires="p14">
-      <p:transition spd="slow" p14:dur="2000"/>
-    </mc:Choice>
-    <mc:Fallback xmlns="">
-      <p:transition spd="slow"/>
-    </mc:Fallback>
-  </mc:AlternateContent>
-  <p:timing>
-    <p:tnLst>
-      <p:par>
-        <p:cTn id="1" dur="indefinite" restart="never" nodeType="tmRoot"/>
-      </p:par>
-    </p:tnLst>
-  </p:timing>
 </p:sld>
 </file>
 
@@ -19314,25 +17750,25 @@
               <a:t>Image Processing Using </a:t>
             </a:r>
             <a:r>
-              <a:rPr lang="en-US" sz="3600" spc="-450" dirty="0" smtClean="0">
+              <a:rPr lang="en-US" sz="3600" spc="-450" dirty="0">
                 <a:latin typeface="+mj-lt"/>
               </a:rPr>
               <a:t>C N </a:t>
             </a:r>
             <a:r>
-              <a:rPr lang="en-US" sz="3600" dirty="0" err="1" smtClean="0">
+              <a:rPr lang="en-US" sz="3600" dirty="0" err="1">
                 <a:latin typeface="+mj-lt"/>
               </a:rPr>
               <a:t>N</a:t>
             </a:r>
             <a:r>
-              <a:rPr lang="en-US" sz="3600" dirty="0" smtClean="0">
+              <a:rPr lang="en-US" sz="3600" dirty="0">
                 <a:latin typeface="+mj-lt"/>
               </a:rPr>
               <a:t> </a:t>
             </a:r>
             <a:r>
-              <a:rPr lang="en-US" sz="2800" dirty="0" smtClean="0">
+              <a:rPr lang="en-US" sz="2800" dirty="0">
                 <a:latin typeface="+mj-lt"/>
               </a:rPr>
               <a:t>(1 of 3)</a:t>
@@ -19398,20 +17834,16 @@
               <a:t>, a </a:t>
             </a:r>
             <a:r>
-              <a:rPr lang="en-US" sz="2400" spc="-300" dirty="0" smtClean="0"/>
+              <a:rPr lang="en-US" sz="2400" spc="-300" dirty="0"/>
               <a:t>C N </a:t>
             </a:r>
             <a:r>
-              <a:rPr lang="en-US" sz="2400" dirty="0" err="1" smtClean="0"/>
+              <a:rPr lang="en-US" sz="2400" dirty="0" err="1"/>
               <a:t>N</a:t>
             </a:r>
             <a:r>
-              <a:rPr lang="en-US" sz="2400" dirty="0" smtClean="0"/>
-              <a:t> </a:t>
-            </a:r>
-            <a:r>
               <a:rPr lang="en-US" sz="2400" dirty="0"/>
-              <a:t>for Image Classification </a:t>
+              <a:t> for Image Classification </a:t>
             </a:r>
           </a:p>
         </p:txBody>
@@ -19465,21 +17897,6 @@
   <p:clrMapOvr>
     <a:masterClrMapping/>
   </p:clrMapOvr>
-  <mc:AlternateContent xmlns:mc="http://schemas.openxmlformats.org/markup-compatibility/2006" xmlns:p14="http://schemas.microsoft.com/office/powerpoint/2010/main">
-    <mc:Choice Requires="p14">
-      <p:transition spd="slow" p14:dur="2000"/>
-    </mc:Choice>
-    <mc:Fallback xmlns="">
-      <p:transition spd="slow"/>
-    </mc:Fallback>
-  </mc:AlternateContent>
-  <p:timing>
-    <p:tnLst>
-      <p:par>
-        <p:cTn id="1" dur="indefinite" restart="never" nodeType="tmRoot"/>
-      </p:par>
-    </p:tnLst>
-  </p:timing>
 </p:sld>
 </file>
 
@@ -19529,25 +17946,25 @@
               <a:t>Image Processing Using </a:t>
             </a:r>
             <a:r>
-              <a:rPr lang="en-US" sz="3600" spc="-450" dirty="0" smtClean="0">
+              <a:rPr lang="en-US" sz="3600" spc="-450" dirty="0">
                 <a:latin typeface="+mj-lt"/>
               </a:rPr>
               <a:t>C N </a:t>
             </a:r>
             <a:r>
-              <a:rPr lang="en-US" sz="3600" dirty="0" err="1" smtClean="0">
+              <a:rPr lang="en-US" sz="3600" dirty="0" err="1">
                 <a:latin typeface="+mj-lt"/>
               </a:rPr>
               <a:t>N</a:t>
             </a:r>
             <a:r>
-              <a:rPr lang="en-US" sz="3600" dirty="0" smtClean="0">
+              <a:rPr lang="en-US" sz="3600" dirty="0">
                 <a:latin typeface="+mj-lt"/>
               </a:rPr>
               <a:t> </a:t>
             </a:r>
             <a:r>
-              <a:rPr lang="en-US" sz="2800" dirty="0" smtClean="0">
+              <a:rPr lang="en-US" sz="2800" dirty="0">
                 <a:latin typeface="+mj-lt"/>
               </a:rPr>
               <a:t>(2 of 3)</a:t>
@@ -19641,21 +18058,6 @@
   <p:clrMapOvr>
     <a:masterClrMapping/>
   </p:clrMapOvr>
-  <mc:AlternateContent xmlns:mc="http://schemas.openxmlformats.org/markup-compatibility/2006" xmlns:p14="http://schemas.microsoft.com/office/powerpoint/2010/main">
-    <mc:Choice Requires="p14">
-      <p:transition spd="slow" p14:dur="2000"/>
-    </mc:Choice>
-    <mc:Fallback xmlns="">
-      <p:transition spd="slow"/>
-    </mc:Fallback>
-  </mc:AlternateContent>
-  <p:timing>
-    <p:tnLst>
-      <p:par>
-        <p:cTn id="1" dur="indefinite" restart="never" nodeType="tmRoot"/>
-      </p:par>
-    </p:tnLst>
-  </p:timing>
 </p:sld>
 </file>
 
@@ -19705,25 +18107,25 @@
               <a:t>Image Processing Using </a:t>
             </a:r>
             <a:r>
-              <a:rPr lang="en-US" sz="3600" spc="-450" dirty="0" smtClean="0">
+              <a:rPr lang="en-US" sz="3600" spc="-450" dirty="0">
                 <a:latin typeface="+mj-lt"/>
               </a:rPr>
               <a:t>C N </a:t>
             </a:r>
             <a:r>
-              <a:rPr lang="en-US" sz="3600" dirty="0" err="1" smtClean="0">
+              <a:rPr lang="en-US" sz="3600" dirty="0" err="1">
                 <a:latin typeface="+mj-lt"/>
               </a:rPr>
               <a:t>N</a:t>
             </a:r>
             <a:r>
-              <a:rPr lang="en-US" sz="3600" dirty="0" smtClean="0">
+              <a:rPr lang="en-US" sz="3600" dirty="0">
                 <a:latin typeface="+mj-lt"/>
               </a:rPr>
               <a:t> </a:t>
             </a:r>
             <a:r>
-              <a:rPr lang="en-US" sz="2800" dirty="0" smtClean="0">
+              <a:rPr lang="en-US" sz="2800" dirty="0">
                 <a:latin typeface="+mj-lt"/>
               </a:rPr>
               <a:t>(3 of 3)</a:t>
@@ -19797,24 +18199,12 @@
               <a:buNone/>
             </a:pPr>
             <a:r>
-              <a:rPr lang="en-US" sz="2000" b="1" dirty="0" smtClean="0"/>
-              <a:t>Figure </a:t>
-            </a:r>
-            <a:r>
               <a:rPr lang="en-US" sz="2000" b="1" dirty="0"/>
-              <a:t>6.28</a:t>
+              <a:t>Figure 6.28</a:t>
             </a:r>
             <a:r>
               <a:rPr lang="en-US" sz="2000" dirty="0"/>
-              <a:t> Two Examples of Using the Google Lens, a Service Based on Convolutional </a:t>
-            </a:r>
-            <a:r>
-              <a:rPr lang="en-US" sz="2000" dirty="0" smtClean="0"/>
-              <a:t>Deep Networks </a:t>
-            </a:r>
-            <a:r>
-              <a:rPr lang="en-US" sz="2000" dirty="0"/>
-              <a:t>for Image Recognition.</a:t>
+              <a:t> Two Examples of Using the Google Lens, a Service Based on Convolutional Deep Networks for Image Recognition.</a:t>
             </a:r>
             <a:endParaRPr lang="en-IN" sz="2000" dirty="0"/>
           </a:p>
@@ -19922,13 +18312,8 @@
             </a:r>
             <a:r>
               <a:rPr lang="en-IN" dirty="0"/>
-              <a:t>C</a:t>
-            </a:r>
-            <a:r>
-              <a:rPr lang="en-IN" dirty="0" smtClean="0"/>
-              <a:t>.</a:t>
-            </a:r>
-            <a:endParaRPr lang="en-IN" dirty="0"/>
+              <a:t>C.</a:t>
+            </a:r>
           </a:p>
         </p:txBody>
       </p:sp>
@@ -19942,21 +18327,6 @@
   <p:clrMapOvr>
     <a:masterClrMapping/>
   </p:clrMapOvr>
-  <mc:AlternateContent xmlns:mc="http://schemas.openxmlformats.org/markup-compatibility/2006" xmlns:p14="http://schemas.microsoft.com/office/powerpoint/2010/main">
-    <mc:Choice Requires="p14">
-      <p:transition spd="slow" p14:dur="2000"/>
-    </mc:Choice>
-    <mc:Fallback xmlns="">
-      <p:transition spd="slow"/>
-    </mc:Fallback>
-  </mc:AlternateContent>
-  <p:timing>
-    <p:tnLst>
-      <p:par>
-        <p:cTn id="1" dur="indefinite" restart="never" nodeType="tmRoot"/>
-      </p:par>
-    </p:tnLst>
-  </p:timing>
 </p:sld>
 </file>
 
@@ -20003,17 +18373,8 @@
               <a:rPr lang="en-US" sz="3600" dirty="0">
                 <a:latin typeface="+mj-lt"/>
               </a:rPr>
-              <a:t>Application Case </a:t>
-            </a:r>
-            <a:r>
-              <a:rPr lang="en-US" sz="3600" dirty="0" smtClean="0">
-                <a:latin typeface="+mj-lt"/>
-              </a:rPr>
-              <a:t>6.6</a:t>
-            </a:r>
-            <a:endParaRPr lang="en-US" sz="3600" dirty="0">
-              <a:latin typeface="+mj-lt"/>
-            </a:endParaRPr>
+              <a:t>Application Case 6.6</a:t>
+            </a:r>
           </a:p>
         </p:txBody>
       </p:sp>
@@ -20060,11 +18421,6 @@
               </a:rPr>
               <a:t>From Image Recognition to Face Recognition</a:t>
             </a:r>
-            <a:endParaRPr lang="en-IN" sz="2800" b="1" dirty="0" smtClean="0">
-              <a:solidFill>
-                <a:srgbClr val="007FA3"/>
-              </a:solidFill>
-            </a:endParaRPr>
           </a:p>
         </p:txBody>
       </p:sp>
@@ -20153,21 +18509,6 @@
   <p:clrMapOvr>
     <a:masterClrMapping/>
   </p:clrMapOvr>
-  <mc:AlternateContent xmlns:mc="http://schemas.openxmlformats.org/markup-compatibility/2006" xmlns:p14="http://schemas.microsoft.com/office/powerpoint/2010/main">
-    <mc:Choice Requires="p14">
-      <p:transition spd="slow" p14:dur="2000"/>
-    </mc:Choice>
-    <mc:Fallback xmlns="">
-      <p:transition spd="slow"/>
-    </mc:Fallback>
-  </mc:AlternateContent>
-  <p:timing>
-    <p:tnLst>
-      <p:par>
-        <p:cTn id="1" dur="indefinite" restart="never" nodeType="tmRoot"/>
-      </p:par>
-    </p:tnLst>
-  </p:timing>
 </p:sld>
 </file>
 
@@ -20211,13 +18552,13 @@
           <a:lstStyle/>
           <a:p>
             <a:r>
-              <a:rPr lang="en-US" sz="3600" dirty="0" smtClean="0">
+              <a:rPr lang="en-US" sz="3600" dirty="0">
                 <a:latin typeface="+mj-lt"/>
               </a:rPr>
               <a:t>Opening Vignette </a:t>
             </a:r>
             <a:r>
-              <a:rPr lang="en-US" sz="2800" dirty="0" smtClean="0">
+              <a:rPr lang="en-US" sz="2800" dirty="0">
                 <a:latin typeface="+mj-lt"/>
               </a:rPr>
               <a:t>(1 of 4)</a:t>
@@ -20367,21 +18708,6 @@
   <p:clrMapOvr>
     <a:masterClrMapping/>
   </p:clrMapOvr>
-  <mc:AlternateContent xmlns:mc="http://schemas.openxmlformats.org/markup-compatibility/2006" xmlns:p14="http://schemas.microsoft.com/office/powerpoint/2010/main">
-    <mc:Choice Requires="p14">
-      <p:transition spd="slow" p14:dur="2000"/>
-    </mc:Choice>
-    <mc:Fallback xmlns="">
-      <p:transition spd="slow"/>
-    </mc:Fallback>
-  </mc:AlternateContent>
-  <p:timing>
-    <p:tnLst>
-      <p:par>
-        <p:cTn id="1" dur="indefinite" restart="never" nodeType="tmRoot"/>
-      </p:par>
-    </p:tnLst>
-  </p:timing>
 </p:sld>
 </file>
 
@@ -20431,25 +18757,25 @@
               <a:t>Text Processing Using </a:t>
             </a:r>
             <a:r>
-              <a:rPr lang="en-US" sz="3600" spc="-450" dirty="0" smtClean="0">
+              <a:rPr lang="en-US" sz="3600" spc="-450" dirty="0">
                 <a:latin typeface="+mj-lt"/>
               </a:rPr>
               <a:t>C N </a:t>
             </a:r>
             <a:r>
-              <a:rPr lang="en-US" sz="3600" dirty="0" err="1" smtClean="0">
+              <a:rPr lang="en-US" sz="3600" dirty="0" err="1">
                 <a:latin typeface="+mj-lt"/>
               </a:rPr>
               <a:t>N</a:t>
             </a:r>
             <a:r>
-              <a:rPr lang="en-US" sz="3600" dirty="0" smtClean="0">
+              <a:rPr lang="en-US" sz="3600" dirty="0">
                 <a:latin typeface="+mj-lt"/>
               </a:rPr>
               <a:t> </a:t>
             </a:r>
             <a:r>
-              <a:rPr lang="en-US" sz="2800" dirty="0" smtClean="0">
+              <a:rPr lang="en-US" sz="2800" dirty="0">
                 <a:latin typeface="+mj-lt"/>
               </a:rPr>
               <a:t>(1 of 2)</a:t>
@@ -20567,21 +18893,6 @@
   <p:clrMapOvr>
     <a:masterClrMapping/>
   </p:clrMapOvr>
-  <mc:AlternateContent xmlns:mc="http://schemas.openxmlformats.org/markup-compatibility/2006" xmlns:p14="http://schemas.microsoft.com/office/powerpoint/2010/main">
-    <mc:Choice Requires="p14">
-      <p:transition spd="slow" p14:dur="2000"/>
-    </mc:Choice>
-    <mc:Fallback xmlns="">
-      <p:transition spd="slow"/>
-    </mc:Fallback>
-  </mc:AlternateContent>
-  <p:timing>
-    <p:tnLst>
-      <p:par>
-        <p:cTn id="1" dur="indefinite" restart="never" nodeType="tmRoot"/>
-      </p:par>
-    </p:tnLst>
-  </p:timing>
 </p:sld>
 </file>
 
@@ -20631,25 +18942,25 @@
               <a:t>Text Processing Using </a:t>
             </a:r>
             <a:r>
-              <a:rPr lang="en-US" sz="3600" spc="-450" dirty="0" smtClean="0">
+              <a:rPr lang="en-US" sz="3600" spc="-450" dirty="0">
                 <a:latin typeface="+mj-lt"/>
               </a:rPr>
               <a:t>C N </a:t>
             </a:r>
             <a:r>
-              <a:rPr lang="en-US" sz="3600" dirty="0" err="1" smtClean="0">
+              <a:rPr lang="en-US" sz="3600" dirty="0" err="1">
                 <a:latin typeface="+mj-lt"/>
               </a:rPr>
               <a:t>N</a:t>
             </a:r>
             <a:r>
-              <a:rPr lang="en-US" sz="3600" dirty="0" smtClean="0">
+              <a:rPr lang="en-US" sz="3600" dirty="0">
                 <a:latin typeface="+mj-lt"/>
               </a:rPr>
               <a:t> </a:t>
             </a:r>
             <a:r>
-              <a:rPr lang="en-US" sz="2800" dirty="0" smtClean="0">
+              <a:rPr lang="en-US" sz="2800" dirty="0">
                 <a:latin typeface="+mj-lt"/>
               </a:rPr>
               <a:t>(2 of 2)</a:t>
@@ -20683,20 +18994,16 @@
           <a:lstStyle/>
           <a:p>
             <a:r>
-              <a:rPr lang="en-US" sz="2400" spc="-300" dirty="0" smtClean="0"/>
+              <a:rPr lang="en-US" sz="2400" spc="-300" dirty="0"/>
               <a:t>C N </a:t>
             </a:r>
             <a:r>
-              <a:rPr lang="en-US" sz="2400" dirty="0" err="1" smtClean="0"/>
+              <a:rPr lang="en-US" sz="2400" dirty="0" err="1"/>
               <a:t>N</a:t>
             </a:r>
             <a:r>
-              <a:rPr lang="en-US" sz="2400" dirty="0" smtClean="0"/>
-              <a:t> </a:t>
-            </a:r>
-            <a:r>
               <a:rPr lang="en-US" sz="2400" dirty="0"/>
-              <a:t>Architecture for Relation Extraction Task in Text Mining</a:t>
+              <a:t> Architecture for Relation Extraction Task in Text Mining</a:t>
             </a:r>
           </a:p>
         </p:txBody>
@@ -20750,21 +19057,6 @@
   <p:clrMapOvr>
     <a:masterClrMapping/>
   </p:clrMapOvr>
-  <mc:AlternateContent xmlns:mc="http://schemas.openxmlformats.org/markup-compatibility/2006" xmlns:p14="http://schemas.microsoft.com/office/powerpoint/2010/main">
-    <mc:Choice Requires="p14">
-      <p:transition spd="slow" p14:dur="2000"/>
-    </mc:Choice>
-    <mc:Fallback xmlns="">
-      <p:transition spd="slow"/>
-    </mc:Fallback>
-  </mc:AlternateContent>
-  <p:timing>
-    <p:tnLst>
-      <p:par>
-        <p:cTn id="1" dur="indefinite" restart="never" nodeType="tmRoot"/>
-      </p:par>
-    </p:tnLst>
-  </p:timing>
 </p:sld>
 </file>
 
@@ -20814,49 +19106,31 @@
               <a:t>Recurrent Neural Networks (</a:t>
             </a:r>
             <a:r>
-              <a:rPr lang="en-IN" sz="3600" spc="-450" dirty="0" smtClean="0">
+              <a:rPr lang="en-IN" sz="3600" spc="-450" dirty="0">
                 <a:latin typeface="+mj-lt"/>
               </a:rPr>
               <a:t>R N </a:t>
             </a:r>
             <a:r>
-              <a:rPr lang="en-IN" sz="3600" dirty="0" smtClean="0">
-                <a:latin typeface="+mj-lt"/>
-              </a:rPr>
-              <a:t>N</a:t>
-            </a:r>
-            <a:r>
               <a:rPr lang="en-IN" sz="3600" dirty="0">
                 <a:latin typeface="+mj-lt"/>
               </a:rPr>
-              <a:t>) </a:t>
-            </a:r>
-            <a:r>
-              <a:rPr lang="en-IN" sz="3600" dirty="0" smtClean="0">
+              <a:t>N) &amp; Long Short-Term Memory (</a:t>
+            </a:r>
+            <a:r>
+              <a:rPr lang="en-IN" sz="3600" spc="-450" dirty="0">
                 <a:latin typeface="+mj-lt"/>
               </a:rPr>
-              <a:t>&amp; Long </a:t>
+              <a:t>L S T </a:t>
             </a:r>
             <a:r>
               <a:rPr lang="en-IN" sz="3600" dirty="0">
                 <a:latin typeface="+mj-lt"/>
               </a:rPr>
-              <a:t>Short-Term Memory (</a:t>
-            </a:r>
-            <a:r>
-              <a:rPr lang="en-IN" sz="3600" spc="-450" dirty="0" smtClean="0">
-                <a:latin typeface="+mj-lt"/>
-              </a:rPr>
-              <a:t>L S T </a:t>
-            </a:r>
-            <a:r>
-              <a:rPr lang="en-IN" sz="3600" dirty="0" smtClean="0">
-                <a:latin typeface="+mj-lt"/>
-              </a:rPr>
               <a:t>M)</a:t>
             </a:r>
             <a:r>
-              <a:rPr lang="en-IN" sz="2800" dirty="0" smtClean="0">
+              <a:rPr lang="en-IN" sz="2800" dirty="0">
                 <a:latin typeface="+mj-lt"/>
               </a:rPr>
               <a:t>      (1 of 3)</a:t>
@@ -20890,20 +19164,16 @@
           <a:lstStyle/>
           <a:p>
             <a:r>
-              <a:rPr lang="en-US" sz="2400" spc="-300" dirty="0" smtClean="0"/>
+              <a:rPr lang="en-US" sz="2400" spc="-300" dirty="0"/>
               <a:t>R N </a:t>
             </a:r>
             <a:r>
-              <a:rPr lang="en-US" sz="2400" dirty="0" err="1" smtClean="0"/>
+              <a:rPr lang="en-US" sz="2400" dirty="0" err="1"/>
               <a:t>N</a:t>
             </a:r>
             <a:r>
-              <a:rPr lang="en-US" sz="2400" dirty="0" smtClean="0"/>
-              <a:t> </a:t>
-            </a:r>
-            <a:r>
               <a:rPr lang="en-US" sz="2400" dirty="0"/>
-              <a:t>designed to process sequential inputs</a:t>
+              <a:t> designed to process sequential inputs</a:t>
             </a:r>
           </a:p>
           <a:p>
@@ -20963,21 +19233,6 @@
   <p:clrMapOvr>
     <a:masterClrMapping/>
   </p:clrMapOvr>
-  <mc:AlternateContent xmlns:mc="http://schemas.openxmlformats.org/markup-compatibility/2006" xmlns:p14="http://schemas.microsoft.com/office/powerpoint/2010/main">
-    <mc:Choice Requires="p14">
-      <p:transition spd="slow" p14:dur="2000"/>
-    </mc:Choice>
-    <mc:Fallback xmlns="">
-      <p:transition spd="slow"/>
-    </mc:Fallback>
-  </mc:AlternateContent>
-  <p:timing>
-    <p:tnLst>
-      <p:par>
-        <p:cTn id="1" dur="indefinite" restart="never" nodeType="tmRoot"/>
-      </p:par>
-    </p:tnLst>
-  </p:timing>
 </p:sld>
 </file>
 
@@ -21027,49 +19282,31 @@
               <a:t>Recurrent Neural Networks (</a:t>
             </a:r>
             <a:r>
-              <a:rPr lang="en-IN" sz="3600" spc="-450" dirty="0" smtClean="0">
+              <a:rPr lang="en-IN" sz="3600" spc="-450" dirty="0">
                 <a:latin typeface="+mj-lt"/>
               </a:rPr>
               <a:t>R N </a:t>
             </a:r>
             <a:r>
-              <a:rPr lang="en-IN" sz="3600" dirty="0" smtClean="0">
-                <a:latin typeface="+mj-lt"/>
-              </a:rPr>
-              <a:t>N</a:t>
-            </a:r>
-            <a:r>
               <a:rPr lang="en-IN" sz="3600" dirty="0">
                 <a:latin typeface="+mj-lt"/>
               </a:rPr>
-              <a:t>) </a:t>
-            </a:r>
-            <a:r>
-              <a:rPr lang="en-IN" sz="3600" dirty="0" smtClean="0">
+              <a:t>N) &amp; Long Short-Term Memory (</a:t>
+            </a:r>
+            <a:r>
+              <a:rPr lang="en-IN" sz="3600" spc="-450" dirty="0">
                 <a:latin typeface="+mj-lt"/>
               </a:rPr>
-              <a:t>&amp; Long </a:t>
+              <a:t>L S T </a:t>
             </a:r>
             <a:r>
               <a:rPr lang="en-IN" sz="3600" dirty="0">
                 <a:latin typeface="+mj-lt"/>
               </a:rPr>
-              <a:t>Short-Term Memory (</a:t>
-            </a:r>
-            <a:r>
-              <a:rPr lang="en-IN" sz="3600" spc="-450" dirty="0" smtClean="0">
-                <a:latin typeface="+mj-lt"/>
-              </a:rPr>
-              <a:t>L S T </a:t>
-            </a:r>
-            <a:r>
-              <a:rPr lang="en-IN" sz="3600" dirty="0" smtClean="0">
-                <a:latin typeface="+mj-lt"/>
-              </a:rPr>
               <a:t>M)     </a:t>
             </a:r>
             <a:r>
-              <a:rPr lang="en-IN" sz="2800" dirty="0" smtClean="0">
+              <a:rPr lang="en-IN" sz="2800" dirty="0">
                 <a:latin typeface="+mj-lt"/>
               </a:rPr>
               <a:t>(2 of 3)</a:t>
@@ -21103,23 +19340,19 @@
           <a:lstStyle/>
           <a:p>
             <a:r>
-              <a:rPr lang="en-US" sz="2400" spc="-300" dirty="0" smtClean="0"/>
+              <a:rPr lang="en-US" sz="2400" spc="-300" dirty="0"/>
               <a:t>L S T </a:t>
             </a:r>
             <a:r>
-              <a:rPr lang="en-US" sz="2400" dirty="0" smtClean="0"/>
-              <a:t>M </a:t>
-            </a:r>
-            <a:r>
               <a:rPr lang="en-US" sz="2400" dirty="0"/>
-              <a:t>is a variant of </a:t>
-            </a:r>
-            <a:r>
-              <a:rPr lang="en-US" sz="2400" spc="-300" dirty="0" smtClean="0"/>
+              <a:t>M is a variant of </a:t>
+            </a:r>
+            <a:r>
+              <a:rPr lang="en-US" sz="2400" spc="-300" dirty="0"/>
               <a:t>R N </a:t>
             </a:r>
             <a:r>
-              <a:rPr lang="en-US" sz="2400" dirty="0" err="1" smtClean="0"/>
+              <a:rPr lang="en-US" sz="2400" dirty="0" err="1"/>
               <a:t>N</a:t>
             </a:r>
             <a:endParaRPr lang="en-US" sz="2400" dirty="0"/>
@@ -21176,18 +19409,10 @@
                   <a:schemeClr val="bg2"/>
                 </a:solidFill>
               </a:rPr>
-              <a:t>Typical Long Short-Term </a:t>
-            </a:r>
-            <a:r>
-              <a:rPr lang="en-US" sz="2000" dirty="0" smtClean="0">
-                <a:solidFill>
-                  <a:schemeClr val="bg2"/>
-                </a:solidFill>
-              </a:rPr>
-              <a:t>Memory (</a:t>
-            </a:r>
-            <a:r>
-              <a:rPr lang="en-US" sz="2000" spc="-200" dirty="0" smtClean="0">
+              <a:t>Typical Long Short-Term Memory (</a:t>
+            </a:r>
+            <a:r>
+              <a:rPr lang="en-US" sz="2000" spc="-200" dirty="0">
                 <a:solidFill>
                   <a:schemeClr val="bg2"/>
                 </a:solidFill>
@@ -21195,20 +19420,12 @@
               <a:t>L S T </a:t>
             </a:r>
             <a:r>
-              <a:rPr lang="en-US" sz="2000" dirty="0" smtClean="0">
-                <a:solidFill>
-                  <a:schemeClr val="bg2"/>
-                </a:solidFill>
-              </a:rPr>
-              <a:t>M</a:t>
-            </a:r>
-            <a:r>
               <a:rPr lang="en-US" sz="2000" dirty="0">
                 <a:solidFill>
                   <a:schemeClr val="bg2"/>
                 </a:solidFill>
               </a:rPr>
-              <a:t>) Network Architecture</a:t>
+              <a:t>M) Network Architecture</a:t>
             </a:r>
           </a:p>
         </p:txBody>
@@ -21262,21 +19479,6 @@
   <p:clrMapOvr>
     <a:masterClrMapping/>
   </p:clrMapOvr>
-  <mc:AlternateContent xmlns:mc="http://schemas.openxmlformats.org/markup-compatibility/2006" xmlns:p14="http://schemas.microsoft.com/office/powerpoint/2010/main">
-    <mc:Choice Requires="p14">
-      <p:transition spd="slow" p14:dur="2000"/>
-    </mc:Choice>
-    <mc:Fallback xmlns="">
-      <p:transition spd="slow"/>
-    </mc:Fallback>
-  </mc:AlternateContent>
-  <p:timing>
-    <p:tnLst>
-      <p:par>
-        <p:cTn id="1" dur="indefinite" restart="never" nodeType="tmRoot"/>
-      </p:par>
-    </p:tnLst>
-  </p:timing>
 </p:sld>
 </file>
 
@@ -21323,16 +19525,10 @@
               <a:rPr lang="en-US" sz="3600" dirty="0">
                 <a:latin typeface="+mj-lt"/>
               </a:rPr>
-              <a:t>Application Case </a:t>
-            </a:r>
-            <a:r>
-              <a:rPr lang="en-US" sz="3600" dirty="0" smtClean="0">
-                <a:latin typeface="+mj-lt"/>
-              </a:rPr>
-              <a:t>6.7 </a:t>
-            </a:r>
-            <a:r>
-              <a:rPr lang="en-US" sz="2800" dirty="0" smtClean="0">
+              <a:t>Application Case 6.7 </a:t>
+            </a:r>
+            <a:r>
+              <a:rPr lang="en-US" sz="2800" dirty="0">
                 <a:latin typeface="+mj-lt"/>
               </a:rPr>
               <a:t>(1 of 4)</a:t>
@@ -21386,11 +19582,6 @@
               </a:rPr>
               <a:t>Deliver Innovation by Understanding Customer Sentiments</a:t>
             </a:r>
-            <a:endParaRPr lang="en-IN" sz="2800" b="1" dirty="0" smtClean="0">
-              <a:solidFill>
-                <a:srgbClr val="007FA3"/>
-              </a:solidFill>
-            </a:endParaRPr>
           </a:p>
         </p:txBody>
       </p:sp>
@@ -21518,21 +19709,6 @@
   <p:clrMapOvr>
     <a:masterClrMapping/>
   </p:clrMapOvr>
-  <mc:AlternateContent xmlns:mc="http://schemas.openxmlformats.org/markup-compatibility/2006" xmlns:p14="http://schemas.microsoft.com/office/powerpoint/2010/main">
-    <mc:Choice Requires="p14">
-      <p:transition spd="slow" p14:dur="2000"/>
-    </mc:Choice>
-    <mc:Fallback xmlns="">
-      <p:transition spd="slow"/>
-    </mc:Fallback>
-  </mc:AlternateContent>
-  <p:timing>
-    <p:tnLst>
-      <p:par>
-        <p:cTn id="1" dur="indefinite" restart="never" nodeType="tmRoot"/>
-      </p:par>
-    </p:tnLst>
-  </p:timing>
 </p:sld>
 </file>
 
@@ -21582,49 +19758,31 @@
               <a:t>Recurrent Neural Networks (</a:t>
             </a:r>
             <a:r>
-              <a:rPr lang="en-IN" sz="3600" spc="-450" dirty="0" smtClean="0">
+              <a:rPr lang="en-IN" sz="3600" spc="-450" dirty="0">
                 <a:latin typeface="+mj-lt"/>
               </a:rPr>
               <a:t>R N </a:t>
             </a:r>
             <a:r>
-              <a:rPr lang="en-IN" sz="3600" dirty="0" smtClean="0">
-                <a:latin typeface="+mj-lt"/>
-              </a:rPr>
-              <a:t>N</a:t>
-            </a:r>
-            <a:r>
               <a:rPr lang="en-IN" sz="3600" dirty="0">
                 <a:latin typeface="+mj-lt"/>
               </a:rPr>
-              <a:t>) &amp; </a:t>
-            </a:r>
-            <a:r>
-              <a:rPr lang="en-IN" sz="3600" dirty="0" smtClean="0">
+              <a:t>N) &amp; Long Short-Term Memory (</a:t>
+            </a:r>
+            <a:r>
+              <a:rPr lang="en-IN" sz="3600" spc="-450" dirty="0">
                 <a:latin typeface="+mj-lt"/>
               </a:rPr>
-              <a:t>Long </a:t>
+              <a:t>L S T </a:t>
             </a:r>
             <a:r>
               <a:rPr lang="en-IN" sz="3600" dirty="0">
                 <a:latin typeface="+mj-lt"/>
               </a:rPr>
-              <a:t>Short-Term Memory (</a:t>
-            </a:r>
-            <a:r>
-              <a:rPr lang="en-IN" sz="3600" spc="-450" dirty="0" smtClean="0">
-                <a:latin typeface="+mj-lt"/>
-              </a:rPr>
-              <a:t>L S T </a:t>
-            </a:r>
-            <a:r>
-              <a:rPr lang="en-IN" sz="3600" dirty="0" smtClean="0">
-                <a:latin typeface="+mj-lt"/>
-              </a:rPr>
               <a:t>M)     </a:t>
             </a:r>
             <a:r>
-              <a:rPr lang="en-IN" sz="2800" dirty="0" smtClean="0">
+              <a:rPr lang="en-IN" sz="2800" dirty="0">
                 <a:latin typeface="+mj-lt"/>
               </a:rPr>
               <a:t>(3 of 3) </a:t>
@@ -21658,16 +19816,12 @@
           <a:lstStyle/>
           <a:p>
             <a:r>
-              <a:rPr lang="en-US" sz="2400" spc="-300" dirty="0" smtClean="0"/>
+              <a:rPr lang="en-US" sz="2400" spc="-300" dirty="0"/>
               <a:t>L S T </a:t>
             </a:r>
             <a:r>
-              <a:rPr lang="en-US" sz="2400" dirty="0" smtClean="0"/>
-              <a:t>M </a:t>
-            </a:r>
-            <a:r>
               <a:rPr lang="en-US" sz="2400" dirty="0"/>
-              <a:t>Network Applications </a:t>
+              <a:t>M Network Applications </a:t>
             </a:r>
           </a:p>
         </p:txBody>
@@ -21703,26 +19857,10 @@
                   <a:schemeClr val="bg2"/>
                 </a:solidFill>
               </a:rPr>
-              <a:t>Example Indicating the Close-to-Human Performance of the Google Neural </a:t>
-            </a:r>
-            <a:r>
-              <a:rPr lang="en-US" sz="2000" dirty="0" smtClean="0">
-                <a:solidFill>
-                  <a:schemeClr val="bg2"/>
-                </a:solidFill>
-              </a:rPr>
-              <a:t>Machine Translator   </a:t>
-            </a:r>
-            <a:r>
-              <a:rPr lang="en-US" sz="2000" dirty="0">
-                <a:solidFill>
-                  <a:schemeClr val="bg2"/>
-                </a:solidFill>
-              </a:rPr>
-              <a:t>(</a:t>
-            </a:r>
-            <a:r>
-              <a:rPr lang="en-US" sz="2000" spc="-200" dirty="0" smtClean="0">
+              <a:t>Example Indicating the Close-to-Human Performance of the Google Neural Machine Translator   (</a:t>
+            </a:r>
+            <a:r>
+              <a:rPr lang="en-US" sz="2000" spc="-200" dirty="0">
                 <a:solidFill>
                   <a:schemeClr val="bg2"/>
                 </a:solidFill>
@@ -21801,21 +19939,6 @@
   <p:clrMapOvr>
     <a:masterClrMapping/>
   </p:clrMapOvr>
-  <mc:AlternateContent xmlns:mc="http://schemas.openxmlformats.org/markup-compatibility/2006" xmlns:p14="http://schemas.microsoft.com/office/powerpoint/2010/main">
-    <mc:Choice Requires="p14">
-      <p:transition spd="slow" p14:dur="2000"/>
-    </mc:Choice>
-    <mc:Fallback xmlns="">
-      <p:transition spd="slow"/>
-    </mc:Fallback>
-  </mc:AlternateContent>
-  <p:timing>
-    <p:tnLst>
-      <p:par>
-        <p:cTn id="1" dur="indefinite" restart="never" nodeType="tmRoot"/>
-      </p:par>
-    </p:tnLst>
-  </p:timing>
 </p:sld>
 </file>
 
@@ -21891,47 +20014,37 @@
           <a:p>
             <a:r>
               <a:rPr lang="en-US" sz="2400" dirty="0"/>
-              <a:t>Torch </a:t>
-            </a:r>
-            <a:r>
-              <a:rPr lang="en-US" sz="2400" dirty="0" smtClean="0"/>
-              <a:t>(</a:t>
-            </a:r>
-            <a:r>
-              <a:rPr lang="en-US" sz="2400" dirty="0" smtClean="0">
+              <a:t>Torch (</a:t>
+            </a:r>
+            <a:r>
+              <a:rPr lang="en-US" sz="2400" dirty="0">
                 <a:hlinkClick r:id="rId3" tooltip="www.torch.ch"/>
               </a:rPr>
               <a:t>http://www.torch.ch</a:t>
             </a:r>
             <a:r>
-              <a:rPr lang="en-US" sz="2400" dirty="0" smtClean="0"/>
+              <a:rPr lang="en-US" sz="2400" dirty="0"/>
               <a:t>)</a:t>
             </a:r>
-            <a:endParaRPr lang="en-US" sz="2400" dirty="0"/>
           </a:p>
           <a:p>
             <a:pPr lvl="1"/>
             <a:r>
-              <a:rPr lang="en-US" sz="2400" spc="-300" dirty="0" smtClean="0"/>
+              <a:rPr lang="en-US" sz="2400" spc="-300" dirty="0"/>
               <a:t>M </a:t>
             </a:r>
             <a:r>
-              <a:rPr lang="en-US" sz="2400" dirty="0" smtClean="0"/>
-              <a:t>L </a:t>
-            </a:r>
-            <a:r>
               <a:rPr lang="en-US" sz="2400" dirty="0"/>
-              <a:t>with </a:t>
-            </a:r>
-            <a:r>
-              <a:rPr lang="en-US" sz="2400" spc="-300" dirty="0" smtClean="0"/>
+              <a:t>L with </a:t>
+            </a:r>
+            <a:r>
+              <a:rPr lang="en-US" sz="2400" spc="-300" dirty="0"/>
               <a:t>G P </a:t>
             </a:r>
             <a:r>
-              <a:rPr lang="en-US" sz="2400" dirty="0" smtClean="0"/>
+              <a:rPr lang="en-US" sz="2400" dirty="0"/>
               <a:t>U</a:t>
             </a:r>
-            <a:endParaRPr lang="en-US" sz="2400" dirty="0"/>
           </a:p>
           <a:p>
             <a:r>
@@ -21940,23 +20053,18 @@
             </a:r>
             <a:r>
               <a:rPr lang="en-US" sz="2400" dirty="0"/>
-              <a:t> </a:t>
-            </a:r>
-            <a:r>
-              <a:rPr lang="en-US" sz="2400" dirty="0" smtClean="0"/>
-              <a:t>(</a:t>
-            </a:r>
-            <a:r>
-              <a:rPr lang="en-US" sz="2400" dirty="0" smtClean="0">
+              <a:t> (</a:t>
+            </a:r>
+            <a:r>
+              <a:rPr lang="en-US" sz="2400" dirty="0">
                 <a:hlinkClick r:id="rId4" tooltip="caffe.berkeleyvision.org"/>
               </a:rPr>
               <a:t>caffe.berkeleyvision.org</a:t>
             </a:r>
             <a:r>
-              <a:rPr lang="en-US" sz="2400" dirty="0" smtClean="0"/>
+              <a:rPr lang="en-US" sz="2400" dirty="0"/>
               <a:t>)</a:t>
             </a:r>
-            <a:endParaRPr lang="en-US" sz="2400" dirty="0"/>
           </a:p>
           <a:p>
             <a:pPr lvl="1"/>
@@ -22002,16 +20110,12 @@
               <a:t>Google - Tensor Processing Units (</a:t>
             </a:r>
             <a:r>
-              <a:rPr lang="en-US" sz="2400" spc="-300" dirty="0" smtClean="0"/>
+              <a:rPr lang="en-US" sz="2400" spc="-300" dirty="0"/>
               <a:t>T P U </a:t>
             </a:r>
             <a:r>
-              <a:rPr lang="en-US" sz="2400" dirty="0" smtClean="0"/>
-              <a:t>s</a:t>
-            </a:r>
-            <a:r>
               <a:rPr lang="en-US" sz="2400" dirty="0"/>
-              <a:t>)</a:t>
+              <a:t>s)</a:t>
             </a:r>
           </a:p>
           <a:p>
@@ -22086,21 +20190,6 @@
   <p:clrMapOvr>
     <a:masterClrMapping/>
   </p:clrMapOvr>
-  <mc:AlternateContent xmlns:mc="http://schemas.openxmlformats.org/markup-compatibility/2006" xmlns:p14="http://schemas.microsoft.com/office/powerpoint/2010/main">
-    <mc:Choice Requires="p14">
-      <p:transition spd="slow" p14:dur="2000"/>
-    </mc:Choice>
-    <mc:Fallback xmlns="">
-      <p:transition spd="slow"/>
-    </mc:Fallback>
-  </mc:AlternateContent>
-  <p:timing>
-    <p:tnLst>
-      <p:par>
-        <p:cTn id="1" dur="indefinite" restart="never" nodeType="tmRoot"/>
-      </p:par>
-    </p:tnLst>
-  </p:timing>
 </p:sld>
 </file>
 
@@ -22147,16 +20236,10 @@
               <a:rPr lang="en-US" sz="3600" dirty="0">
                 <a:latin typeface="+mj-lt"/>
               </a:rPr>
-              <a:t>Cognitive </a:t>
-            </a:r>
-            <a:r>
-              <a:rPr lang="en-US" sz="3600" dirty="0" smtClean="0">
-                <a:latin typeface="+mj-lt"/>
-              </a:rPr>
-              <a:t>Computing </a:t>
-            </a:r>
-            <a:r>
-              <a:rPr lang="en-US" sz="2800" dirty="0" smtClean="0">
+              <a:t>Cognitive Computing </a:t>
+            </a:r>
+            <a:r>
+              <a:rPr lang="en-US" sz="2800" dirty="0">
                 <a:latin typeface="+mj-lt"/>
               </a:rPr>
               <a:t>(1 of 3)</a:t>
@@ -22196,22 +20279,17 @@
           </a:p>
           <a:p>
             <a:r>
-              <a:rPr lang="en-US" sz="2400" spc="-300" dirty="0" smtClean="0"/>
+              <a:rPr lang="en-US" sz="2400" spc="-300" dirty="0"/>
               <a:t>I B </a:t>
             </a:r>
             <a:r>
-              <a:rPr lang="en-US" sz="2400" dirty="0" smtClean="0"/>
-              <a:t>M </a:t>
-            </a:r>
-            <a:r>
               <a:rPr lang="en-US" sz="2400" dirty="0"/>
-              <a:t>Watson on </a:t>
+              <a:t>M Watson on </a:t>
             </a:r>
             <a:r>
               <a:rPr lang="en-US" sz="2400" i="1" dirty="0"/>
               <a:t>Jeopardy! </a:t>
             </a:r>
-            <a:endParaRPr lang="en-US" sz="2400" i="1" dirty="0" smtClean="0"/>
           </a:p>
           <a:p>
             <a:r>
@@ -22245,10 +20323,9 @@
           <a:p>
             <a:pPr lvl="1"/>
             <a:r>
-              <a:rPr lang="en-US" sz="2400" dirty="0" smtClean="0"/>
+              <a:rPr lang="en-US" sz="2400" dirty="0"/>
               <a:t>Adaptive </a:t>
             </a:r>
-            <a:endParaRPr lang="en-US" sz="2400" dirty="0"/>
           </a:p>
           <a:p>
             <a:pPr lvl="1"/>
@@ -22272,10 +20349,9 @@
           <a:p>
             <a:pPr lvl="1"/>
             <a:r>
-              <a:rPr lang="en-US" sz="2400" dirty="0" smtClean="0"/>
+              <a:rPr lang="en-US" sz="2400" dirty="0"/>
               <a:t>Contextual</a:t>
             </a:r>
-            <a:endParaRPr lang="en-US" sz="2400" dirty="0"/>
           </a:p>
         </p:txBody>
       </p:sp>
@@ -22344,7 +20420,6 @@
               <a:rPr lang="en-US" sz="2000" dirty="0"/>
               <a:t>Deep learning, and </a:t>
             </a:r>
-            <a:endParaRPr lang="en-US" sz="2000" dirty="0" smtClean="0"/>
           </a:p>
           <a:p>
             <a:pPr>
@@ -22380,34 +20455,13 @@
               </a:buClr>
             </a:pPr>
             <a:r>
-              <a:rPr lang="en-US" sz="2000" dirty="0" smtClean="0">
-                <a:solidFill>
-                  <a:schemeClr val="bg2"/>
-                </a:solidFill>
-              </a:rPr>
-              <a:t>Mimic </a:t>
-            </a:r>
-            <a:r>
               <a:rPr lang="en-US" sz="2000" dirty="0">
                 <a:solidFill>
                   <a:schemeClr val="bg2"/>
                 </a:solidFill>
               </a:rPr>
-              <a:t>the way the human brain </a:t>
-            </a:r>
-            <a:r>
-              <a:rPr lang="en-US" sz="2000" dirty="0" smtClean="0">
-                <a:solidFill>
-                  <a:schemeClr val="bg2"/>
-                </a:solidFill>
-              </a:rPr>
-              <a:t>works</a:t>
-            </a:r>
-            <a:endParaRPr lang="en-US" sz="2000" dirty="0">
-              <a:solidFill>
-                <a:schemeClr val="bg2"/>
-              </a:solidFill>
-            </a:endParaRPr>
+              <a:t>Mimic the way the human brain works</a:t>
+            </a:r>
           </a:p>
         </p:txBody>
       </p:sp>
@@ -22421,21 +20475,6 @@
   <p:clrMapOvr>
     <a:masterClrMapping/>
   </p:clrMapOvr>
-  <mc:AlternateContent xmlns:mc="http://schemas.openxmlformats.org/markup-compatibility/2006" xmlns:p14="http://schemas.microsoft.com/office/powerpoint/2010/main">
-    <mc:Choice Requires="p14">
-      <p:transition spd="slow" p14:dur="2000"/>
-    </mc:Choice>
-    <mc:Fallback xmlns="">
-      <p:transition spd="slow"/>
-    </mc:Fallback>
-  </mc:AlternateContent>
-  <p:timing>
-    <p:tnLst>
-      <p:par>
-        <p:cTn id="1" dur="indefinite" restart="never" nodeType="tmRoot"/>
-      </p:par>
-    </p:tnLst>
-  </p:timing>
 </p:sld>
 </file>
 
@@ -22539,21 +20578,6 @@
   <p:clrMapOvr>
     <a:masterClrMapping/>
   </p:clrMapOvr>
-  <mc:AlternateContent xmlns:mc="http://schemas.openxmlformats.org/markup-compatibility/2006" xmlns:p14="http://schemas.microsoft.com/office/powerpoint/2010/main">
-    <mc:Choice Requires="p14">
-      <p:transition spd="slow" p14:dur="2000"/>
-    </mc:Choice>
-    <mc:Fallback xmlns="">
-      <p:transition spd="slow"/>
-    </mc:Fallback>
-  </mc:AlternateContent>
-  <p:timing>
-    <p:tnLst>
-      <p:par>
-        <p:cTn id="1" dur="indefinite" restart="never" nodeType="tmRoot"/>
-      </p:par>
-    </p:tnLst>
-  </p:timing>
 </p:sld>
 </file>
 
@@ -22645,12 +20669,8 @@
               <a:t>A </a:t>
             </a:r>
             <a:r>
-              <a:rPr lang="en-US" sz="2400" dirty="0" smtClean="0"/>
-              <a:t>I</a:t>
-            </a:r>
-            <a:r>
               <a:rPr lang="en-US" sz="2400" dirty="0"/>
-              <a:t>? </a:t>
+              <a:t>I? </a:t>
             </a:r>
           </a:p>
         </p:txBody>
@@ -22681,26 +20701,21 @@
               <a:buNone/>
             </a:pPr>
             <a:r>
-              <a:rPr lang="en-US" sz="2000" b="1" dirty="0" smtClean="0"/>
-              <a:t>Table </a:t>
-            </a:r>
-            <a:r>
               <a:rPr lang="en-US" sz="2000" b="1" dirty="0"/>
-              <a:t>6.3</a:t>
+              <a:t>Table 6.3</a:t>
             </a:r>
             <a:r>
               <a:rPr lang="en-US" sz="2000" dirty="0"/>
               <a:t> Cognitive Computing versus Artificial Intelligence (</a:t>
             </a:r>
             <a:r>
-              <a:rPr lang="en-US" sz="2000" spc="-300" dirty="0" smtClean="0"/>
+              <a:rPr lang="en-US" sz="2000" spc="-300" dirty="0"/>
               <a:t>A </a:t>
             </a:r>
             <a:r>
-              <a:rPr lang="en-US" sz="2000" dirty="0" smtClean="0"/>
+              <a:rPr lang="en-US" sz="2000" dirty="0"/>
               <a:t>I).</a:t>
             </a:r>
-            <a:endParaRPr lang="en-US" sz="2000" dirty="0"/>
           </a:p>
         </p:txBody>
       </p:sp>
@@ -22729,9 +20744,27 @@
                 <a:tableStyleId>{3B4B98B0-60AC-42C2-AFA5-B58CD77FA1E5}</a:tableStyleId>
               </a:tblPr>
               <a:tblGrid>
-                <a:gridCol w="2133600"/>
-                <a:gridCol w="3057525"/>
-                <a:gridCol w="2962275"/>
+                <a:gridCol w="2133600">
+                  <a:extLst>
+                    <a:ext uri="{9D8B030D-6E8A-4147-A177-3AD203B41FA5}">
+                      <a16:colId xmlns:a16="http://schemas.microsoft.com/office/drawing/2014/main" val="20000"/>
+                    </a:ext>
+                  </a:extLst>
+                </a:gridCol>
+                <a:gridCol w="3057525">
+                  <a:extLst>
+                    <a:ext uri="{9D8B030D-6E8A-4147-A177-3AD203B41FA5}">
+                      <a16:colId xmlns:a16="http://schemas.microsoft.com/office/drawing/2014/main" val="20001"/>
+                    </a:ext>
+                  </a:extLst>
+                </a:gridCol>
+                <a:gridCol w="2962275">
+                  <a:extLst>
+                    <a:ext uri="{9D8B030D-6E8A-4147-A177-3AD203B41FA5}">
+                      <a16:colId xmlns:a16="http://schemas.microsoft.com/office/drawing/2014/main" val="20002"/>
+                    </a:ext>
+                  </a:extLst>
+                </a:gridCol>
               </a:tblGrid>
               <a:tr h="370840">
                 <a:tc>
@@ -22740,7 +20773,7 @@
                     <a:lstStyle/>
                     <a:p>
                       <a:r>
-                        <a:rPr lang="en-US" sz="1400" b="1" i="0" u="none" strike="noStrike" kern="1200" baseline="0" dirty="0" smtClean="0">
+                        <a:rPr lang="en-US" sz="1400" b="1" i="0" u="none" strike="noStrike" kern="1200" baseline="0" dirty="0">
                           <a:solidFill>
                             <a:schemeClr val="bg1"/>
                           </a:solidFill>
@@ -22769,7 +20802,7 @@
                     <a:lstStyle/>
                     <a:p>
                       <a:r>
-                        <a:rPr lang="en-US" sz="1400" b="1" i="0" u="none" strike="noStrike" kern="1200" baseline="0" dirty="0" smtClean="0">
+                        <a:rPr lang="en-US" sz="1400" b="1" i="0" u="none" strike="noStrike" kern="1200" baseline="0" dirty="0">
                           <a:solidFill>
                             <a:schemeClr val="bg1"/>
                           </a:solidFill>
@@ -22798,7 +20831,7 @@
                     <a:lstStyle/>
                     <a:p>
                       <a:r>
-                        <a:rPr lang="en-US" sz="1400" b="1" i="0" u="none" strike="noStrike" kern="1200" baseline="0" dirty="0" smtClean="0">
+                        <a:rPr lang="en-US" sz="1400" b="1" i="0" u="none" strike="noStrike" kern="1200" baseline="0" dirty="0">
                           <a:solidFill>
                             <a:schemeClr val="bg1"/>
                           </a:solidFill>
@@ -22809,7 +20842,7 @@
                         <a:t>Artificial Intelligence (</a:t>
                       </a:r>
                       <a:r>
-                        <a:rPr lang="en-US" sz="1400" b="1" i="0" u="none" strike="noStrike" kern="1200" spc="-200" baseline="0" dirty="0" smtClean="0">
+                        <a:rPr lang="en-US" sz="1400" b="1" i="0" u="none" strike="noStrike" kern="1200" spc="-200" baseline="0" dirty="0">
                           <a:solidFill>
                             <a:schemeClr val="bg1"/>
                           </a:solidFill>
@@ -22820,7 +20853,7 @@
                         <a:t>A </a:t>
                       </a:r>
                       <a:r>
-                        <a:rPr lang="en-US" sz="1400" b="1" i="0" u="none" strike="noStrike" kern="1200" baseline="0" dirty="0" smtClean="0">
+                        <a:rPr lang="en-US" sz="1400" b="1" i="0" u="none" strike="noStrike" kern="1200" baseline="0" dirty="0">
                           <a:solidFill>
                             <a:schemeClr val="bg1"/>
                           </a:solidFill>
@@ -22843,6 +20876,11 @@
                     </a:solidFill>
                   </a:tcPr>
                 </a:tc>
+                <a:extLst>
+                  <a:ext uri="{0D108BD9-81ED-4DB2-BD59-A6C34878D82A}">
+                    <a16:rowId xmlns:a16="http://schemas.microsoft.com/office/drawing/2014/main" val="10000"/>
+                  </a:ext>
+                </a:extLst>
               </a:tr>
               <a:tr h="370840">
                 <a:tc>
@@ -22851,7 +20889,7 @@
                     <a:lstStyle/>
                     <a:p>
                       <a:r>
-                        <a:rPr lang="en-US" sz="1400" b="0" i="0" u="none" strike="noStrike" kern="1200" baseline="0" dirty="0" smtClean="0">
+                        <a:rPr lang="en-US" sz="1400" b="0" i="0" u="none" strike="noStrike" kern="1200" baseline="0" dirty="0">
                           <a:solidFill>
                             <a:schemeClr val="tx1"/>
                           </a:solidFill>
@@ -22876,7 +20914,7 @@
                     <a:lstStyle/>
                     <a:p>
                       <a:r>
-                        <a:rPr lang="en-US" sz="1400" b="0" i="0" u="none" strike="noStrike" kern="1200" baseline="0" dirty="0" smtClean="0">
+                        <a:rPr lang="en-US" sz="1400" b="0" i="0" u="none" strike="noStrike" kern="1200" baseline="0" dirty="0">
                           <a:solidFill>
                             <a:schemeClr val="tx1"/>
                           </a:solidFill>
@@ -22889,7 +20927,7 @@
                     </a:p>
                     <a:p>
                       <a:r>
-                        <a:rPr lang="en-US" sz="1400" b="0" i="0" u="none" strike="noStrike" kern="1200" baseline="0" dirty="0" smtClean="0">
+                        <a:rPr lang="en-US" sz="1400" b="0" i="0" u="none" strike="noStrike" kern="1200" baseline="0" dirty="0">
                           <a:solidFill>
                             <a:schemeClr val="tx1"/>
                           </a:solidFill>
@@ -22902,7 +20940,7 @@
                     </a:p>
                     <a:p>
                       <a:r>
-                        <a:rPr lang="en-US" sz="1400" b="0" i="0" u="none" strike="noStrike" kern="1200" baseline="0" dirty="0" smtClean="0">
+                        <a:rPr lang="en-US" sz="1400" b="0" i="0" u="none" strike="noStrike" kern="1200" baseline="0" dirty="0">
                           <a:solidFill>
                             <a:schemeClr val="tx1"/>
                           </a:solidFill>
@@ -22915,7 +20953,7 @@
                     </a:p>
                     <a:p>
                       <a:r>
-                        <a:rPr lang="en-US" sz="1400" b="0" i="0" u="none" strike="noStrike" kern="1200" baseline="0" dirty="0" smtClean="0">
+                        <a:rPr lang="en-US" sz="1400" b="0" i="0" u="none" strike="noStrike" kern="1200" baseline="0" dirty="0">
                           <a:solidFill>
                             <a:schemeClr val="tx1"/>
                           </a:solidFill>
@@ -22928,7 +20966,7 @@
                     </a:p>
                     <a:p>
                       <a:r>
-                        <a:rPr lang="en-US" sz="1400" b="0" i="0" u="none" strike="noStrike" kern="1200" baseline="0" dirty="0" smtClean="0">
+                        <a:rPr lang="en-US" sz="1400" b="0" i="0" u="none" strike="noStrike" kern="1200" baseline="0" dirty="0">
                           <a:solidFill>
                             <a:schemeClr val="tx1"/>
                           </a:solidFill>
@@ -22941,7 +20979,7 @@
                     </a:p>
                     <a:p>
                       <a:r>
-                        <a:rPr lang="en-US" sz="1400" b="0" i="0" u="none" strike="noStrike" kern="1200" baseline="0" dirty="0" smtClean="0">
+                        <a:rPr lang="en-US" sz="1400" b="0" i="0" u="none" strike="noStrike" kern="1200" baseline="0" dirty="0">
                           <a:solidFill>
                             <a:schemeClr val="tx1"/>
                           </a:solidFill>
@@ -22966,7 +21004,7 @@
                     <a:lstStyle/>
                     <a:p>
                       <a:r>
-                        <a:rPr lang="en-US" sz="1400" b="0" i="0" u="none" strike="noStrike" kern="1200" baseline="0" dirty="0" smtClean="0">
+                        <a:rPr lang="en-US" sz="1400" b="0" i="0" u="none" strike="noStrike" kern="1200" baseline="0" dirty="0">
                           <a:solidFill>
                             <a:schemeClr val="tx1"/>
                           </a:solidFill>
@@ -22979,7 +21017,7 @@
                     </a:p>
                     <a:p>
                       <a:r>
-                        <a:rPr lang="en-US" sz="1400" b="0" i="0" u="none" strike="noStrike" kern="1200" baseline="0" dirty="0" smtClean="0">
+                        <a:rPr lang="en-US" sz="1400" b="0" i="0" u="none" strike="noStrike" kern="1200" baseline="0" dirty="0">
                           <a:solidFill>
                             <a:schemeClr val="tx1"/>
                           </a:solidFill>
@@ -22992,7 +21030,7 @@
                     </a:p>
                     <a:p>
                       <a:r>
-                        <a:rPr lang="en-US" sz="1400" b="0" i="0" u="none" strike="noStrike" kern="1200" baseline="0" dirty="0" smtClean="0">
+                        <a:rPr lang="en-US" sz="1400" b="0" i="0" u="none" strike="noStrike" kern="1200" baseline="0" dirty="0">
                           <a:solidFill>
                             <a:schemeClr val="tx1"/>
                           </a:solidFill>
@@ -23005,7 +21043,7 @@
                     </a:p>
                     <a:p>
                       <a:r>
-                        <a:rPr lang="en-US" sz="1400" b="0" i="0" u="none" strike="noStrike" kern="1200" baseline="0" dirty="0" smtClean="0">
+                        <a:rPr lang="en-US" sz="1400" b="0" i="0" u="none" strike="noStrike" kern="1200" baseline="0" dirty="0">
                           <a:solidFill>
                             <a:schemeClr val="tx1"/>
                           </a:solidFill>
@@ -23024,6 +21062,11 @@
                     </a:solidFill>
                   </a:tcPr>
                 </a:tc>
+                <a:extLst>
+                  <a:ext uri="{0D108BD9-81ED-4DB2-BD59-A6C34878D82A}">
+                    <a16:rowId xmlns:a16="http://schemas.microsoft.com/office/drawing/2014/main" val="10001"/>
+                  </a:ext>
+                </a:extLst>
               </a:tr>
               <a:tr h="370840">
                 <a:tc>
@@ -23032,7 +21075,7 @@
                     <a:lstStyle/>
                     <a:p>
                       <a:r>
-                        <a:rPr lang="en-US" sz="1400" b="0" i="0" u="none" strike="noStrike" kern="1200" baseline="0" dirty="0" smtClean="0">
+                        <a:rPr lang="en-US" sz="1400" b="0" i="0" u="none" strike="noStrike" kern="1200" baseline="0" dirty="0">
                           <a:solidFill>
                             <a:schemeClr val="tx1"/>
                           </a:solidFill>
@@ -23057,7 +21100,7 @@
                     <a:lstStyle/>
                     <a:p>
                       <a:r>
-                        <a:rPr lang="en-US" sz="1400" b="0" i="0" u="none" strike="noStrike" kern="1200" baseline="0" dirty="0" smtClean="0">
+                        <a:rPr lang="en-US" sz="1400" b="0" i="0" u="none" strike="noStrike" kern="1200" baseline="0" dirty="0">
                           <a:solidFill>
                             <a:schemeClr val="tx1"/>
                           </a:solidFill>
@@ -23082,7 +21125,7 @@
                     <a:lstStyle/>
                     <a:p>
                       <a:r>
-                        <a:rPr lang="en-US" sz="1400" b="0" i="0" u="none" strike="noStrike" kern="1200" baseline="0" dirty="0" smtClean="0">
+                        <a:rPr lang="en-US" sz="1400" b="0" i="0" u="none" strike="noStrike" kern="1200" baseline="0" dirty="0">
                           <a:solidFill>
                             <a:schemeClr val="tx1"/>
                           </a:solidFill>
@@ -23101,6 +21144,11 @@
                     </a:solidFill>
                   </a:tcPr>
                 </a:tc>
+                <a:extLst>
+                  <a:ext uri="{0D108BD9-81ED-4DB2-BD59-A6C34878D82A}">
+                    <a16:rowId xmlns:a16="http://schemas.microsoft.com/office/drawing/2014/main" val="10002"/>
+                  </a:ext>
+                </a:extLst>
               </a:tr>
               <a:tr h="370840">
                 <a:tc>
@@ -23109,7 +21157,7 @@
                     <a:lstStyle/>
                     <a:p>
                       <a:r>
-                        <a:rPr lang="en-US" sz="1400" b="0" i="0" u="none" strike="noStrike" kern="1200" baseline="0" dirty="0" smtClean="0">
+                        <a:rPr lang="en-US" sz="1400" b="0" i="0" u="none" strike="noStrike" kern="1200" baseline="0" dirty="0">
                           <a:solidFill>
                             <a:schemeClr val="tx1"/>
                           </a:solidFill>
@@ -23134,7 +21182,7 @@
                     <a:lstStyle/>
                     <a:p>
                       <a:r>
-                        <a:rPr lang="en-US" sz="1400" b="0" i="0" u="none" strike="noStrike" kern="1200" baseline="0" dirty="0" smtClean="0">
+                        <a:rPr lang="en-US" sz="1400" b="0" i="0" u="none" strike="noStrike" kern="1200" baseline="0" dirty="0">
                           <a:solidFill>
                             <a:schemeClr val="tx1"/>
                           </a:solidFill>
@@ -23159,7 +21207,7 @@
                     <a:lstStyle/>
                     <a:p>
                       <a:r>
-                        <a:rPr lang="en-US" sz="1400" b="0" i="0" u="none" strike="noStrike" kern="1200" baseline="0" dirty="0" smtClean="0">
+                        <a:rPr lang="en-US" sz="1400" b="0" i="0" u="none" strike="noStrike" kern="1200" baseline="0" dirty="0">
                           <a:solidFill>
                             <a:schemeClr val="tx1"/>
                           </a:solidFill>
@@ -23178,6 +21226,11 @@
                     </a:solidFill>
                   </a:tcPr>
                 </a:tc>
+                <a:extLst>
+                  <a:ext uri="{0D108BD9-81ED-4DB2-BD59-A6C34878D82A}">
+                    <a16:rowId xmlns:a16="http://schemas.microsoft.com/office/drawing/2014/main" val="10003"/>
+                  </a:ext>
+                </a:extLst>
               </a:tr>
               <a:tr h="370840">
                 <a:tc>
@@ -23186,7 +21239,7 @@
                     <a:lstStyle/>
                     <a:p>
                       <a:r>
-                        <a:rPr lang="en-US" sz="1400" b="0" i="0" u="none" strike="noStrike" kern="1200" baseline="0" dirty="0" smtClean="0">
+                        <a:rPr lang="en-US" sz="1400" b="0" i="0" u="none" strike="noStrike" kern="1200" baseline="0" dirty="0">
                           <a:solidFill>
                             <a:schemeClr val="tx1"/>
                           </a:solidFill>
@@ -23211,7 +21264,7 @@
                     <a:lstStyle/>
                     <a:p>
                       <a:r>
-                        <a:rPr lang="en-US" sz="1400" b="0" i="0" u="none" strike="noStrike" kern="1200" baseline="0" dirty="0" smtClean="0">
+                        <a:rPr lang="en-US" sz="1400" b="0" i="0" u="none" strike="noStrike" kern="1200" baseline="0" dirty="0">
                           <a:solidFill>
                             <a:schemeClr val="tx1"/>
                           </a:solidFill>
@@ -23236,7 +21289,7 @@
                     <a:lstStyle/>
                     <a:p>
                       <a:r>
-                        <a:rPr lang="en-US" sz="1400" b="0" i="0" u="none" strike="noStrike" kern="1200" baseline="0" dirty="0" smtClean="0">
+                        <a:rPr lang="en-US" sz="1400" b="0" i="0" u="none" strike="noStrike" kern="1200" baseline="0" dirty="0">
                           <a:solidFill>
                             <a:schemeClr val="tx1"/>
                           </a:solidFill>
@@ -23255,6 +21308,11 @@
                     </a:solidFill>
                   </a:tcPr>
                 </a:tc>
+                <a:extLst>
+                  <a:ext uri="{0D108BD9-81ED-4DB2-BD59-A6C34878D82A}">
+                    <a16:rowId xmlns:a16="http://schemas.microsoft.com/office/drawing/2014/main" val="10004"/>
+                  </a:ext>
+                </a:extLst>
               </a:tr>
             </a:tbl>
           </a:graphicData>
@@ -23270,21 +21328,6 @@
   <p:clrMapOvr>
     <a:masterClrMapping/>
   </p:clrMapOvr>
-  <mc:AlternateContent xmlns:mc="http://schemas.openxmlformats.org/markup-compatibility/2006" xmlns:p14="http://schemas.microsoft.com/office/powerpoint/2010/main">
-    <mc:Choice Requires="p14">
-      <p:transition spd="slow" p14:dur="2000"/>
-    </mc:Choice>
-    <mc:Fallback xmlns="">
-      <p:transition spd="slow"/>
-    </mc:Fallback>
-  </mc:AlternateContent>
-  <p:timing>
-    <p:tnLst>
-      <p:par>
-        <p:cTn id="1" dur="indefinite" restart="never" nodeType="tmRoot"/>
-      </p:par>
-    </p:tnLst>
-  </p:timing>
 </p:sld>
 </file>
 
@@ -23328,13 +21371,13 @@
           <a:lstStyle/>
           <a:p>
             <a:r>
-              <a:rPr lang="en-US" sz="3600" dirty="0" smtClean="0">
+              <a:rPr lang="en-US" sz="3600" dirty="0">
                 <a:latin typeface="+mj-lt"/>
               </a:rPr>
               <a:t>Opening Vignette </a:t>
             </a:r>
             <a:r>
-              <a:rPr lang="en-US" sz="2800" dirty="0" smtClean="0">
+              <a:rPr lang="en-US" sz="2800" dirty="0">
                 <a:latin typeface="+mj-lt"/>
               </a:rPr>
               <a:t>(2 of 4)</a:t>
@@ -23425,16 +21468,12 @@
           <a:p>
             <a:pPr marL="733425" lvl="1"/>
             <a:r>
-              <a:rPr lang="en-US" sz="2400" spc="-300" dirty="0" smtClean="0"/>
+              <a:rPr lang="en-US" sz="2400" spc="-300" dirty="0"/>
               <a:t>R O </a:t>
             </a:r>
             <a:r>
-              <a:rPr lang="en-US" sz="2400" dirty="0" smtClean="0"/>
-              <a:t>C </a:t>
-            </a:r>
-            <a:r>
               <a:rPr lang="en-US" sz="2400" dirty="0"/>
-              <a:t>curve</a:t>
+              <a:t>C curve</a:t>
             </a:r>
           </a:p>
           <a:p>
@@ -23442,11 +21481,11 @@
               <a:buSzPct val="100000"/>
             </a:pPr>
             <a:r>
-              <a:rPr lang="en-US" sz="2400" spc="-300" dirty="0" smtClean="0"/>
+              <a:rPr lang="en-US" sz="2400" spc="-300" dirty="0"/>
               <a:t>D </a:t>
             </a:r>
             <a:r>
-              <a:rPr lang="en-US" sz="2400" dirty="0" smtClean="0"/>
+              <a:rPr lang="en-US" sz="2400" dirty="0"/>
               <a:t>L </a:t>
             </a:r>
             <a:r>
@@ -23458,16 +21497,12 @@
               <a:t> traditional </a:t>
             </a:r>
             <a:r>
-              <a:rPr lang="en-US" sz="2400" spc="-300" dirty="0" smtClean="0"/>
+              <a:rPr lang="en-US" sz="2400" spc="-300" dirty="0"/>
               <a:t>M </a:t>
             </a:r>
             <a:r>
-              <a:rPr lang="en-US" sz="2400" dirty="0" smtClean="0"/>
-              <a:t>L </a:t>
-            </a:r>
-            <a:r>
               <a:rPr lang="en-US" sz="2400" dirty="0"/>
-              <a:t>techniques</a:t>
+              <a:t>L techniques</a:t>
             </a:r>
           </a:p>
         </p:txBody>
@@ -23521,21 +21556,6 @@
   <p:clrMapOvr>
     <a:masterClrMapping/>
   </p:clrMapOvr>
-  <mc:AlternateContent xmlns:mc="http://schemas.openxmlformats.org/markup-compatibility/2006" xmlns:p14="http://schemas.microsoft.com/office/powerpoint/2010/main">
-    <mc:Choice Requires="p14">
-      <p:transition spd="slow" p14:dur="2000"/>
-    </mc:Choice>
-    <mc:Fallback xmlns="">
-      <p:transition spd="slow"/>
-    </mc:Fallback>
-  </mc:AlternateContent>
-  <p:timing>
-    <p:tnLst>
-      <p:par>
-        <p:cTn id="1" dur="indefinite" restart="never" nodeType="tmRoot"/>
-      </p:par>
-    </p:tnLst>
-  </p:timing>
 </p:sld>
 </file>
 
@@ -23582,16 +21602,10 @@
               <a:rPr lang="en-US" sz="3600" dirty="0">
                 <a:latin typeface="+mj-lt"/>
               </a:rPr>
-              <a:t>Cognitive </a:t>
-            </a:r>
-            <a:r>
-              <a:rPr lang="en-US" sz="3600" dirty="0" smtClean="0">
-                <a:latin typeface="+mj-lt"/>
-              </a:rPr>
-              <a:t>Computing </a:t>
-            </a:r>
-            <a:r>
-              <a:rPr lang="en-US" sz="2800" dirty="0" smtClean="0">
+              <a:t>Cognitive Computing </a:t>
+            </a:r>
+            <a:r>
+              <a:rPr lang="en-US" sz="2800" dirty="0">
                 <a:latin typeface="+mj-lt"/>
               </a:rPr>
               <a:t>(3 of 3)</a:t>
@@ -23695,13 +21709,8 @@
           <a:p>
             <a:r>
               <a:rPr lang="en-US" sz="2400" dirty="0"/>
-              <a:t>Cognitive analytics</a:t>
-            </a:r>
-            <a:r>
-              <a:rPr lang="en-US" sz="2400" dirty="0" smtClean="0"/>
-              <a:t>?</a:t>
-            </a:r>
-            <a:endParaRPr lang="en-US" sz="2400" dirty="0"/>
+              <a:t>Cognitive analytics?</a:t>
+            </a:r>
           </a:p>
         </p:txBody>
       </p:sp>
@@ -23715,21 +21724,6 @@
   <p:clrMapOvr>
     <a:masterClrMapping/>
   </p:clrMapOvr>
-  <mc:AlternateContent xmlns:mc="http://schemas.openxmlformats.org/markup-compatibility/2006" xmlns:p14="http://schemas.microsoft.com/office/powerpoint/2010/main">
-    <mc:Choice Requires="p14">
-      <p:transition spd="slow" p14:dur="2000"/>
-    </mc:Choice>
-    <mc:Fallback xmlns="">
-      <p:transition spd="slow"/>
-    </mc:Fallback>
-  </mc:AlternateContent>
-  <p:timing>
-    <p:tnLst>
-      <p:par>
-        <p:cTn id="1" dur="indefinite" restart="never" nodeType="tmRoot"/>
-      </p:par>
-    </p:tnLst>
-  </p:timing>
 </p:sld>
 </file>
 
@@ -23824,12 +21818,8 @@
               <a:t>A </a:t>
             </a:r>
             <a:r>
-              <a:rPr lang="en-US" sz="2400" dirty="0" smtClean="0"/>
-              <a:t>I </a:t>
-            </a:r>
-            <a:r>
               <a:rPr lang="en-US" sz="2400" dirty="0"/>
-              <a:t>technologies.</a:t>
+              <a:t>I technologies.</a:t>
             </a:r>
           </a:p>
           <a:p>
@@ -23889,21 +21879,6 @@
   <p:clrMapOvr>
     <a:masterClrMapping/>
   </p:clrMapOvr>
-  <mc:AlternateContent xmlns:mc="http://schemas.openxmlformats.org/markup-compatibility/2006" xmlns:p14="http://schemas.microsoft.com/office/powerpoint/2010/main">
-    <mc:Choice Requires="p14">
-      <p:transition spd="slow" p14:dur="2000"/>
-    </mc:Choice>
-    <mc:Fallback xmlns="">
-      <p:transition spd="slow"/>
-    </mc:Fallback>
-  </mc:AlternateContent>
-  <p:timing>
-    <p:tnLst>
-      <p:par>
-        <p:cTn id="1" dur="indefinite" restart="never" nodeType="tmRoot"/>
-      </p:par>
-    </p:tnLst>
-  </p:timing>
 </p:sld>
 </file>
 
@@ -23950,113 +21925,25 @@
               <a:rPr lang="en-US" sz="3600" dirty="0">
                 <a:latin typeface="+mj-lt"/>
               </a:rPr>
-              <a:t>Application Case </a:t>
-            </a:r>
-            <a:r>
-              <a:rPr lang="en-US" sz="3600" dirty="0" smtClean="0">
-                <a:latin typeface="+mj-lt"/>
-              </a:rPr>
-              <a:t>6.7 </a:t>
-            </a:r>
-            <a:r>
-              <a:rPr lang="en-US" sz="2800" dirty="0" smtClean="0">
-                <a:latin typeface="+mj-lt"/>
-              </a:rPr>
-              <a:t>(2 </a:t>
-            </a:r>
-            <a:r>
-              <a:rPr lang="en-US" sz="2800" dirty="0">
-                <a:latin typeface="+mj-lt"/>
-              </a:rPr>
-              <a:t>of 4)</a:t>
-            </a:r>
-            <a:endParaRPr lang="en-US" sz="3600" dirty="0">
-              <a:latin typeface="+mj-lt"/>
-            </a:endParaRPr>
-          </a:p>
-        </p:txBody>
-      </p:sp>
-      <p:sp>
-        <p:nvSpPr>
-          <p:cNvPr id="3" name="Content Placeholder 2"/>
-          <p:cNvSpPr>
-            <a:spLocks noGrp="1"/>
-          </p:cNvSpPr>
-          <p:nvPr>
-            <p:ph idx="1"/>
+              <a:t>End of Chapter 6</a:t>
+            </a:r>
+          </a:p>
+        </p:txBody>
+      </p:sp>
+      <p:sp>
+        <p:nvSpPr>
+          <p:cNvPr id="4" name="Content Placeholder 3"/>
+          <p:cNvSpPr>
+            <a:spLocks noGrp="1"/>
+          </p:cNvSpPr>
+          <p:nvPr>
+            <p:ph sz="quarter" idx="14"/>
           </p:nvPr>
         </p:nvSpPr>
         <p:spPr>
           <a:xfrm>
-            <a:off x="457200" y="714376"/>
-            <a:ext cx="8153400" cy="861774"/>
-          </a:xfrm>
-        </p:spPr>
-        <p:txBody>
-          <a:bodyPr wrap="square">
-            <a:spAutoFit/>
-          </a:bodyPr>
-          <a:lstStyle/>
-          <a:p>
-            <a:pPr marL="0" lvl="0" indent="0">
-              <a:spcBef>
-                <a:spcPts val="0"/>
-              </a:spcBef>
-              <a:buClr>
-                <a:schemeClr val="lt1"/>
-              </a:buClr>
-              <a:buSzPct val="25000"/>
-              <a:buNone/>
-              <a:tabLst>
-                <a:tab pos="628650" algn="l"/>
-              </a:tabLst>
-            </a:pPr>
-            <a:r>
-              <a:rPr lang="en-IN" sz="2800" b="1" spc="-350" dirty="0" smtClean="0">
-                <a:solidFill>
-                  <a:srgbClr val="007FA3"/>
-                </a:solidFill>
-              </a:rPr>
-              <a:t>I B </a:t>
-            </a:r>
-            <a:r>
-              <a:rPr lang="en-IN" sz="2800" b="1" dirty="0" smtClean="0">
-                <a:solidFill>
-                  <a:srgbClr val="007FA3"/>
-                </a:solidFill>
-              </a:rPr>
-              <a:t>M </a:t>
-            </a:r>
-            <a:r>
-              <a:rPr lang="en-IN" sz="2800" b="1" dirty="0">
-                <a:solidFill>
-                  <a:srgbClr val="007FA3"/>
-                </a:solidFill>
-              </a:rPr>
-              <a:t>Watson Competes against the Best at Jeopardy!</a:t>
-            </a:r>
-            <a:endParaRPr lang="en-IN" sz="2800" b="1" dirty="0" smtClean="0">
-              <a:solidFill>
-                <a:srgbClr val="007FA3"/>
-              </a:solidFill>
-            </a:endParaRPr>
-          </a:p>
-        </p:txBody>
-      </p:sp>
-      <p:sp>
-        <p:nvSpPr>
-          <p:cNvPr id="5" name="Content Placeholder 4"/>
-          <p:cNvSpPr>
-            <a:spLocks noGrp="1"/>
-          </p:cNvSpPr>
-          <p:nvPr>
-            <p:ph sz="quarter" idx="14"/>
-          </p:nvPr>
-        </p:nvSpPr>
-        <p:spPr>
-          <a:xfrm>
-            <a:off x="457200" y="1753612"/>
-            <a:ext cx="8153400" cy="3046988"/>
+            <a:off x="457200" y="990600"/>
+            <a:ext cx="8153400" cy="369332"/>
           </a:xfrm>
         </p:spPr>
         <p:txBody>
@@ -24065,84 +21952,27 @@
           </a:bodyPr>
           <a:lstStyle/>
           <a:p>
-            <a:pPr marL="0" indent="0">
-              <a:spcBef>
-                <a:spcPts val="1200"/>
-              </a:spcBef>
+            <a:pPr marL="231775" indent="-231775">
               <a:buSzPct val="100000"/>
-              <a:buNone/>
             </a:pPr>
             <a:r>
-              <a:rPr lang="en-US" sz="2400" b="1" dirty="0"/>
-              <a:t>Discussion Questions: </a:t>
-            </a:r>
-          </a:p>
-          <a:p>
-            <a:pPr marL="457200" indent="-457200">
-              <a:spcBef>
-                <a:spcPts val="1200"/>
-              </a:spcBef>
-              <a:buFont typeface="+mj-lt"/>
-              <a:buAutoNum type="arabicPeriod"/>
-            </a:pPr>
-            <a:r>
               <a:rPr lang="en-US" sz="2400" dirty="0"/>
-              <a:t>In your opinion, what are the most unique features about Watson?</a:t>
-            </a:r>
-          </a:p>
-          <a:p>
-            <a:pPr marL="457200" indent="-457200">
-              <a:spcBef>
-                <a:spcPts val="1200"/>
-              </a:spcBef>
-              <a:buFont typeface="+mj-lt"/>
-              <a:buAutoNum type="arabicPeriod"/>
-            </a:pPr>
-            <a:r>
-              <a:rPr lang="en-US" sz="2400" dirty="0"/>
-              <a:t>In what other challenging games would you like to see Watson compete against humans? Why?</a:t>
-            </a:r>
-          </a:p>
-          <a:p>
-            <a:pPr marL="457200" indent="-457200">
-              <a:spcBef>
-                <a:spcPts val="1200"/>
-              </a:spcBef>
-              <a:buFont typeface="+mj-lt"/>
-              <a:buAutoNum type="arabicPeriod"/>
-            </a:pPr>
-            <a:r>
-              <a:rPr lang="en-US" sz="2400" dirty="0"/>
-              <a:t>What are the similarities and differences between Watson’s and humans’ intelligence?</a:t>
-            </a:r>
+              <a:t>Questions / Comments</a:t>
+            </a:r>
+            <a:endParaRPr lang="en-IN" sz="2400" dirty="0"/>
           </a:p>
         </p:txBody>
       </p:sp>
     </p:spTree>
     <p:extLst>
       <p:ext uri="{BB962C8B-B14F-4D97-AF65-F5344CB8AC3E}">
-        <p14:creationId xmlns:p14="http://schemas.microsoft.com/office/powerpoint/2010/main" val="3625801848"/>
+        <p14:creationId xmlns:p14="http://schemas.microsoft.com/office/powerpoint/2010/main" val="2666502357"/>
       </p:ext>
     </p:extLst>
   </p:cSld>
   <p:clrMapOvr>
     <a:masterClrMapping/>
   </p:clrMapOvr>
-  <mc:AlternateContent xmlns:mc="http://schemas.openxmlformats.org/markup-compatibility/2006" xmlns:p14="http://schemas.microsoft.com/office/powerpoint/2010/main">
-    <mc:Choice Requires="p14">
-      <p:transition spd="slow" p14:dur="2000"/>
-    </mc:Choice>
-    <mc:Fallback xmlns="">
-      <p:transition spd="slow"/>
-    </mc:Fallback>
-  </mc:AlternateContent>
-  <p:timing>
-    <p:tnLst>
-      <p:par>
-        <p:cTn id="1" dur="indefinite" restart="never" nodeType="tmRoot"/>
-      </p:par>
-    </p:tnLst>
-  </p:timing>
 </p:sld>
 </file>
 
@@ -24175,641 +22005,6 @@
         </p:nvSpPr>
         <p:spPr>
           <a:xfrm>
-            <a:off x="457200" y="72854"/>
-            <a:ext cx="8153400" cy="553998"/>
-          </a:xfrm>
-        </p:spPr>
-        <p:txBody>
-          <a:bodyPr wrap="square">
-            <a:spAutoFit/>
-          </a:bodyPr>
-          <a:lstStyle/>
-          <a:p>
-            <a:r>
-              <a:rPr lang="en-US" sz="3600" dirty="0">
-                <a:latin typeface="+mj-lt"/>
-              </a:rPr>
-              <a:t>Application Case </a:t>
-            </a:r>
-            <a:r>
-              <a:rPr lang="en-US" sz="3600" dirty="0" smtClean="0">
-                <a:latin typeface="+mj-lt"/>
-              </a:rPr>
-              <a:t>6.7 </a:t>
-            </a:r>
-            <a:r>
-              <a:rPr lang="en-US" sz="2800" dirty="0" smtClean="0">
-                <a:latin typeface="+mj-lt"/>
-              </a:rPr>
-              <a:t>(3 </a:t>
-            </a:r>
-            <a:r>
-              <a:rPr lang="en-US" sz="2800" dirty="0">
-                <a:latin typeface="+mj-lt"/>
-              </a:rPr>
-              <a:t>of 4)</a:t>
-            </a:r>
-            <a:endParaRPr lang="en-US" sz="3600" dirty="0">
-              <a:latin typeface="+mj-lt"/>
-            </a:endParaRPr>
-          </a:p>
-        </p:txBody>
-      </p:sp>
-      <p:sp>
-        <p:nvSpPr>
-          <p:cNvPr id="3" name="Content Placeholder 2"/>
-          <p:cNvSpPr>
-            <a:spLocks noGrp="1"/>
-          </p:cNvSpPr>
-          <p:nvPr>
-            <p:ph idx="1"/>
-          </p:nvPr>
-        </p:nvSpPr>
-        <p:spPr>
-          <a:xfrm>
-            <a:off x="457200" y="714376"/>
-            <a:ext cx="8153400" cy="861774"/>
-          </a:xfrm>
-        </p:spPr>
-        <p:txBody>
-          <a:bodyPr wrap="square">
-            <a:spAutoFit/>
-          </a:bodyPr>
-          <a:lstStyle/>
-          <a:p>
-            <a:pPr marL="0" lvl="0" indent="0">
-              <a:spcBef>
-                <a:spcPts val="0"/>
-              </a:spcBef>
-              <a:buClr>
-                <a:schemeClr val="lt1"/>
-              </a:buClr>
-              <a:buSzPct val="25000"/>
-              <a:buNone/>
-              <a:tabLst>
-                <a:tab pos="628650" algn="l"/>
-              </a:tabLst>
-            </a:pPr>
-            <a:r>
-              <a:rPr lang="en-IN" sz="2800" b="1" spc="-350" dirty="0" smtClean="0">
-                <a:solidFill>
-                  <a:srgbClr val="007FA3"/>
-                </a:solidFill>
-              </a:rPr>
-              <a:t>I B </a:t>
-            </a:r>
-            <a:r>
-              <a:rPr lang="en-IN" sz="2800" b="1" dirty="0" smtClean="0">
-                <a:solidFill>
-                  <a:srgbClr val="007FA3"/>
-                </a:solidFill>
-              </a:rPr>
-              <a:t>M </a:t>
-            </a:r>
-            <a:r>
-              <a:rPr lang="en-IN" sz="2800" b="1" dirty="0">
-                <a:solidFill>
-                  <a:srgbClr val="007FA3"/>
-                </a:solidFill>
-              </a:rPr>
-              <a:t>Watson Competes against the Best at Jeopardy!</a:t>
-            </a:r>
-            <a:endParaRPr lang="en-IN" sz="2800" b="1" dirty="0" smtClean="0">
-              <a:solidFill>
-                <a:srgbClr val="007FA3"/>
-              </a:solidFill>
-            </a:endParaRPr>
-          </a:p>
-        </p:txBody>
-      </p:sp>
-      <p:sp>
-        <p:nvSpPr>
-          <p:cNvPr id="5" name="Content Placeholder 4"/>
-          <p:cNvSpPr>
-            <a:spLocks noGrp="1"/>
-          </p:cNvSpPr>
-          <p:nvPr>
-            <p:ph sz="quarter" idx="14"/>
-          </p:nvPr>
-        </p:nvSpPr>
-        <p:spPr>
-          <a:xfrm>
-            <a:off x="457200" y="1753612"/>
-            <a:ext cx="8153400" cy="369332"/>
-          </a:xfrm>
-        </p:spPr>
-        <p:txBody>
-          <a:bodyPr>
-            <a:spAutoFit/>
-          </a:bodyPr>
-          <a:lstStyle/>
-          <a:p>
-            <a:pPr marL="0" indent="0">
-              <a:buNone/>
-            </a:pPr>
-            <a:r>
-              <a:rPr lang="en-US" sz="2400" dirty="0"/>
-              <a:t>A High-Level Depiction of Watson’s </a:t>
-            </a:r>
-            <a:r>
-              <a:rPr lang="en-US" sz="2400" dirty="0" err="1" smtClean="0"/>
-              <a:t>Deep</a:t>
-            </a:r>
-            <a:r>
-              <a:rPr lang="en-US" sz="2400" spc="-300" dirty="0" err="1"/>
-              <a:t>Q</a:t>
-            </a:r>
-            <a:r>
-              <a:rPr lang="en-US" sz="2400" spc="-300" dirty="0"/>
-              <a:t> </a:t>
-            </a:r>
-            <a:r>
-              <a:rPr lang="en-US" sz="2400" dirty="0" smtClean="0"/>
-              <a:t>A Architecture</a:t>
-            </a:r>
-            <a:endParaRPr lang="en-US" sz="2400" dirty="0">
-              <a:solidFill>
-                <a:srgbClr val="FF6600"/>
-              </a:solidFill>
-              <a:effectLst>
-                <a:outerShdw blurRad="38100" dist="38100" dir="2700000" algn="tl">
-                  <a:srgbClr val="000000">
-                    <a:alpha val="43137"/>
-                  </a:srgbClr>
-                </a:outerShdw>
-              </a:effectLst>
-            </a:endParaRPr>
-          </a:p>
-        </p:txBody>
-      </p:sp>
-      <p:pic>
-        <p:nvPicPr>
-          <p:cNvPr id="15362" name="Picture 2" descr="The illustration depicts the following:&#10;• Question open bracket in natural language bracket close leads to Question open bracket translation to digital close bracket, which in turn leads to Analysis open bracket decomposition close bracket. &#10;• From Analysis, four arrows lead to:&#10;• Hypothesis 1&#10;• Hypothesis 2&#10;• Hypothesis 3&#10;• Hypothesis n &#10;• Each hypothesis leads to Soft Filtering and then to Evidence Scoring. &#10;• A double-headed arrow from Hypothesis 1 connects it to two Answer Sources:&#10;• Primary Search &#10;• Candidate Generation&#10;• A double-headed arrow from Evidence Scoring connects it to two Evidence Sources:&#10;• Support Evidence Renewal &#10;• Deep Evidence Scoring&#10;• From Evidence Scoring for all 4 hypotheses, arrows lead to Synthesis open bracket combining close bracket, which in turn leads to Merging and Ranking.  &#10;• From Merging and Ranking, an arrow leads to the Answer open bracket and level of confidence close bracket."/>
-          <p:cNvPicPr>
-            <a:picLocks noChangeAspect="1" noChangeArrowheads="1"/>
-          </p:cNvPicPr>
-          <p:nvPr/>
-        </p:nvPicPr>
-        <p:blipFill rotWithShape="1">
-          <a:blip r:embed="rId3">
-            <a:extLst>
-              <a:ext uri="{28A0092B-C50C-407E-A947-70E740481C1C}">
-                <a14:useLocalDpi xmlns:a14="http://schemas.microsoft.com/office/drawing/2010/main" val="0"/>
-              </a:ext>
-            </a:extLst>
-          </a:blip>
-          <a:srcRect b="4212"/>
-          <a:stretch/>
-        </p:blipFill>
-        <p:spPr bwMode="auto">
-          <a:xfrm>
-            <a:off x="722658" y="2343548"/>
-            <a:ext cx="7681606" cy="3952078"/>
-          </a:xfrm>
-          <a:prstGeom prst="rect">
-            <a:avLst/>
-          </a:prstGeom>
-          <a:noFill/>
-          <a:extLst>
-            <a:ext uri="{909E8E84-426E-40DD-AFC4-6F175D3DCCD1}">
-              <a14:hiddenFill xmlns:a14="http://schemas.microsoft.com/office/drawing/2010/main">
-                <a:solidFill>
-                  <a:srgbClr val="FFFFFF"/>
-                </a:solidFill>
-              </a14:hiddenFill>
-            </a:ext>
-          </a:extLst>
-        </p:spPr>
-      </p:pic>
-    </p:spTree>
-    <p:extLst>
-      <p:ext uri="{BB962C8B-B14F-4D97-AF65-F5344CB8AC3E}">
-        <p14:creationId xmlns:p14="http://schemas.microsoft.com/office/powerpoint/2010/main" val="2307248002"/>
-      </p:ext>
-    </p:extLst>
-  </p:cSld>
-  <p:clrMapOvr>
-    <a:masterClrMapping/>
-  </p:clrMapOvr>
-  <mc:AlternateContent xmlns:mc="http://schemas.openxmlformats.org/markup-compatibility/2006" xmlns:p14="http://schemas.microsoft.com/office/powerpoint/2010/main">
-    <mc:Choice Requires="p14">
-      <p:transition spd="slow" p14:dur="2000"/>
-    </mc:Choice>
-    <mc:Fallback xmlns="">
-      <p:transition spd="slow"/>
-    </mc:Fallback>
-  </mc:AlternateContent>
-  <p:timing>
-    <p:tnLst>
-      <p:par>
-        <p:cTn id="1" dur="indefinite" restart="never" nodeType="tmRoot"/>
-      </p:par>
-    </p:tnLst>
-  </p:timing>
-</p:sld>
-</file>
-
-<file path=ppt/slides/slide54.xml><?xml version="1.0" encoding="utf-8"?>
-<p:sld xmlns:a="http://schemas.openxmlformats.org/drawingml/2006/main" xmlns:r="http://schemas.openxmlformats.org/officeDocument/2006/relationships" xmlns:p="http://schemas.openxmlformats.org/presentationml/2006/main">
-  <p:cSld>
-    <p:spTree>
-      <p:nvGrpSpPr>
-        <p:cNvPr id="1" name=""/>
-        <p:cNvGrpSpPr/>
-        <p:nvPr/>
-      </p:nvGrpSpPr>
-      <p:grpSpPr>
-        <a:xfrm>
-          <a:off x="0" y="0"/>
-          <a:ext cx="0" cy="0"/>
-          <a:chOff x="0" y="0"/>
-          <a:chExt cx="0" cy="0"/>
-        </a:xfrm>
-      </p:grpSpPr>
-      <p:sp>
-        <p:nvSpPr>
-          <p:cNvPr id="2" name="Title 1"/>
-          <p:cNvSpPr>
-            <a:spLocks noGrp="1"/>
-          </p:cNvSpPr>
-          <p:nvPr>
-            <p:ph type="title"/>
-          </p:nvPr>
-        </p:nvSpPr>
-        <p:spPr>
-          <a:xfrm>
-            <a:off x="457200" y="72854"/>
-            <a:ext cx="8153400" cy="553998"/>
-          </a:xfrm>
-        </p:spPr>
-        <p:txBody>
-          <a:bodyPr wrap="square">
-            <a:spAutoFit/>
-          </a:bodyPr>
-          <a:lstStyle/>
-          <a:p>
-            <a:r>
-              <a:rPr lang="en-US" sz="3600" dirty="0">
-                <a:latin typeface="+mj-lt"/>
-              </a:rPr>
-              <a:t>Application Case </a:t>
-            </a:r>
-            <a:r>
-              <a:rPr lang="en-US" sz="3600" dirty="0" smtClean="0">
-                <a:latin typeface="+mj-lt"/>
-              </a:rPr>
-              <a:t>6.7 </a:t>
-            </a:r>
-            <a:r>
-              <a:rPr lang="en-US" sz="2800" dirty="0" smtClean="0">
-                <a:latin typeface="+mj-lt"/>
-              </a:rPr>
-              <a:t>(4 </a:t>
-            </a:r>
-            <a:r>
-              <a:rPr lang="en-US" sz="2800" dirty="0">
-                <a:latin typeface="+mj-lt"/>
-              </a:rPr>
-              <a:t>of 4)</a:t>
-            </a:r>
-            <a:endParaRPr lang="en-US" sz="3600" dirty="0">
-              <a:latin typeface="+mj-lt"/>
-            </a:endParaRPr>
-          </a:p>
-        </p:txBody>
-      </p:sp>
-      <p:sp>
-        <p:nvSpPr>
-          <p:cNvPr id="3" name="Content Placeholder 2"/>
-          <p:cNvSpPr>
-            <a:spLocks noGrp="1"/>
-          </p:cNvSpPr>
-          <p:nvPr>
-            <p:ph idx="1"/>
-          </p:nvPr>
-        </p:nvSpPr>
-        <p:spPr>
-          <a:xfrm>
-            <a:off x="457200" y="714376"/>
-            <a:ext cx="8153400" cy="861774"/>
-          </a:xfrm>
-        </p:spPr>
-        <p:txBody>
-          <a:bodyPr wrap="square">
-            <a:spAutoFit/>
-          </a:bodyPr>
-          <a:lstStyle/>
-          <a:p>
-            <a:pPr marL="0" lvl="0" indent="0">
-              <a:spcBef>
-                <a:spcPts val="0"/>
-              </a:spcBef>
-              <a:buClr>
-                <a:schemeClr val="lt1"/>
-              </a:buClr>
-              <a:buSzPct val="25000"/>
-              <a:buNone/>
-              <a:tabLst>
-                <a:tab pos="628650" algn="l"/>
-              </a:tabLst>
-            </a:pPr>
-            <a:r>
-              <a:rPr lang="en-IN" sz="2800" b="1" spc="-350" dirty="0" smtClean="0">
-                <a:solidFill>
-                  <a:srgbClr val="007FA3"/>
-                </a:solidFill>
-              </a:rPr>
-              <a:t>I B </a:t>
-            </a:r>
-            <a:r>
-              <a:rPr lang="en-IN" sz="2800" b="1" dirty="0" smtClean="0">
-                <a:solidFill>
-                  <a:srgbClr val="007FA3"/>
-                </a:solidFill>
-              </a:rPr>
-              <a:t>M </a:t>
-            </a:r>
-            <a:r>
-              <a:rPr lang="en-IN" sz="2800" b="1" dirty="0">
-                <a:solidFill>
-                  <a:srgbClr val="007FA3"/>
-                </a:solidFill>
-              </a:rPr>
-              <a:t>Watson Competes against the Best at Jeopardy!</a:t>
-            </a:r>
-            <a:endParaRPr lang="en-IN" sz="2800" b="1" dirty="0" smtClean="0">
-              <a:solidFill>
-                <a:srgbClr val="007FA3"/>
-              </a:solidFill>
-            </a:endParaRPr>
-          </a:p>
-        </p:txBody>
-      </p:sp>
-      <p:sp>
-        <p:nvSpPr>
-          <p:cNvPr id="5" name="Content Placeholder 4"/>
-          <p:cNvSpPr>
-            <a:spLocks noGrp="1"/>
-          </p:cNvSpPr>
-          <p:nvPr>
-            <p:ph sz="quarter" idx="14"/>
-          </p:nvPr>
-        </p:nvSpPr>
-        <p:spPr>
-          <a:xfrm>
-            <a:off x="457200" y="1753612"/>
-            <a:ext cx="8153400" cy="4501232"/>
-          </a:xfrm>
-        </p:spPr>
-        <p:txBody>
-          <a:bodyPr>
-            <a:spAutoFit/>
-          </a:bodyPr>
-          <a:lstStyle/>
-          <a:p>
-            <a:r>
-              <a:rPr lang="en-US" sz="2400" dirty="0"/>
-              <a:t>How does Watson do it?</a:t>
-            </a:r>
-          </a:p>
-          <a:p>
-            <a:pPr lvl="1"/>
-            <a:r>
-              <a:rPr lang="en-US" sz="2400" dirty="0"/>
-              <a:t>Massive parallelism</a:t>
-            </a:r>
-          </a:p>
-          <a:p>
-            <a:pPr lvl="1"/>
-            <a:r>
-              <a:rPr lang="en-US" sz="2400" dirty="0"/>
-              <a:t>Many experts</a:t>
-            </a:r>
-          </a:p>
-          <a:p>
-            <a:pPr lvl="1"/>
-            <a:r>
-              <a:rPr lang="en-US" sz="2400" dirty="0"/>
-              <a:t>Pervasive confidence estimation</a:t>
-            </a:r>
-          </a:p>
-          <a:p>
-            <a:pPr lvl="1"/>
-            <a:r>
-              <a:rPr lang="en-US" sz="2400" dirty="0"/>
-              <a:t>Integration of shallow and deep knowledge</a:t>
-            </a:r>
-          </a:p>
-          <a:p>
-            <a:r>
-              <a:rPr lang="en-US" sz="2400" dirty="0"/>
-              <a:t>Future of Watson and Cognitive Computing</a:t>
-            </a:r>
-          </a:p>
-          <a:p>
-            <a:pPr lvl="1"/>
-            <a:r>
-              <a:rPr lang="en-US" sz="2400" dirty="0"/>
-              <a:t>Healthcare and medicine</a:t>
-            </a:r>
-          </a:p>
-          <a:p>
-            <a:pPr lvl="1"/>
-            <a:r>
-              <a:rPr lang="en-US" sz="2400" dirty="0"/>
-              <a:t>Security and Government</a:t>
-            </a:r>
-          </a:p>
-          <a:p>
-            <a:pPr lvl="1"/>
-            <a:r>
-              <a:rPr lang="en-US" sz="2400" dirty="0"/>
-              <a:t>Finance and Retail</a:t>
-            </a:r>
-          </a:p>
-          <a:p>
-            <a:pPr lvl="1"/>
-            <a:r>
-              <a:rPr lang="en-US" sz="2400" dirty="0"/>
-              <a:t>Education and Scientific Research, …</a:t>
-            </a:r>
-          </a:p>
-        </p:txBody>
-      </p:sp>
-    </p:spTree>
-    <p:extLst>
-      <p:ext uri="{BB962C8B-B14F-4D97-AF65-F5344CB8AC3E}">
-        <p14:creationId xmlns:p14="http://schemas.microsoft.com/office/powerpoint/2010/main" val="454921984"/>
-      </p:ext>
-    </p:extLst>
-  </p:cSld>
-  <p:clrMapOvr>
-    <a:masterClrMapping/>
-  </p:clrMapOvr>
-  <mc:AlternateContent xmlns:mc="http://schemas.openxmlformats.org/markup-compatibility/2006" xmlns:p14="http://schemas.microsoft.com/office/powerpoint/2010/main">
-    <mc:Choice Requires="p14">
-      <p:transition spd="slow" p14:dur="2000"/>
-    </mc:Choice>
-    <mc:Fallback xmlns="">
-      <p:transition spd="slow"/>
-    </mc:Fallback>
-  </mc:AlternateContent>
-  <p:timing>
-    <p:tnLst>
-      <p:par>
-        <p:cTn id="1" dur="indefinite" restart="never" nodeType="tmRoot"/>
-      </p:par>
-    </p:tnLst>
-  </p:timing>
-</p:sld>
-</file>
-
-<file path=ppt/slides/slide55.xml><?xml version="1.0" encoding="utf-8"?>
-<p:sld xmlns:a="http://schemas.openxmlformats.org/drawingml/2006/main" xmlns:r="http://schemas.openxmlformats.org/officeDocument/2006/relationships" xmlns:p="http://schemas.openxmlformats.org/presentationml/2006/main">
-  <p:cSld>
-    <p:spTree>
-      <p:nvGrpSpPr>
-        <p:cNvPr id="1" name=""/>
-        <p:cNvGrpSpPr/>
-        <p:nvPr/>
-      </p:nvGrpSpPr>
-      <p:grpSpPr>
-        <a:xfrm>
-          <a:off x="0" y="0"/>
-          <a:ext cx="0" cy="0"/>
-          <a:chOff x="0" y="0"/>
-          <a:chExt cx="0" cy="0"/>
-        </a:xfrm>
-      </p:grpSpPr>
-      <p:sp>
-        <p:nvSpPr>
-          <p:cNvPr id="2" name="Title 1"/>
-          <p:cNvSpPr>
-            <a:spLocks noGrp="1"/>
-          </p:cNvSpPr>
-          <p:nvPr>
-            <p:ph type="title"/>
-          </p:nvPr>
-        </p:nvSpPr>
-        <p:spPr>
-          <a:xfrm>
-            <a:off x="457200" y="72854"/>
-            <a:ext cx="8153400" cy="553998"/>
-          </a:xfrm>
-        </p:spPr>
-        <p:txBody>
-          <a:bodyPr wrap="square">
-            <a:spAutoFit/>
-          </a:bodyPr>
-          <a:lstStyle/>
-          <a:p>
-            <a:r>
-              <a:rPr lang="en-US" sz="3600" dirty="0">
-                <a:latin typeface="+mj-lt"/>
-              </a:rPr>
-              <a:t>End of Chapter 6</a:t>
-            </a:r>
-          </a:p>
-        </p:txBody>
-      </p:sp>
-      <p:sp>
-        <p:nvSpPr>
-          <p:cNvPr id="4" name="Content Placeholder 3"/>
-          <p:cNvSpPr>
-            <a:spLocks noGrp="1"/>
-          </p:cNvSpPr>
-          <p:nvPr>
-            <p:ph sz="quarter" idx="14"/>
-          </p:nvPr>
-        </p:nvSpPr>
-        <p:spPr>
-          <a:xfrm>
-            <a:off x="457200" y="990600"/>
-            <a:ext cx="8153400" cy="369332"/>
-          </a:xfrm>
-        </p:spPr>
-        <p:txBody>
-          <a:bodyPr>
-            <a:spAutoFit/>
-          </a:bodyPr>
-          <a:lstStyle/>
-          <a:p>
-            <a:pPr marL="231775" indent="-231775">
-              <a:buSzPct val="100000"/>
-            </a:pPr>
-            <a:r>
-              <a:rPr lang="en-US" sz="2400" dirty="0" smtClean="0"/>
-              <a:t>Questions </a:t>
-            </a:r>
-            <a:r>
-              <a:rPr lang="en-US" sz="2400" dirty="0"/>
-              <a:t>/ </a:t>
-            </a:r>
-            <a:r>
-              <a:rPr lang="en-US" sz="2400" dirty="0" smtClean="0"/>
-              <a:t>Comments</a:t>
-            </a:r>
-            <a:endParaRPr lang="en-IN" sz="2400" dirty="0"/>
-          </a:p>
-        </p:txBody>
-      </p:sp>
-    </p:spTree>
-    <p:extLst>
-      <p:ext uri="{BB962C8B-B14F-4D97-AF65-F5344CB8AC3E}">
-        <p14:creationId xmlns:p14="http://schemas.microsoft.com/office/powerpoint/2010/main" val="2666502357"/>
-      </p:ext>
-    </p:extLst>
-  </p:cSld>
-  <p:clrMapOvr>
-    <a:masterClrMapping/>
-  </p:clrMapOvr>
-  <mc:AlternateContent xmlns:mc="http://schemas.openxmlformats.org/markup-compatibility/2006" xmlns:p14="http://schemas.microsoft.com/office/powerpoint/2010/main">
-    <mc:Choice Requires="p14">
-      <p:transition spd="slow" p14:dur="2000"/>
-    </mc:Choice>
-    <mc:Fallback xmlns="">
-      <p:transition spd="slow"/>
-    </mc:Fallback>
-  </mc:AlternateContent>
-  <p:timing>
-    <p:tnLst>
-      <p:par>
-        <p:cTn id="1" dur="indefinite" restart="never" nodeType="tmRoot"/>
-      </p:par>
-    </p:tnLst>
-  </p:timing>
-</p:sld>
-</file>
-
-<file path=ppt/slides/slide56.xml><?xml version="1.0" encoding="utf-8"?>
-<p:sld xmlns:a="http://schemas.openxmlformats.org/drawingml/2006/main" xmlns:r="http://schemas.openxmlformats.org/officeDocument/2006/relationships" xmlns:p="http://schemas.openxmlformats.org/presentationml/2006/main">
-  <p:cSld>
-    <p:spTree>
-      <p:nvGrpSpPr>
-        <p:cNvPr id="1" name=""/>
-        <p:cNvGrpSpPr/>
-        <p:nvPr/>
-      </p:nvGrpSpPr>
-      <p:grpSpPr>
-        <a:xfrm>
-          <a:off x="0" y="0"/>
-          <a:ext cx="0" cy="0"/>
-          <a:chOff x="0" y="0"/>
-          <a:chExt cx="0" cy="0"/>
-        </a:xfrm>
-      </p:grpSpPr>
-      <p:sp>
-        <p:nvSpPr>
-          <p:cNvPr id="2" name="Title 1"/>
-          <p:cNvSpPr>
-            <a:spLocks noGrp="1"/>
-          </p:cNvSpPr>
-          <p:nvPr>
-            <p:ph type="title"/>
-          </p:nvPr>
-        </p:nvSpPr>
-        <p:spPr>
-          <a:xfrm>
             <a:off x="456154" y="74652"/>
             <a:ext cx="8154446" cy="553998"/>
           </a:xfrm>
@@ -24837,7 +22032,7 @@
           <p:cNvPr id="7" name="Graphic 6" descr="Warning">
             <a:extLst>
               <a:ext uri="{FF2B5EF4-FFF2-40B4-BE49-F238E27FC236}">
-                <a16:creationId xmlns:a16="http://schemas.microsoft.com/office/drawing/2014/main" xmlns="" id="{C06FB2D2-3F36-42C9-A5A6-B6234DC54C96}"/>
+                <a16:creationId xmlns:a16="http://schemas.microsoft.com/office/drawing/2014/main" id="{C06FB2D2-3F36-42C9-A5A6-B6234DC54C96}"/>
               </a:ext>
             </a:extLst>
           </p:cNvPr>
@@ -24850,7 +22045,7 @@
           <a:blip r:embed="rId2">
             <a:extLst>
               <a:ext uri="{96DAC541-7B7A-43D3-8B79-37D633B846F1}">
-                <asvg:svgBlip xmlns="" xmlns:asvg="http://schemas.microsoft.com/office/drawing/2016/SVG/main" r:embed="rId4"/>
+                <asvg:svgBlip xmlns:asvg="http://schemas.microsoft.com/office/drawing/2016/SVG/main" r:embed="rId3"/>
               </a:ext>
             </a:extLst>
           </a:blip>
@@ -24873,7 +22068,7 @@
           <p:cNvPr id="8" name="Text Placeholder 1">
             <a:extLst>
               <a:ext uri="{FF2B5EF4-FFF2-40B4-BE49-F238E27FC236}">
-                <a16:creationId xmlns:a16="http://schemas.microsoft.com/office/drawing/2014/main" xmlns="" id="{AD5FAE7B-F718-4307-B112-AD6256157E8F}"/>
+                <a16:creationId xmlns:a16="http://schemas.microsoft.com/office/drawing/2014/main" id="{AD5FAE7B-F718-4307-B112-AD6256157E8F}"/>
               </a:ext>
             </a:extLst>
           </p:cNvPr>
@@ -25079,10 +22274,9 @@
               <a:buNone/>
             </a:pPr>
             <a:r>
-              <a:rPr lang="en-US" b="1" dirty="0" smtClean="0"/>
+              <a:rPr lang="en-US" b="1" dirty="0"/>
               <a:t>This work is protected by United States copyright laws and is provided solely for the use of instructors in teaching their courses and assessing student learning. Dissemination or sale of any part of this work (including on the World Wide Web) will destroy the integrity of the work and is not permitted. The work and materials from it should never be made available to students except by instructors using the accompanying text in their classes. All recipients of this work are expected to abide by these restrictions and to honor the intended pedagogical purposes and the needs of other instructors who rely on these materials.</a:t>
             </a:r>
-            <a:endParaRPr lang="en-US" b="1" dirty="0"/>
           </a:p>
         </p:txBody>
       </p:sp>
@@ -25096,21 +22290,6 @@
   <p:clrMapOvr>
     <a:masterClrMapping/>
   </p:clrMapOvr>
-  <mc:AlternateContent xmlns:mc="http://schemas.openxmlformats.org/markup-compatibility/2006" xmlns:p14="http://schemas.microsoft.com/office/powerpoint/2010/main">
-    <mc:Choice Requires="p14">
-      <p:transition spd="slow" p14:dur="2000"/>
-    </mc:Choice>
-    <mc:Fallback xmlns="">
-      <p:transition spd="slow"/>
-    </mc:Fallback>
-  </mc:AlternateContent>
-  <p:timing>
-    <p:tnLst>
-      <p:par>
-        <p:cTn id="1" dur="indefinite" restart="never" nodeType="tmRoot"/>
-      </p:par>
-    </p:tnLst>
-  </p:timing>
 </p:sld>
 </file>
 
@@ -25154,13 +22333,13 @@
           <a:lstStyle/>
           <a:p>
             <a:r>
-              <a:rPr lang="en-US" sz="3600" dirty="0" smtClean="0">
+              <a:rPr lang="en-US" sz="3600" dirty="0">
                 <a:latin typeface="+mj-lt"/>
               </a:rPr>
               <a:t>Opening Vignette </a:t>
             </a:r>
             <a:r>
-              <a:rPr lang="en-US" sz="2800" dirty="0" smtClean="0">
+              <a:rPr lang="en-US" sz="2800" dirty="0">
                 <a:latin typeface="+mj-lt"/>
               </a:rPr>
               <a:t>(3 of 4)</a:t>
@@ -25250,7 +22429,7 @@
               <a:t>A Generalized Framework for </a:t>
             </a:r>
             <a:r>
-              <a:rPr lang="en-US" sz="2400" spc="-300" dirty="0" smtClean="0">
+              <a:rPr lang="en-US" sz="2400" spc="-300" dirty="0">
                 <a:solidFill>
                   <a:schemeClr val="bg2"/>
                 </a:solidFill>
@@ -25258,20 +22437,12 @@
               <a:t>A </a:t>
             </a:r>
             <a:r>
-              <a:rPr lang="en-US" sz="2400" dirty="0" smtClean="0">
-                <a:solidFill>
-                  <a:schemeClr val="bg2"/>
-                </a:solidFill>
-              </a:rPr>
-              <a:t>I </a:t>
-            </a:r>
-            <a:r>
               <a:rPr lang="en-US" sz="2400" dirty="0">
                 <a:solidFill>
                   <a:schemeClr val="bg2"/>
                 </a:solidFill>
               </a:rPr>
-              <a:t>and Deep Learning–Based Analytics Solutions</a:t>
+              <a:t>I and Deep Learning–Based Analytics Solutions</a:t>
             </a:r>
           </a:p>
         </p:txBody>
@@ -25325,21 +22496,6 @@
   <p:clrMapOvr>
     <a:masterClrMapping/>
   </p:clrMapOvr>
-  <mc:AlternateContent xmlns:mc="http://schemas.openxmlformats.org/markup-compatibility/2006" xmlns:p14="http://schemas.microsoft.com/office/powerpoint/2010/main">
-    <mc:Choice Requires="p14">
-      <p:transition spd="slow" p14:dur="2000"/>
-    </mc:Choice>
-    <mc:Fallback xmlns="">
-      <p:transition spd="slow"/>
-    </mc:Fallback>
-  </mc:AlternateContent>
-  <p:timing>
-    <p:tnLst>
-      <p:par>
-        <p:cTn id="1" dur="indefinite" restart="never" nodeType="tmRoot"/>
-      </p:par>
-    </p:tnLst>
-  </p:timing>
 </p:sld>
 </file>
 
@@ -25383,13 +22539,13 @@
           <a:lstStyle/>
           <a:p>
             <a:r>
-              <a:rPr lang="en-US" sz="3600" dirty="0" smtClean="0">
+              <a:rPr lang="en-US" sz="3600" dirty="0">
                 <a:latin typeface="+mj-lt"/>
               </a:rPr>
               <a:t>Opening Vignette </a:t>
             </a:r>
             <a:r>
-              <a:rPr lang="en-US" sz="2800" dirty="0" smtClean="0">
+              <a:rPr lang="en-US" sz="2800" dirty="0">
                 <a:latin typeface="+mj-lt"/>
               </a:rPr>
               <a:t>(4 of 4)</a:t>
@@ -25524,21 +22680,6 @@
   <p:clrMapOvr>
     <a:masterClrMapping/>
   </p:clrMapOvr>
-  <mc:AlternateContent xmlns:mc="http://schemas.openxmlformats.org/markup-compatibility/2006" xmlns:p14="http://schemas.microsoft.com/office/powerpoint/2010/main">
-    <mc:Choice Requires="p14">
-      <p:transition spd="slow" p14:dur="2000"/>
-    </mc:Choice>
-    <mc:Fallback xmlns="">
-      <p:transition spd="slow"/>
-    </mc:Fallback>
-  </mc:AlternateContent>
-  <p:timing>
-    <p:tnLst>
-      <p:par>
-        <p:cTn id="1" dur="indefinite" restart="never" nodeType="tmRoot"/>
-      </p:par>
-    </p:tnLst>
-  </p:timing>
 </p:sld>
 </file>
 
@@ -25585,16 +22726,10 @@
               <a:rPr lang="en-US" sz="3600" dirty="0">
                 <a:latin typeface="+mj-lt"/>
               </a:rPr>
-              <a:t>Introduction to Deep </a:t>
-            </a:r>
-            <a:r>
-              <a:rPr lang="en-US" sz="3600" dirty="0" smtClean="0">
-                <a:latin typeface="+mj-lt"/>
-              </a:rPr>
-              <a:t>Learning </a:t>
-            </a:r>
-            <a:r>
-              <a:rPr lang="en-US" sz="2800" dirty="0" smtClean="0">
+              <a:t>Introduction to Deep Learning </a:t>
+            </a:r>
+            <a:r>
+              <a:rPr lang="en-US" sz="2800" dirty="0">
                 <a:latin typeface="+mj-lt"/>
               </a:rPr>
               <a:t>(1 of 3)</a:t>
@@ -25640,16 +22775,12 @@
               <a:t> movies are turning into realities-tanks to </a:t>
             </a:r>
             <a:r>
-              <a:rPr lang="en-US" sz="2400" spc="-300" dirty="0" smtClean="0"/>
+              <a:rPr lang="en-US" sz="2400" spc="-300" dirty="0"/>
               <a:t>A </a:t>
             </a:r>
             <a:r>
-              <a:rPr lang="en-US" sz="2400" dirty="0" smtClean="0"/>
-              <a:t>I </a:t>
-            </a:r>
-            <a:r>
               <a:rPr lang="en-US" sz="2400" dirty="0"/>
-              <a:t>and Machine Learning</a:t>
+              <a:t>I and Machine Learning</a:t>
             </a:r>
           </a:p>
           <a:p>
@@ -25677,16 +22808,12 @@
               <a:t>Deep learning is the newest member of the </a:t>
             </a:r>
             <a:r>
-              <a:rPr lang="en-US" sz="2400" spc="-300" dirty="0" smtClean="0"/>
+              <a:rPr lang="en-US" sz="2400" spc="-300" dirty="0"/>
               <a:t>A </a:t>
             </a:r>
             <a:r>
-              <a:rPr lang="en-US" sz="2400" dirty="0" smtClean="0"/>
-              <a:t>I/Machine </a:t>
-            </a:r>
-            <a:r>
               <a:rPr lang="en-US" sz="2400" dirty="0"/>
-              <a:t>Learning family</a:t>
+              <a:t>I/Machine Learning family</a:t>
             </a:r>
           </a:p>
           <a:p>
@@ -25725,21 +22852,6 @@
   <p:clrMapOvr>
     <a:masterClrMapping/>
   </p:clrMapOvr>
-  <mc:AlternateContent xmlns:mc="http://schemas.openxmlformats.org/markup-compatibility/2006" xmlns:p14="http://schemas.microsoft.com/office/powerpoint/2010/main">
-    <mc:Choice Requires="p14">
-      <p:transition spd="slow" p14:dur="2000"/>
-    </mc:Choice>
-    <mc:Fallback xmlns="">
-      <p:transition spd="slow"/>
-    </mc:Fallback>
-  </mc:AlternateContent>
-  <p:timing>
-    <p:tnLst>
-      <p:par>
-        <p:cTn id="1" dur="indefinite" restart="never" nodeType="tmRoot"/>
-      </p:par>
-    </p:tnLst>
-  </p:timing>
 </p:sld>
 </file>
 
@@ -25786,16 +22898,10 @@
               <a:rPr lang="en-US" sz="3600" dirty="0">
                 <a:latin typeface="+mj-lt"/>
               </a:rPr>
-              <a:t>Introduction to Deep </a:t>
-            </a:r>
-            <a:r>
-              <a:rPr lang="en-US" sz="3600" dirty="0" smtClean="0">
-                <a:latin typeface="+mj-lt"/>
-              </a:rPr>
-              <a:t>Learning </a:t>
-            </a:r>
-            <a:r>
-              <a:rPr lang="en-US" sz="2800" dirty="0" smtClean="0">
+              <a:t>Introduction to Deep Learning </a:t>
+            </a:r>
+            <a:r>
+              <a:rPr lang="en-US" sz="2800" dirty="0">
                 <a:latin typeface="+mj-lt"/>
               </a:rPr>
               <a:t>(2 of 3)</a:t>
@@ -25830,23 +22936,15 @@
           <a:p>
             <a:r>
               <a:rPr lang="en-US" sz="2400" dirty="0"/>
-              <a:t>The placement of Deep Learning within the overarching </a:t>
-            </a:r>
-            <a:r>
-              <a:rPr lang="en-US" sz="2400" dirty="0" smtClean="0"/>
-              <a:t>   </a:t>
-            </a:r>
-            <a:r>
-              <a:rPr lang="en-US" sz="2400" spc="-300" dirty="0" smtClean="0"/>
+              <a:t>The placement of Deep Learning within the overarching    </a:t>
+            </a:r>
+            <a:r>
+              <a:rPr lang="en-US" sz="2400" spc="-300" dirty="0"/>
               <a:t>A </a:t>
             </a:r>
             <a:r>
-              <a:rPr lang="en-US" sz="2400" dirty="0" smtClean="0"/>
-              <a:t>I-based </a:t>
-            </a:r>
-            <a:r>
               <a:rPr lang="en-US" sz="2400" dirty="0"/>
-              <a:t>learning methods</a:t>
+              <a:t>I-based learning methods</a:t>
             </a:r>
           </a:p>
         </p:txBody>
@@ -25900,21 +22998,6 @@
   <p:clrMapOvr>
     <a:masterClrMapping/>
   </p:clrMapOvr>
-  <mc:AlternateContent xmlns:mc="http://schemas.openxmlformats.org/markup-compatibility/2006" xmlns:p14="http://schemas.microsoft.com/office/powerpoint/2010/main">
-    <mc:Choice Requires="p14">
-      <p:transition spd="slow" p14:dur="2000"/>
-    </mc:Choice>
-    <mc:Fallback xmlns="">
-      <p:transition spd="slow"/>
-    </mc:Fallback>
-  </mc:AlternateContent>
-  <p:timing>
-    <p:tnLst>
-      <p:par>
-        <p:cTn id="1" dur="indefinite" restart="never" nodeType="tmRoot"/>
-      </p:par>
-    </p:tnLst>
-  </p:timing>
 </p:sld>
 </file>
 

--- a/Slides/Sharda_11e_full_accessible_ppt_06.pptx
+++ b/Slides/Sharda_11e_full_accessible_ppt_06.pptx
@@ -5,10 +5,10 @@
     <p:sldMasterId id="2147483648" r:id="rId1"/>
   </p:sldMasterIdLst>
   <p:notesMasterIdLst>
-    <p:notesMasterId r:id="rId55"/>
+    <p:notesMasterId r:id="rId52"/>
   </p:notesMasterIdLst>
   <p:handoutMasterIdLst>
-    <p:handoutMasterId r:id="rId56"/>
+    <p:handoutMasterId r:id="rId53"/>
   </p:handoutMasterIdLst>
   <p:sldIdLst>
     <p:sldId id="1074" r:id="rId2"/>
@@ -37,33 +37,30 @@
     <p:sldId id="1188" r:id="rId25"/>
     <p:sldId id="1189" r:id="rId26"/>
     <p:sldId id="1190" r:id="rId27"/>
-    <p:sldId id="1191" r:id="rId28"/>
-    <p:sldId id="1192" r:id="rId29"/>
-    <p:sldId id="1193" r:id="rId30"/>
-    <p:sldId id="1194" r:id="rId31"/>
-    <p:sldId id="1195" r:id="rId32"/>
-    <p:sldId id="1196" r:id="rId33"/>
-    <p:sldId id="1197" r:id="rId34"/>
-    <p:sldId id="1198" r:id="rId35"/>
-    <p:sldId id="1199" r:id="rId36"/>
-    <p:sldId id="1200" r:id="rId37"/>
-    <p:sldId id="1201" r:id="rId38"/>
-    <p:sldId id="1222" r:id="rId39"/>
-    <p:sldId id="1203" r:id="rId40"/>
-    <p:sldId id="1204" r:id="rId41"/>
-    <p:sldId id="1205" r:id="rId42"/>
-    <p:sldId id="1206" r:id="rId43"/>
-    <p:sldId id="1207" r:id="rId44"/>
-    <p:sldId id="1208" r:id="rId45"/>
-    <p:sldId id="1209" r:id="rId46"/>
-    <p:sldId id="1210" r:id="rId47"/>
-    <p:sldId id="1211" r:id="rId48"/>
-    <p:sldId id="1212" r:id="rId49"/>
-    <p:sldId id="1221" r:id="rId50"/>
-    <p:sldId id="1214" r:id="rId51"/>
-    <p:sldId id="1215" r:id="rId52"/>
-    <p:sldId id="1219" r:id="rId53"/>
-    <p:sldId id="1165" r:id="rId54"/>
+    <p:sldId id="1193" r:id="rId28"/>
+    <p:sldId id="1194" r:id="rId29"/>
+    <p:sldId id="1195" r:id="rId30"/>
+    <p:sldId id="1196" r:id="rId31"/>
+    <p:sldId id="1197" r:id="rId32"/>
+    <p:sldId id="1198" r:id="rId33"/>
+    <p:sldId id="1199" r:id="rId34"/>
+    <p:sldId id="1200" r:id="rId35"/>
+    <p:sldId id="1201" r:id="rId36"/>
+    <p:sldId id="1222" r:id="rId37"/>
+    <p:sldId id="1203" r:id="rId38"/>
+    <p:sldId id="1204" r:id="rId39"/>
+    <p:sldId id="1205" r:id="rId40"/>
+    <p:sldId id="1206" r:id="rId41"/>
+    <p:sldId id="1207" r:id="rId42"/>
+    <p:sldId id="1209" r:id="rId43"/>
+    <p:sldId id="1210" r:id="rId44"/>
+    <p:sldId id="1211" r:id="rId45"/>
+    <p:sldId id="1212" r:id="rId46"/>
+    <p:sldId id="1221" r:id="rId47"/>
+    <p:sldId id="1214" r:id="rId48"/>
+    <p:sldId id="1215" r:id="rId49"/>
+    <p:sldId id="1219" r:id="rId50"/>
+    <p:sldId id="1165" r:id="rId51"/>
   </p:sldIdLst>
   <p:sldSz cx="9144000" cy="6858000" type="screen4x3"/>
   <p:notesSz cx="6858000" cy="9144000"/>
@@ -313,7 +310,7 @@
           <a:p>
             <a:fld id="{8D8D874E-E9D5-433B-A149-BDF6BFDD40A8}" type="datetimeFigureOut">
               <a:rPr lang="en-US" smtClean="0"/>
-              <a:t>11/22/21</a:t>
+              <a:t>11/23/21</a:t>
             </a:fld>
             <a:endParaRPr lang="en-US" dirty="0"/>
           </a:p>
@@ -478,7 +475,7 @@
           <a:p>
             <a:fld id="{EA051F04-9E25-42C3-8BC5-EC2E8469D95E}" type="datetimeFigureOut">
               <a:rPr lang="en-US" smtClean="0"/>
-              <a:t>11/22/21</a:t>
+              <a:t>11/23/21</a:t>
             </a:fld>
             <a:endParaRPr lang="en-US" dirty="0"/>
           </a:p>
@@ -4793,267 +4790,6 @@
 </p:notes>
 </file>
 
-<file path=ppt/notesSlides/notesSlide50.xml><?xml version="1.0" encoding="utf-8"?>
-<p:notes xmlns:a="http://schemas.openxmlformats.org/drawingml/2006/main" xmlns:r="http://schemas.openxmlformats.org/officeDocument/2006/relationships" xmlns:p="http://schemas.openxmlformats.org/presentationml/2006/main">
-  <p:cSld>
-    <p:spTree>
-      <p:nvGrpSpPr>
-        <p:cNvPr id="1" name=""/>
-        <p:cNvGrpSpPr/>
-        <p:nvPr/>
-      </p:nvGrpSpPr>
-      <p:grpSpPr>
-        <a:xfrm>
-          <a:off x="0" y="0"/>
-          <a:ext cx="0" cy="0"/>
-          <a:chOff x="0" y="0"/>
-          <a:chExt cx="0" cy="0"/>
-        </a:xfrm>
-      </p:grpSpPr>
-      <p:sp>
-        <p:nvSpPr>
-          <p:cNvPr id="2" name="Slide Image Placeholder 1"/>
-          <p:cNvSpPr>
-            <a:spLocks noGrp="1" noRot="1" noChangeAspect="1"/>
-          </p:cNvSpPr>
-          <p:nvPr>
-            <p:ph type="sldImg"/>
-          </p:nvPr>
-        </p:nvSpPr>
-        <p:spPr/>
-      </p:sp>
-      <p:sp>
-        <p:nvSpPr>
-          <p:cNvPr id="3" name="Notes Placeholder 2"/>
-          <p:cNvSpPr>
-            <a:spLocks noGrp="1"/>
-          </p:cNvSpPr>
-          <p:nvPr>
-            <p:ph type="body" idx="1"/>
-          </p:nvPr>
-        </p:nvSpPr>
-        <p:spPr/>
-        <p:txBody>
-          <a:bodyPr/>
-          <a:lstStyle/>
-          <a:p>
-            <a:pPr defTabSz="931774">
-              <a:defRPr/>
-            </a:pPr>
-            <a:endParaRPr lang="en-US" dirty="0"/>
-          </a:p>
-        </p:txBody>
-      </p:sp>
-      <p:sp>
-        <p:nvSpPr>
-          <p:cNvPr id="4" name="Slide Number Placeholder 3"/>
-          <p:cNvSpPr>
-            <a:spLocks noGrp="1"/>
-          </p:cNvSpPr>
-          <p:nvPr>
-            <p:ph type="sldNum" sz="quarter" idx="10"/>
-          </p:nvPr>
-        </p:nvSpPr>
-        <p:spPr/>
-        <p:txBody>
-          <a:bodyPr/>
-          <a:lstStyle/>
-          <a:p>
-            <a:fld id="{A73D6722-9B4D-4E29-B226-C325925A8118}" type="slidenum">
-              <a:rPr lang="en-US" smtClean="0"/>
-              <a:t>50</a:t>
-            </a:fld>
-            <a:endParaRPr lang="en-US" dirty="0"/>
-          </a:p>
-        </p:txBody>
-      </p:sp>
-    </p:spTree>
-    <p:extLst>
-      <p:ext uri="{BB962C8B-B14F-4D97-AF65-F5344CB8AC3E}">
-        <p14:creationId xmlns:p14="http://schemas.microsoft.com/office/powerpoint/2010/main" val="2124979669"/>
-      </p:ext>
-    </p:extLst>
-  </p:cSld>
-  <p:clrMapOvr>
-    <a:masterClrMapping/>
-  </p:clrMapOvr>
-</p:notes>
-</file>
-
-<file path=ppt/notesSlides/notesSlide51.xml><?xml version="1.0" encoding="utf-8"?>
-<p:notes xmlns:a="http://schemas.openxmlformats.org/drawingml/2006/main" xmlns:r="http://schemas.openxmlformats.org/officeDocument/2006/relationships" xmlns:p="http://schemas.openxmlformats.org/presentationml/2006/main">
-  <p:cSld>
-    <p:spTree>
-      <p:nvGrpSpPr>
-        <p:cNvPr id="1" name=""/>
-        <p:cNvGrpSpPr/>
-        <p:nvPr/>
-      </p:nvGrpSpPr>
-      <p:grpSpPr>
-        <a:xfrm>
-          <a:off x="0" y="0"/>
-          <a:ext cx="0" cy="0"/>
-          <a:chOff x="0" y="0"/>
-          <a:chExt cx="0" cy="0"/>
-        </a:xfrm>
-      </p:grpSpPr>
-      <p:sp>
-        <p:nvSpPr>
-          <p:cNvPr id="2" name="Slide Image Placeholder 1"/>
-          <p:cNvSpPr>
-            <a:spLocks noGrp="1" noRot="1" noChangeAspect="1"/>
-          </p:cNvSpPr>
-          <p:nvPr>
-            <p:ph type="sldImg"/>
-          </p:nvPr>
-        </p:nvSpPr>
-        <p:spPr/>
-      </p:sp>
-      <p:sp>
-        <p:nvSpPr>
-          <p:cNvPr id="3" name="Notes Placeholder 2"/>
-          <p:cNvSpPr>
-            <a:spLocks noGrp="1"/>
-          </p:cNvSpPr>
-          <p:nvPr>
-            <p:ph type="body" idx="1"/>
-          </p:nvPr>
-        </p:nvSpPr>
-        <p:spPr/>
-        <p:txBody>
-          <a:bodyPr/>
-          <a:lstStyle/>
-          <a:p>
-            <a:pPr defTabSz="931774">
-              <a:defRPr/>
-            </a:pPr>
-            <a:endParaRPr lang="en-US" dirty="0"/>
-          </a:p>
-        </p:txBody>
-      </p:sp>
-      <p:sp>
-        <p:nvSpPr>
-          <p:cNvPr id="4" name="Slide Number Placeholder 3"/>
-          <p:cNvSpPr>
-            <a:spLocks noGrp="1"/>
-          </p:cNvSpPr>
-          <p:nvPr>
-            <p:ph type="sldNum" sz="quarter" idx="10"/>
-          </p:nvPr>
-        </p:nvSpPr>
-        <p:spPr/>
-        <p:txBody>
-          <a:bodyPr/>
-          <a:lstStyle/>
-          <a:p>
-            <a:fld id="{A73D6722-9B4D-4E29-B226-C325925A8118}" type="slidenum">
-              <a:rPr lang="en-US" smtClean="0"/>
-              <a:t>51</a:t>
-            </a:fld>
-            <a:endParaRPr lang="en-US" dirty="0"/>
-          </a:p>
-        </p:txBody>
-      </p:sp>
-    </p:spTree>
-    <p:extLst>
-      <p:ext uri="{BB962C8B-B14F-4D97-AF65-F5344CB8AC3E}">
-        <p14:creationId xmlns:p14="http://schemas.microsoft.com/office/powerpoint/2010/main" val="2124979669"/>
-      </p:ext>
-    </p:extLst>
-  </p:cSld>
-  <p:clrMapOvr>
-    <a:masterClrMapping/>
-  </p:clrMapOvr>
-</p:notes>
-</file>
-
-<file path=ppt/notesSlides/notesSlide52.xml><?xml version="1.0" encoding="utf-8"?>
-<p:notes xmlns:a="http://schemas.openxmlformats.org/drawingml/2006/main" xmlns:r="http://schemas.openxmlformats.org/officeDocument/2006/relationships" xmlns:p="http://schemas.openxmlformats.org/presentationml/2006/main">
-  <p:cSld>
-    <p:spTree>
-      <p:nvGrpSpPr>
-        <p:cNvPr id="1" name=""/>
-        <p:cNvGrpSpPr/>
-        <p:nvPr/>
-      </p:nvGrpSpPr>
-      <p:grpSpPr>
-        <a:xfrm>
-          <a:off x="0" y="0"/>
-          <a:ext cx="0" cy="0"/>
-          <a:chOff x="0" y="0"/>
-          <a:chExt cx="0" cy="0"/>
-        </a:xfrm>
-      </p:grpSpPr>
-      <p:sp>
-        <p:nvSpPr>
-          <p:cNvPr id="2" name="Slide Image Placeholder 1"/>
-          <p:cNvSpPr>
-            <a:spLocks noGrp="1" noRot="1" noChangeAspect="1"/>
-          </p:cNvSpPr>
-          <p:nvPr>
-            <p:ph type="sldImg"/>
-          </p:nvPr>
-        </p:nvSpPr>
-        <p:spPr/>
-      </p:sp>
-      <p:sp>
-        <p:nvSpPr>
-          <p:cNvPr id="3" name="Notes Placeholder 2"/>
-          <p:cNvSpPr>
-            <a:spLocks noGrp="1"/>
-          </p:cNvSpPr>
-          <p:nvPr>
-            <p:ph type="body" idx="1"/>
-          </p:nvPr>
-        </p:nvSpPr>
-        <p:spPr/>
-        <p:txBody>
-          <a:bodyPr/>
-          <a:lstStyle/>
-          <a:p>
-            <a:pPr defTabSz="931774">
-              <a:defRPr/>
-            </a:pPr>
-            <a:endParaRPr lang="en-US" dirty="0"/>
-          </a:p>
-        </p:txBody>
-      </p:sp>
-      <p:sp>
-        <p:nvSpPr>
-          <p:cNvPr id="4" name="Slide Number Placeholder 3"/>
-          <p:cNvSpPr>
-            <a:spLocks noGrp="1"/>
-          </p:cNvSpPr>
-          <p:nvPr>
-            <p:ph type="sldNum" sz="quarter" idx="10"/>
-          </p:nvPr>
-        </p:nvSpPr>
-        <p:spPr/>
-        <p:txBody>
-          <a:bodyPr/>
-          <a:lstStyle/>
-          <a:p>
-            <a:fld id="{A73D6722-9B4D-4E29-B226-C325925A8118}" type="slidenum">
-              <a:rPr lang="en-US" smtClean="0"/>
-              <a:t>52</a:t>
-            </a:fld>
-            <a:endParaRPr lang="en-US" dirty="0"/>
-          </a:p>
-        </p:txBody>
-      </p:sp>
-    </p:spTree>
-    <p:extLst>
-      <p:ext uri="{BB962C8B-B14F-4D97-AF65-F5344CB8AC3E}">
-        <p14:creationId xmlns:p14="http://schemas.microsoft.com/office/powerpoint/2010/main" val="2124979669"/>
-      </p:ext>
-    </p:extLst>
-  </p:cSld>
-  <p:clrMapOvr>
-    <a:masterClrMapping/>
-  </p:clrMapOvr>
-</p:notes>
-</file>
-
 <file path=ppt/notesSlides/notesSlide6.xml><?xml version="1.0" encoding="utf-8"?>
 <p:notes xmlns:a="http://schemas.openxmlformats.org/drawingml/2006/main" xmlns:r="http://schemas.openxmlformats.org/officeDocument/2006/relationships" xmlns:p="http://schemas.openxmlformats.org/presentationml/2006/main">
   <p:cSld>
@@ -5666,7 +5402,7 @@
           <a:p>
             <a:fld id="{A9DF6EFB-3F44-496C-A842-1E0B3D3B975A}" type="datetimeFigureOut">
               <a:rPr lang="en-US" smtClean="0"/>
-              <a:t>11/22/21</a:t>
+              <a:t>11/23/21</a:t>
             </a:fld>
             <a:endParaRPr lang="en-US" dirty="0"/>
           </a:p>
@@ -6034,7 +5770,7 @@
           <a:p>
             <a:fld id="{A9DF6EFB-3F44-496C-A842-1E0B3D3B975A}" type="datetimeFigureOut">
               <a:rPr lang="en-US" smtClean="0"/>
-              <a:t>11/22/21</a:t>
+              <a:t>11/23/21</a:t>
             </a:fld>
             <a:endParaRPr lang="en-US" dirty="0"/>
           </a:p>
@@ -6381,7 +6117,7 @@
           <a:p>
             <a:fld id="{A9DF6EFB-3F44-496C-A842-1E0B3D3B975A}" type="datetimeFigureOut">
               <a:rPr lang="en-US" smtClean="0"/>
-              <a:t>11/22/21</a:t>
+              <a:t>11/23/21</a:t>
             </a:fld>
             <a:endParaRPr lang="en-US" dirty="0"/>
           </a:p>
@@ -6724,7 +6460,7 @@
           <a:p>
             <a:fld id="{A9DF6EFB-3F44-496C-A842-1E0B3D3B975A}" type="datetimeFigureOut">
               <a:rPr lang="en-US" smtClean="0"/>
-              <a:t>11/22/21</a:t>
+              <a:t>11/23/21</a:t>
             </a:fld>
             <a:endParaRPr lang="en-US" dirty="0"/>
           </a:p>
@@ -6846,7 +6582,7 @@
           <a:p>
             <a:fld id="{A9DF6EFB-3F44-496C-A842-1E0B3D3B975A}" type="datetimeFigureOut">
               <a:rPr lang="en-US" smtClean="0"/>
-              <a:t>11/22/21</a:t>
+              <a:t>11/23/21</a:t>
             </a:fld>
             <a:endParaRPr lang="en-US" dirty="0"/>
           </a:p>
@@ -6955,7 +6691,7 @@
             <a:fld id="{A9DF6EFB-3F44-496C-A842-1E0B3D3B975A}" type="datetimeFigureOut">
               <a:rPr lang="en-US" smtClean="0"/>
               <a:pPr/>
-              <a:t>11/22/21</a:t>
+              <a:t>11/23/21</a:t>
             </a:fld>
             <a:endParaRPr lang="en-US" dirty="0"/>
           </a:p>
@@ -7951,7 +7687,7 @@
             <a:fld id="{A9DF6EFB-3F44-496C-A842-1E0B3D3B975A}" type="datetimeFigureOut">
               <a:rPr lang="en-US" smtClean="0"/>
               <a:pPr/>
-              <a:t>11/22/21</a:t>
+              <a:t>11/23/21</a:t>
             </a:fld>
             <a:endParaRPr lang="en-US" dirty="0"/>
           </a:p>
@@ -8340,7 +8076,7 @@
             <a:fld id="{A9DF6EFB-3F44-496C-A842-1E0B3D3B975A}" type="datetimeFigureOut">
               <a:rPr lang="en-US" smtClean="0"/>
               <a:pPr/>
-              <a:t>11/22/21</a:t>
+              <a:t>11/23/21</a:t>
             </a:fld>
             <a:endParaRPr lang="en-US" dirty="0"/>
           </a:p>
@@ -8610,7 +8346,7 @@
             <a:fld id="{A9DF6EFB-3F44-496C-A842-1E0B3D3B975A}" type="datetimeFigureOut">
               <a:rPr lang="en-US" smtClean="0"/>
               <a:pPr/>
-              <a:t>11/22/21</a:t>
+              <a:t>11/23/21</a:t>
             </a:fld>
             <a:endParaRPr lang="en-US" dirty="0"/>
           </a:p>
@@ -8873,7 +8609,7 @@
           <a:p>
             <a:fld id="{A9DF6EFB-3F44-496C-A842-1E0B3D3B975A}" type="datetimeFigureOut">
               <a:rPr lang="en-US" smtClean="0"/>
-              <a:t>11/22/21</a:t>
+              <a:t>11/23/21</a:t>
             </a:fld>
             <a:endParaRPr lang="en-US" dirty="0"/>
           </a:p>
@@ -9109,7 +8845,7 @@
             <a:fld id="{A9DF6EFB-3F44-496C-A842-1E0B3D3B975A}" type="datetimeFigureOut">
               <a:rPr lang="en-US" smtClean="0"/>
               <a:pPr/>
-              <a:t>11/22/21</a:t>
+              <a:t>11/23/21</a:t>
             </a:fld>
             <a:endParaRPr lang="en-US" dirty="0"/>
           </a:p>
@@ -9486,7 +9222,7 @@
           <a:p>
             <a:fld id="{A9DF6EFB-3F44-496C-A842-1E0B3D3B975A}" type="datetimeFigureOut">
               <a:rPr lang="en-US" smtClean="0"/>
-              <a:t>11/22/21</a:t>
+              <a:t>11/23/21</a:t>
             </a:fld>
             <a:endParaRPr lang="en-US" dirty="0"/>
           </a:p>
@@ -10112,7 +9848,7 @@
           <a:p>
             <a:fld id="{A9DF6EFB-3F44-496C-A842-1E0B3D3B975A}" type="datetimeFigureOut">
               <a:rPr lang="en-US" smtClean="0"/>
-              <a:t>11/22/21</a:t>
+              <a:t>11/23/21</a:t>
             </a:fld>
             <a:endParaRPr lang="en-US" dirty="0"/>
           </a:p>
@@ -11242,7 +10978,7 @@
           <a:p>
             <a:fld id="{A9DF6EFB-3F44-496C-A842-1E0B3D3B975A}" type="datetimeFigureOut">
               <a:rPr lang="en-US" smtClean="0"/>
-              <a:t>11/22/21</a:t>
+              <a:t>11/23/21</a:t>
             </a:fld>
             <a:endParaRPr lang="en-US" dirty="0"/>
           </a:p>
@@ -11503,7 +11239,7 @@
             <a:fld id="{A9DF6EFB-3F44-496C-A842-1E0B3D3B975A}" type="datetimeFigureOut">
               <a:rPr lang="en-US" smtClean="0"/>
               <a:pPr/>
-              <a:t>11/22/21</a:t>
+              <a:t>11/23/21</a:t>
             </a:fld>
             <a:endParaRPr lang="en-US" dirty="0"/>
           </a:p>
@@ -13324,7 +13060,7 @@
           <a:graphicData uri="http://schemas.openxmlformats.org/presentationml/2006/ole">
             <mc:AlternateContent xmlns:mc="http://schemas.openxmlformats.org/markup-compatibility/2006">
               <mc:Choice xmlns:v="urn:schemas-microsoft-com:vml" Requires="v">
-                <p:oleObj spid="_x0000_s1235" name="Equation" r:id="rId5" imgW="2628720" imgH="457200" progId="Equation.DSMT4">
+                <p:oleObj spid="_x0000_s1237" name="Equation" r:id="rId5" imgW="2628720" imgH="457200" progId="Equation.DSMT4">
                   <p:embed/>
                 </p:oleObj>
               </mc:Choice>
@@ -15843,13 +15579,13 @@
               <a:rPr lang="en-US" sz="3600" dirty="0">
                 <a:latin typeface="+mj-lt"/>
               </a:rPr>
-              <a:t>Application Case 6.4 </a:t>
+              <a:t>Deep Neural Networks </a:t>
             </a:r>
             <a:r>
               <a:rPr lang="en-US" sz="2800" dirty="0">
                 <a:latin typeface="+mj-lt"/>
               </a:rPr>
-              <a:t>(1 of 2)</a:t>
+              <a:t>(1 of 3)</a:t>
             </a:r>
             <a:endParaRPr lang="en-US" sz="3600" dirty="0">
               <a:latin typeface="+mj-lt"/>
@@ -15869,8 +15605,8 @@
         </p:nvSpPr>
         <p:spPr>
           <a:xfrm>
-            <a:off x="457200" y="714376"/>
-            <a:ext cx="8153400" cy="861774"/>
+            <a:off x="457200" y="990601"/>
+            <a:ext cx="8153400" cy="4324261"/>
           </a:xfrm>
         </p:spPr>
         <p:txBody>
@@ -15879,101 +15615,86 @@
           </a:bodyPr>
           <a:lstStyle/>
           <a:p>
-            <a:pPr marL="0" lvl="0" indent="0">
-              <a:spcBef>
-                <a:spcPts val="0"/>
-              </a:spcBef>
-              <a:buClr>
-                <a:schemeClr val="lt1"/>
-              </a:buClr>
-              <a:buSzPct val="25000"/>
-              <a:buNone/>
-              <a:tabLst>
-                <a:tab pos="628650" algn="l"/>
-              </a:tabLst>
-            </a:pPr>
-            <a:r>
-              <a:rPr lang="en-IN" sz="2800" b="1" dirty="0">
-                <a:solidFill>
-                  <a:srgbClr val="007FA3"/>
-                </a:solidFill>
-              </a:rPr>
-              <a:t>Sensitivity Analysis Reveals Injury Severity Factors in Traffic Accidents</a:t>
-            </a:r>
-          </a:p>
-        </p:txBody>
-      </p:sp>
-      <p:sp>
-        <p:nvSpPr>
-          <p:cNvPr id="5" name="Content Placeholder 4"/>
-          <p:cNvSpPr>
-            <a:spLocks noGrp="1"/>
-          </p:cNvSpPr>
-          <p:nvPr>
-            <p:ph sz="quarter" idx="14"/>
-          </p:nvPr>
-        </p:nvSpPr>
-        <p:spPr>
-          <a:xfrm>
-            <a:off x="457200" y="1828800"/>
-            <a:ext cx="8153400" cy="3554819"/>
-          </a:xfrm>
-        </p:spPr>
-        <p:txBody>
-          <a:bodyPr>
-            <a:spAutoFit/>
-          </a:bodyPr>
-          <a:lstStyle/>
-          <a:p>
-            <a:pPr marL="0" indent="0">
-              <a:spcBef>
-                <a:spcPts val="600"/>
-              </a:spcBef>
-              <a:buSzPct val="100000"/>
-              <a:buNone/>
-            </a:pPr>
-            <a:r>
-              <a:rPr lang="en-US" sz="2400" b="1" dirty="0"/>
-              <a:t>Discussion Questions: </a:t>
-            </a:r>
-          </a:p>
-          <a:p>
-            <a:pPr marL="457200" indent="-457200">
-              <a:spcBef>
-                <a:spcPts val="600"/>
-              </a:spcBef>
-              <a:buFont typeface="+mj-lt"/>
-              <a:buAutoNum type="arabicPeriod"/>
-            </a:pPr>
             <a:r>
               <a:rPr lang="en-US" sz="2400" dirty="0"/>
-              <a:t>How does sensitivity analysis shed light on the black box (i.e., neural networks)?</a:t>
-            </a:r>
-          </a:p>
-          <a:p>
-            <a:pPr marL="457200" indent="-457200">
-              <a:spcBef>
-                <a:spcPts val="600"/>
-              </a:spcBef>
-              <a:buFont typeface="+mj-lt"/>
-              <a:buAutoNum type="arabicPeriod"/>
-            </a:pPr>
+              <a:t>Deep: more hidden layers</a:t>
+            </a:r>
+          </a:p>
+          <a:p>
             <a:r>
               <a:rPr lang="en-US" sz="2400" dirty="0"/>
-              <a:t>Why would someone choose to use a black-box tool such as neural networks over theoretically sound, mostly transparent statistical tools like logistic regression?</a:t>
-            </a:r>
-          </a:p>
-          <a:p>
-            <a:pPr marL="457200" indent="-457200">
-              <a:spcBef>
-                <a:spcPts val="600"/>
-              </a:spcBef>
-              <a:buFont typeface="+mj-lt"/>
-              <a:buAutoNum type="arabicPeriod"/>
-            </a:pPr>
+              <a:t>In addition to </a:t>
+            </a:r>
+            <a:r>
+              <a:rPr lang="en-US" sz="2400" spc="-300" dirty="0"/>
+              <a:t>C P </a:t>
+            </a:r>
             <a:r>
               <a:rPr lang="en-US" sz="2400" dirty="0"/>
-              <a:t>In this case, how did neural networks and sensitivity analysis help identify injury-severity factors in traffic accidents?</a:t>
+              <a:t>U, it also uses </a:t>
+            </a:r>
+            <a:r>
+              <a:rPr lang="en-US" sz="2400" spc="-300" dirty="0"/>
+              <a:t>G P </a:t>
+            </a:r>
+            <a:r>
+              <a:rPr lang="en-US" sz="2400" dirty="0"/>
+              <a:t>U</a:t>
+            </a:r>
+          </a:p>
+          <a:p>
+            <a:pPr lvl="1"/>
+            <a:r>
+              <a:rPr lang="en-US" sz="2400" dirty="0"/>
+              <a:t>With programming languages like </a:t>
+            </a:r>
+            <a:r>
+              <a:rPr lang="en-US" sz="2400" spc="-300" dirty="0"/>
+              <a:t>C U D </a:t>
+            </a:r>
+            <a:r>
+              <a:rPr lang="en-US" sz="2400" dirty="0"/>
+              <a:t>A by </a:t>
+            </a:r>
+            <a:r>
+              <a:rPr lang="en-US" sz="2400" spc="-300" dirty="0"/>
+              <a:t>N V I D I </a:t>
+            </a:r>
+            <a:r>
+              <a:rPr lang="en-US" sz="2400" dirty="0"/>
+              <a:t>A </a:t>
+            </a:r>
+          </a:p>
+          <a:p>
+            <a:r>
+              <a:rPr lang="en-US" sz="2400" dirty="0"/>
+              <a:t>Needs large datasets</a:t>
+            </a:r>
+          </a:p>
+          <a:p>
+            <a:r>
+              <a:rPr lang="en-US" sz="2400" dirty="0"/>
+              <a:t>Deep learning uses tensors as inputs</a:t>
+            </a:r>
+          </a:p>
+          <a:p>
+            <a:pPr lvl="1"/>
+            <a:r>
+              <a:rPr lang="en-US" sz="2400" dirty="0"/>
+              <a:t>Tensor: N-dimensional arrays</a:t>
+            </a:r>
+          </a:p>
+          <a:p>
+            <a:pPr lvl="1"/>
+            <a:r>
+              <a:rPr lang="en-US" sz="2400" dirty="0"/>
+              <a:t>Image representation with 3-D tensors</a:t>
+            </a:r>
+          </a:p>
+          <a:p>
+            <a:r>
+              <a:rPr lang="en-US" sz="2400" dirty="0"/>
+              <a:t>There are different types and capabilities of Deep Neural Networks for different tasks/purposes</a:t>
             </a:r>
           </a:p>
         </p:txBody>
@@ -15981,7 +15702,7 @@
     </p:spTree>
     <p:extLst>
       <p:ext uri="{BB962C8B-B14F-4D97-AF65-F5344CB8AC3E}">
-        <p14:creationId xmlns:p14="http://schemas.microsoft.com/office/powerpoint/2010/main" val="2199752134"/>
+        <p14:creationId xmlns:p14="http://schemas.microsoft.com/office/powerpoint/2010/main" val="759252411"/>
       </p:ext>
     </p:extLst>
   </p:cSld>
@@ -16010,7 +15731,7 @@
       </p:grpSpPr>
       <p:sp>
         <p:nvSpPr>
-          <p:cNvPr id="2" name="Title 1"/>
+          <p:cNvPr id="2" name="Title 1" descr="The diagram shows a series of operators in small rectangles forming a chain connected by arrows going from left to right. The details are as follows: &#10;• The first rectangle contains the word Input. &#10;• An arrow labeled p connects the input rectangle to a rectangle that contains a multiplication symbol with the term w superscript 1 written above it and connected to the rectangle with a downward arrow. &#10;• Another arrow labeled with the term z superscript 1 connects the multiplication symbol to the next rectangle which contains the sigma symbol, with the term b superscript 1 written above it and connected to the rectangle with a downward arrow. &#10;• Another arrow to the right with the term n superscript 1 connects the sigma symbol to the next rectangle on the right, which contains the term f superscript 1.&#10;• Another arrow labeled a superscript 1 connects f superscript 1 to the next rectangle on the right. &#10;• The three rectangles (from the multiplication symbol to f superscript 1) are grouped together to give the formula: a superscript 1 equals f superscript 1 open bracket w superscript 1 times p plus b superscript 1 close bracket. &#10;• The rectangle on the right contains the multiplication symbol with the term w superscript 2 above it connected to the rectangle with a downward arrow. &#10;• Another arrow to the right labeled z superscript 2 above it connects the multiplication symbol to the rectangle on the right.&#10;• The rectangle on the right contains the sigma symbol labeled superscript 2 connects it to the rectangle with a downward arrow. &#10;• Another arrow to the right labeled n superscript 2 connects the sigma symbol to the rectangle on the right. &#10;• The rectangle on the right contains the term f superscript 2. &#10;• Another arrow to the right labeled a superscript 2 connects f superscript 2 to the rectangle on the right. &#10;• The three rectangles (from the multiplication symbol to f superscript 2) are grouped together to give the formula: a superscript 2 equals f superscript 2 open bracket w superscript 2 times a superscript 1 plus b superscript 2 close bracket.&#10;• The rectangle on the right contains the multiplication symbol. The term w superscript 3 is written above it with a downward arrow leading to the rectangle. An arrow to the right with z superscript 3 written above it connects the multiplication symbol to the rectangle on the right.&#10;• The rectangle on the right contains the sigma symbol. The term b superscript 3 is written above it with a downward arrow leading to the rectangle. An arrow to the right with n superscript 3 written above it connects the sigma symbol to the rectangle on the right. &#10;• The rectangle on the right contains the term f superscript 3. An arrow leads from the rectangle to the right with a superscript 3 written above it. &#10;• The three rectangles (from the multiplication symbol to f superscript 3) are grouped together to give the formula: a superscript 3 equals f superscript 3 open bracket w superscript 3 times a superscript 2 plus b superscript 3 close bracket.&#10;• The three formulas are grouped together to give the formula: a superscript 3 equals f superscript 3 open bracket w superscript 3 times f superscript 2 open bracket w superscript 2 times f superscript 1 open bracket w superscript 1 times p plus b superscript 1 close bracket plus b superscript 2 close bracket plus b superscript 3 close bracket. "/>
           <p:cNvSpPr>
             <a:spLocks noGrp="1"/>
           </p:cNvSpPr>
@@ -16034,13 +15755,13 @@
               <a:rPr lang="en-US" sz="3600" dirty="0">
                 <a:latin typeface="+mj-lt"/>
               </a:rPr>
-              <a:t>Application Case 6.4 </a:t>
+              <a:t>Deep Neural Networks </a:t>
             </a:r>
             <a:r>
               <a:rPr lang="en-US" sz="2800" dirty="0">
                 <a:latin typeface="+mj-lt"/>
               </a:rPr>
-              <a:t>(2 of 2)</a:t>
+              <a:t>(2 of 3)</a:t>
             </a:r>
             <a:endParaRPr lang="en-US" sz="3600" dirty="0">
               <a:latin typeface="+mj-lt"/>
@@ -16060,8 +15781,8 @@
         </p:nvSpPr>
         <p:spPr>
           <a:xfrm>
-            <a:off x="457200" y="714376"/>
-            <a:ext cx="8153400" cy="861774"/>
+            <a:off x="457200" y="990601"/>
+            <a:ext cx="8153400" cy="2231380"/>
           </a:xfrm>
         </p:spPr>
         <p:txBody>
@@ -16070,79 +15791,67 @@
           </a:bodyPr>
           <a:lstStyle/>
           <a:p>
-            <a:pPr marL="0" lvl="0" indent="0">
-              <a:spcBef>
-                <a:spcPts val="0"/>
-              </a:spcBef>
-              <a:buClr>
-                <a:schemeClr val="lt1"/>
-              </a:buClr>
-              <a:buSzPct val="25000"/>
+            <a:pPr marL="0" indent="0">
               <a:buNone/>
-              <a:tabLst>
-                <a:tab pos="628650" algn="l"/>
-              </a:tabLst>
             </a:pPr>
             <a:r>
-              <a:rPr lang="en-IN" sz="2800" b="1" dirty="0">
+              <a:rPr lang="en-US" sz="2400" dirty="0" err="1">
                 <a:solidFill>
                   <a:srgbClr val="007FA3"/>
                 </a:solidFill>
               </a:rPr>
-              <a:t>Sensitivity Analysis Reveals Injury Severity Factors in Traffic Accidents</a:t>
-            </a:r>
-          </a:p>
-        </p:txBody>
-      </p:sp>
-      <p:sp>
-        <p:nvSpPr>
-          <p:cNvPr id="5" name="Content Placeholder 4"/>
-          <p:cNvSpPr>
-            <a:spLocks noGrp="1"/>
-          </p:cNvSpPr>
-          <p:nvPr>
-            <p:ph sz="quarter" idx="14"/>
-          </p:nvPr>
-        </p:nvSpPr>
-        <p:spPr>
-          <a:xfrm>
-            <a:off x="457200" y="1828800"/>
-            <a:ext cx="8153400" cy="738664"/>
-          </a:xfrm>
-        </p:spPr>
-        <p:txBody>
-          <a:bodyPr>
-            <a:spAutoFit/>
-          </a:bodyPr>
-          <a:lstStyle/>
-          <a:p>
-            <a:pPr>
-              <a:spcBef>
-                <a:spcPts val="600"/>
-              </a:spcBef>
-            </a:pPr>
+              <a:t>Feedforward</a:t>
+            </a:r>
+            <a:r>
+              <a:rPr lang="en-US" sz="2400" dirty="0">
+                <a:solidFill>
+                  <a:srgbClr val="007FA3"/>
+                </a:solidFill>
+              </a:rPr>
+              <a:t> Multilayer Perceptron (</a:t>
+            </a:r>
+            <a:r>
+              <a:rPr lang="en-US" sz="2400" spc="-300" dirty="0">
+                <a:solidFill>
+                  <a:srgbClr val="007FA3"/>
+                </a:solidFill>
+              </a:rPr>
+              <a:t>M L </a:t>
+            </a:r>
+            <a:r>
+              <a:rPr lang="en-US" sz="2400" dirty="0">
+                <a:solidFill>
+                  <a:srgbClr val="007FA3"/>
+                </a:solidFill>
+              </a:rPr>
+              <a:t>P)-Type Deep Networks</a:t>
+            </a:r>
+          </a:p>
+          <a:p>
             <a:r>
               <a:rPr lang="en-US" sz="2400" dirty="0"/>
-              <a:t>Graphical representation of the sensitivity analysis results for the eight binary </a:t>
+              <a:t>Most common type of deep networks</a:t>
+            </a:r>
+          </a:p>
+          <a:p>
+            <a:r>
+              <a:rPr lang="en-US" sz="2400" dirty="0"/>
+              <a:t>Vector Representation of the First Three Layers in a Typical </a:t>
             </a:r>
             <a:r>
               <a:rPr lang="en-US" sz="2400" spc="-300" dirty="0"/>
-              <a:t>A N </a:t>
-            </a:r>
-            <a:r>
-              <a:rPr lang="en-US" sz="2400" dirty="0" err="1"/>
-              <a:t>N</a:t>
+              <a:t>M L </a:t>
             </a:r>
             <a:r>
               <a:rPr lang="en-US" sz="2400" dirty="0"/>
-              <a:t> model configurations</a:t>
+              <a:t>P Network.</a:t>
             </a:r>
           </a:p>
         </p:txBody>
       </p:sp>
       <p:pic>
         <p:nvPicPr>
-          <p:cNvPr id="10242" name="Picture 2" descr="The table has six columns and nine rows. The binary category label 0 is solid blue while the binary category label 1 has a dot pattern. &#10;• The first row has these headings from left to right: &#10;• Model Label &#10;• No Injury open bracket 35.4 percent close bracket&#10;• Probably Injury open bracket 23.6 percent close bracket&#10;• Non-Incapacitating open bracket 19.6 percent close bracket, &#10;• Incapacitating open bracket 17.8 percent close bracket &#10;• Fatal Injury open bracket 3.6 percent close bracket. &#10;• The first column titled Model Label, has these values from top to bottom: 1.1, 1.2, 1.3, 1.4, 2.1, 2.2, 2.3, and 2.4. &#10;• In the row for the value 1.1, the binary category label 0 extends, like a horizontal bar, from the No Injury cell to the Incapacitating cell. The binary category label 1 extends across only the Fatal Injury cell. &#10;• In the row for the value 1.2, the binary category label 0 extends from the No Injury cell to the Non-Incapacitating cell. The binary category label 1 extends across only the Incapacitating cell. &#10;• In the row for the value 1.3, the binary category label 0 extends from the No Injury cell to the Probable Injury cell. The binary category label 1 extends across only the Non-Incapacitating cell. &#10;• In the row for the value 1.4, the binary category label 0 extends across only the No Injury cell. The binary category label 1 extends across only the Probably Injury cell. &#10;• In the row for the value 2.1, the binary category label 0 extends across only the No Injury cell. The binary category label 1 extends from the Probably Injury cell to the Fatal Injury cell. &#10;• In the row for the value 2.2, the binary category label 0 extends across only the Probable Injury cell. The binary category label 1 extends from the Non-Incapacitating cell to the Fatal Injury cell. &#10;• In the row for the value 2.3, the binary category label 0 extends across only the Non-Incapacitating cell. The binary category label 1 extends from the Incapacitating cell to the Fatal Injury cell. &#10;• In the row for the value 2.4, the binary category label 0 extends across only the Incapacitating cell. The binary category label 1 extends across only the Fatal Injury cell."/>
+          <p:cNvPr id="11266" name="Picture 2" descr="The diagram shows a series of operators in small rectangles forming a chain connected by arrows going from left to right. The details are as follows: &#10;• The first rectangle contains the word Input. &#10;• An arrow labeled p connects the input rectangle to a rectangle that contains a multiplication symbol with the term w superscript 1 written above it and connected to the rectangle with a downward arrow. &#10;• Another arrow labeled with the term z superscript 1 connects the multiplication symbol to the next rectangle which contains the sigma symbol, with the term b superscript 1 written above it and connected to the rectangle with a downward arrow. &#10;• Another arrow to the right with the term n superscript 1 connects the sigma symbol to the next rectangle on the right, which contains the term f superscript 1.&#10;• Another arrow labeled a superscript 1 connects f superscript 1 to the next rectangle on the right. &#10;• The three rectangles (from the multiplication symbol to f superscript 1) are grouped together to give the formula: a superscript 1 equals f superscript 1 open bracket w superscript 1 times p plus b superscript 1 close bracket. &#10;• The rectangle on the right contains the multiplication symbol with the term w superscript 2 above it connected to the rectangle with a downward arrow. &#10;• Another arrow to the right labeled z superscript 2 above it connects the multiplication symbol to the rectangle on the right.&#10;• The rectangle on the right contains the sigma symbol labeled superscript 2 connects it to the rectangle with a downward arrow. &#10;• Another arrow to the right labeled n superscript 2 connects the sigma symbol to the rectangle on the right. &#10;• The rectangle on the right contains the term f superscript 2. &#10;• Another arrow to the right labeled a superscript 2 connects f superscript 2 to the rectangle on the right. &#10;• The three rectangles (from the multiplication symbol to f superscript 2) are grouped together to give the formula: a superscript 2 equals f superscript 2 open bracket w superscript 2 times a superscript 1 plus b superscript 2 close bracket.&#10;• The rectangle on the right contains the multiplication symbol. The term w superscript 3 is written above it with a downward arrow leading to the rectangle. An arrow to the right with z superscript 3 written above it connects the multiplication symbol to the rectangle on the right.&#10;• The rectangle on the right contains the sigma symbol. The term b superscript 3 is written above it with a downward arrow leading to the rectangle. An arrow to the right with n superscript 3 written above it connects the sigma symbol to the rectangle on the right. &#10;• The rectangle on the right contains the term f superscript 3. An arrow leads from the rectangle to the right with a superscript 3 written above it. &#10;• The three rectangles (from the multiplication symbol to f superscript 3) are grouped together to give the formula: a superscript 3 equals f superscript 3 open bracket w superscript 3 times a superscript 2 plus b superscript 3 close bracket.&#10;• The three formulas are grouped together to give the formula: a superscript 3 equals f superscript 3 open bracket w superscript 3 times f superscript 2 open bracket w superscript 2 times f superscript 1 open bracket w superscript 1 times p plus b superscript 1 close bracket plus b superscript 2 close bracket plus b superscript 3 close bracket. "/>
           <p:cNvPicPr>
             <a:picLocks noChangeAspect="1" noChangeArrowheads="1"/>
           </p:cNvPicPr>
@@ -16156,13 +15865,13 @@
               </a:ext>
             </a:extLst>
           </a:blip>
-          <a:srcRect b="5846"/>
+          <a:srcRect b="6611"/>
           <a:stretch/>
         </p:blipFill>
         <p:spPr bwMode="auto">
           <a:xfrm>
-            <a:off x="567401" y="2784767"/>
-            <a:ext cx="7993510" cy="3344180"/>
+            <a:off x="565720" y="3513552"/>
+            <a:ext cx="7993510" cy="2726497"/>
           </a:xfrm>
           <a:prstGeom prst="rect">
             <a:avLst/>
@@ -16182,7 +15891,7 @@
     </p:spTree>
     <p:extLst>
       <p:ext uri="{BB962C8B-B14F-4D97-AF65-F5344CB8AC3E}">
-        <p14:creationId xmlns:p14="http://schemas.microsoft.com/office/powerpoint/2010/main" val="2423245225"/>
+        <p14:creationId xmlns:p14="http://schemas.microsoft.com/office/powerpoint/2010/main" val="419662924"/>
       </p:ext>
     </p:extLst>
   </p:cSld>
@@ -16211,7 +15920,7 @@
       </p:grpSpPr>
       <p:sp>
         <p:nvSpPr>
-          <p:cNvPr id="2" name="Title 1"/>
+          <p:cNvPr id="2" name="Title 1" descr="The diagram shows a series of operators in small rectangles forming a chain connected by arrows going from left to right. The details are as follows: &#10;• The first rectangle contains the word Input. &#10;• An arrow labeled p connects the input rectangle to a rectangle that contains a multiplication symbol with the term w superscript 1 written above it and connected to the rectangle with a downward arrow. &#10;• Another arrow labeled with the term z superscript 1 connects the multiplication symbol to the next rectangle which contains the sigma symbol, with the term b superscript 1 written above it and connected to the rectangle with a downward arrow. &#10;• Another arrow to the right with the term n superscript 1 connects the sigma symbol to the next rectangle on the right, which contains the term f superscript 1.&#10;• Another arrow labeled a superscript 1 connects f superscript 1 to the next rectangle on the right. &#10;• The three rectangles (from the multiplication symbol to f superscript 1) are grouped together to give the formula: a superscript 1 equals f superscript 1 open bracket w superscript 1 times p plus b superscript 1 close bracket. &#10;• The rectangle on the right contains the multiplication symbol with the term w superscript 2 above it connected to the rectangle with a downward arrow. &#10;• Another arrow to the right labeled z superscript 2 above it connects the multiplication symbol to the rectangle on the right.&#10;• The rectangle on the right contains the sigma symbol labeled superscript 2 connects it to the rectangle with a downward arrow. &#10;• Another arrow to the right labeled n superscript 2 connects the sigma symbol to the rectangle on the right. &#10;• The rectangle on the right contains the term f superscript 2. &#10;• Another arrow to the right labeled a superscript 2 connects f superscript 2 to the rectangle on the right. &#10;• The three rectangles (from the multiplication symbol to f superscript 2) are grouped together to give the formula: a superscript 2 equals f superscript 2 open bracket w superscript 2 times a superscript 1 plus b superscript 2 close bracket.&#10;• The rectangle on the right contains the multiplication symbol. The term w superscript 3 is written above it with a downward arrow leading to the rectangle. An arrow to the right with z superscript 3 written above it connects the multiplication symbol to the rectangle on the right.&#10;• The rectangle on the right contains the sigma symbol. The term b superscript 3 is written above it with a downward arrow leading to the rectangle. An arrow to the right with n superscript 3 written above it connects the sigma symbol to the rectangle on the right. &#10;• The rectangle on the right contains the term f superscript 3. An arrow leads from the rectangle to the right with a superscript 3 written above it. &#10;• The three rectangles (from the multiplication symbol to f superscript 3) are grouped together to give the formula: a superscript 3 equals f superscript 3 open bracket w superscript 3 times a superscript 2 plus b superscript 3 close bracket.&#10;• The three formulas are grouped together to give the formula: a superscript 3 equals f superscript 3 open bracket w superscript 3 times f superscript 2 open bracket w superscript 2 times f superscript 1 open bracket w superscript 1 times p plus b superscript 1 close bracket plus b superscript 2 close bracket plus b superscript 3 close bracket. "/>
           <p:cNvSpPr>
             <a:spLocks noGrp="1"/>
           </p:cNvSpPr>
@@ -16241,7 +15950,7 @@
               <a:rPr lang="en-US" sz="2800" dirty="0">
                 <a:latin typeface="+mj-lt"/>
               </a:rPr>
-              <a:t>(1 of 3)</a:t>
+              <a:t>(3 of 3)</a:t>
             </a:r>
             <a:endParaRPr lang="en-US" sz="3600" dirty="0">
               <a:latin typeface="+mj-lt"/>
@@ -16261,8 +15970,8 @@
         </p:nvSpPr>
         <p:spPr>
           <a:xfrm>
-            <a:off x="457200" y="990601"/>
-            <a:ext cx="8153400" cy="4324261"/>
+            <a:off x="457200" y="990600"/>
+            <a:ext cx="3352800" cy="4078039"/>
           </a:xfrm>
         </p:spPr>
         <p:txBody>
@@ -16273,92 +15982,80 @@
           <a:p>
             <a:r>
               <a:rPr lang="en-US" sz="2400" dirty="0"/>
-              <a:t>Deep: more hidden layers</a:t>
-            </a:r>
-          </a:p>
-          <a:p>
+              <a:t>Impact of Random Weights in Deep </a:t>
+            </a:r>
+            <a:r>
+              <a:rPr lang="en-US" sz="2400" spc="-300" dirty="0"/>
+              <a:t>M L </a:t>
+            </a:r>
             <a:r>
               <a:rPr lang="en-US" sz="2400" dirty="0"/>
-              <a:t>In addition to </a:t>
-            </a:r>
-            <a:r>
-              <a:rPr lang="en-US" sz="2400" spc="-300" dirty="0"/>
-              <a:t>C P </a:t>
-            </a:r>
+              <a:t>P</a:t>
+            </a:r>
+          </a:p>
+          <a:p>
+            <a:pPr marL="285750" indent="-285750"/>
             <a:r>
               <a:rPr lang="en-US" sz="2400" dirty="0"/>
-              <a:t>U, it also uses </a:t>
-            </a:r>
-            <a:r>
-              <a:rPr lang="en-US" sz="2400" spc="-300" dirty="0"/>
-              <a:t>G P </a:t>
-            </a:r>
-            <a:r>
-              <a:rPr lang="en-US" sz="2400" dirty="0"/>
-              <a:t>U</a:t>
-            </a:r>
-          </a:p>
-          <a:p>
-            <a:pPr lvl="1"/>
-            <a:r>
-              <a:rPr lang="en-US" sz="2400" dirty="0"/>
-              <a:t>With programming languages like </a:t>
-            </a:r>
-            <a:r>
-              <a:rPr lang="en-US" sz="2400" spc="-300" dirty="0"/>
-              <a:t>C U D </a:t>
-            </a:r>
-            <a:r>
-              <a:rPr lang="en-US" sz="2400" dirty="0"/>
-              <a:t>A by </a:t>
-            </a:r>
-            <a:r>
-              <a:rPr lang="en-US" sz="2400" spc="-300" dirty="0"/>
-              <a:t>N V I D I </a:t>
-            </a:r>
-            <a:r>
-              <a:rPr lang="en-US" sz="2400" dirty="0"/>
-              <a:t>A </a:t>
-            </a:r>
-          </a:p>
-          <a:p>
-            <a:r>
-              <a:rPr lang="en-US" sz="2400" dirty="0"/>
-              <a:t>Needs large datasets</a:t>
-            </a:r>
-          </a:p>
-          <a:p>
-            <a:r>
-              <a:rPr lang="en-US" sz="2400" dirty="0"/>
-              <a:t>Deep learning uses tensors as inputs</a:t>
-            </a:r>
-          </a:p>
-          <a:p>
-            <a:pPr lvl="1"/>
-            <a:r>
-              <a:rPr lang="en-US" sz="2400" dirty="0"/>
-              <a:t>Tensor: N-dimensional arrays</a:t>
-            </a:r>
-          </a:p>
-          <a:p>
-            <a:pPr lvl="1"/>
-            <a:r>
-              <a:rPr lang="en-US" sz="2400" dirty="0"/>
-              <a:t>Image representation with 3-D tensors</a:t>
-            </a:r>
-          </a:p>
-          <a:p>
-            <a:r>
-              <a:rPr lang="en-US" sz="2400" dirty="0"/>
-              <a:t>There are different types and capabilities of Deep Neural Networks for different tasks/purposes</a:t>
-            </a:r>
-          </a:p>
-        </p:txBody>
-      </p:sp>
+              <a:t>The Effect of Pre-training Network Parameters on Improving Results of a Classification-Type Deep Neural Network.</a:t>
+            </a:r>
+          </a:p>
+          <a:p>
+            <a:pPr marL="285750" indent="-285750"/>
+            <a:r>
+              <a:rPr lang="en-US" sz="2400" dirty="0">
+                <a:solidFill>
+                  <a:schemeClr val="bg2"/>
+                </a:solidFill>
+              </a:rPr>
+              <a:t>More hidden layers versus more neurons?</a:t>
+            </a:r>
+          </a:p>
+        </p:txBody>
+      </p:sp>
+      <p:pic>
+        <p:nvPicPr>
+          <p:cNvPr id="12290" name="Picture 2" descr="The data depicted on the graph is as follows:&#10;• The classification error is represented on the y-axis with markings from bottom to top as: 10 superscript negative 4, 10 superscript negative 3, 10 superscript negative 2, 10 superscript negative 1, and 10 superscript 0. &#10;• The numbers of examples seen times 10 superscript 6 are represented on the x-axis from 0 to 10 in increments of 1.   &#10;• One graph is made up of a series or a chain of circles:&#10;• It starts from 10 superscript 0 on the y-axis. &#10;• It follows a downward slope, finally coming to a stop at a point just before 10 on the x-axis and above 10 superscript negative 3 on the y-axis. &#10;• The other graph is made up of a series of triangles: &#10;• It starts from a point between 2 and 3 on the x-axis and below 10 superscript negative 1 on the y-axis. &#10;• It follows a downward slope, finally coming to a stop at a point between 10 superscript negative 4 and 10 superscript negative 3 on the y-axis and at 10 on the x-axis. "/>
+          <p:cNvPicPr>
+            <a:picLocks noChangeAspect="1" noChangeArrowheads="1"/>
+          </p:cNvPicPr>
+          <p:nvPr/>
+        </p:nvPicPr>
+        <p:blipFill rotWithShape="1">
+          <a:blip r:embed="rId3" cstate="print">
+            <a:extLst>
+              <a:ext uri="{28A0092B-C50C-407E-A947-70E740481C1C}">
+                <a14:useLocalDpi xmlns:a14="http://schemas.microsoft.com/office/drawing/2010/main" val="0"/>
+              </a:ext>
+            </a:extLst>
+          </a:blip>
+          <a:srcRect b="3755"/>
+          <a:stretch/>
+        </p:blipFill>
+        <p:spPr bwMode="auto">
+          <a:xfrm>
+            <a:off x="3920860" y="965406"/>
+            <a:ext cx="4670712" cy="3244180"/>
+          </a:xfrm>
+          <a:prstGeom prst="rect">
+            <a:avLst/>
+          </a:prstGeom>
+          <a:noFill/>
+          <a:extLst>
+            <a:ext uri="{909E8E84-426E-40DD-AFC4-6F175D3DCCD1}">
+              <a14:hiddenFill xmlns:a14="http://schemas.microsoft.com/office/drawing/2010/main">
+                <a:solidFill>
+                  <a:srgbClr val="FFFFFF"/>
+                </a:solidFill>
+              </a14:hiddenFill>
+            </a:ext>
+          </a:extLst>
+        </p:spPr>
+      </p:pic>
     </p:spTree>
     <p:extLst>
       <p:ext uri="{BB962C8B-B14F-4D97-AF65-F5344CB8AC3E}">
-        <p14:creationId xmlns:p14="http://schemas.microsoft.com/office/powerpoint/2010/main" val="759252411"/>
+        <p14:creationId xmlns:p14="http://schemas.microsoft.com/office/powerpoint/2010/main" val="4002441260"/>
       </p:ext>
     </p:extLst>
   </p:cSld>
@@ -16626,7 +16323,7 @@
       </p:grpSpPr>
       <p:sp>
         <p:nvSpPr>
-          <p:cNvPr id="2" name="Title 1" descr="The diagram shows a series of operators in small rectangles forming a chain connected by arrows going from left to right. The details are as follows: &#10;• The first rectangle contains the word Input. &#10;• An arrow labeled p connects the input rectangle to a rectangle that contains a multiplication symbol with the term w superscript 1 written above it and connected to the rectangle with a downward arrow. &#10;• Another arrow labeled with the term z superscript 1 connects the multiplication symbol to the next rectangle which contains the sigma symbol, with the term b superscript 1 written above it and connected to the rectangle with a downward arrow. &#10;• Another arrow to the right with the term n superscript 1 connects the sigma symbol to the next rectangle on the right, which contains the term f superscript 1.&#10;• Another arrow labeled a superscript 1 connects f superscript 1 to the next rectangle on the right. &#10;• The three rectangles (from the multiplication symbol to f superscript 1) are grouped together to give the formula: a superscript 1 equals f superscript 1 open bracket w superscript 1 times p plus b superscript 1 close bracket. &#10;• The rectangle on the right contains the multiplication symbol with the term w superscript 2 above it connected to the rectangle with a downward arrow. &#10;• Another arrow to the right labeled z superscript 2 above it connects the multiplication symbol to the rectangle on the right.&#10;• The rectangle on the right contains the sigma symbol labeled superscript 2 connects it to the rectangle with a downward arrow. &#10;• Another arrow to the right labeled n superscript 2 connects the sigma symbol to the rectangle on the right. &#10;• The rectangle on the right contains the term f superscript 2. &#10;• Another arrow to the right labeled a superscript 2 connects f superscript 2 to the rectangle on the right. &#10;• The three rectangles (from the multiplication symbol to f superscript 2) are grouped together to give the formula: a superscript 2 equals f superscript 2 open bracket w superscript 2 times a superscript 1 plus b superscript 2 close bracket.&#10;• The rectangle on the right contains the multiplication symbol. The term w superscript 3 is written above it with a downward arrow leading to the rectangle. An arrow to the right with z superscript 3 written above it connects the multiplication symbol to the rectangle on the right.&#10;• The rectangle on the right contains the sigma symbol. The term b superscript 3 is written above it with a downward arrow leading to the rectangle. An arrow to the right with n superscript 3 written above it connects the sigma symbol to the rectangle on the right. &#10;• The rectangle on the right contains the term f superscript 3. An arrow leads from the rectangle to the right with a superscript 3 written above it. &#10;• The three rectangles (from the multiplication symbol to f superscript 3) are grouped together to give the formula: a superscript 3 equals f superscript 3 open bracket w superscript 3 times a superscript 2 plus b superscript 3 close bracket.&#10;• The three formulas are grouped together to give the formula: a superscript 3 equals f superscript 3 open bracket w superscript 3 times f superscript 2 open bracket w superscript 2 times f superscript 1 open bracket w superscript 1 times p plus b superscript 1 close bracket plus b superscript 2 close bracket plus b superscript 3 close bracket. "/>
+          <p:cNvPr id="2" name="Title 1"/>
           <p:cNvSpPr>
             <a:spLocks noGrp="1"/>
           </p:cNvSpPr>
@@ -16650,13 +16347,13 @@
               <a:rPr lang="en-US" sz="3600" dirty="0">
                 <a:latin typeface="+mj-lt"/>
               </a:rPr>
-              <a:t>Deep Neural Networks </a:t>
+              <a:t>Application Case 6.5 </a:t>
             </a:r>
             <a:r>
               <a:rPr lang="en-US" sz="2800" dirty="0">
                 <a:latin typeface="+mj-lt"/>
               </a:rPr>
-              <a:t>(2 of 3)</a:t>
+              <a:t>(1 of 2)</a:t>
             </a:r>
             <a:endParaRPr lang="en-US" sz="3600" dirty="0">
               <a:latin typeface="+mj-lt"/>
@@ -16676,8 +16373,8 @@
         </p:nvSpPr>
         <p:spPr>
           <a:xfrm>
-            <a:off x="457200" y="990601"/>
-            <a:ext cx="8153400" cy="2231380"/>
+            <a:off x="457200" y="714376"/>
+            <a:ext cx="8153400" cy="861774"/>
           </a:xfrm>
         </p:spPr>
         <p:txBody>
@@ -16686,107 +16383,133 @@
           </a:bodyPr>
           <a:lstStyle/>
           <a:p>
-            <a:pPr marL="0" indent="0">
+            <a:pPr marL="0" lvl="0" indent="0">
+              <a:spcBef>
+                <a:spcPts val="0"/>
+              </a:spcBef>
+              <a:buClr>
+                <a:schemeClr val="lt1"/>
+              </a:buClr>
+              <a:buSzPct val="25000"/>
               <a:buNone/>
+              <a:tabLst>
+                <a:tab pos="628650" algn="l"/>
+              </a:tabLst>
             </a:pPr>
             <a:r>
-              <a:rPr lang="en-US" sz="2400" dirty="0" err="1">
+              <a:rPr lang="en-IN" sz="2800" b="1" dirty="0">
                 <a:solidFill>
                   <a:srgbClr val="007FA3"/>
                 </a:solidFill>
               </a:rPr>
-              <a:t>Feedforward</a:t>
-            </a:r>
-            <a:r>
-              <a:rPr lang="en-US" sz="2400" dirty="0">
+              <a:t>Georgia </a:t>
+            </a:r>
+            <a:r>
+              <a:rPr lang="en-IN" sz="2800" b="1" spc="-400" dirty="0">
                 <a:solidFill>
                   <a:srgbClr val="007FA3"/>
                 </a:solidFill>
               </a:rPr>
-              <a:t> Multilayer Perceptron (</a:t>
-            </a:r>
-            <a:r>
-              <a:rPr lang="en-US" sz="2400" spc="-300" dirty="0">
+              <a:t>D O </a:t>
+            </a:r>
+            <a:r>
+              <a:rPr lang="en-IN" sz="2800" b="1" dirty="0">
                 <a:solidFill>
                   <a:srgbClr val="007FA3"/>
                 </a:solidFill>
               </a:rPr>
-              <a:t>M L </a:t>
-            </a:r>
-            <a:r>
-              <a:rPr lang="en-US" sz="2400" dirty="0">
-                <a:solidFill>
-                  <a:srgbClr val="007FA3"/>
-                </a:solidFill>
-              </a:rPr>
-              <a:t>P)-Type Deep Networks</a:t>
-            </a:r>
-          </a:p>
-          <a:p>
+              <a:t>T Variable Speed Limit Analytics Help Solve Traffic Congestions</a:t>
+            </a:r>
+          </a:p>
+        </p:txBody>
+      </p:sp>
+      <p:sp>
+        <p:nvSpPr>
+          <p:cNvPr id="5" name="Content Placeholder 4"/>
+          <p:cNvSpPr>
+            <a:spLocks noGrp="1"/>
+          </p:cNvSpPr>
+          <p:nvPr>
+            <p:ph sz="quarter" idx="14"/>
+          </p:nvPr>
+        </p:nvSpPr>
+        <p:spPr>
+          <a:xfrm>
+            <a:off x="457200" y="1828800"/>
+            <a:ext cx="8153400" cy="3185487"/>
+          </a:xfrm>
+        </p:spPr>
+        <p:txBody>
+          <a:bodyPr>
+            <a:spAutoFit/>
+          </a:bodyPr>
+          <a:lstStyle/>
+          <a:p>
+            <a:pPr marL="0" indent="0">
+              <a:spcBef>
+                <a:spcPts val="600"/>
+              </a:spcBef>
+              <a:buSzPct val="100000"/>
+              <a:buNone/>
+            </a:pPr>
+            <a:r>
+              <a:rPr lang="en-US" sz="2400" b="1" dirty="0"/>
+              <a:t>Discussion Questions: </a:t>
+            </a:r>
+          </a:p>
+          <a:p>
+            <a:pPr marL="457200" indent="-457200">
+              <a:spcBef>
+                <a:spcPts val="600"/>
+              </a:spcBef>
+              <a:buFont typeface="+mj-lt"/>
+              <a:buAutoNum type="arabicPeriod"/>
+            </a:pPr>
             <a:r>
               <a:rPr lang="en-US" sz="2400" dirty="0"/>
-              <a:t>Most common type of deep networks</a:t>
-            </a:r>
-          </a:p>
-          <a:p>
+              <a:t>What was the nature of the problems that </a:t>
+            </a:r>
+            <a:r>
+              <a:rPr lang="en-US" sz="2400" spc="-300" dirty="0"/>
+              <a:t>G D O </a:t>
+            </a:r>
             <a:r>
               <a:rPr lang="en-US" sz="2400" dirty="0"/>
-              <a:t>Vector Representation of the First Three Layers in a Typical </a:t>
-            </a:r>
-            <a:r>
-              <a:rPr lang="en-US" sz="2400" spc="-300" dirty="0"/>
-              <a:t>M L </a:t>
-            </a:r>
+              <a:t>T was trying to solve with data science?</a:t>
+            </a:r>
+          </a:p>
+          <a:p>
+            <a:pPr marL="457200" indent="-457200">
+              <a:spcBef>
+                <a:spcPts val="600"/>
+              </a:spcBef>
+              <a:buFont typeface="+mj-lt"/>
+              <a:buAutoNum type="arabicPeriod"/>
+            </a:pPr>
             <a:r>
               <a:rPr lang="en-US" sz="2400" dirty="0"/>
-              <a:t>P Network.</a:t>
-            </a:r>
-          </a:p>
-        </p:txBody>
-      </p:sp>
-      <p:pic>
-        <p:nvPicPr>
-          <p:cNvPr id="11266" name="Picture 2" descr="The diagram shows a series of operators in small rectangles forming a chain connected by arrows going from left to right. The details are as follows: &#10;• The first rectangle contains the word Input. &#10;• An arrow labeled p connects the input rectangle to a rectangle that contains a multiplication symbol with the term w superscript 1 written above it and connected to the rectangle with a downward arrow. &#10;• Another arrow labeled with the term z superscript 1 connects the multiplication symbol to the next rectangle which contains the sigma symbol, with the term b superscript 1 written above it and connected to the rectangle with a downward arrow. &#10;• Another arrow to the right with the term n superscript 1 connects the sigma symbol to the next rectangle on the right, which contains the term f superscript 1.&#10;• Another arrow labeled a superscript 1 connects f superscript 1 to the next rectangle on the right. &#10;• The three rectangles (from the multiplication symbol to f superscript 1) are grouped together to give the formula: a superscript 1 equals f superscript 1 open bracket w superscript 1 times p plus b superscript 1 close bracket. &#10;• The rectangle on the right contains the multiplication symbol with the term w superscript 2 above it connected to the rectangle with a downward arrow. &#10;• Another arrow to the right labeled z superscript 2 above it connects the multiplication symbol to the rectangle on the right.&#10;• The rectangle on the right contains the sigma symbol labeled superscript 2 connects it to the rectangle with a downward arrow. &#10;• Another arrow to the right labeled n superscript 2 connects the sigma symbol to the rectangle on the right. &#10;• The rectangle on the right contains the term f superscript 2. &#10;• Another arrow to the right labeled a superscript 2 connects f superscript 2 to the rectangle on the right. &#10;• The three rectangles (from the multiplication symbol to f superscript 2) are grouped together to give the formula: a superscript 2 equals f superscript 2 open bracket w superscript 2 times a superscript 1 plus b superscript 2 close bracket.&#10;• The rectangle on the right contains the multiplication symbol. The term w superscript 3 is written above it with a downward arrow leading to the rectangle. An arrow to the right with z superscript 3 written above it connects the multiplication symbol to the rectangle on the right.&#10;• The rectangle on the right contains the sigma symbol. The term b superscript 3 is written above it with a downward arrow leading to the rectangle. An arrow to the right with n superscript 3 written above it connects the sigma symbol to the rectangle on the right. &#10;• The rectangle on the right contains the term f superscript 3. An arrow leads from the rectangle to the right with a superscript 3 written above it. &#10;• The three rectangles (from the multiplication symbol to f superscript 3) are grouped together to give the formula: a superscript 3 equals f superscript 3 open bracket w superscript 3 times a superscript 2 plus b superscript 3 close bracket.&#10;• The three formulas are grouped together to give the formula: a superscript 3 equals f superscript 3 open bracket w superscript 3 times f superscript 2 open bracket w superscript 2 times f superscript 1 open bracket w superscript 1 times p plus b superscript 1 close bracket plus b superscript 2 close bracket plus b superscript 3 close bracket. "/>
-          <p:cNvPicPr>
-            <a:picLocks noChangeAspect="1" noChangeArrowheads="1"/>
-          </p:cNvPicPr>
-          <p:nvPr/>
-        </p:nvPicPr>
-        <p:blipFill rotWithShape="1">
-          <a:blip r:embed="rId3">
-            <a:extLst>
-              <a:ext uri="{28A0092B-C50C-407E-A947-70E740481C1C}">
-                <a14:useLocalDpi xmlns:a14="http://schemas.microsoft.com/office/drawing/2010/main" val="0"/>
-              </a:ext>
-            </a:extLst>
-          </a:blip>
-          <a:srcRect b="6611"/>
-          <a:stretch/>
-        </p:blipFill>
-        <p:spPr bwMode="auto">
-          <a:xfrm>
-            <a:off x="565720" y="3513552"/>
-            <a:ext cx="7993510" cy="2726497"/>
-          </a:xfrm>
-          <a:prstGeom prst="rect">
-            <a:avLst/>
-          </a:prstGeom>
-          <a:noFill/>
-          <a:extLst>
-            <a:ext uri="{909E8E84-426E-40DD-AFC4-6F175D3DCCD1}">
-              <a14:hiddenFill xmlns:a14="http://schemas.microsoft.com/office/drawing/2010/main">
-                <a:solidFill>
-                  <a:srgbClr val="FFFFFF"/>
-                </a:solidFill>
-              </a14:hiddenFill>
-            </a:ext>
-          </a:extLst>
-        </p:spPr>
-      </p:pic>
+              <a:t>What type of data do you think was used for the analytics?</a:t>
+            </a:r>
+          </a:p>
+          <a:p>
+            <a:pPr marL="457200" indent="-457200">
+              <a:spcBef>
+                <a:spcPts val="600"/>
+              </a:spcBef>
+              <a:buFont typeface="+mj-lt"/>
+              <a:buAutoNum type="arabicPeriod"/>
+            </a:pPr>
+            <a:r>
+              <a:rPr lang="en-US" sz="2400" dirty="0"/>
+              <a:t>What were the data science metrics developed in this pilot project? Can you think of other metrics that can be used in this context?</a:t>
+            </a:r>
+          </a:p>
+        </p:txBody>
+      </p:sp>
     </p:spTree>
     <p:extLst>
       <p:ext uri="{BB962C8B-B14F-4D97-AF65-F5344CB8AC3E}">
-        <p14:creationId xmlns:p14="http://schemas.microsoft.com/office/powerpoint/2010/main" val="419662924"/>
+        <p14:creationId xmlns:p14="http://schemas.microsoft.com/office/powerpoint/2010/main" val="2369676468"/>
       </p:ext>
     </p:extLst>
   </p:cSld>
@@ -16815,7 +16538,7 @@
       </p:grpSpPr>
       <p:sp>
         <p:nvSpPr>
-          <p:cNvPr id="2" name="Title 1" descr="The diagram shows a series of operators in small rectangles forming a chain connected by arrows going from left to right. The details are as follows: &#10;• The first rectangle contains the word Input. &#10;• An arrow labeled p connects the input rectangle to a rectangle that contains a multiplication symbol with the term w superscript 1 written above it and connected to the rectangle with a downward arrow. &#10;• Another arrow labeled with the term z superscript 1 connects the multiplication symbol to the next rectangle which contains the sigma symbol, with the term b superscript 1 written above it and connected to the rectangle with a downward arrow. &#10;• Another arrow to the right with the term n superscript 1 connects the sigma symbol to the next rectangle on the right, which contains the term f superscript 1.&#10;• Another arrow labeled a superscript 1 connects f superscript 1 to the next rectangle on the right. &#10;• The three rectangles (from the multiplication symbol to f superscript 1) are grouped together to give the formula: a superscript 1 equals f superscript 1 open bracket w superscript 1 times p plus b superscript 1 close bracket. &#10;• The rectangle on the right contains the multiplication symbol with the term w superscript 2 above it connected to the rectangle with a downward arrow. &#10;• Another arrow to the right labeled z superscript 2 above it connects the multiplication symbol to the rectangle on the right.&#10;• The rectangle on the right contains the sigma symbol labeled superscript 2 connects it to the rectangle with a downward arrow. &#10;• Another arrow to the right labeled n superscript 2 connects the sigma symbol to the rectangle on the right. &#10;• The rectangle on the right contains the term f superscript 2. &#10;• Another arrow to the right labeled a superscript 2 connects f superscript 2 to the rectangle on the right. &#10;• The three rectangles (from the multiplication symbol to f superscript 2) are grouped together to give the formula: a superscript 2 equals f superscript 2 open bracket w superscript 2 times a superscript 1 plus b superscript 2 close bracket.&#10;• The rectangle on the right contains the multiplication symbol. The term w superscript 3 is written above it with a downward arrow leading to the rectangle. An arrow to the right with z superscript 3 written above it connects the multiplication symbol to the rectangle on the right.&#10;• The rectangle on the right contains the sigma symbol. The term b superscript 3 is written above it with a downward arrow leading to the rectangle. An arrow to the right with n superscript 3 written above it connects the sigma symbol to the rectangle on the right. &#10;• The rectangle on the right contains the term f superscript 3. An arrow leads from the rectangle to the right with a superscript 3 written above it. &#10;• The three rectangles (from the multiplication symbol to f superscript 3) are grouped together to give the formula: a superscript 3 equals f superscript 3 open bracket w superscript 3 times a superscript 2 plus b superscript 3 close bracket.&#10;• The three formulas are grouped together to give the formula: a superscript 3 equals f superscript 3 open bracket w superscript 3 times f superscript 2 open bracket w superscript 2 times f superscript 1 open bracket w superscript 1 times p plus b superscript 1 close bracket plus b superscript 2 close bracket plus b superscript 3 close bracket. "/>
+          <p:cNvPr id="2" name="Title 1"/>
           <p:cNvSpPr>
             <a:spLocks noGrp="1"/>
           </p:cNvSpPr>
@@ -16839,13 +16562,13 @@
               <a:rPr lang="en-US" sz="3600" dirty="0">
                 <a:latin typeface="+mj-lt"/>
               </a:rPr>
-              <a:t>Deep Neural Networks </a:t>
+              <a:t>Application Case 6.5 </a:t>
             </a:r>
             <a:r>
               <a:rPr lang="en-US" sz="2800" dirty="0">
                 <a:latin typeface="+mj-lt"/>
               </a:rPr>
-              <a:t>(3 of 3)</a:t>
+              <a:t>(2 of 2)</a:t>
             </a:r>
             <a:endParaRPr lang="en-US" sz="3600" dirty="0">
               <a:latin typeface="+mj-lt"/>
@@ -16865,8 +16588,8 @@
         </p:nvSpPr>
         <p:spPr>
           <a:xfrm>
-            <a:off x="457200" y="990600"/>
-            <a:ext cx="3352800" cy="4078039"/>
+            <a:off x="457200" y="714376"/>
+            <a:ext cx="8153400" cy="861774"/>
           </a:xfrm>
         </p:spPr>
         <p:txBody>
@@ -16875,62 +16598,69 @@
           </a:bodyPr>
           <a:lstStyle/>
           <a:p>
-            <a:r>
-              <a:rPr lang="en-US" sz="2400" dirty="0"/>
-              <a:t>Impact of Random Weights in Deep </a:t>
-            </a:r>
-            <a:r>
-              <a:rPr lang="en-US" sz="2400" spc="-300" dirty="0"/>
-              <a:t>M L </a:t>
-            </a:r>
-            <a:r>
-              <a:rPr lang="en-US" sz="2400" dirty="0"/>
-              <a:t>P</a:t>
-            </a:r>
-          </a:p>
-          <a:p>
-            <a:pPr marL="285750" indent="-285750"/>
-            <a:r>
-              <a:rPr lang="en-US" sz="2400" dirty="0"/>
-              <a:t>The Effect of Pre-training Network Parameters on Improving Results of a Classification-Type Deep Neural Network.</a:t>
-            </a:r>
-          </a:p>
-          <a:p>
-            <a:pPr marL="285750" indent="-285750"/>
-            <a:r>
-              <a:rPr lang="en-US" sz="2400" dirty="0">
+            <a:pPr marL="0" lvl="0" indent="0">
+              <a:spcBef>
+                <a:spcPts val="0"/>
+              </a:spcBef>
+              <a:buClr>
+                <a:schemeClr val="lt1"/>
+              </a:buClr>
+              <a:buSzPct val="25000"/>
+              <a:buNone/>
+              <a:tabLst>
+                <a:tab pos="628650" algn="l"/>
+              </a:tabLst>
+            </a:pPr>
+            <a:r>
+              <a:rPr lang="en-IN" sz="2800" b="1" dirty="0">
                 <a:solidFill>
-                  <a:schemeClr val="bg2"/>
+                  <a:srgbClr val="007FA3"/>
                 </a:solidFill>
               </a:rPr>
-              <a:t>More hidden layers versus more neurons?</a:t>
+              <a:t>Georgia </a:t>
+            </a:r>
+            <a:r>
+              <a:rPr lang="en-IN" sz="2800" b="1" spc="-400" dirty="0">
+                <a:solidFill>
+                  <a:srgbClr val="007FA3"/>
+                </a:solidFill>
+              </a:rPr>
+              <a:t>D O </a:t>
+            </a:r>
+            <a:r>
+              <a:rPr lang="en-IN" sz="2800" b="1" dirty="0">
+                <a:solidFill>
+                  <a:srgbClr val="007FA3"/>
+                </a:solidFill>
+              </a:rPr>
+              <a:t>T Variable Speed Limit Analytics Help Solve Traffic Congestions</a:t>
             </a:r>
           </a:p>
         </p:txBody>
       </p:sp>
       <p:pic>
         <p:nvPicPr>
-          <p:cNvPr id="12290" name="Picture 2" descr="The data depicted on the graph is as follows:&#10;• The classification error is represented on the y-axis with markings from bottom to top as: 10 superscript negative 4, 10 superscript negative 3, 10 superscript negative 2, 10 superscript negative 1, and 10 superscript 0. &#10;• The numbers of examples seen times 10 superscript 6 are represented on the x-axis from 0 to 10 in increments of 1.   &#10;• One graph is made up of a series or a chain of circles:&#10;• It starts from 10 superscript 0 on the y-axis. &#10;• It follows a downward slope, finally coming to a stop at a point just before 10 on the x-axis and above 10 superscript negative 3 on the y-axis. &#10;• The other graph is made up of a series of triangles: &#10;• It starts from a point between 2 and 3 on the x-axis and below 10 superscript negative 1 on the y-axis. &#10;• It follows a downward slope, finally coming to a stop at a point between 10 superscript negative 4 and 10 superscript negative 3 on the y-axis and at 10 on the x-axis. "/>
+          <p:cNvPr id="13315" name="Picture 3" descr="The traffic speed in miles per hour is depicted on the y-axis while the direction of traffic from left to right is shown on the x-axis with three different sections marked. The graph depicts the following:   &#10;• The first section is a line of two cars labeled the Zone of Influence. &#10;• The middle section is shown as a line of seven cars and labeled as the Bottleneck or queuing traffic. Its front end and back end are marked. &#10;• The third section is shown as a line of two cars and labeled as Normal Traffic. &#10;• The graph showing the traffic speed starts at the highest point on the y-axis and dips as it moves across the zone of influence. &#10;• It falls to a point marked as 60 percent of the reference speed as it hits the back end of the bottleneck section. &#10;• The graph dips further and then moved with slight variations towards the front end of the bottleneck.&#10;• As it hits the front end of the bottleneck, the speed rises back to 60 percent of the reference speed. &#10;• The graph rises further to the original or starting speed as it moves across the normal traffic section.   &#10;• The range from the starting speed and the point marked as 60 percent of the reference speed is labeled as the Turbulence Reduction Opportunity. "/>
           <p:cNvPicPr>
             <a:picLocks noChangeAspect="1" noChangeArrowheads="1"/>
           </p:cNvPicPr>
           <p:nvPr/>
         </p:nvPicPr>
         <p:blipFill rotWithShape="1">
-          <a:blip r:embed="rId3" cstate="print">
+          <a:blip r:embed="rId3">
             <a:extLst>
               <a:ext uri="{28A0092B-C50C-407E-A947-70E740481C1C}">
                 <a14:useLocalDpi xmlns:a14="http://schemas.microsoft.com/office/drawing/2010/main" val="0"/>
               </a:ext>
             </a:extLst>
           </a:blip>
-          <a:srcRect b="3755"/>
+          <a:srcRect b="4509"/>
           <a:stretch/>
         </p:blipFill>
         <p:spPr bwMode="auto">
           <a:xfrm>
-            <a:off x="3920860" y="965406"/>
-            <a:ext cx="4670712" cy="3244180"/>
+            <a:off x="571500" y="2009464"/>
+            <a:ext cx="7993510" cy="3838886"/>
           </a:xfrm>
           <a:prstGeom prst="rect">
             <a:avLst/>
@@ -16950,7 +16680,7 @@
     </p:spTree>
     <p:extLst>
       <p:ext uri="{BB962C8B-B14F-4D97-AF65-F5344CB8AC3E}">
-        <p14:creationId xmlns:p14="http://schemas.microsoft.com/office/powerpoint/2010/main" val="4002441260"/>
+        <p14:creationId xmlns:p14="http://schemas.microsoft.com/office/powerpoint/2010/main" val="2082578656"/>
       </p:ext>
     </p:extLst>
   </p:cSld>
@@ -16989,8 +16719,8 @@
         </p:nvSpPr>
         <p:spPr>
           <a:xfrm>
-            <a:off x="457200" y="72854"/>
-            <a:ext cx="8153400" cy="553998"/>
+            <a:off x="457200" y="61781"/>
+            <a:ext cx="8153400" cy="1107996"/>
           </a:xfrm>
         </p:spPr>
         <p:txBody>
@@ -17003,17 +16733,8 @@
               <a:rPr lang="en-US" sz="3600" dirty="0">
                 <a:latin typeface="+mj-lt"/>
               </a:rPr>
-              <a:t>Application Case 6.5 </a:t>
-            </a:r>
-            <a:r>
-              <a:rPr lang="en-US" sz="2800" dirty="0">
-                <a:latin typeface="+mj-lt"/>
-              </a:rPr>
-              <a:t>(1 of 2)</a:t>
-            </a:r>
-            <a:endParaRPr lang="en-US" sz="3600" dirty="0">
-              <a:latin typeface="+mj-lt"/>
-            </a:endParaRPr>
+              <a:t>Convolutional “Deep” Neural Networks	</a:t>
+            </a:r>
           </a:p>
         </p:txBody>
       </p:sp>
@@ -17029,8 +16750,8 @@
         </p:nvSpPr>
         <p:spPr>
           <a:xfrm>
-            <a:off x="457200" y="714376"/>
-            <a:ext cx="8153400" cy="861774"/>
+            <a:off x="457200" y="1371601"/>
+            <a:ext cx="8153400" cy="4131900"/>
           </a:xfrm>
         </p:spPr>
         <p:txBody>
@@ -17039,125 +16760,74 @@
           </a:bodyPr>
           <a:lstStyle/>
           <a:p>
-            <a:pPr marL="0" lvl="0" indent="0">
-              <a:spcBef>
-                <a:spcPts val="0"/>
-              </a:spcBef>
-              <a:buClr>
-                <a:schemeClr val="lt1"/>
-              </a:buClr>
-              <a:buSzPct val="25000"/>
-              <a:buNone/>
-              <a:tabLst>
-                <a:tab pos="628650" algn="l"/>
-              </a:tabLst>
-            </a:pPr>
-            <a:r>
-              <a:rPr lang="en-IN" sz="2800" b="1" dirty="0">
-                <a:solidFill>
-                  <a:srgbClr val="007FA3"/>
-                </a:solidFill>
+            <a:r>
+              <a:rPr lang="en-US" sz="2400" dirty="0"/>
+              <a:t>Most popular </a:t>
+            </a:r>
+            <a:r>
+              <a:rPr lang="en-US" sz="2400" spc="-300" dirty="0"/>
+              <a:t>M L </a:t>
+            </a:r>
+            <a:r>
+              <a:rPr lang="en-US" sz="2400" dirty="0"/>
+              <a:t>P-base </a:t>
+            </a:r>
+            <a:r>
+              <a:rPr lang="en-US" sz="2400" spc="-300" dirty="0"/>
+              <a:t>D </a:t>
+            </a:r>
+            <a:r>
+              <a:rPr lang="en-US" sz="2400" dirty="0"/>
+              <a:t>L method </a:t>
+            </a:r>
+          </a:p>
+          <a:p>
+            <a:r>
+              <a:rPr lang="en-US" sz="2400" dirty="0"/>
+              <a:t>Used for image/video processing, text recognition</a:t>
+            </a:r>
+          </a:p>
+          <a:p>
+            <a:r>
+              <a:rPr lang="en-US" sz="2400" dirty="0"/>
+              <a:t>Has at least one convolution weight function</a:t>
+            </a:r>
+          </a:p>
+          <a:p>
+            <a:pPr lvl="1"/>
+            <a:r>
+              <a:rPr lang="en-US" sz="2400" dirty="0"/>
+              <a:t>Convolutional layer</a:t>
+            </a:r>
+          </a:p>
+          <a:p>
+            <a:r>
+              <a:rPr lang="en-US" sz="2400" dirty="0"/>
+              <a:t>Convolutional layer </a:t>
+            </a:r>
+            <a:r>
+              <a:rPr lang="en-US" sz="2400" dirty="0">
+                <a:sym typeface="Wingdings" panose="05000000000000000000" pitchFamily="2" charset="2"/>
               </a:rPr>
-              <a:t>Georgia </a:t>
-            </a:r>
-            <a:r>
-              <a:rPr lang="en-IN" sz="2800" b="1" spc="-400" dirty="0">
-                <a:solidFill>
-                  <a:srgbClr val="007FA3"/>
-                </a:solidFill>
-              </a:rPr>
-              <a:t>D O </a:t>
-            </a:r>
-            <a:r>
-              <a:rPr lang="en-IN" sz="2800" b="1" dirty="0">
-                <a:solidFill>
-                  <a:srgbClr val="007FA3"/>
-                </a:solidFill>
-              </a:rPr>
-              <a:t>T Variable Speed Limit Analytics Help Solve Traffic Congestions</a:t>
-            </a:r>
-          </a:p>
-        </p:txBody>
-      </p:sp>
-      <p:sp>
-        <p:nvSpPr>
-          <p:cNvPr id="5" name="Content Placeholder 4"/>
-          <p:cNvSpPr>
-            <a:spLocks noGrp="1"/>
-          </p:cNvSpPr>
-          <p:nvPr>
-            <p:ph sz="quarter" idx="14"/>
-          </p:nvPr>
-        </p:nvSpPr>
-        <p:spPr>
-          <a:xfrm>
-            <a:off x="457200" y="1828800"/>
-            <a:ext cx="8153400" cy="3185487"/>
-          </a:xfrm>
-        </p:spPr>
-        <p:txBody>
-          <a:bodyPr>
-            <a:spAutoFit/>
-          </a:bodyPr>
-          <a:lstStyle/>
-          <a:p>
-            <a:pPr marL="0" indent="0">
-              <a:spcBef>
-                <a:spcPts val="600"/>
-              </a:spcBef>
-              <a:buSzPct val="100000"/>
-              <a:buNone/>
-            </a:pPr>
-            <a:r>
-              <a:rPr lang="en-US" sz="2400" b="1" dirty="0"/>
-              <a:t>Discussion Questions: </a:t>
-            </a:r>
-          </a:p>
-          <a:p>
-            <a:pPr marL="457200" indent="-457200">
-              <a:spcBef>
-                <a:spcPts val="600"/>
-              </a:spcBef>
-              <a:buFont typeface="+mj-lt"/>
-              <a:buAutoNum type="arabicPeriod"/>
-            </a:pPr>
+              <a:t> </a:t>
+            </a:r>
             <a:r>
               <a:rPr lang="en-US" sz="2400" dirty="0"/>
-              <a:t>What was the nature of the problems that </a:t>
-            </a:r>
-            <a:r>
-              <a:rPr lang="en-US" sz="2400" spc="-300" dirty="0"/>
-              <a:t>G D O </a:t>
-            </a:r>
+              <a:t>Polling (sub-sampling) </a:t>
+            </a:r>
+          </a:p>
+          <a:p>
+            <a:pPr lvl="1"/>
             <a:r>
               <a:rPr lang="en-US" sz="2400" dirty="0"/>
-              <a:t>T was trying to solve with data science?</a:t>
-            </a:r>
-          </a:p>
-          <a:p>
-            <a:pPr marL="457200" indent="-457200">
-              <a:spcBef>
-                <a:spcPts val="600"/>
-              </a:spcBef>
-              <a:buFont typeface="+mj-lt"/>
-              <a:buAutoNum type="arabicPeriod"/>
-            </a:pPr>
+              <a:t>Consolidating the large tensors into one with a smaller size-and reducing the number of model parameters while keeping only the important features</a:t>
+            </a:r>
+          </a:p>
+          <a:p>
+            <a:pPr lvl="1"/>
             <a:r>
               <a:rPr lang="en-US" sz="2400" dirty="0"/>
-              <a:t>What type of data do you think was used for the analytics?</a:t>
-            </a:r>
-          </a:p>
-          <a:p>
-            <a:pPr marL="457200" indent="-457200">
-              <a:spcBef>
-                <a:spcPts val="600"/>
-              </a:spcBef>
-              <a:buFont typeface="+mj-lt"/>
-              <a:buAutoNum type="arabicPeriod"/>
-            </a:pPr>
-            <a:r>
-              <a:rPr lang="en-US" sz="2400" dirty="0"/>
-              <a:t>What were the data science metrics developed in this pilot project? Can you think of other metrics that can be used in this context?</a:t>
+              <a:t>There can be different types of polling layers</a:t>
             </a:r>
           </a:p>
         </p:txBody>
@@ -17165,7 +16835,7 @@
     </p:spTree>
     <p:extLst>
       <p:ext uri="{BB962C8B-B14F-4D97-AF65-F5344CB8AC3E}">
-        <p14:creationId xmlns:p14="http://schemas.microsoft.com/office/powerpoint/2010/main" val="2369676468"/>
+        <p14:creationId xmlns:p14="http://schemas.microsoft.com/office/powerpoint/2010/main" val="510016714"/>
       </p:ext>
     </p:extLst>
   </p:cSld>
@@ -17218,17 +16888,8 @@
               <a:rPr lang="en-US" sz="3600" dirty="0">
                 <a:latin typeface="+mj-lt"/>
               </a:rPr>
-              <a:t>Application Case 6.5 </a:t>
-            </a:r>
-            <a:r>
-              <a:rPr lang="en-US" sz="2800" dirty="0">
-                <a:latin typeface="+mj-lt"/>
-              </a:rPr>
-              <a:t>(2 of 2)</a:t>
-            </a:r>
-            <a:endParaRPr lang="en-US" sz="3600" dirty="0">
-              <a:latin typeface="+mj-lt"/>
-            </a:endParaRPr>
+              <a:t>Convolution Function</a:t>
+            </a:r>
           </a:p>
         </p:txBody>
       </p:sp>
@@ -17244,9 +16905,12 @@
         </p:nvSpPr>
         <p:spPr>
           <a:xfrm>
-            <a:off x="457200" y="714376"/>
-            <a:ext cx="8153400" cy="861774"/>
-          </a:xfrm>
+            <a:off x="457200" y="990600"/>
+            <a:ext cx="8153400" cy="369332"/>
+          </a:xfrm>
+          <a:solidFill>
+            <a:srgbClr val="D4EAE4"/>
+          </a:solidFill>
         </p:spPr>
         <p:txBody>
           <a:bodyPr wrap="square">
@@ -17254,49 +16918,16 @@
           </a:bodyPr>
           <a:lstStyle/>
           <a:p>
-            <a:pPr marL="0" lvl="0" indent="0">
-              <a:spcBef>
-                <a:spcPts val="0"/>
-              </a:spcBef>
-              <a:buClr>
-                <a:schemeClr val="lt1"/>
-              </a:buClr>
-              <a:buSzPct val="25000"/>
-              <a:buNone/>
-              <a:tabLst>
-                <a:tab pos="628650" algn="l"/>
-              </a:tabLst>
-            </a:pPr>
-            <a:r>
-              <a:rPr lang="en-IN" sz="2800" b="1" dirty="0">
-                <a:solidFill>
-                  <a:srgbClr val="007FA3"/>
-                </a:solidFill>
-              </a:rPr>
-              <a:t>Georgia </a:t>
-            </a:r>
-            <a:r>
-              <a:rPr lang="en-IN" sz="2800" b="1" spc="-400" dirty="0">
-                <a:solidFill>
-                  <a:srgbClr val="007FA3"/>
-                </a:solidFill>
-              </a:rPr>
-              <a:t>D O </a:t>
-            </a:r>
-            <a:r>
-              <a:rPr lang="en-IN" sz="2800" b="1" dirty="0">
-                <a:solidFill>
-                  <a:srgbClr val="007FA3"/>
-                </a:solidFill>
-              </a:rPr>
-              <a:t>T Variable Speed Limit Analytics Help Solve Traffic Congestions</a:t>
+            <a:r>
+              <a:rPr lang="en-US" sz="2400" dirty="0"/>
+              <a:t>Typical Convolutional Network Unit</a:t>
             </a:r>
           </a:p>
         </p:txBody>
       </p:sp>
       <p:pic>
         <p:nvPicPr>
-          <p:cNvPr id="13315" name="Picture 3" descr="The traffic speed in miles per hour is depicted on the y-axis while the direction of traffic from left to right is shown on the x-axis with three different sections marked. The graph depicts the following:   &#10;• The first section is a line of two cars labeled the Zone of Influence. &#10;• The middle section is shown as a line of seven cars and labeled as the Bottleneck or queuing traffic. Its front end and back end are marked. &#10;• The third section is shown as a line of two cars and labeled as Normal Traffic. &#10;• The graph showing the traffic speed starts at the highest point on the y-axis and dips as it moves across the zone of influence. &#10;• It falls to a point marked as 60 percent of the reference speed as it hits the back end of the bottleneck section. &#10;• The graph dips further and then moved with slight variations towards the front end of the bottleneck.&#10;• As it hits the front end of the bottleneck, the speed rises back to 60 percent of the reference speed. &#10;• The graph rises further to the original or starting speed as it moves across the normal traffic section.   &#10;• The range from the starting speed and the point marked as 60 percent of the reference speed is labeled as the Turbulence Reduction Opportunity. "/>
+          <p:cNvPr id="2050" name="Picture 2" descr="The diagram shows the following:&#10;• The input p points to a rectangle to its right, which contains the convolution symbol – a star inside a circle. &#10;• The letter w is written above the rectangle. An arrow leads downward from w to the rectangle. &#10;• An arrow with the letter z written above it leads from the convolution symbol to another rectangle to its right. &#10;• This rectangle on the right contains the sigma symbol. The letter b is written above the rectangle. An arrow leads downward from b to the rectangle.&#10;• An arrow with the letter n written above it leads from the sigma symbol to another rectangle on the right. &#10;• This rectangle on the right contains the letter f. An arrow from this rectangle with the letter a written above it leads to the right. &#10;• The three rectangles are grouped and labeled the Convolutional Unit with the formula a equals f open bracket w convolution symbol p plus b close bracket."/>
           <p:cNvPicPr>
             <a:picLocks noChangeAspect="1" noChangeArrowheads="1"/>
           </p:cNvPicPr>
@@ -17310,13 +16941,13 @@
               </a:ext>
             </a:extLst>
           </a:blip>
-          <a:srcRect b="4509"/>
+          <a:srcRect b="4736"/>
           <a:stretch/>
         </p:blipFill>
         <p:spPr bwMode="auto">
           <a:xfrm>
-            <a:off x="571500" y="2009464"/>
-            <a:ext cx="7993510" cy="3838886"/>
+            <a:off x="1598910" y="1481771"/>
+            <a:ext cx="5946181" cy="2174008"/>
           </a:xfrm>
           <a:prstGeom prst="rect">
             <a:avLst/>
@@ -17333,10 +16964,81 @@
           </a:extLst>
         </p:spPr>
       </p:pic>
+      <p:sp>
+        <p:nvSpPr>
+          <p:cNvPr id="4" name="Content Placeholder 3"/>
+          <p:cNvSpPr>
+            <a:spLocks noGrp="1"/>
+          </p:cNvSpPr>
+          <p:nvPr>
+            <p:ph idx="13"/>
+          </p:nvPr>
+        </p:nvSpPr>
+        <p:spPr>
+          <a:xfrm>
+            <a:off x="457200" y="3838575"/>
+            <a:ext cx="8153400" cy="369332"/>
+          </a:xfrm>
+          <a:solidFill>
+            <a:srgbClr val="D4EAE4"/>
+          </a:solidFill>
+        </p:spPr>
+        <p:txBody>
+          <a:bodyPr wrap="square">
+            <a:spAutoFit/>
+          </a:bodyPr>
+          <a:lstStyle/>
+          <a:p>
+            <a:r>
+              <a:rPr lang="en-US" sz="2400" dirty="0"/>
+              <a:t>Convolution of a 2 x 2 Kernel by a 3 x 6 Input Matrix</a:t>
+            </a:r>
+          </a:p>
+        </p:txBody>
+      </p:sp>
+      <p:pic>
+        <p:nvPicPr>
+          <p:cNvPr id="2051" name="Picture 3" descr="The diagram depicts the following:&#10;• On the left, the convolution kernel is represented as a two by two matrix containing these digits from left to right: &#10;• Top row: 0, 1 &#10;• Bottom row: 1, 1 &#10;• All four digits are enclosed by a blue square with a thick border.&#10;• To the right of the kernel, the input matrix is represented as a three by six matrix containing these digits from left to right:&#10;• Top row: 1, 0, 1, 0, 1, 1&#10;• Middle row: 1, 1, 0, 1, 1, 1&#10;• Bottom row: 1, 1, 0, 0, 0, 1&#10;• The digits 0 and 1 in the top row, second and third columns and the digits 1 and 0 in the middle row, second and third columns are enclosed by a blue square with a thick border. The corners of this blue square are joined by lines to the corresponding corners of the blue square in the kernel. &#10;• To the right of the input matrix, the output matrix is represented as a two by five matrix containing these digits from left to right: &#10;• Top row: 2, 2, 1, 3, 3 &#10;• Bottom row: 3, 1, 1, 1, 2 &#10;• The digit 2 in the top row, second column is enclosed by a blue square with a thick border. The corners of this square are joined by lines to the corresponding corners of the blue square in the input matrix."/>
+          <p:cNvPicPr>
+            <a:picLocks noChangeAspect="1" noChangeArrowheads="1"/>
+          </p:cNvPicPr>
+          <p:nvPr/>
+        </p:nvPicPr>
+        <p:blipFill rotWithShape="1">
+          <a:blip r:embed="rId4">
+            <a:extLst>
+              <a:ext uri="{28A0092B-C50C-407E-A947-70E740481C1C}">
+                <a14:useLocalDpi xmlns:a14="http://schemas.microsoft.com/office/drawing/2010/main" val="0"/>
+              </a:ext>
+            </a:extLst>
+          </a:blip>
+          <a:srcRect b="9847"/>
+          <a:stretch/>
+        </p:blipFill>
+        <p:spPr bwMode="auto">
+          <a:xfrm>
+            <a:off x="567948" y="4376879"/>
+            <a:ext cx="7993510" cy="1724184"/>
+          </a:xfrm>
+          <a:prstGeom prst="rect">
+            <a:avLst/>
+          </a:prstGeom>
+          <a:noFill/>
+          <a:extLst>
+            <a:ext uri="{909E8E84-426E-40DD-AFC4-6F175D3DCCD1}">
+              <a14:hiddenFill xmlns:a14="http://schemas.microsoft.com/office/drawing/2010/main">
+                <a:solidFill>
+                  <a:srgbClr val="FFFFFF"/>
+                </a:solidFill>
+              </a14:hiddenFill>
+            </a:ext>
+          </a:extLst>
+        </p:spPr>
+      </p:pic>
     </p:spTree>
     <p:extLst>
       <p:ext uri="{BB962C8B-B14F-4D97-AF65-F5344CB8AC3E}">
-        <p14:creationId xmlns:p14="http://schemas.microsoft.com/office/powerpoint/2010/main" val="2082578656"/>
+        <p14:creationId xmlns:p14="http://schemas.microsoft.com/office/powerpoint/2010/main" val="2951445326"/>
       </p:ext>
     </p:extLst>
   </p:cSld>
@@ -17365,7 +17067,7 @@
       </p:grpSpPr>
       <p:sp>
         <p:nvSpPr>
-          <p:cNvPr id="2" name="Title 1"/>
+          <p:cNvPr id="2" name="Title 1" descr="The diagram shows a series of operators in small rectangles forming a chain connected by arrows going from left to right. The details are as follows: &#10;• The first rectangle contains the word Input. &#10;• An arrow labeled p connects the input rectangle to a rectangle that contains a multiplication symbol with the term w superscript 1 written above it and connected to the rectangle with a downward arrow. &#10;• Another arrow labeled with the term z superscript 1 connects the multiplication symbol to the next rectangle which contains the sigma symbol, with the term b superscript 1 written above it and connected to the rectangle with a downward arrow. &#10;• Another arrow to the right with the term n superscript 1 connects the sigma symbol to the next rectangle on the right, which contains the term f superscript 1.&#10;• Another arrow labeled a superscript 1 connects f superscript 1 to the next rectangle on the right. &#10;• The three rectangles (from the multiplication symbol to f superscript 1) are grouped together to give the formula: a superscript 1 equals f superscript 1 open bracket w superscript 1 times p plus b superscript 1 close bracket. &#10;• The rectangle on the right contains the multiplication symbol with the term w superscript 2 above it connected to the rectangle with a downward arrow. &#10;• Another arrow to the right labeled z superscript 2 above it connects the multiplication symbol to the rectangle on the right.&#10;• The rectangle on the right contains the sigma symbol labeled superscript 2 connects it to the rectangle with a downward arrow. &#10;• Another arrow to the right labeled n superscript 2 connects the sigma symbol to the rectangle on the right. &#10;• The rectangle on the right contains the term f superscript 2. &#10;• Another arrow to the right labeled a superscript 2 connects f superscript 2 to the rectangle on the right. &#10;• The three rectangles (from the multiplication symbol to f superscript 2) are grouped together to give the formula: a superscript 2 equals f superscript 2 open bracket w superscript 2 times a superscript 1 plus b superscript 2 close bracket.&#10;• The rectangle on the right contains the multiplication symbol. The term w superscript 3 is written above it with a downward arrow leading to the rectangle. An arrow to the right with z superscript 3 written above it connects the multiplication symbol to the rectangle on the right.&#10;• The rectangle on the right contains the sigma symbol. The term b superscript 3 is written above it with a downward arrow leading to the rectangle. An arrow to the right with n superscript 3 written above it connects the sigma symbol to the rectangle on the right. &#10;• The rectangle on the right contains the term f superscript 3. An arrow leads from the rectangle to the right with a superscript 3 written above it. &#10;• The three rectangles (from the multiplication symbol to f superscript 3) are grouped together to give the formula: a superscript 3 equals f superscript 3 open bracket w superscript 3 times a superscript 2 plus b superscript 3 close bracket.&#10;• The three formulas are grouped together to give the formula: a superscript 3 equals f superscript 3 open bracket w superscript 3 times f superscript 2 open bracket w superscript 2 times f superscript 1 open bracket w superscript 1 times p plus b superscript 1 close bracket plus b superscript 2 close bracket plus b superscript 3 close bracket. "/>
           <p:cNvSpPr>
             <a:spLocks noGrp="1"/>
           </p:cNvSpPr>
@@ -17375,8 +17077,8 @@
         </p:nvSpPr>
         <p:spPr>
           <a:xfrm>
-            <a:off x="457200" y="61781"/>
-            <a:ext cx="8153400" cy="1107996"/>
+            <a:off x="457200" y="72854"/>
+            <a:ext cx="8153400" cy="553998"/>
           </a:xfrm>
         </p:spPr>
         <p:txBody>
@@ -17389,8 +17091,35 @@
               <a:rPr lang="en-US" sz="3600" dirty="0">
                 <a:latin typeface="+mj-lt"/>
               </a:rPr>
-              <a:t>Convolutional “Deep” Neural Networks	</a:t>
-            </a:r>
+              <a:t>Image Processing Using </a:t>
+            </a:r>
+            <a:r>
+              <a:rPr lang="en-US" sz="3600" spc="-450" dirty="0">
+                <a:latin typeface="+mj-lt"/>
+              </a:rPr>
+              <a:t>C N </a:t>
+            </a:r>
+            <a:r>
+              <a:rPr lang="en-US" sz="3600" dirty="0" err="1">
+                <a:latin typeface="+mj-lt"/>
+              </a:rPr>
+              <a:t>N</a:t>
+            </a:r>
+            <a:r>
+              <a:rPr lang="en-US" sz="3600" dirty="0">
+                <a:latin typeface="+mj-lt"/>
+              </a:rPr>
+              <a:t> </a:t>
+            </a:r>
+            <a:r>
+              <a:rPr lang="en-US" sz="2800" dirty="0">
+                <a:latin typeface="+mj-lt"/>
+              </a:rPr>
+              <a:t>(1 of 3)</a:t>
+            </a:r>
+            <a:endParaRPr lang="en-US" sz="3600" dirty="0">
+              <a:latin typeface="+mj-lt"/>
+            </a:endParaRPr>
           </a:p>
         </p:txBody>
       </p:sp>
@@ -17406,8 +17135,8 @@
         </p:nvSpPr>
         <p:spPr>
           <a:xfrm>
-            <a:off x="457200" y="1371601"/>
-            <a:ext cx="8153400" cy="4131900"/>
+            <a:off x="457200" y="990600"/>
+            <a:ext cx="8153400" cy="931024"/>
           </a:xfrm>
         </p:spPr>
         <p:txBody>
@@ -17417,81 +17146,95 @@
           <a:lstStyle/>
           <a:p>
             <a:r>
+              <a:rPr lang="en-US" sz="2400" dirty="0" err="1"/>
+              <a:t>ImageNet</a:t>
+            </a:r>
+            <a:r>
               <a:rPr lang="en-US" sz="2400" dirty="0"/>
-              <a:t>Most popular </a:t>
+              <a:t> (</a:t>
+            </a:r>
+            <a:r>
+              <a:rPr lang="en-US" sz="2400" dirty="0">
+                <a:hlinkClick r:id="rId3" tooltip="http://www.image-net.org"/>
+              </a:rPr>
+              <a:t>http://www.image-net.org</a:t>
+            </a:r>
+            <a:r>
+              <a:rPr lang="en-US" sz="2400" dirty="0"/>
+              <a:t>)</a:t>
+            </a:r>
+          </a:p>
+          <a:p>
+            <a:r>
+              <a:rPr lang="en-US" sz="2400" dirty="0"/>
+              <a:t>Architecture of </a:t>
+            </a:r>
+            <a:r>
+              <a:rPr lang="en-US" sz="2400" dirty="0" err="1"/>
+              <a:t>AlexNet</a:t>
+            </a:r>
+            <a:r>
+              <a:rPr lang="en-US" sz="2400" dirty="0"/>
+              <a:t>, a </a:t>
             </a:r>
             <a:r>
               <a:rPr lang="en-US" sz="2400" spc="-300" dirty="0"/>
-              <a:t>M L </a:t>
+              <a:t>C N </a:t>
+            </a:r>
+            <a:r>
+              <a:rPr lang="en-US" sz="2400" dirty="0" err="1"/>
+              <a:t>N</a:t>
             </a:r>
             <a:r>
               <a:rPr lang="en-US" sz="2400" dirty="0"/>
-              <a:t>P-base </a:t>
-            </a:r>
-            <a:r>
-              <a:rPr lang="en-US" sz="2400" spc="-300" dirty="0"/>
-              <a:t>D </a:t>
-            </a:r>
-            <a:r>
-              <a:rPr lang="en-US" sz="2400" dirty="0"/>
-              <a:t>L method </a:t>
-            </a:r>
-          </a:p>
-          <a:p>
-            <a:r>
-              <a:rPr lang="en-US" sz="2400" dirty="0"/>
-              <a:t>Used for image/video processing, text recognition</a:t>
-            </a:r>
-          </a:p>
-          <a:p>
-            <a:r>
-              <a:rPr lang="en-US" sz="2400" dirty="0"/>
-              <a:t>Has at least one convolution weight function</a:t>
-            </a:r>
-          </a:p>
-          <a:p>
-            <a:pPr lvl="1"/>
-            <a:r>
-              <a:rPr lang="en-US" sz="2400" dirty="0"/>
-              <a:t>Convolutional layer</a:t>
-            </a:r>
-          </a:p>
-          <a:p>
-            <a:r>
-              <a:rPr lang="en-US" sz="2400" dirty="0"/>
-              <a:t>Convolutional layer </a:t>
-            </a:r>
-            <a:r>
-              <a:rPr lang="en-US" sz="2400" dirty="0">
-                <a:sym typeface="Wingdings" panose="05000000000000000000" pitchFamily="2" charset="2"/>
-              </a:rPr>
-              <a:t> </a:t>
-            </a:r>
-            <a:r>
-              <a:rPr lang="en-US" sz="2400" dirty="0"/>
-              <a:t>Polling (sub-sampling) </a:t>
-            </a:r>
-          </a:p>
-          <a:p>
-            <a:pPr lvl="1"/>
-            <a:r>
-              <a:rPr lang="en-US" sz="2400" dirty="0"/>
-              <a:t>Consolidating the large tensors into one with a smaller size-and reducing the number of model parameters while keeping only the important features</a:t>
-            </a:r>
-          </a:p>
-          <a:p>
-            <a:pPr lvl="1"/>
-            <a:r>
-              <a:rPr lang="en-US" sz="2400" dirty="0"/>
-              <a:t>There can be different types of polling layers</a:t>
-            </a:r>
-          </a:p>
-        </p:txBody>
-      </p:sp>
+              <a:t> for Image Classification </a:t>
+            </a:r>
+          </a:p>
+        </p:txBody>
+      </p:sp>
+      <p:pic>
+        <p:nvPicPr>
+          <p:cNvPr id="3075" name="Picture 3" descr="• The five convolution layers are depicted as cuboids, labeled from left to right as C1, C2, C3, C4, and C5. &#10;• In the cuboids C1 to C4, the square lateral face on the right has a smaller square at the center from which the dotted outline of a square pyramid protrudes. &#10;• C1 is marked with the dimensions 55, 55, and 96, with a 5 by 5 square at the center.&#10;• C2 is marked with the dimensions 27, 27, and 256, with a 3 by 3 square at the center. &#10;• C3, C4, and C5 are marked with the dimensions 13, 13, and 384. C3 and C4 have 3 by 3 squares at the center.  &#10;• An arrow to the right from the last cuboid, C5, leads to the first fully connected layer. &#10;• The first fully connected layer, labeled FC6, is represented as a rectangular strip standing upright with the number 4,096 below it. From top to bottom, it contains a series of circles. &#10;• An arrow to the right from the FC6 layer leads to the second fully connected layer. &#10;• The second layer, labeled FC7, is identical to the FC6 layer and also has the number 4,096 written below it. &#10;• An arrow to the right from the FC7 layer leads to the third fully connected layer. &#10;• The third layer, labeled FC8, is shorter than the first two rectangular strips and it has one circle less from the top and one circle less from the bottom. It has the number 1,000 written below it."/>
+          <p:cNvPicPr>
+            <a:picLocks noChangeAspect="1" noChangeArrowheads="1"/>
+          </p:cNvPicPr>
+          <p:nvPr/>
+        </p:nvPicPr>
+        <p:blipFill rotWithShape="1">
+          <a:blip r:embed="rId4">
+            <a:extLst>
+              <a:ext uri="{28A0092B-C50C-407E-A947-70E740481C1C}">
+                <a14:useLocalDpi xmlns:a14="http://schemas.microsoft.com/office/drawing/2010/main" val="0"/>
+              </a:ext>
+            </a:extLst>
+          </a:blip>
+          <a:srcRect b="4782"/>
+          <a:stretch/>
+        </p:blipFill>
+        <p:spPr bwMode="auto">
+          <a:xfrm>
+            <a:off x="569465" y="2529076"/>
+            <a:ext cx="7993510" cy="3419099"/>
+          </a:xfrm>
+          <a:prstGeom prst="rect">
+            <a:avLst/>
+          </a:prstGeom>
+          <a:noFill/>
+          <a:extLst>
+            <a:ext uri="{909E8E84-426E-40DD-AFC4-6F175D3DCCD1}">
+              <a14:hiddenFill xmlns:a14="http://schemas.microsoft.com/office/drawing/2010/main">
+                <a:solidFill>
+                  <a:srgbClr val="FFFFFF"/>
+                </a:solidFill>
+              </a14:hiddenFill>
+            </a:ext>
+          </a:extLst>
+        </p:spPr>
+      </p:pic>
     </p:spTree>
     <p:extLst>
       <p:ext uri="{BB962C8B-B14F-4D97-AF65-F5344CB8AC3E}">
-        <p14:creationId xmlns:p14="http://schemas.microsoft.com/office/powerpoint/2010/main" val="510016714"/>
+        <p14:creationId xmlns:p14="http://schemas.microsoft.com/office/powerpoint/2010/main" val="4259343692"/>
       </p:ext>
     </p:extLst>
   </p:cSld>
@@ -17520,7 +17263,7 @@
       </p:grpSpPr>
       <p:sp>
         <p:nvSpPr>
-          <p:cNvPr id="2" name="Title 1"/>
+          <p:cNvPr id="2" name="Title 1" descr="The diagram shows a series of operators in small rectangles forming a chain connected by arrows going from left to right. The details are as follows: &#10;• The first rectangle contains the word Input. &#10;• An arrow labeled p connects the input rectangle to a rectangle that contains a multiplication symbol with the term w superscript 1 written above it and connected to the rectangle with a downward arrow. &#10;• Another arrow labeled with the term z superscript 1 connects the multiplication symbol to the next rectangle which contains the sigma symbol, with the term b superscript 1 written above it and connected to the rectangle with a downward arrow. &#10;• Another arrow to the right with the term n superscript 1 connects the sigma symbol to the next rectangle on the right, which contains the term f superscript 1.&#10;• Another arrow labeled a superscript 1 connects f superscript 1 to the next rectangle on the right. &#10;• The three rectangles (from the multiplication symbol to f superscript 1) are grouped together to give the formula: a superscript 1 equals f superscript 1 open bracket w superscript 1 times p plus b superscript 1 close bracket. &#10;• The rectangle on the right contains the multiplication symbol with the term w superscript 2 above it connected to the rectangle with a downward arrow. &#10;• Another arrow to the right labeled z superscript 2 above it connects the multiplication symbol to the rectangle on the right.&#10;• The rectangle on the right contains the sigma symbol labeled superscript 2 connects it to the rectangle with a downward arrow. &#10;• Another arrow to the right labeled n superscript 2 connects the sigma symbol to the rectangle on the right. &#10;• The rectangle on the right contains the term f superscript 2. &#10;• Another arrow to the right labeled a superscript 2 connects f superscript 2 to the rectangle on the right. &#10;• The three rectangles (from the multiplication symbol to f superscript 2) are grouped together to give the formula: a superscript 2 equals f superscript 2 open bracket w superscript 2 times a superscript 1 plus b superscript 2 close bracket.&#10;• The rectangle on the right contains the multiplication symbol. The term w superscript 3 is written above it with a downward arrow leading to the rectangle. An arrow to the right with z superscript 3 written above it connects the multiplication symbol to the rectangle on the right.&#10;• The rectangle on the right contains the sigma symbol. The term b superscript 3 is written above it with a downward arrow leading to the rectangle. An arrow to the right with n superscript 3 written above it connects the sigma symbol to the rectangle on the right. &#10;• The rectangle on the right contains the term f superscript 3. An arrow leads from the rectangle to the right with a superscript 3 written above it. &#10;• The three rectangles (from the multiplication symbol to f superscript 3) are grouped together to give the formula: a superscript 3 equals f superscript 3 open bracket w superscript 3 times a superscript 2 plus b superscript 3 close bracket.&#10;• The three formulas are grouped together to give the formula: a superscript 3 equals f superscript 3 open bracket w superscript 3 times f superscript 2 open bracket w superscript 2 times f superscript 1 open bracket w superscript 1 times p plus b superscript 1 close bracket plus b superscript 2 close bracket plus b superscript 3 close bracket. "/>
           <p:cNvSpPr>
             <a:spLocks noGrp="1"/>
           </p:cNvSpPr>
@@ -17544,8 +17287,35 @@
               <a:rPr lang="en-US" sz="3600" dirty="0">
                 <a:latin typeface="+mj-lt"/>
               </a:rPr>
-              <a:t>Convolution Function</a:t>
-            </a:r>
+              <a:t>Image Processing Using </a:t>
+            </a:r>
+            <a:r>
+              <a:rPr lang="en-US" sz="3600" spc="-450" dirty="0">
+                <a:latin typeface="+mj-lt"/>
+              </a:rPr>
+              <a:t>C N </a:t>
+            </a:r>
+            <a:r>
+              <a:rPr lang="en-US" sz="3600" dirty="0" err="1">
+                <a:latin typeface="+mj-lt"/>
+              </a:rPr>
+              <a:t>N</a:t>
+            </a:r>
+            <a:r>
+              <a:rPr lang="en-US" sz="3600" dirty="0">
+                <a:latin typeface="+mj-lt"/>
+              </a:rPr>
+              <a:t> </a:t>
+            </a:r>
+            <a:r>
+              <a:rPr lang="en-US" sz="2800" dirty="0">
+                <a:latin typeface="+mj-lt"/>
+              </a:rPr>
+              <a:t>(2 of 3)</a:t>
+            </a:r>
+            <a:endParaRPr lang="en-US" sz="3600" dirty="0">
+              <a:latin typeface="+mj-lt"/>
+            </a:endParaRPr>
           </a:p>
         </p:txBody>
       </p:sp>
@@ -17562,11 +17332,8 @@
         <p:spPr>
           <a:xfrm>
             <a:off x="457200" y="990600"/>
-            <a:ext cx="8153400" cy="369332"/>
-          </a:xfrm>
-          <a:solidFill>
-            <a:srgbClr val="D4EAE4"/>
-          </a:solidFill>
+            <a:ext cx="8153400" cy="738664"/>
+          </a:xfrm>
         </p:spPr>
         <p:txBody>
           <a:bodyPr wrap="square">
@@ -17576,14 +17343,19 @@
           <a:p>
             <a:r>
               <a:rPr lang="en-US" sz="2400" dirty="0"/>
-              <a:t>Typical Convolutional Network Unit</a:t>
-            </a:r>
+              <a:t>Conceptual Representation of the Inception Feature in </a:t>
+            </a:r>
+            <a:r>
+              <a:rPr lang="en-US" sz="2400" dirty="0" err="1"/>
+              <a:t>GoogLeNet</a:t>
+            </a:r>
+            <a:endParaRPr lang="en-US" sz="2400" dirty="0"/>
           </a:p>
         </p:txBody>
       </p:sp>
       <p:pic>
         <p:nvPicPr>
-          <p:cNvPr id="2050" name="Picture 2" descr="The diagram shows the following:&#10;• The input p points to a rectangle to its right, which contains the convolution symbol – a star inside a circle. &#10;• The letter w is written above the rectangle. An arrow leads downward from w to the rectangle. &#10;• An arrow with the letter z written above it leads from the convolution symbol to another rectangle to its right. &#10;• This rectangle on the right contains the sigma symbol. The letter b is written above the rectangle. An arrow leads downward from b to the rectangle.&#10;• An arrow with the letter n written above it leads from the sigma symbol to another rectangle on the right. &#10;• This rectangle on the right contains the letter f. An arrow from this rectangle with the letter a written above it leads to the right. &#10;• The three rectangles are grouped and labeled the Convolutional Unit with the formula a equals f open bracket w convolution symbol p plus b close bracket."/>
+          <p:cNvPr id="4098" name="Picture 2" descr="The flowchart goes from bottom to top, starting with a rectangle labeled Previous Layer. Four arrows from the previous layer lead to four rectangles above it. The four paths are as follows:  &#10;• From the box labeled previous layer, four arrows lead up to the following boxes:&#10;• Box 1: 1 times 1 convolutions which leads up to Filter Concatenation at the top.  &#10;• Box 2: 1 times 1 convolutions, which leads up to 3 times 3 convolutions, which in turn also leads up to Filter Concatenation at the top.&#10;• Box 3: 1 times 1 convolutions, which leads up to 5 times 5 convolutions, which in turn leads to Filter Concatenation at the top.&#10;• Box 4: 3 times 3 max pooling, which leads up to 1 times 1 convolutions, which in turn also leads up to Filter Concatenation at the top of the flowchart."/>
           <p:cNvPicPr>
             <a:picLocks noChangeAspect="1" noChangeArrowheads="1"/>
           </p:cNvPicPr>
@@ -17597,13 +17369,13 @@
               </a:ext>
             </a:extLst>
           </a:blip>
-          <a:srcRect b="4736"/>
+          <a:srcRect b="2806"/>
           <a:stretch/>
         </p:blipFill>
         <p:spPr bwMode="auto">
           <a:xfrm>
-            <a:off x="1598910" y="1481771"/>
-            <a:ext cx="5946181" cy="2174008"/>
+            <a:off x="1228725" y="1874205"/>
+            <a:ext cx="6682713" cy="4408368"/>
           </a:xfrm>
           <a:prstGeom prst="rect">
             <a:avLst/>
@@ -17620,81 +17392,10 @@
           </a:extLst>
         </p:spPr>
       </p:pic>
-      <p:sp>
-        <p:nvSpPr>
-          <p:cNvPr id="4" name="Content Placeholder 3"/>
-          <p:cNvSpPr>
-            <a:spLocks noGrp="1"/>
-          </p:cNvSpPr>
-          <p:nvPr>
-            <p:ph idx="13"/>
-          </p:nvPr>
-        </p:nvSpPr>
-        <p:spPr>
-          <a:xfrm>
-            <a:off x="457200" y="3838575"/>
-            <a:ext cx="8153400" cy="369332"/>
-          </a:xfrm>
-          <a:solidFill>
-            <a:srgbClr val="D4EAE4"/>
-          </a:solidFill>
-        </p:spPr>
-        <p:txBody>
-          <a:bodyPr wrap="square">
-            <a:spAutoFit/>
-          </a:bodyPr>
-          <a:lstStyle/>
-          <a:p>
-            <a:r>
-              <a:rPr lang="en-US" sz="2400" dirty="0"/>
-              <a:t>Convolution of a 2 x 2 Kernel by a 3 x 6 Input Matrix</a:t>
-            </a:r>
-          </a:p>
-        </p:txBody>
-      </p:sp>
-      <p:pic>
-        <p:nvPicPr>
-          <p:cNvPr id="2051" name="Picture 3" descr="The diagram depicts the following:&#10;• On the left, the convolution kernel is represented as a two by two matrix containing these digits from left to right: &#10;• Top row: 0, 1 &#10;• Bottom row: 1, 1 &#10;• All four digits are enclosed by a blue square with a thick border.&#10;• To the right of the kernel, the input matrix is represented as a three by six matrix containing these digits from left to right:&#10;• Top row: 1, 0, 1, 0, 1, 1&#10;• Middle row: 1, 1, 0, 1, 1, 1&#10;• Bottom row: 1, 1, 0, 0, 0, 1&#10;• The digits 0 and 1 in the top row, second and third columns and the digits 1 and 0 in the middle row, second and third columns are enclosed by a blue square with a thick border. The corners of this blue square are joined by lines to the corresponding corners of the blue square in the kernel. &#10;• To the right of the input matrix, the output matrix is represented as a two by five matrix containing these digits from left to right: &#10;• Top row: 2, 2, 1, 3, 3 &#10;• Bottom row: 3, 1, 1, 1, 2 &#10;• The digit 2 in the top row, second column is enclosed by a blue square with a thick border. The corners of this square are joined by lines to the corresponding corners of the blue square in the input matrix."/>
-          <p:cNvPicPr>
-            <a:picLocks noChangeAspect="1" noChangeArrowheads="1"/>
-          </p:cNvPicPr>
-          <p:nvPr/>
-        </p:nvPicPr>
-        <p:blipFill rotWithShape="1">
-          <a:blip r:embed="rId4">
-            <a:extLst>
-              <a:ext uri="{28A0092B-C50C-407E-A947-70E740481C1C}">
-                <a14:useLocalDpi xmlns:a14="http://schemas.microsoft.com/office/drawing/2010/main" val="0"/>
-              </a:ext>
-            </a:extLst>
-          </a:blip>
-          <a:srcRect b="9847"/>
-          <a:stretch/>
-        </p:blipFill>
-        <p:spPr bwMode="auto">
-          <a:xfrm>
-            <a:off x="567948" y="4376879"/>
-            <a:ext cx="7993510" cy="1724184"/>
-          </a:xfrm>
-          <a:prstGeom prst="rect">
-            <a:avLst/>
-          </a:prstGeom>
-          <a:noFill/>
-          <a:extLst>
-            <a:ext uri="{909E8E84-426E-40DD-AFC4-6F175D3DCCD1}">
-              <a14:hiddenFill xmlns:a14="http://schemas.microsoft.com/office/drawing/2010/main">
-                <a:solidFill>
-                  <a:srgbClr val="FFFFFF"/>
-                </a:solidFill>
-              </a14:hiddenFill>
-            </a:ext>
-          </a:extLst>
-        </p:spPr>
-      </p:pic>
     </p:spTree>
     <p:extLst>
       <p:ext uri="{BB962C8B-B14F-4D97-AF65-F5344CB8AC3E}">
-        <p14:creationId xmlns:p14="http://schemas.microsoft.com/office/powerpoint/2010/main" val="2951445326"/>
+        <p14:creationId xmlns:p14="http://schemas.microsoft.com/office/powerpoint/2010/main" val="3728991253"/>
       </p:ext>
     </p:extLst>
   </p:cSld>
@@ -17733,7 +17434,7 @@
         </p:nvSpPr>
         <p:spPr>
           <a:xfrm>
-            <a:off x="457200" y="72854"/>
+            <a:off x="457200" y="66675"/>
             <a:ext cx="8153400" cy="553998"/>
           </a:xfrm>
         </p:spPr>
@@ -17771,7 +17472,7 @@
               <a:rPr lang="en-US" sz="2800" dirty="0">
                 <a:latin typeface="+mj-lt"/>
               </a:rPr>
-              <a:t>(1 of 3)</a:t>
+              <a:t>(3 of 3)</a:t>
             </a:r>
             <a:endParaRPr lang="en-US" sz="3600" dirty="0">
               <a:latin typeface="+mj-lt"/>
@@ -17791,8 +17492,8 @@
         </p:nvSpPr>
         <p:spPr>
           <a:xfrm>
-            <a:off x="457200" y="990600"/>
-            <a:ext cx="8153400" cy="931024"/>
+            <a:off x="457200" y="809625"/>
+            <a:ext cx="8153400" cy="307777"/>
           </a:xfrm>
         </p:spPr>
         <p:txBody>
@@ -17802,75 +17503,80 @@
           <a:lstStyle/>
           <a:p>
             <a:r>
-              <a:rPr lang="en-US" sz="2400" dirty="0" err="1"/>
-              <a:t>ImageNet</a:t>
-            </a:r>
-            <a:r>
-              <a:rPr lang="en-US" sz="2400" dirty="0"/>
-              <a:t> (</a:t>
-            </a:r>
-            <a:r>
-              <a:rPr lang="en-US" sz="2400" dirty="0">
-                <a:hlinkClick r:id="rId3" tooltip="http://www.image-net.org"/>
+              <a:rPr lang="en-US" sz="2000" dirty="0"/>
+              <a:t>Examples of Using the </a:t>
+            </a:r>
+            <a:r>
+              <a:rPr lang="en-US" sz="2000" dirty="0">
+                <a:solidFill>
+                  <a:schemeClr val="bg2"/>
+                </a:solidFill>
               </a:rPr>
-              <a:t>http://www.image-net.org</a:t>
-            </a:r>
-            <a:r>
-              <a:rPr lang="en-US" sz="2400" dirty="0"/>
-              <a:t>)</a:t>
-            </a:r>
-          </a:p>
-          <a:p>
-            <a:r>
-              <a:rPr lang="en-US" sz="2400" dirty="0"/>
-              <a:t>Architecture of </a:t>
-            </a:r>
-            <a:r>
-              <a:rPr lang="en-US" sz="2400" dirty="0" err="1"/>
-              <a:t>AlexNet</a:t>
-            </a:r>
-            <a:r>
-              <a:rPr lang="en-US" sz="2400" dirty="0"/>
-              <a:t>, a </a:t>
-            </a:r>
-            <a:r>
-              <a:rPr lang="en-US" sz="2400" spc="-300" dirty="0"/>
-              <a:t>C N </a:t>
-            </a:r>
-            <a:r>
-              <a:rPr lang="en-US" sz="2400" dirty="0" err="1"/>
-              <a:t>N</a:t>
-            </a:r>
-            <a:r>
-              <a:rPr lang="en-US" sz="2400" dirty="0"/>
-              <a:t> for Image Classification </a:t>
-            </a:r>
+              <a:t>Google Lens</a:t>
+            </a:r>
+          </a:p>
+        </p:txBody>
+      </p:sp>
+      <p:sp>
+        <p:nvSpPr>
+          <p:cNvPr id="4" name="Content Placeholder 3"/>
+          <p:cNvSpPr>
+            <a:spLocks noGrp="1"/>
+          </p:cNvSpPr>
+          <p:nvPr>
+            <p:ph idx="13"/>
+          </p:nvPr>
+        </p:nvSpPr>
+        <p:spPr>
+          <a:xfrm>
+            <a:off x="457200" y="1190625"/>
+            <a:ext cx="8153400" cy="615553"/>
+          </a:xfrm>
+        </p:spPr>
+        <p:txBody>
+          <a:bodyPr wrap="square">
+            <a:spAutoFit/>
+          </a:bodyPr>
+          <a:lstStyle/>
+          <a:p>
+            <a:pPr marL="0" indent="0">
+              <a:buNone/>
+            </a:pPr>
+            <a:r>
+              <a:rPr lang="en-US" sz="2000" b="1" dirty="0"/>
+              <a:t>Figure 6.28</a:t>
+            </a:r>
+            <a:r>
+              <a:rPr lang="en-US" sz="2000" dirty="0"/>
+              <a:t> Two Examples of Using the Google Lens, a Service Based on Convolutional Deep Networks for Image Recognition.</a:t>
+            </a:r>
+            <a:endParaRPr lang="en-IN" sz="2000" dirty="0"/>
           </a:p>
         </p:txBody>
       </p:sp>
       <p:pic>
         <p:nvPicPr>
-          <p:cNvPr id="3075" name="Picture 3" descr="• The five convolution layers are depicted as cuboids, labeled from left to right as C1, C2, C3, C4, and C5. &#10;• In the cuboids C1 to C4, the square lateral face on the right has a smaller square at the center from which the dotted outline of a square pyramid protrudes. &#10;• C1 is marked with the dimensions 55, 55, and 96, with a 5 by 5 square at the center.&#10;• C2 is marked with the dimensions 27, 27, and 256, with a 3 by 3 square at the center. &#10;• C3, C4, and C5 are marked with the dimensions 13, 13, and 384. C3 and C4 have 3 by 3 squares at the center.  &#10;• An arrow to the right from the last cuboid, C5, leads to the first fully connected layer. &#10;• The first fully connected layer, labeled FC6, is represented as a rectangular strip standing upright with the number 4,096 below it. From top to bottom, it contains a series of circles. &#10;• An arrow to the right from the FC6 layer leads to the second fully connected layer. &#10;• The second layer, labeled FC7, is identical to the FC6 layer and also has the number 4,096 written below it. &#10;• An arrow to the right from the FC7 layer leads to the third fully connected layer. &#10;• The third layer, labeled FC8, is shorter than the first two rectangular strips and it has one circle less from the top and one circle less from the bottom. It has the number 1,000 written below it."/>
+          <p:cNvPr id="10" name="Picture 2" descr="Two Google Lens windows. The first shows a photo of scissors and the text below reads “Looks like…scissors?” and the next is the photo of a perfume bottle and the text reads Nina Ricci Fashion Company."/>
           <p:cNvPicPr>
             <a:picLocks noChangeAspect="1" noChangeArrowheads="1"/>
           </p:cNvPicPr>
           <p:nvPr/>
         </p:nvPicPr>
         <p:blipFill rotWithShape="1">
-          <a:blip r:embed="rId4">
+          <a:blip r:embed="rId3">
             <a:extLst>
               <a:ext uri="{28A0092B-C50C-407E-A947-70E740481C1C}">
                 <a14:useLocalDpi xmlns:a14="http://schemas.microsoft.com/office/drawing/2010/main" val="0"/>
               </a:ext>
             </a:extLst>
           </a:blip>
-          <a:srcRect b="4782"/>
+          <a:srcRect b="6023"/>
           <a:stretch/>
         </p:blipFill>
         <p:spPr bwMode="auto">
           <a:xfrm>
-            <a:off x="569465" y="2529076"/>
-            <a:ext cx="7993510" cy="3419099"/>
+            <a:off x="2317535" y="1968357"/>
+            <a:ext cx="4490321" cy="3746643"/>
           </a:xfrm>
           <a:prstGeom prst="rect">
             <a:avLst/>
@@ -17887,10 +17593,78 @@
           </a:extLst>
         </p:spPr>
       </p:pic>
+      <p:sp>
+        <p:nvSpPr>
+          <p:cNvPr id="7" name="Content Placeholder 6"/>
+          <p:cNvSpPr>
+            <a:spLocks noGrp="1"/>
+          </p:cNvSpPr>
+          <p:nvPr>
+            <p:ph idx="16"/>
+          </p:nvPr>
+        </p:nvSpPr>
+        <p:spPr>
+          <a:xfrm>
+            <a:off x="457200" y="5822632"/>
+            <a:ext cx="8153400" cy="492443"/>
+          </a:xfrm>
+        </p:spPr>
+        <p:txBody>
+          <a:bodyPr wrap="square">
+            <a:spAutoFit/>
+          </a:bodyPr>
+          <a:lstStyle/>
+          <a:p>
+            <a:pPr marL="0" indent="0">
+              <a:buNone/>
+            </a:pPr>
+            <a:r>
+              <a:rPr lang="en-IN" i="1" dirty="0"/>
+              <a:t>Source: </a:t>
+            </a:r>
+            <a:r>
+              <a:rPr lang="en-IN" dirty="0"/>
+              <a:t>©2018 Google </a:t>
+            </a:r>
+            <a:r>
+              <a:rPr lang="en-IN" spc="-200" dirty="0"/>
+              <a:t>L </a:t>
+            </a:r>
+            <a:r>
+              <a:rPr lang="en-IN" spc="-200" dirty="0" err="1"/>
+              <a:t>L</a:t>
+            </a:r>
+            <a:r>
+              <a:rPr lang="en-IN" spc="-200" dirty="0"/>
+              <a:t> </a:t>
+            </a:r>
+            <a:r>
+              <a:rPr lang="en-IN" dirty="0"/>
+              <a:t>C, used with permission. Google and the Google logo are registered trademarks of Google </a:t>
+            </a:r>
+            <a:r>
+              <a:rPr lang="en-IN" spc="-200" dirty="0"/>
+              <a:t>L </a:t>
+            </a:r>
+            <a:r>
+              <a:rPr lang="en-IN" spc="-200" dirty="0" err="1"/>
+              <a:t>L</a:t>
+            </a:r>
+            <a:r>
+              <a:rPr lang="en-IN" spc="-200" dirty="0"/>
+              <a:t> </a:t>
+            </a:r>
+            <a:r>
+              <a:rPr lang="en-IN" dirty="0"/>
+              <a:t>C.</a:t>
+            </a:r>
+          </a:p>
+        </p:txBody>
+      </p:sp>
     </p:spTree>
     <p:extLst>
       <p:ext uri="{BB962C8B-B14F-4D97-AF65-F5344CB8AC3E}">
-        <p14:creationId xmlns:p14="http://schemas.microsoft.com/office/powerpoint/2010/main" val="4259343692"/>
+        <p14:creationId xmlns:p14="http://schemas.microsoft.com/office/powerpoint/2010/main" val="1041201512"/>
       </p:ext>
     </p:extLst>
   </p:cSld>
@@ -17919,7 +17693,7 @@
       </p:grpSpPr>
       <p:sp>
         <p:nvSpPr>
-          <p:cNvPr id="2" name="Title 1" descr="The diagram shows a series of operators in small rectangles forming a chain connected by arrows going from left to right. The details are as follows: &#10;• The first rectangle contains the word Input. &#10;• An arrow labeled p connects the input rectangle to a rectangle that contains a multiplication symbol with the term w superscript 1 written above it and connected to the rectangle with a downward arrow. &#10;• Another arrow labeled with the term z superscript 1 connects the multiplication symbol to the next rectangle which contains the sigma symbol, with the term b superscript 1 written above it and connected to the rectangle with a downward arrow. &#10;• Another arrow to the right with the term n superscript 1 connects the sigma symbol to the next rectangle on the right, which contains the term f superscript 1.&#10;• Another arrow labeled a superscript 1 connects f superscript 1 to the next rectangle on the right. &#10;• The three rectangles (from the multiplication symbol to f superscript 1) are grouped together to give the formula: a superscript 1 equals f superscript 1 open bracket w superscript 1 times p plus b superscript 1 close bracket. &#10;• The rectangle on the right contains the multiplication symbol with the term w superscript 2 above it connected to the rectangle with a downward arrow. &#10;• Another arrow to the right labeled z superscript 2 above it connects the multiplication symbol to the rectangle on the right.&#10;• The rectangle on the right contains the sigma symbol labeled superscript 2 connects it to the rectangle with a downward arrow. &#10;• Another arrow to the right labeled n superscript 2 connects the sigma symbol to the rectangle on the right. &#10;• The rectangle on the right contains the term f superscript 2. &#10;• Another arrow to the right labeled a superscript 2 connects f superscript 2 to the rectangle on the right. &#10;• The three rectangles (from the multiplication symbol to f superscript 2) are grouped together to give the formula: a superscript 2 equals f superscript 2 open bracket w superscript 2 times a superscript 1 plus b superscript 2 close bracket.&#10;• The rectangle on the right contains the multiplication symbol. The term w superscript 3 is written above it with a downward arrow leading to the rectangle. An arrow to the right with z superscript 3 written above it connects the multiplication symbol to the rectangle on the right.&#10;• The rectangle on the right contains the sigma symbol. The term b superscript 3 is written above it with a downward arrow leading to the rectangle. An arrow to the right with n superscript 3 written above it connects the sigma symbol to the rectangle on the right. &#10;• The rectangle on the right contains the term f superscript 3. An arrow leads from the rectangle to the right with a superscript 3 written above it. &#10;• The three rectangles (from the multiplication symbol to f superscript 3) are grouped together to give the formula: a superscript 3 equals f superscript 3 open bracket w superscript 3 times a superscript 2 plus b superscript 3 close bracket.&#10;• The three formulas are grouped together to give the formula: a superscript 3 equals f superscript 3 open bracket w superscript 3 times f superscript 2 open bracket w superscript 2 times f superscript 1 open bracket w superscript 1 times p plus b superscript 1 close bracket plus b superscript 2 close bracket plus b superscript 3 close bracket. "/>
+          <p:cNvPr id="2" name="Title 1"/>
           <p:cNvSpPr>
             <a:spLocks noGrp="1"/>
           </p:cNvSpPr>
@@ -17943,35 +17717,8 @@
               <a:rPr lang="en-US" sz="3600" dirty="0">
                 <a:latin typeface="+mj-lt"/>
               </a:rPr>
-              <a:t>Image Processing Using </a:t>
-            </a:r>
-            <a:r>
-              <a:rPr lang="en-US" sz="3600" spc="-450" dirty="0">
-                <a:latin typeface="+mj-lt"/>
-              </a:rPr>
-              <a:t>C N </a:t>
-            </a:r>
-            <a:r>
-              <a:rPr lang="en-US" sz="3600" dirty="0" err="1">
-                <a:latin typeface="+mj-lt"/>
-              </a:rPr>
-              <a:t>N</a:t>
-            </a:r>
-            <a:r>
-              <a:rPr lang="en-US" sz="3600" dirty="0">
-                <a:latin typeface="+mj-lt"/>
-              </a:rPr>
-              <a:t> </a:t>
-            </a:r>
-            <a:r>
-              <a:rPr lang="en-US" sz="2800" dirty="0">
-                <a:latin typeface="+mj-lt"/>
-              </a:rPr>
-              <a:t>(2 of 3)</a:t>
-            </a:r>
-            <a:endParaRPr lang="en-US" sz="3600" dirty="0">
-              <a:latin typeface="+mj-lt"/>
-            </a:endParaRPr>
+              <a:t>Application Case 6.6</a:t>
+            </a:r>
           </a:p>
         </p:txBody>
       </p:sp>
@@ -17987,8 +17734,8 @@
         </p:nvSpPr>
         <p:spPr>
           <a:xfrm>
-            <a:off x="457200" y="990600"/>
-            <a:ext cx="8153400" cy="738664"/>
+            <a:off x="457200" y="714376"/>
+            <a:ext cx="8153400" cy="430887"/>
           </a:xfrm>
         </p:spPr>
         <p:txBody>
@@ -17997,61 +17744,109 @@
           </a:bodyPr>
           <a:lstStyle/>
           <a:p>
+            <a:pPr marL="0" lvl="0" indent="0">
+              <a:spcBef>
+                <a:spcPts val="0"/>
+              </a:spcBef>
+              <a:buClr>
+                <a:schemeClr val="lt1"/>
+              </a:buClr>
+              <a:buSzPct val="25000"/>
+              <a:buNone/>
+              <a:tabLst>
+                <a:tab pos="628650" algn="l"/>
+              </a:tabLst>
+            </a:pPr>
+            <a:r>
+              <a:rPr lang="en-IN" sz="2800" b="1" dirty="0">
+                <a:solidFill>
+                  <a:srgbClr val="007FA3"/>
+                </a:solidFill>
+              </a:rPr>
+              <a:t>From Image Recognition to Face Recognition</a:t>
+            </a:r>
+          </a:p>
+        </p:txBody>
+      </p:sp>
+      <p:sp>
+        <p:nvSpPr>
+          <p:cNvPr id="5" name="Content Placeholder 4"/>
+          <p:cNvSpPr>
+            <a:spLocks noGrp="1"/>
+          </p:cNvSpPr>
+          <p:nvPr>
+            <p:ph sz="quarter" idx="14"/>
+          </p:nvPr>
+        </p:nvSpPr>
+        <p:spPr>
+          <a:xfrm>
+            <a:off x="457200" y="1371600"/>
+            <a:ext cx="8153400" cy="2677656"/>
+          </a:xfrm>
+        </p:spPr>
+        <p:txBody>
+          <a:bodyPr>
+            <a:spAutoFit/>
+          </a:bodyPr>
+          <a:lstStyle/>
+          <a:p>
+            <a:pPr marL="0" indent="0">
+              <a:spcBef>
+                <a:spcPts val="1200"/>
+              </a:spcBef>
+              <a:buSzPct val="100000"/>
+              <a:buNone/>
+            </a:pPr>
+            <a:r>
+              <a:rPr lang="en-US" sz="2400" b="1" dirty="0"/>
+              <a:t>Discussion Questions: </a:t>
+            </a:r>
+          </a:p>
+          <a:p>
+            <a:pPr marL="457200" indent="-457200">
+              <a:spcBef>
+                <a:spcPts val="1200"/>
+              </a:spcBef>
+              <a:buFont typeface="+mj-lt"/>
+              <a:buAutoNum type="arabicPeriod"/>
+            </a:pPr>
             <a:r>
               <a:rPr lang="en-US" sz="2400" dirty="0"/>
-              <a:t>Conceptual Representation of the Inception Feature in </a:t>
-            </a:r>
-            <a:r>
-              <a:rPr lang="en-US" sz="2400" dirty="0" err="1"/>
-              <a:t>GoogLeNet</a:t>
-            </a:r>
-            <a:endParaRPr lang="en-US" sz="2400" dirty="0"/>
-          </a:p>
-        </p:txBody>
-      </p:sp>
-      <p:pic>
-        <p:nvPicPr>
-          <p:cNvPr id="4098" name="Picture 2" descr="The flowchart goes from bottom to top, starting with a rectangle labeled Previous Layer. Four arrows from the previous layer lead to four rectangles above it. The four paths are as follows:  &#10;• From the box labeled previous layer, four arrows lead up to the following boxes:&#10;• Box 1: 1 times 1 convolutions which leads up to Filter Concatenation at the top.  &#10;• Box 2: 1 times 1 convolutions, which leads up to 3 times 3 convolutions, which in turn also leads up to Filter Concatenation at the top.&#10;• Box 3: 1 times 1 convolutions, which leads up to 5 times 5 convolutions, which in turn leads to Filter Concatenation at the top.&#10;• Box 4: 3 times 3 max pooling, which leads up to 1 times 1 convolutions, which in turn also leads up to Filter Concatenation at the top of the flowchart."/>
-          <p:cNvPicPr>
-            <a:picLocks noChangeAspect="1" noChangeArrowheads="1"/>
-          </p:cNvPicPr>
-          <p:nvPr/>
-        </p:nvPicPr>
-        <p:blipFill rotWithShape="1">
-          <a:blip r:embed="rId3">
-            <a:extLst>
-              <a:ext uri="{28A0092B-C50C-407E-A947-70E740481C1C}">
-                <a14:useLocalDpi xmlns:a14="http://schemas.microsoft.com/office/drawing/2010/main" val="0"/>
-              </a:ext>
-            </a:extLst>
-          </a:blip>
-          <a:srcRect b="2806"/>
-          <a:stretch/>
-        </p:blipFill>
-        <p:spPr bwMode="auto">
-          <a:xfrm>
-            <a:off x="1228725" y="1874205"/>
-            <a:ext cx="6682713" cy="4408368"/>
-          </a:xfrm>
-          <a:prstGeom prst="rect">
-            <a:avLst/>
-          </a:prstGeom>
-          <a:noFill/>
-          <a:extLst>
-            <a:ext uri="{909E8E84-426E-40DD-AFC4-6F175D3DCCD1}">
-              <a14:hiddenFill xmlns:a14="http://schemas.microsoft.com/office/drawing/2010/main">
-                <a:solidFill>
-                  <a:srgbClr val="FFFFFF"/>
-                </a:solidFill>
-              </a14:hiddenFill>
-            </a:ext>
-          </a:extLst>
-        </p:spPr>
-      </p:pic>
+              <a:t>What are the technical challenges in face recognition?</a:t>
+            </a:r>
+          </a:p>
+          <a:p>
+            <a:pPr marL="457200" indent="-457200">
+              <a:spcBef>
+                <a:spcPts val="1200"/>
+              </a:spcBef>
+              <a:buFont typeface="+mj-lt"/>
+              <a:buAutoNum type="arabicPeriod"/>
+            </a:pPr>
+            <a:r>
+              <a:rPr lang="en-US" sz="2400" dirty="0"/>
+              <a:t>Beyond security and surveillance purposes, where else do you think face recognition can be used?</a:t>
+            </a:r>
+          </a:p>
+          <a:p>
+            <a:pPr marL="457200" indent="-457200">
+              <a:spcBef>
+                <a:spcPts val="1200"/>
+              </a:spcBef>
+              <a:buFont typeface="+mj-lt"/>
+              <a:buAutoNum type="arabicPeriod"/>
+            </a:pPr>
+            <a:r>
+              <a:rPr lang="en-US" sz="2400" dirty="0"/>
+              <a:t>What are the foreseeable social and cultural problems with developing and using face recognition technology?</a:t>
+            </a:r>
+          </a:p>
+        </p:txBody>
+      </p:sp>
     </p:spTree>
     <p:extLst>
       <p:ext uri="{BB962C8B-B14F-4D97-AF65-F5344CB8AC3E}">
-        <p14:creationId xmlns:p14="http://schemas.microsoft.com/office/powerpoint/2010/main" val="3728991253"/>
+        <p14:creationId xmlns:p14="http://schemas.microsoft.com/office/powerpoint/2010/main" val="3898285649"/>
       </p:ext>
     </p:extLst>
   </p:cSld>
@@ -18090,7 +17885,7 @@
         </p:nvSpPr>
         <p:spPr>
           <a:xfrm>
-            <a:off x="457200" y="66675"/>
+            <a:off x="457200" y="72854"/>
             <a:ext cx="8153400" cy="553998"/>
           </a:xfrm>
         </p:spPr>
@@ -18104,7 +17899,7 @@
               <a:rPr lang="en-US" sz="3600" dirty="0">
                 <a:latin typeface="+mj-lt"/>
               </a:rPr>
-              <a:t>Image Processing Using </a:t>
+              <a:t>Text Processing Using </a:t>
             </a:r>
             <a:r>
               <a:rPr lang="en-US" sz="3600" spc="-450" dirty="0">
@@ -18128,7 +17923,7 @@
               <a:rPr lang="en-US" sz="2800" dirty="0">
                 <a:latin typeface="+mj-lt"/>
               </a:rPr>
-              <a:t>(3 of 3)</a:t>
+              <a:t>(1 of 2)</a:t>
             </a:r>
             <a:endParaRPr lang="en-US" sz="3600" dirty="0">
               <a:latin typeface="+mj-lt"/>
@@ -18148,8 +17943,8 @@
         </p:nvSpPr>
         <p:spPr>
           <a:xfrm>
-            <a:off x="457200" y="809625"/>
-            <a:ext cx="8153400" cy="307777"/>
+            <a:off x="457200" y="990600"/>
+            <a:ext cx="8153400" cy="1746632"/>
           </a:xfrm>
         </p:spPr>
         <p:txBody>
@@ -18159,60 +17954,44 @@
           <a:lstStyle/>
           <a:p>
             <a:r>
-              <a:rPr lang="en-US" sz="2000" dirty="0"/>
-              <a:t>Examples of Using the </a:t>
-            </a:r>
-            <a:r>
-              <a:rPr lang="en-US" sz="2000" dirty="0">
-                <a:solidFill>
-                  <a:schemeClr val="bg2"/>
-                </a:solidFill>
-              </a:rPr>
-              <a:t>Google Lens</a:t>
-            </a:r>
-          </a:p>
-        </p:txBody>
-      </p:sp>
-      <p:sp>
-        <p:nvSpPr>
-          <p:cNvPr id="4" name="Content Placeholder 3"/>
-          <p:cNvSpPr>
-            <a:spLocks noGrp="1"/>
-          </p:cNvSpPr>
-          <p:nvPr>
-            <p:ph idx="13"/>
-          </p:nvPr>
-        </p:nvSpPr>
-        <p:spPr>
-          <a:xfrm>
-            <a:off x="457200" y="1190625"/>
-            <a:ext cx="8153400" cy="615553"/>
-          </a:xfrm>
-        </p:spPr>
-        <p:txBody>
-          <a:bodyPr wrap="square">
-            <a:spAutoFit/>
-          </a:bodyPr>
-          <a:lstStyle/>
-          <a:p>
-            <a:pPr marL="0" indent="0">
-              <a:buNone/>
-            </a:pPr>
-            <a:r>
-              <a:rPr lang="en-US" sz="2000" b="1" dirty="0"/>
-              <a:t>Figure 6.28</a:t>
-            </a:r>
-            <a:r>
-              <a:rPr lang="en-US" sz="2000" dirty="0"/>
-              <a:t> Two Examples of Using the Google Lens, a Service Based on Convolutional Deep Networks for Image Recognition.</a:t>
-            </a:r>
-            <a:endParaRPr lang="en-IN" sz="2000" dirty="0"/>
+              <a:rPr lang="en-US" sz="2400" dirty="0"/>
+              <a:t>Google word2vec project</a:t>
+            </a:r>
+          </a:p>
+          <a:p>
+            <a:pPr lvl="1"/>
+            <a:r>
+              <a:rPr lang="en-US" sz="2400" dirty="0"/>
+              <a:t>Word </a:t>
+            </a:r>
+            <a:r>
+              <a:rPr lang="en-US" sz="2400" dirty="0" err="1"/>
+              <a:t>embeddings</a:t>
+            </a:r>
+            <a:r>
+              <a:rPr lang="en-US" sz="2400" dirty="0"/>
+              <a:t> </a:t>
+            </a:r>
+          </a:p>
+          <a:p>
+            <a:r>
+              <a:rPr lang="en-US" sz="2400" dirty="0"/>
+              <a:t>Typical Vector Representation of Word </a:t>
+            </a:r>
+            <a:r>
+              <a:rPr lang="en-US" sz="2400" dirty="0" err="1"/>
+              <a:t>Embeddings</a:t>
+            </a:r>
+            <a:r>
+              <a:rPr lang="en-US" sz="2400" dirty="0"/>
+              <a:t> in a Two-Dimensional Space</a:t>
+            </a:r>
           </a:p>
         </p:txBody>
       </p:sp>
       <p:pic>
         <p:nvPicPr>
-          <p:cNvPr id="10" name="Picture 2" descr="Two Google Lens windows. The first shows a photo of scissors and the text below reads “Looks like…scissors?” and the next is the photo of a perfume bottle and the text reads Nina Ricci Fashion Company."/>
+          <p:cNvPr id="6146" name="Picture 2" descr="The x- and y-axes are two simple perpendicular lines. The vectors are as follows:&#10;• A ray from the origin extends in a left and upward direction. It lies in the second quadrant of the coordinate plane and is labeled King hyphen Man.&#10;• A ray from the origin extends in a right and upward direction. It lies in the first quadrant of the coordinate plane and is labeled King. It has the greatest slope of all the four rays in the first quadrant.&#10;• A ray from the origin extends in a right and upward direction. It lies in the first quadrant of the coordinate plane and is labeled Queen. It has the second-greatest slope of all the four rays in the first quadrant.&#10;• A ray from the origin extends in a right and upward direction. It lies in the first quadrant of the coordinate plane and is labeled Man. It has the third-greatest slope of all the four rays in the first quadrant.&#10;• A ray from the origin extends in a right and upward direction. It lies in the first quadrant of the coordinate plane and is labeled Woman. It has the least slope of all the four rays in the first quadrant.&#10;• Dotted lines connect the tip of the arrow of the King hyphen Man vector to the tip of the arrow of the King vector and to the tip of the arrow of the Queen vector. A dotted line connects the tips of the arrows of the King vector and man vector. A dotted line connects the tips of the arrows of the Queen vector and Woman vectors."/>
           <p:cNvPicPr>
             <a:picLocks noChangeAspect="1" noChangeArrowheads="1"/>
           </p:cNvPicPr>
@@ -18226,13 +18005,13 @@
               </a:ext>
             </a:extLst>
           </a:blip>
-          <a:srcRect b="6023"/>
+          <a:srcRect b="4215"/>
           <a:stretch/>
         </p:blipFill>
         <p:spPr bwMode="auto">
           <a:xfrm>
-            <a:off x="2317535" y="1968357"/>
-            <a:ext cx="4490321" cy="3746643"/>
+            <a:off x="2038350" y="2832949"/>
+            <a:ext cx="5057712" cy="3463076"/>
           </a:xfrm>
           <a:prstGeom prst="rect">
             <a:avLst/>
@@ -18249,78 +18028,10 @@
           </a:extLst>
         </p:spPr>
       </p:pic>
-      <p:sp>
-        <p:nvSpPr>
-          <p:cNvPr id="7" name="Content Placeholder 6"/>
-          <p:cNvSpPr>
-            <a:spLocks noGrp="1"/>
-          </p:cNvSpPr>
-          <p:nvPr>
-            <p:ph idx="16"/>
-          </p:nvPr>
-        </p:nvSpPr>
-        <p:spPr>
-          <a:xfrm>
-            <a:off x="457200" y="5822632"/>
-            <a:ext cx="8153400" cy="492443"/>
-          </a:xfrm>
-        </p:spPr>
-        <p:txBody>
-          <a:bodyPr wrap="square">
-            <a:spAutoFit/>
-          </a:bodyPr>
-          <a:lstStyle/>
-          <a:p>
-            <a:pPr marL="0" indent="0">
-              <a:buNone/>
-            </a:pPr>
-            <a:r>
-              <a:rPr lang="en-IN" i="1" dirty="0"/>
-              <a:t>Source: </a:t>
-            </a:r>
-            <a:r>
-              <a:rPr lang="en-IN" dirty="0"/>
-              <a:t>©2018 Google </a:t>
-            </a:r>
-            <a:r>
-              <a:rPr lang="en-IN" spc="-200" dirty="0"/>
-              <a:t>L </a:t>
-            </a:r>
-            <a:r>
-              <a:rPr lang="en-IN" spc="-200" dirty="0" err="1"/>
-              <a:t>L</a:t>
-            </a:r>
-            <a:r>
-              <a:rPr lang="en-IN" spc="-200" dirty="0"/>
-              <a:t> </a:t>
-            </a:r>
-            <a:r>
-              <a:rPr lang="en-IN" dirty="0"/>
-              <a:t>C, used with permission. Google and the Google logo are registered trademarks of Google </a:t>
-            </a:r>
-            <a:r>
-              <a:rPr lang="en-IN" spc="-200" dirty="0"/>
-              <a:t>L </a:t>
-            </a:r>
-            <a:r>
-              <a:rPr lang="en-IN" spc="-200" dirty="0" err="1"/>
-              <a:t>L</a:t>
-            </a:r>
-            <a:r>
-              <a:rPr lang="en-IN" spc="-200" dirty="0"/>
-              <a:t> </a:t>
-            </a:r>
-            <a:r>
-              <a:rPr lang="en-IN" dirty="0"/>
-              <a:t>C.</a:t>
-            </a:r>
-          </a:p>
-        </p:txBody>
-      </p:sp>
     </p:spTree>
     <p:extLst>
       <p:ext uri="{BB962C8B-B14F-4D97-AF65-F5344CB8AC3E}">
-        <p14:creationId xmlns:p14="http://schemas.microsoft.com/office/powerpoint/2010/main" val="1041201512"/>
+        <p14:creationId xmlns:p14="http://schemas.microsoft.com/office/powerpoint/2010/main" val="3816963933"/>
       </p:ext>
     </p:extLst>
   </p:cSld>
@@ -18349,7 +18060,7 @@
       </p:grpSpPr>
       <p:sp>
         <p:nvSpPr>
-          <p:cNvPr id="2" name="Title 1"/>
+          <p:cNvPr id="2" name="Title 1" descr="The diagram shows a series of operators in small rectangles forming a chain connected by arrows going from left to right. The details are as follows: &#10;• The first rectangle contains the word Input. &#10;• An arrow labeled p connects the input rectangle to a rectangle that contains a multiplication symbol with the term w superscript 1 written above it and connected to the rectangle with a downward arrow. &#10;• Another arrow labeled with the term z superscript 1 connects the multiplication symbol to the next rectangle which contains the sigma symbol, with the term b superscript 1 written above it and connected to the rectangle with a downward arrow. &#10;• Another arrow to the right with the term n superscript 1 connects the sigma symbol to the next rectangle on the right, which contains the term f superscript 1.&#10;• Another arrow labeled a superscript 1 connects f superscript 1 to the next rectangle on the right. &#10;• The three rectangles (from the multiplication symbol to f superscript 1) are grouped together to give the formula: a superscript 1 equals f superscript 1 open bracket w superscript 1 times p plus b superscript 1 close bracket. &#10;• The rectangle on the right contains the multiplication symbol with the term w superscript 2 above it connected to the rectangle with a downward arrow. &#10;• Another arrow to the right labeled z superscript 2 above it connects the multiplication symbol to the rectangle on the right.&#10;• The rectangle on the right contains the sigma symbol labeled superscript 2 connects it to the rectangle with a downward arrow. &#10;• Another arrow to the right labeled n superscript 2 connects the sigma symbol to the rectangle on the right. &#10;• The rectangle on the right contains the term f superscript 2. &#10;• Another arrow to the right labeled a superscript 2 connects f superscript 2 to the rectangle on the right. &#10;• The three rectangles (from the multiplication symbol to f superscript 2) are grouped together to give the formula: a superscript 2 equals f superscript 2 open bracket w superscript 2 times a superscript 1 plus b superscript 2 close bracket.&#10;• The rectangle on the right contains the multiplication symbol. The term w superscript 3 is written above it with a downward arrow leading to the rectangle. An arrow to the right with z superscript 3 written above it connects the multiplication symbol to the rectangle on the right.&#10;• The rectangle on the right contains the sigma symbol. The term b superscript 3 is written above it with a downward arrow leading to the rectangle. An arrow to the right with n superscript 3 written above it connects the sigma symbol to the rectangle on the right. &#10;• The rectangle on the right contains the term f superscript 3. An arrow leads from the rectangle to the right with a superscript 3 written above it. &#10;• The three rectangles (from the multiplication symbol to f superscript 3) are grouped together to give the formula: a superscript 3 equals f superscript 3 open bracket w superscript 3 times a superscript 2 plus b superscript 3 close bracket.&#10;• The three formulas are grouped together to give the formula: a superscript 3 equals f superscript 3 open bracket w superscript 3 times f superscript 2 open bracket w superscript 2 times f superscript 1 open bracket w superscript 1 times p plus b superscript 1 close bracket plus b superscript 2 close bracket plus b superscript 3 close bracket. "/>
           <p:cNvSpPr>
             <a:spLocks noGrp="1"/>
           </p:cNvSpPr>
@@ -18373,8 +18084,35 @@
               <a:rPr lang="en-US" sz="3600" dirty="0">
                 <a:latin typeface="+mj-lt"/>
               </a:rPr>
-              <a:t>Application Case 6.6</a:t>
-            </a:r>
+              <a:t>Text Processing Using </a:t>
+            </a:r>
+            <a:r>
+              <a:rPr lang="en-US" sz="3600" spc="-450" dirty="0">
+                <a:latin typeface="+mj-lt"/>
+              </a:rPr>
+              <a:t>C N </a:t>
+            </a:r>
+            <a:r>
+              <a:rPr lang="en-US" sz="3600" dirty="0" err="1">
+                <a:latin typeface="+mj-lt"/>
+              </a:rPr>
+              <a:t>N</a:t>
+            </a:r>
+            <a:r>
+              <a:rPr lang="en-US" sz="3600" dirty="0">
+                <a:latin typeface="+mj-lt"/>
+              </a:rPr>
+              <a:t> </a:t>
+            </a:r>
+            <a:r>
+              <a:rPr lang="en-US" sz="2800" dirty="0">
+                <a:latin typeface="+mj-lt"/>
+              </a:rPr>
+              <a:t>(2 of 2)</a:t>
+            </a:r>
+            <a:endParaRPr lang="en-US" sz="3600" dirty="0">
+              <a:latin typeface="+mj-lt"/>
+            </a:endParaRPr>
           </a:p>
         </p:txBody>
       </p:sp>
@@ -18390,8 +18128,8 @@
         </p:nvSpPr>
         <p:spPr>
           <a:xfrm>
-            <a:off x="457200" y="714376"/>
-            <a:ext cx="8153400" cy="430887"/>
+            <a:off x="457200" y="990600"/>
+            <a:ext cx="8153400" cy="738664"/>
           </a:xfrm>
         </p:spPr>
         <p:txBody>
@@ -18400,109 +18138,64 @@
           </a:bodyPr>
           <a:lstStyle/>
           <a:p>
-            <a:pPr marL="0" lvl="0" indent="0">
-              <a:spcBef>
-                <a:spcPts val="0"/>
-              </a:spcBef>
-              <a:buClr>
-                <a:schemeClr val="lt1"/>
-              </a:buClr>
-              <a:buSzPct val="25000"/>
-              <a:buNone/>
-              <a:tabLst>
-                <a:tab pos="628650" algn="l"/>
-              </a:tabLst>
-            </a:pPr>
-            <a:r>
-              <a:rPr lang="en-IN" sz="2800" b="1" dirty="0">
+            <a:r>
+              <a:rPr lang="en-US" sz="2400" spc="-300" dirty="0"/>
+              <a:t>C N </a:t>
+            </a:r>
+            <a:r>
+              <a:rPr lang="en-US" sz="2400" dirty="0" err="1"/>
+              <a:t>N</a:t>
+            </a:r>
+            <a:r>
+              <a:rPr lang="en-US" sz="2400" dirty="0"/>
+              <a:t> Architecture for Relation Extraction Task in Text Mining</a:t>
+            </a:r>
+          </a:p>
+        </p:txBody>
+      </p:sp>
+      <p:pic>
+        <p:nvPicPr>
+          <p:cNvPr id="7170" name="Picture 2" descr="• In the diagram, the following sentence is written at the top: &#10;• People have been moving back into downtown. &#10;• The words people and downtown are in braces. &#10;• Below this is the step of word representation. &#10;• Below this, the step of feature extraction is represented. This has two elements – lexical level features and sentence level features. &#10;• In this step, the phrase, sentence level features, is encased in a black rectangle and is linked to an inset, which reveals a diagram of three steps:&#10;• Window processing&#10;• Convolution&#10;• Sentence level features&#10;• The last step has the output. "/>
+          <p:cNvPicPr>
+            <a:picLocks noChangeAspect="1" noChangeArrowheads="1"/>
+          </p:cNvPicPr>
+          <p:nvPr/>
+        </p:nvPicPr>
+        <p:blipFill rotWithShape="1">
+          <a:blip r:embed="rId3">
+            <a:extLst>
+              <a:ext uri="{28A0092B-C50C-407E-A947-70E740481C1C}">
+                <a14:useLocalDpi xmlns:a14="http://schemas.microsoft.com/office/drawing/2010/main" val="0"/>
+              </a:ext>
+            </a:extLst>
+          </a:blip>
+          <a:srcRect b="4902"/>
+          <a:stretch/>
+        </p:blipFill>
+        <p:spPr bwMode="auto">
+          <a:xfrm>
+            <a:off x="569465" y="2138682"/>
+            <a:ext cx="7993510" cy="3785988"/>
+          </a:xfrm>
+          <a:prstGeom prst="rect">
+            <a:avLst/>
+          </a:prstGeom>
+          <a:noFill/>
+          <a:extLst>
+            <a:ext uri="{909E8E84-426E-40DD-AFC4-6F175D3DCCD1}">
+              <a14:hiddenFill xmlns:a14="http://schemas.microsoft.com/office/drawing/2010/main">
                 <a:solidFill>
-                  <a:srgbClr val="007FA3"/>
+                  <a:srgbClr val="FFFFFF"/>
                 </a:solidFill>
-              </a:rPr>
-              <a:t>From Image Recognition to Face Recognition</a:t>
-            </a:r>
-          </a:p>
-        </p:txBody>
-      </p:sp>
-      <p:sp>
-        <p:nvSpPr>
-          <p:cNvPr id="5" name="Content Placeholder 4"/>
-          <p:cNvSpPr>
-            <a:spLocks noGrp="1"/>
-          </p:cNvSpPr>
-          <p:nvPr>
-            <p:ph sz="quarter" idx="14"/>
-          </p:nvPr>
-        </p:nvSpPr>
-        <p:spPr>
-          <a:xfrm>
-            <a:off x="457200" y="1371600"/>
-            <a:ext cx="8153400" cy="2677656"/>
-          </a:xfrm>
-        </p:spPr>
-        <p:txBody>
-          <a:bodyPr>
-            <a:spAutoFit/>
-          </a:bodyPr>
-          <a:lstStyle/>
-          <a:p>
-            <a:pPr marL="0" indent="0">
-              <a:spcBef>
-                <a:spcPts val="1200"/>
-              </a:spcBef>
-              <a:buSzPct val="100000"/>
-              <a:buNone/>
-            </a:pPr>
-            <a:r>
-              <a:rPr lang="en-US" sz="2400" b="1" dirty="0"/>
-              <a:t>Discussion Questions: </a:t>
-            </a:r>
-          </a:p>
-          <a:p>
-            <a:pPr marL="457200" indent="-457200">
-              <a:spcBef>
-                <a:spcPts val="1200"/>
-              </a:spcBef>
-              <a:buFont typeface="+mj-lt"/>
-              <a:buAutoNum type="arabicPeriod"/>
-            </a:pPr>
-            <a:r>
-              <a:rPr lang="en-US" sz="2400" dirty="0"/>
-              <a:t>What are the technical challenges in face recognition?</a:t>
-            </a:r>
-          </a:p>
-          <a:p>
-            <a:pPr marL="457200" indent="-457200">
-              <a:spcBef>
-                <a:spcPts val="1200"/>
-              </a:spcBef>
-              <a:buFont typeface="+mj-lt"/>
-              <a:buAutoNum type="arabicPeriod"/>
-            </a:pPr>
-            <a:r>
-              <a:rPr lang="en-US" sz="2400" dirty="0"/>
-              <a:t>Beyond security and surveillance purposes, where else do you think face recognition can be used?</a:t>
-            </a:r>
-          </a:p>
-          <a:p>
-            <a:pPr marL="457200" indent="-457200">
-              <a:spcBef>
-                <a:spcPts val="1200"/>
-              </a:spcBef>
-              <a:buFont typeface="+mj-lt"/>
-              <a:buAutoNum type="arabicPeriod"/>
-            </a:pPr>
-            <a:r>
-              <a:rPr lang="en-US" sz="2400" dirty="0"/>
-              <a:t>What are the foreseeable social and cultural problems with developing and using face recognition technology?</a:t>
-            </a:r>
-          </a:p>
-        </p:txBody>
-      </p:sp>
+              </a14:hiddenFill>
+            </a:ext>
+          </a:extLst>
+        </p:spPr>
+      </p:pic>
     </p:spTree>
     <p:extLst>
       <p:ext uri="{BB962C8B-B14F-4D97-AF65-F5344CB8AC3E}">
-        <p14:creationId xmlns:p14="http://schemas.microsoft.com/office/powerpoint/2010/main" val="3898285649"/>
+        <p14:creationId xmlns:p14="http://schemas.microsoft.com/office/powerpoint/2010/main" val="1123621742"/>
       </p:ext>
     </p:extLst>
   </p:cSld>
@@ -18740,8 +18433,8 @@
         </p:nvSpPr>
         <p:spPr>
           <a:xfrm>
-            <a:off x="457200" y="72854"/>
-            <a:ext cx="8153400" cy="553998"/>
+            <a:off x="457200" y="59519"/>
+            <a:ext cx="8153400" cy="1538883"/>
           </a:xfrm>
         </p:spPr>
         <p:txBody>
@@ -18751,34 +18444,40 @@
           <a:lstStyle/>
           <a:p>
             <a:r>
-              <a:rPr lang="en-US" sz="3600" dirty="0">
+              <a:rPr lang="en-IN" sz="3600" dirty="0">
                 <a:latin typeface="+mj-lt"/>
               </a:rPr>
-              <a:t>Text Processing Using </a:t>
-            </a:r>
-            <a:r>
-              <a:rPr lang="en-US" sz="3600" spc="-450" dirty="0">
+              <a:t>Recurrent Neural Networks (</a:t>
+            </a:r>
+            <a:r>
+              <a:rPr lang="en-IN" sz="3600" spc="-450" dirty="0">
                 <a:latin typeface="+mj-lt"/>
               </a:rPr>
-              <a:t>C N </a:t>
-            </a:r>
-            <a:r>
-              <a:rPr lang="en-US" sz="3600" dirty="0" err="1">
+              <a:t>R N </a:t>
+            </a:r>
+            <a:r>
+              <a:rPr lang="en-IN" sz="3600" dirty="0">
                 <a:latin typeface="+mj-lt"/>
               </a:rPr>
-              <a:t>N</a:t>
-            </a:r>
-            <a:r>
-              <a:rPr lang="en-US" sz="3600" dirty="0">
+              <a:t>N) &amp; Long Short-Term Memory (</a:t>
+            </a:r>
+            <a:r>
+              <a:rPr lang="en-IN" sz="3600" spc="-450" dirty="0">
                 <a:latin typeface="+mj-lt"/>
               </a:rPr>
-              <a:t> </a:t>
-            </a:r>
-            <a:r>
-              <a:rPr lang="en-US" sz="2800" dirty="0">
+              <a:t>L S T </a:t>
+            </a:r>
+            <a:r>
+              <a:rPr lang="en-IN" sz="3600" dirty="0">
                 <a:latin typeface="+mj-lt"/>
               </a:rPr>
-              <a:t>(1 of 2)</a:t>
+              <a:t>M)</a:t>
+            </a:r>
+            <a:r>
+              <a:rPr lang="en-IN" sz="2800" dirty="0">
+                <a:latin typeface="+mj-lt"/>
+              </a:rPr>
+              <a:t>      (1 of 3)</a:t>
             </a:r>
             <a:endParaRPr lang="en-US" sz="3600" dirty="0">
               <a:latin typeface="+mj-lt"/>
@@ -18798,8 +18497,8 @@
         </p:nvSpPr>
         <p:spPr>
           <a:xfrm>
-            <a:off x="457200" y="990600"/>
-            <a:ext cx="8153400" cy="1746632"/>
+            <a:off x="457200" y="1800225"/>
+            <a:ext cx="8153400" cy="931024"/>
           </a:xfrm>
         </p:spPr>
         <p:txBody>
@@ -18809,44 +18508,29 @@
           <a:lstStyle/>
           <a:p>
             <a:r>
+              <a:rPr lang="en-US" sz="2400" spc="-300" dirty="0"/>
+              <a:t>R N </a:t>
+            </a:r>
+            <a:r>
+              <a:rPr lang="en-US" sz="2400" dirty="0" err="1"/>
+              <a:t>N</a:t>
+            </a:r>
+            <a:r>
               <a:rPr lang="en-US" sz="2400" dirty="0"/>
-              <a:t>Google word2vec project</a:t>
-            </a:r>
-          </a:p>
-          <a:p>
-            <a:pPr lvl="1"/>
+              <a:t> designed to process sequential inputs</a:t>
+            </a:r>
+          </a:p>
+          <a:p>
             <a:r>
               <a:rPr lang="en-US" sz="2400" dirty="0"/>
-              <a:t>Word </a:t>
-            </a:r>
-            <a:r>
-              <a:rPr lang="en-US" sz="2400" dirty="0" err="1"/>
-              <a:t>embeddings</a:t>
-            </a:r>
-            <a:r>
-              <a:rPr lang="en-US" sz="2400" dirty="0"/>
-              <a:t> </a:t>
-            </a:r>
-          </a:p>
-          <a:p>
-            <a:r>
-              <a:rPr lang="en-US" sz="2400" dirty="0"/>
-              <a:t>Typical Vector Representation of Word </a:t>
-            </a:r>
-            <a:r>
-              <a:rPr lang="en-US" sz="2400" dirty="0" err="1"/>
-              <a:t>Embeddings</a:t>
-            </a:r>
-            <a:r>
-              <a:rPr lang="en-US" sz="2400" dirty="0"/>
-              <a:t> in a Two-Dimensional Space</a:t>
+              <a:t>Typical recurrent unit</a:t>
             </a:r>
           </a:p>
         </p:txBody>
       </p:sp>
       <p:pic>
         <p:nvPicPr>
-          <p:cNvPr id="6146" name="Picture 2" descr="The x- and y-axes are two simple perpendicular lines. The vectors are as follows:&#10;• A ray from the origin extends in a left and upward direction. It lies in the second quadrant of the coordinate plane and is labeled King hyphen Man.&#10;• A ray from the origin extends in a right and upward direction. It lies in the first quadrant of the coordinate plane and is labeled King. It has the greatest slope of all the four rays in the first quadrant.&#10;• A ray from the origin extends in a right and upward direction. It lies in the first quadrant of the coordinate plane and is labeled Queen. It has the second-greatest slope of all the four rays in the first quadrant.&#10;• A ray from the origin extends in a right and upward direction. It lies in the first quadrant of the coordinate plane and is labeled Man. It has the third-greatest slope of all the four rays in the first quadrant.&#10;• A ray from the origin extends in a right and upward direction. It lies in the first quadrant of the coordinate plane and is labeled Woman. It has the least slope of all the four rays in the first quadrant.&#10;• Dotted lines connect the tip of the arrow of the King hyphen Man vector to the tip of the arrow of the King vector and to the tip of the arrow of the Queen vector. A dotted line connects the tips of the arrows of the King vector and man vector. A dotted line connects the tips of the arrows of the Queen vector and Woman vectors."/>
+          <p:cNvPr id="8194" name="Picture 2" descr="There are two rows forming a chain of terms and operators. &#10;• In the top row, we start with the input p of t. &#10;• An arrow to the right from the input leads to a rectangle containing capital X. &#10;• Above the capital X is the term i w. An arrow leads down from i w to it.&#10;• An arrow to the right from capital X leads to a rectangle containing the sigma symbol.&#10;• Above the sigma symbol is the term b. An arrow leads down from b to the sigma symbol.&#10;• An arrow to the right from the sigma symbol has the term n superscript open bracket t close bracket written above it. It leads to a rectangle containing the term f. &#10;• An arrow from f leads to the right. The term a superscript open bracket t close bracket is written above the arrow. &#10;• From the arrow, another arrow leads down and left to the chain at the lower level. It first leads to a circle containing an uppercase D. &#10;• An arrow to the left from D leads to a rectangle containing capital X. &#10;• An arrow from capital X leads up to the rectangle containing the sigma symbol in the upper level. Another arrow leads to the multiplication symbol from a term l w on the left. l w is also labeled as an input. &#10;• The chain formed is labeled as Recurrent Neuron and forms the equation: a superscript open bracket t close bracket equals f open bracket i w times p superscript open bracket t close bracket plus l w times a superscript open bracket t close bracket plus b close bracket."/>
           <p:cNvPicPr>
             <a:picLocks noChangeAspect="1" noChangeArrowheads="1"/>
           </p:cNvPicPr>
@@ -18860,13 +18544,13 @@
               </a:ext>
             </a:extLst>
           </a:blip>
-          <a:srcRect b="4215"/>
+          <a:srcRect b="3639"/>
           <a:stretch/>
         </p:blipFill>
         <p:spPr bwMode="auto">
           <a:xfrm>
-            <a:off x="2038350" y="2832949"/>
-            <a:ext cx="5057712" cy="3463076"/>
+            <a:off x="1685832" y="2879778"/>
+            <a:ext cx="5756150" cy="3407077"/>
           </a:xfrm>
           <a:prstGeom prst="rect">
             <a:avLst/>
@@ -18886,7 +18570,7 @@
     </p:spTree>
     <p:extLst>
       <p:ext uri="{BB962C8B-B14F-4D97-AF65-F5344CB8AC3E}">
-        <p14:creationId xmlns:p14="http://schemas.microsoft.com/office/powerpoint/2010/main" val="3816963933"/>
+        <p14:creationId xmlns:p14="http://schemas.microsoft.com/office/powerpoint/2010/main" val="2457204947"/>
       </p:ext>
     </p:extLst>
   </p:cSld>
@@ -18925,8 +18609,8 @@
         </p:nvSpPr>
         <p:spPr>
           <a:xfrm>
-            <a:off x="457200" y="72854"/>
-            <a:ext cx="8153400" cy="553998"/>
+            <a:off x="457200" y="59519"/>
+            <a:ext cx="8143462" cy="1538883"/>
           </a:xfrm>
         </p:spPr>
         <p:txBody>
@@ -18936,34 +18620,40 @@
           <a:lstStyle/>
           <a:p>
             <a:r>
-              <a:rPr lang="en-US" sz="3600" dirty="0">
+              <a:rPr lang="en-IN" sz="3600" dirty="0">
                 <a:latin typeface="+mj-lt"/>
               </a:rPr>
-              <a:t>Text Processing Using </a:t>
-            </a:r>
-            <a:r>
-              <a:rPr lang="en-US" sz="3600" spc="-450" dirty="0">
+              <a:t>Recurrent Neural Networks (</a:t>
+            </a:r>
+            <a:r>
+              <a:rPr lang="en-IN" sz="3600" spc="-450" dirty="0">
                 <a:latin typeface="+mj-lt"/>
               </a:rPr>
-              <a:t>C N </a:t>
-            </a:r>
-            <a:r>
-              <a:rPr lang="en-US" sz="3600" dirty="0" err="1">
+              <a:t>R N </a:t>
+            </a:r>
+            <a:r>
+              <a:rPr lang="en-IN" sz="3600" dirty="0">
                 <a:latin typeface="+mj-lt"/>
               </a:rPr>
-              <a:t>N</a:t>
-            </a:r>
-            <a:r>
-              <a:rPr lang="en-US" sz="3600" dirty="0">
+              <a:t>N) &amp; Long Short-Term Memory (</a:t>
+            </a:r>
+            <a:r>
+              <a:rPr lang="en-IN" sz="3600" spc="-450" dirty="0">
                 <a:latin typeface="+mj-lt"/>
               </a:rPr>
-              <a:t> </a:t>
-            </a:r>
-            <a:r>
-              <a:rPr lang="en-US" sz="2800" dirty="0">
+              <a:t>L S T </a:t>
+            </a:r>
+            <a:r>
+              <a:rPr lang="en-IN" sz="3600" dirty="0">
                 <a:latin typeface="+mj-lt"/>
               </a:rPr>
-              <a:t>(2 of 2)</a:t>
+              <a:t>M)     </a:t>
+            </a:r>
+            <a:r>
+              <a:rPr lang="en-IN" sz="2800" dirty="0">
+                <a:latin typeface="+mj-lt"/>
+              </a:rPr>
+              <a:t>(2 of 3)</a:t>
             </a:r>
             <a:endParaRPr lang="en-US" sz="3600" dirty="0">
               <a:latin typeface="+mj-lt"/>
@@ -18983,8 +18673,8 @@
         </p:nvSpPr>
         <p:spPr>
           <a:xfrm>
-            <a:off x="457200" y="990600"/>
-            <a:ext cx="8153400" cy="738664"/>
+            <a:off x="457200" y="1800225"/>
+            <a:ext cx="8143462" cy="1554272"/>
           </a:xfrm>
         </p:spPr>
         <p:txBody>
@@ -18995,22 +18685,98 @@
           <a:p>
             <a:r>
               <a:rPr lang="en-US" sz="2400" spc="-300" dirty="0"/>
-              <a:t>C N </a:t>
+              <a:t>L S T </a:t>
+            </a:r>
+            <a:r>
+              <a:rPr lang="en-US" sz="2400" dirty="0"/>
+              <a:t>M is a variant of </a:t>
+            </a:r>
+            <a:r>
+              <a:rPr lang="en-US" sz="2400" spc="-300" dirty="0"/>
+              <a:t>R N </a:t>
             </a:r>
             <a:r>
               <a:rPr lang="en-US" sz="2400" dirty="0" err="1"/>
               <a:t>N</a:t>
             </a:r>
+            <a:endParaRPr lang="en-US" sz="2400" dirty="0"/>
+          </a:p>
+          <a:p>
+            <a:pPr lvl="1"/>
             <a:r>
               <a:rPr lang="en-US" sz="2400" dirty="0"/>
-              <a:t> Architecture for Relation Extraction Task in Text Mining</a:t>
+              <a:t>In a dynamic network, the weights are called the </a:t>
+            </a:r>
+            <a:r>
+              <a:rPr lang="en-US" sz="2400" i="1" dirty="0"/>
+              <a:t>long-term memory</a:t>
+            </a:r>
+            <a:r>
+              <a:rPr lang="en-US" sz="2400" dirty="0"/>
+              <a:t> while the feedbacks role is the </a:t>
+            </a:r>
+            <a:r>
+              <a:rPr lang="en-US" sz="2400" i="1" dirty="0"/>
+              <a:t>short-term memory</a:t>
+            </a:r>
+          </a:p>
+        </p:txBody>
+      </p:sp>
+      <p:sp>
+        <p:nvSpPr>
+          <p:cNvPr id="6" name="Content Placeholder 5"/>
+          <p:cNvSpPr>
+            <a:spLocks noGrp="1"/>
+          </p:cNvSpPr>
+          <p:nvPr>
+            <p:ph idx="13"/>
+          </p:nvPr>
+        </p:nvSpPr>
+        <p:spPr>
+          <a:xfrm>
+            <a:off x="476250" y="3790951"/>
+            <a:ext cx="2057399" cy="1538883"/>
+          </a:xfrm>
+        </p:spPr>
+        <p:txBody>
+          <a:bodyPr>
+            <a:spAutoFit/>
+          </a:bodyPr>
+          <a:lstStyle/>
+          <a:p>
+            <a:pPr marL="0" indent="0">
+              <a:buNone/>
+            </a:pPr>
+            <a:r>
+              <a:rPr lang="en-US" sz="2000" dirty="0">
+                <a:solidFill>
+                  <a:schemeClr val="bg2"/>
+                </a:solidFill>
+              </a:rPr>
+              <a:t>Typical Long Short-Term Memory (</a:t>
+            </a:r>
+            <a:r>
+              <a:rPr lang="en-US" sz="2000" spc="-200" dirty="0">
+                <a:solidFill>
+                  <a:schemeClr val="bg2"/>
+                </a:solidFill>
+              </a:rPr>
+              <a:t>L S T </a:t>
+            </a:r>
+            <a:r>
+              <a:rPr lang="en-US" sz="2000" dirty="0">
+                <a:solidFill>
+                  <a:schemeClr val="bg2"/>
+                </a:solidFill>
+              </a:rPr>
+              <a:t>M) Network Architecture</a:t>
             </a:r>
           </a:p>
         </p:txBody>
       </p:sp>
       <p:pic>
         <p:nvPicPr>
-          <p:cNvPr id="7170" name="Picture 2" descr="• In the diagram, the following sentence is written at the top: &#10;• People have been moving back into downtown. &#10;• The words people and downtown are in braces. &#10;• Below this is the step of word representation. &#10;• Below this, the step of feature extraction is represented. This has two elements – lexical level features and sentence level features. &#10;• In this step, the phrase, sentence level features, is encased in a black rectangle and is linked to an inset, which reveals a diagram of three steps:&#10;• Window processing&#10;• Convolution&#10;• Sentence level features&#10;• The last step has the output. "/>
+          <p:cNvPr id="9218" name="Picture 2" descr="In the diagram:&#10;• Each of the three boxes on the left, one on top of the other, contains an S-shaped curve. &#10;• A horizontal line cuts across the S-curve in the top box. From top to bottom, the boxes are labeled as: Input Layer, Input Gate, and Forget (feedback) Gate. &#10;• Each box has two arrows leading to it from two terms on the left. The first term is p superscript open bracket t close bracket. The second term is a superscript 7 open bracket t close bracket.&#10;• An arrow from the input layer box leads to a box containing the multiplication symbol. The following term is written above the arrow: a superscript 1 open bracket t close bracket.&#10;• An arrow from the input gate box leads to the same box containing the multiplication symbol. The following term is written above the arrow: a superscript 2 open bracket t close bracket.&#10;• An arrow from the forget gate box leads to a second box containing the multiplication symbol. The following term is written above the arrow: a superscript 3 open bracket t close bracket.&#10;• Arrows from the two multiplication symbols lead to a box containing the plus symbol. An arrow from the plus symbol leads to another box containing a horizontal line with a slanting line intersecting it. These four symbols are enclosed within a dotted rectangle. The term C E C is written on the upper right corner of the rectangle. &#10;• An arrow to the right from the intersecting lines symbol leads to a box labeled Output Layer. The following term is written above the arrow: a superscript 5 open bracket t close bracket.&#10;• The output layer box contains an S-curve with a horizontal line across it. An arrow to the right from the output layer box leads to a third box containing the multiplication symbol. The following term is written above the arrow: a superscript 6 open bracket t close bracket.&#10;• An arrow from the third multiplication symbol downwards and to the left leads back to the second box containing the multiplication symbol. The following term is written above the arrow: a superscript 7 open bracket t close bracket.&#10;• Below the output layer box, is another box labeled Output Gate. It contains an S-shaped curve. Two arrows lead to it from two terms on the left. The first term is p superscript open bracket t close bracket. The second term is a superscript 7 open bracket t close bracket. &#10;• An arrow from the output gate box leads up to the third box containing the multiplication symbol. The following term is written below the arrow: a superscript 4 open bracket t close bracket."/>
           <p:cNvPicPr>
             <a:picLocks noChangeAspect="1" noChangeArrowheads="1"/>
           </p:cNvPicPr>
@@ -19024,13 +18790,13 @@
               </a:ext>
             </a:extLst>
           </a:blip>
-          <a:srcRect b="4902"/>
+          <a:srcRect b="4049"/>
           <a:stretch/>
         </p:blipFill>
         <p:spPr bwMode="auto">
           <a:xfrm>
-            <a:off x="569465" y="2138682"/>
-            <a:ext cx="7993510" cy="3785988"/>
+            <a:off x="3059114" y="3547463"/>
+            <a:ext cx="5159372" cy="2745957"/>
           </a:xfrm>
           <a:prstGeom prst="rect">
             <a:avLst/>
@@ -19050,7 +18816,7 @@
     </p:spTree>
     <p:extLst>
       <p:ext uri="{BB962C8B-B14F-4D97-AF65-F5344CB8AC3E}">
-        <p14:creationId xmlns:p14="http://schemas.microsoft.com/office/powerpoint/2010/main" val="1123621742"/>
+        <p14:creationId xmlns:p14="http://schemas.microsoft.com/office/powerpoint/2010/main" val="3247105"/>
       </p:ext>
     </p:extLst>
   </p:cSld>
@@ -19090,7 +18856,7 @@
         <p:spPr>
           <a:xfrm>
             <a:off x="457200" y="59519"/>
-            <a:ext cx="8153400" cy="1538883"/>
+            <a:ext cx="8143462" cy="1538883"/>
           </a:xfrm>
         </p:spPr>
         <p:txBody>
@@ -19127,13 +18893,13 @@
               <a:rPr lang="en-IN" sz="3600" dirty="0">
                 <a:latin typeface="+mj-lt"/>
               </a:rPr>
-              <a:t>M)</a:t>
+              <a:t>M)     </a:t>
             </a:r>
             <a:r>
               <a:rPr lang="en-IN" sz="2800" dirty="0">
                 <a:latin typeface="+mj-lt"/>
               </a:rPr>
-              <a:t>      (1 of 3)</a:t>
+              <a:t>(3 of 3) </a:t>
             </a:r>
             <a:endParaRPr lang="en-US" sz="3600" dirty="0">
               <a:latin typeface="+mj-lt"/>
@@ -19153,8 +18919,8 @@
         </p:nvSpPr>
         <p:spPr>
           <a:xfrm>
-            <a:off x="457200" y="1800225"/>
-            <a:ext cx="8153400" cy="931024"/>
+            <a:off x="457200" y="1885950"/>
+            <a:ext cx="8143462" cy="369332"/>
           </a:xfrm>
         </p:spPr>
         <p:txBody>
@@ -19165,28 +18931,82 @@
           <a:p>
             <a:r>
               <a:rPr lang="en-US" sz="2400" spc="-300" dirty="0"/>
-              <a:t>R N </a:t>
-            </a:r>
-            <a:r>
-              <a:rPr lang="en-US" sz="2400" dirty="0" err="1"/>
-              <a:t>N</a:t>
+              <a:t>L S T </a:t>
             </a:r>
             <a:r>
               <a:rPr lang="en-US" sz="2400" dirty="0"/>
-              <a:t> designed to process sequential inputs</a:t>
-            </a:r>
-          </a:p>
-          <a:p>
-            <a:r>
-              <a:rPr lang="en-US" sz="2400" dirty="0"/>
-              <a:t>Typical recurrent unit</a:t>
-            </a:r>
+              <a:t>M Network Applications </a:t>
+            </a:r>
+          </a:p>
+        </p:txBody>
+      </p:sp>
+      <p:sp>
+        <p:nvSpPr>
+          <p:cNvPr id="6" name="Content Placeholder 5"/>
+          <p:cNvSpPr>
+            <a:spLocks noGrp="1"/>
+          </p:cNvSpPr>
+          <p:nvPr>
+            <p:ph idx="13"/>
+          </p:nvPr>
+        </p:nvSpPr>
+        <p:spPr>
+          <a:xfrm>
+            <a:off x="457200" y="2797018"/>
+            <a:ext cx="2209800" cy="2154436"/>
+          </a:xfrm>
+        </p:spPr>
+        <p:txBody>
+          <a:bodyPr wrap="square">
+            <a:spAutoFit/>
+          </a:bodyPr>
+          <a:lstStyle/>
+          <a:p>
+            <a:pPr marL="0" indent="0">
+              <a:buNone/>
+            </a:pPr>
+            <a:r>
+              <a:rPr lang="en-US" sz="2000" dirty="0">
+                <a:solidFill>
+                  <a:schemeClr val="bg2"/>
+                </a:solidFill>
+              </a:rPr>
+              <a:t>Example Indicating the Close-to-Human Performance of the Google Neural Machine Translator   (</a:t>
+            </a:r>
+            <a:r>
+              <a:rPr lang="en-US" sz="2000" spc="-200" dirty="0">
+                <a:solidFill>
+                  <a:schemeClr val="bg2"/>
+                </a:solidFill>
+              </a:rPr>
+              <a:t>G N M T</a:t>
+            </a:r>
+            <a:r>
+              <a:rPr lang="en-US" sz="2000" dirty="0">
+                <a:solidFill>
+                  <a:schemeClr val="bg2"/>
+                </a:solidFill>
+              </a:rPr>
+              <a:t>)</a:t>
+            </a:r>
+            <a:endParaRPr lang="en-US" sz="2000" dirty="0">
+              <a:solidFill>
+                <a:schemeClr val="bg2"/>
+              </a:solidFill>
+              <a:effectLst>
+                <a:outerShdw blurRad="38100" dist="38100" dir="2700000" algn="tl">
+                  <a:srgbClr val="000000">
+                    <a:alpha val="43137"/>
+                  </a:srgbClr>
+                </a:outerShdw>
+              </a:effectLst>
+            </a:endParaRPr>
           </a:p>
         </p:txBody>
       </p:sp>
       <p:pic>
         <p:nvPicPr>
-          <p:cNvPr id="8194" name="Picture 2" descr="There are two rows forming a chain of terms and operators. &#10;• In the top row, we start with the input p of t. &#10;• An arrow to the right from the input leads to a rectangle containing capital X. &#10;• Above the capital X is the term i w. An arrow leads down from i w to it.&#10;• An arrow to the right from capital X leads to a rectangle containing the sigma symbol.&#10;• Above the sigma symbol is the term b. An arrow leads down from b to the sigma symbol.&#10;• An arrow to the right from the sigma symbol has the term n superscript open bracket t close bracket written above it. It leads to a rectangle containing the term f. &#10;• An arrow from f leads to the right. The term a superscript open bracket t close bracket is written above the arrow. &#10;• From the arrow, another arrow leads down and left to the chain at the lower level. It first leads to a circle containing an uppercase D. &#10;• An arrow to the left from D leads to a rectangle containing capital X. &#10;• An arrow from capital X leads up to the rectangle containing the sigma symbol in the upper level. Another arrow leads to the multiplication symbol from a term l w on the left. l w is also labeled as an input. &#10;• The chain formed is labeled as Recurrent Neuron and forms the equation: a superscript open bracket t close bracket equals f open bracket i w times p superscript open bracket t close bracket plus l w times a superscript open bracket t close bracket plus b close bracket."/>
+          <p:cNvPr id="11266" name="Picture 2" descr="The translation scale marks three types of translations: phrase-based, neural network, and human. The markings of each type of translation on the scale are as follows:&#10;• English to Spanish: &#10;• Phrase-based translation marked at a little before 5 &#10;• Neural network marked between 5 and 6 &#10;• Human is also marked between 5 and 6, but closer to 6 than the neural network&#10;• English to French: &#10;• Phrase-based translation marked at a little before 5 &#10;• Neural network marked between 5 and 6, but closer to 5 &#10;• Human marked midway between 5 and 6  &#10;• English to Chinese: &#10;• Phrase-based translation marked at just past 4 &#10;• Neural network marked at a little ahead of the midway point between 4 and 5 &#10;• Human marked at 5  &#10;• Spanish to English: &#10;• Phrase-based translation marked at a little before 5&#10;• Neural network marked at a little ahead of 5 &#10;• Human marked at just before the midway point between 5 and 6&#10;• French to English: &#10;• Phrase-based translation marked just ahead of 5&#10;• Neural network marked at a little before the midway point between 5 and 6 &#10;• Human marked at just before the midway point between 5 and 6&#10;• French to English: &#10;• Phrase-based translation marked at some distance before 4. &#10;• Neural network marked at some distance ahead of 4. &#10;• Human marked at some distance before 5&#10;• The input sentence below the scale reads: Pour l’ancienne secrétaire d’Etat, il s’agit de faire oublier un mois de cafouillages et de convaincre l’auditoire que M. Trump n’a pas l’étoffe d’un président.&#10;• The translations for the sentence are given as:&#10;• Phrase-based: For the former secretary of state, this is to forget a month of bungling and convince the audience that Mr. Trump has not the makings of a president.&#10;• Neural network: For the former secretary of state, it is a question of forgetting a month of muddles and convincing the audience that Mr. Trump does not have the stuff of a president.&#10;• Human: The former secretary of state has to put behind her a month of setbacks and convince the audience that Mr. Trump does not have what it takes to be a president."/>
           <p:cNvPicPr>
             <a:picLocks noChangeAspect="1" noChangeArrowheads="1"/>
           </p:cNvPicPr>
@@ -19200,13 +19020,13 @@
               </a:ext>
             </a:extLst>
           </a:blip>
-          <a:srcRect b="3639"/>
+          <a:srcRect b="3456"/>
           <a:stretch/>
         </p:blipFill>
         <p:spPr bwMode="auto">
           <a:xfrm>
-            <a:off x="1685832" y="2879778"/>
-            <a:ext cx="5756150" cy="3407077"/>
+            <a:off x="2788715" y="2521720"/>
+            <a:ext cx="5813712" cy="3650480"/>
           </a:xfrm>
           <a:prstGeom prst="rect">
             <a:avLst/>
@@ -19226,7 +19046,7 @@
     </p:spTree>
     <p:extLst>
       <p:ext uri="{BB962C8B-B14F-4D97-AF65-F5344CB8AC3E}">
-        <p14:creationId xmlns:p14="http://schemas.microsoft.com/office/powerpoint/2010/main" val="2457204947"/>
+        <p14:creationId xmlns:p14="http://schemas.microsoft.com/office/powerpoint/2010/main" val="2139820781"/>
       </p:ext>
     </p:extLst>
   </p:cSld>
@@ -19255,7 +19075,7 @@
       </p:grpSpPr>
       <p:sp>
         <p:nvSpPr>
-          <p:cNvPr id="2" name="Title 1" descr="The diagram shows a series of operators in small rectangles forming a chain connected by arrows going from left to right. The details are as follows: &#10;• The first rectangle contains the word Input. &#10;• An arrow labeled p connects the input rectangle to a rectangle that contains a multiplication symbol with the term w superscript 1 written above it and connected to the rectangle with a downward arrow. &#10;• Another arrow labeled with the term z superscript 1 connects the multiplication symbol to the next rectangle which contains the sigma symbol, with the term b superscript 1 written above it and connected to the rectangle with a downward arrow. &#10;• Another arrow to the right with the term n superscript 1 connects the sigma symbol to the next rectangle on the right, which contains the term f superscript 1.&#10;• Another arrow labeled a superscript 1 connects f superscript 1 to the next rectangle on the right. &#10;• The three rectangles (from the multiplication symbol to f superscript 1) are grouped together to give the formula: a superscript 1 equals f superscript 1 open bracket w superscript 1 times p plus b superscript 1 close bracket. &#10;• The rectangle on the right contains the multiplication symbol with the term w superscript 2 above it connected to the rectangle with a downward arrow. &#10;• Another arrow to the right labeled z superscript 2 above it connects the multiplication symbol to the rectangle on the right.&#10;• The rectangle on the right contains the sigma symbol labeled superscript 2 connects it to the rectangle with a downward arrow. &#10;• Another arrow to the right labeled n superscript 2 connects the sigma symbol to the rectangle on the right. &#10;• The rectangle on the right contains the term f superscript 2. &#10;• Another arrow to the right labeled a superscript 2 connects f superscript 2 to the rectangle on the right. &#10;• The three rectangles (from the multiplication symbol to f superscript 2) are grouped together to give the formula: a superscript 2 equals f superscript 2 open bracket w superscript 2 times a superscript 1 plus b superscript 2 close bracket.&#10;• The rectangle on the right contains the multiplication symbol. The term w superscript 3 is written above it with a downward arrow leading to the rectangle. An arrow to the right with z superscript 3 written above it connects the multiplication symbol to the rectangle on the right.&#10;• The rectangle on the right contains the sigma symbol. The term b superscript 3 is written above it with a downward arrow leading to the rectangle. An arrow to the right with n superscript 3 written above it connects the sigma symbol to the rectangle on the right. &#10;• The rectangle on the right contains the term f superscript 3. An arrow leads from the rectangle to the right with a superscript 3 written above it. &#10;• The three rectangles (from the multiplication symbol to f superscript 3) are grouped together to give the formula: a superscript 3 equals f superscript 3 open bracket w superscript 3 times a superscript 2 plus b superscript 3 close bracket.&#10;• The three formulas are grouped together to give the formula: a superscript 3 equals f superscript 3 open bracket w superscript 3 times f superscript 2 open bracket w superscript 2 times f superscript 1 open bracket w superscript 1 times p plus b superscript 1 close bracket plus b superscript 2 close bracket plus b superscript 3 close bracket. "/>
+          <p:cNvPr id="2" name="Title 1"/>
           <p:cNvSpPr>
             <a:spLocks noGrp="1"/>
           </p:cNvSpPr>
@@ -19265,8 +19085,8 @@
         </p:nvSpPr>
         <p:spPr>
           <a:xfrm>
-            <a:off x="457200" y="59519"/>
-            <a:ext cx="8143462" cy="1538883"/>
+            <a:off x="457200" y="61781"/>
+            <a:ext cx="8153400" cy="1107996"/>
           </a:xfrm>
         </p:spPr>
         <p:txBody>
@@ -19276,122 +19096,28 @@
           <a:lstStyle/>
           <a:p>
             <a:r>
-              <a:rPr lang="en-IN" sz="3600" dirty="0">
+              <a:rPr lang="en-US" sz="3600" dirty="0">
                 <a:latin typeface="+mj-lt"/>
               </a:rPr>
-              <a:t>Recurrent Neural Networks (</a:t>
-            </a:r>
-            <a:r>
-              <a:rPr lang="en-IN" sz="3600" spc="-450" dirty="0">
-                <a:latin typeface="+mj-lt"/>
-              </a:rPr>
-              <a:t>R N </a:t>
-            </a:r>
-            <a:r>
-              <a:rPr lang="en-IN" sz="3600" dirty="0">
-                <a:latin typeface="+mj-lt"/>
-              </a:rPr>
-              <a:t>N) &amp; Long Short-Term Memory (</a:t>
-            </a:r>
-            <a:r>
-              <a:rPr lang="en-IN" sz="3600" spc="-450" dirty="0">
-                <a:latin typeface="+mj-lt"/>
-              </a:rPr>
-              <a:t>L S T </a:t>
-            </a:r>
-            <a:r>
-              <a:rPr lang="en-IN" sz="3600" dirty="0">
-                <a:latin typeface="+mj-lt"/>
-              </a:rPr>
-              <a:t>M)     </a:t>
-            </a:r>
-            <a:r>
-              <a:rPr lang="en-IN" sz="2800" dirty="0">
-                <a:latin typeface="+mj-lt"/>
-              </a:rPr>
-              <a:t>(2 of 3)</a:t>
-            </a:r>
-            <a:endParaRPr lang="en-US" sz="3600" dirty="0">
-              <a:latin typeface="+mj-lt"/>
-            </a:endParaRPr>
-          </a:p>
-        </p:txBody>
-      </p:sp>
-      <p:sp>
-        <p:nvSpPr>
-          <p:cNvPr id="3" name="Content Placeholder 2"/>
-          <p:cNvSpPr>
-            <a:spLocks noGrp="1"/>
-          </p:cNvSpPr>
-          <p:nvPr>
-            <p:ph idx="1"/>
+              <a:t>Computer Frameworks for Implementation of Deep Learning </a:t>
+            </a:r>
+          </a:p>
+        </p:txBody>
+      </p:sp>
+      <p:sp>
+        <p:nvSpPr>
+          <p:cNvPr id="5" name="Content Placeholder 4"/>
+          <p:cNvSpPr>
+            <a:spLocks noGrp="1"/>
+          </p:cNvSpPr>
+          <p:nvPr>
+            <p:ph sz="quarter" idx="14"/>
           </p:nvPr>
         </p:nvSpPr>
         <p:spPr>
           <a:xfrm>
-            <a:off x="457200" y="1800225"/>
-            <a:ext cx="8143462" cy="1554272"/>
-          </a:xfrm>
-        </p:spPr>
-        <p:txBody>
-          <a:bodyPr wrap="square">
-            <a:spAutoFit/>
-          </a:bodyPr>
-          <a:lstStyle/>
-          <a:p>
-            <a:r>
-              <a:rPr lang="en-US" sz="2400" spc="-300" dirty="0"/>
-              <a:t>L S T </a:t>
-            </a:r>
-            <a:r>
-              <a:rPr lang="en-US" sz="2400" dirty="0"/>
-              <a:t>M is a variant of </a:t>
-            </a:r>
-            <a:r>
-              <a:rPr lang="en-US" sz="2400" spc="-300" dirty="0"/>
-              <a:t>R N </a:t>
-            </a:r>
-            <a:r>
-              <a:rPr lang="en-US" sz="2400" dirty="0" err="1"/>
-              <a:t>N</a:t>
-            </a:r>
-            <a:endParaRPr lang="en-US" sz="2400" dirty="0"/>
-          </a:p>
-          <a:p>
-            <a:pPr lvl="1"/>
-            <a:r>
-              <a:rPr lang="en-US" sz="2400" dirty="0"/>
-              <a:t>In a dynamic network, the weights are called the </a:t>
-            </a:r>
-            <a:r>
-              <a:rPr lang="en-US" sz="2400" i="1" dirty="0"/>
-              <a:t>long-term memory</a:t>
-            </a:r>
-            <a:r>
-              <a:rPr lang="en-US" sz="2400" dirty="0"/>
-              <a:t> while the feedbacks role is the </a:t>
-            </a:r>
-            <a:r>
-              <a:rPr lang="en-US" sz="2400" i="1" dirty="0"/>
-              <a:t>short-term memory</a:t>
-            </a:r>
-          </a:p>
-        </p:txBody>
-      </p:sp>
-      <p:sp>
-        <p:nvSpPr>
-          <p:cNvPr id="6" name="Content Placeholder 5"/>
-          <p:cNvSpPr>
-            <a:spLocks noGrp="1"/>
-          </p:cNvSpPr>
-          <p:nvPr>
-            <p:ph idx="13"/>
-          </p:nvPr>
-        </p:nvSpPr>
-        <p:spPr>
-          <a:xfrm>
-            <a:off x="476250" y="3790951"/>
-            <a:ext cx="2057399" cy="1538883"/>
+            <a:off x="457200" y="1371600"/>
+            <a:ext cx="8153400" cy="4847481"/>
           </a:xfrm>
         </p:spPr>
         <p:txBody>
@@ -19400,79 +19126,178 @@
           </a:bodyPr>
           <a:lstStyle/>
           <a:p>
-            <a:pPr marL="0" indent="0">
-              <a:buNone/>
-            </a:pPr>
-            <a:r>
-              <a:rPr lang="en-US" sz="2000" dirty="0">
-                <a:solidFill>
-                  <a:schemeClr val="bg2"/>
-                </a:solidFill>
+            <a:r>
+              <a:rPr lang="en-US" sz="2400" dirty="0"/>
+              <a:t>Torch (</a:t>
+            </a:r>
+            <a:r>
+              <a:rPr lang="en-US" sz="2400" dirty="0">
+                <a:hlinkClick r:id="rId3" tooltip="www.torch.ch"/>
               </a:rPr>
-              <a:t>Typical Long Short-Term Memory (</a:t>
-            </a:r>
-            <a:r>
-              <a:rPr lang="en-US" sz="2000" spc="-200" dirty="0">
-                <a:solidFill>
-                  <a:schemeClr val="bg2"/>
-                </a:solidFill>
+              <a:t>http://www.torch.ch</a:t>
+            </a:r>
+            <a:r>
+              <a:rPr lang="en-US" sz="2400" dirty="0"/>
+              <a:t>)</a:t>
+            </a:r>
+          </a:p>
+          <a:p>
+            <a:pPr lvl="1"/>
+            <a:r>
+              <a:rPr lang="en-US" sz="2400" spc="-300" dirty="0"/>
+              <a:t>M </a:t>
+            </a:r>
+            <a:r>
+              <a:rPr lang="en-US" sz="2400" dirty="0"/>
+              <a:t>L with </a:t>
+            </a:r>
+            <a:r>
+              <a:rPr lang="en-US" sz="2400" spc="-300" dirty="0"/>
+              <a:t>G P </a:t>
+            </a:r>
+            <a:r>
+              <a:rPr lang="en-US" sz="2400" dirty="0"/>
+              <a:t>U</a:t>
+            </a:r>
+          </a:p>
+          <a:p>
+            <a:r>
+              <a:rPr lang="en-US" sz="2400" dirty="0" err="1"/>
+              <a:t>Caffe</a:t>
+            </a:r>
+            <a:r>
+              <a:rPr lang="en-US" sz="2400" dirty="0"/>
+              <a:t> (</a:t>
+            </a:r>
+            <a:r>
+              <a:rPr lang="en-US" sz="2400" dirty="0">
+                <a:hlinkClick r:id="rId4" tooltip="caffe.berkeleyvision.org"/>
               </a:rPr>
-              <a:t>L S T </a:t>
-            </a:r>
-            <a:r>
-              <a:rPr lang="en-US" sz="2000" dirty="0">
-                <a:solidFill>
-                  <a:schemeClr val="bg2"/>
-                </a:solidFill>
+              <a:t>caffe.berkeleyvision.org</a:t>
+            </a:r>
+            <a:r>
+              <a:rPr lang="en-US" sz="2400" dirty="0"/>
+              <a:t>)</a:t>
+            </a:r>
+          </a:p>
+          <a:p>
+            <a:pPr lvl="1"/>
+            <a:r>
+              <a:rPr lang="en-US" sz="2400" dirty="0"/>
+              <a:t>Facebook’s improved version (</a:t>
+            </a:r>
+            <a:r>
+              <a:rPr lang="en-US" sz="2400" dirty="0">
+                <a:hlinkClick r:id="rId5" tooltip="www.caffe2.ai"/>
               </a:rPr>
-              <a:t>M) Network Architecture</a:t>
-            </a:r>
-          </a:p>
-        </p:txBody>
-      </p:sp>
-      <p:pic>
-        <p:nvPicPr>
-          <p:cNvPr id="9218" name="Picture 2" descr="In the diagram:&#10;• Each of the three boxes on the left, one on top of the other, contains an S-shaped curve. &#10;• A horizontal line cuts across the S-curve in the top box. From top to bottom, the boxes are labeled as: Input Layer, Input Gate, and Forget (feedback) Gate. &#10;• Each box has two arrows leading to it from two terms on the left. The first term is p superscript open bracket t close bracket. The second term is a superscript 7 open bracket t close bracket.&#10;• An arrow from the input layer box leads to a box containing the multiplication symbol. The following term is written above the arrow: a superscript 1 open bracket t close bracket.&#10;• An arrow from the input gate box leads to the same box containing the multiplication symbol. The following term is written above the arrow: a superscript 2 open bracket t close bracket.&#10;• An arrow from the forget gate box leads to a second box containing the multiplication symbol. The following term is written above the arrow: a superscript 3 open bracket t close bracket.&#10;• Arrows from the two multiplication symbols lead to a box containing the plus symbol. An arrow from the plus symbol leads to another box containing a horizontal line with a slanting line intersecting it. These four symbols are enclosed within a dotted rectangle. The term C E C is written on the upper right corner of the rectangle. &#10;• An arrow to the right from the intersecting lines symbol leads to a box labeled Output Layer. The following term is written above the arrow: a superscript 5 open bracket t close bracket.&#10;• The output layer box contains an S-curve with a horizontal line across it. An arrow to the right from the output layer box leads to a third box containing the multiplication symbol. The following term is written above the arrow: a superscript 6 open bracket t close bracket.&#10;• An arrow from the third multiplication symbol downwards and to the left leads back to the second box containing the multiplication symbol. The following term is written above the arrow: a superscript 7 open bracket t close bracket.&#10;• Below the output layer box, is another box labeled Output Gate. It contains an S-shaped curve. Two arrows lead to it from two terms on the left. The first term is p superscript open bracket t close bracket. The second term is a superscript 7 open bracket t close bracket. &#10;• An arrow from the output gate box leads up to the third box containing the multiplication symbol. The following term is written below the arrow: a superscript 4 open bracket t close bracket."/>
-          <p:cNvPicPr>
-            <a:picLocks noChangeAspect="1" noChangeArrowheads="1"/>
-          </p:cNvPicPr>
-          <p:nvPr/>
-        </p:nvPicPr>
-        <p:blipFill rotWithShape="1">
-          <a:blip r:embed="rId3">
-            <a:extLst>
-              <a:ext uri="{28A0092B-C50C-407E-A947-70E740481C1C}">
-                <a14:useLocalDpi xmlns:a14="http://schemas.microsoft.com/office/drawing/2010/main" val="0"/>
-              </a:ext>
-            </a:extLst>
-          </a:blip>
-          <a:srcRect b="4049"/>
-          <a:stretch/>
-        </p:blipFill>
-        <p:spPr bwMode="auto">
-          <a:xfrm>
-            <a:off x="3059114" y="3547463"/>
-            <a:ext cx="5159372" cy="2745957"/>
-          </a:xfrm>
-          <a:prstGeom prst="rect">
-            <a:avLst/>
-          </a:prstGeom>
-          <a:noFill/>
-          <a:extLst>
-            <a:ext uri="{909E8E84-426E-40DD-AFC4-6F175D3DCCD1}">
-              <a14:hiddenFill xmlns:a14="http://schemas.microsoft.com/office/drawing/2010/main">
-                <a:solidFill>
-                  <a:srgbClr val="FFFFFF"/>
-                </a:solidFill>
-              </a14:hiddenFill>
-            </a:ext>
-          </a:extLst>
-        </p:spPr>
-      </p:pic>
+              <a:t>www.caffe2.ai</a:t>
+            </a:r>
+            <a:r>
+              <a:rPr lang="en-US" sz="2400" dirty="0"/>
+              <a:t>)</a:t>
+            </a:r>
+          </a:p>
+          <a:p>
+            <a:r>
+              <a:rPr lang="en-US" sz="2400" dirty="0" err="1"/>
+              <a:t>TensorFlow</a:t>
+            </a:r>
+            <a:r>
+              <a:rPr lang="en-US" sz="2400" dirty="0"/>
+              <a:t> (</a:t>
+            </a:r>
+            <a:r>
+              <a:rPr lang="en-US" sz="2400" dirty="0">
+                <a:hlinkClick r:id="rId6" tooltip="www.tensorflow.org"/>
+              </a:rPr>
+              <a:t>www.tensorflow.org</a:t>
+            </a:r>
+            <a:r>
+              <a:rPr lang="en-US" sz="2400" dirty="0"/>
+              <a:t>) </a:t>
+            </a:r>
+          </a:p>
+          <a:p>
+            <a:pPr lvl="1"/>
+            <a:r>
+              <a:rPr lang="en-US" sz="2400" dirty="0"/>
+              <a:t>Google - Tensor Processing Units (</a:t>
+            </a:r>
+            <a:r>
+              <a:rPr lang="en-US" sz="2400" spc="-300" dirty="0"/>
+              <a:t>T P U </a:t>
+            </a:r>
+            <a:r>
+              <a:rPr lang="en-US" sz="2400" dirty="0"/>
+              <a:t>s)</a:t>
+            </a:r>
+          </a:p>
+          <a:p>
+            <a:r>
+              <a:rPr lang="en-US" sz="2400" dirty="0" err="1"/>
+              <a:t>Theano</a:t>
+            </a:r>
+            <a:r>
+              <a:rPr lang="en-US" sz="2400" dirty="0"/>
+              <a:t> (</a:t>
+            </a:r>
+            <a:r>
+              <a:rPr lang="en-US" sz="2400" dirty="0">
+                <a:hlinkClick r:id="rId7" action="ppaction://hlinkfile" tooltip="deeplearning.net/software/theano"/>
+              </a:rPr>
+              <a:t>deeplearning.net/software/</a:t>
+            </a:r>
+            <a:r>
+              <a:rPr lang="en-US" sz="2400" dirty="0" err="1">
+                <a:hlinkClick r:id="rId7" action="ppaction://hlinkfile" tooltip="deeplearning.net/software/theano"/>
+              </a:rPr>
+              <a:t>theano</a:t>
+            </a:r>
+            <a:r>
+              <a:rPr lang="en-US" sz="2400" dirty="0"/>
+              <a:t>)</a:t>
+            </a:r>
+          </a:p>
+          <a:p>
+            <a:pPr lvl="1"/>
+            <a:r>
+              <a:rPr lang="en-US" sz="2400" dirty="0"/>
+              <a:t>Deep Learning Group at the University of Montreal</a:t>
+            </a:r>
+          </a:p>
+          <a:p>
+            <a:r>
+              <a:rPr lang="en-US" sz="2400" dirty="0" err="1"/>
+              <a:t>Keras</a:t>
+            </a:r>
+            <a:r>
+              <a:rPr lang="en-US" sz="2400" dirty="0"/>
+              <a:t> (</a:t>
+            </a:r>
+            <a:r>
+              <a:rPr lang="en-US" sz="2400" dirty="0">
+                <a:hlinkClick r:id="rId8" action="ppaction://hlinkfile" tooltip="keras.io"/>
+              </a:rPr>
+              <a:t>keras.io</a:t>
+            </a:r>
+            <a:r>
+              <a:rPr lang="en-US" sz="2400" dirty="0"/>
+              <a:t>)</a:t>
+            </a:r>
+          </a:p>
+          <a:p>
+            <a:pPr lvl="1"/>
+            <a:r>
+              <a:rPr lang="en-US" sz="2400" dirty="0"/>
+              <a:t>Application Programming Interface</a:t>
+            </a:r>
+          </a:p>
+        </p:txBody>
+      </p:sp>
     </p:spTree>
     <p:extLst>
       <p:ext uri="{BB962C8B-B14F-4D97-AF65-F5344CB8AC3E}">
-        <p14:creationId xmlns:p14="http://schemas.microsoft.com/office/powerpoint/2010/main" val="3247105"/>
+        <p14:creationId xmlns:p14="http://schemas.microsoft.com/office/powerpoint/2010/main" val="1660349218"/>
       </p:ext>
     </p:extLst>
   </p:cSld>
@@ -19511,7 +19336,7 @@
         </p:nvSpPr>
         <p:spPr>
           <a:xfrm>
-            <a:off x="457200" y="72854"/>
+            <a:off x="457200" y="74652"/>
             <a:ext cx="8153400" cy="553998"/>
           </a:xfrm>
         </p:spPr>
@@ -19525,13 +19350,13 @@
               <a:rPr lang="en-US" sz="3600" dirty="0">
                 <a:latin typeface="+mj-lt"/>
               </a:rPr>
-              <a:t>Application Case 6.7 </a:t>
+              <a:t>Cognitive Computing </a:t>
             </a:r>
             <a:r>
               <a:rPr lang="en-US" sz="2800" dirty="0">
                 <a:latin typeface="+mj-lt"/>
               </a:rPr>
-              <a:t>(1 of 4)</a:t>
+              <a:t>(1 of 3)</a:t>
             </a:r>
             <a:endParaRPr lang="en-US" sz="3600" dirty="0">
               <a:latin typeface="+mj-lt"/>
@@ -19541,7 +19366,7 @@
       </p:sp>
       <p:sp>
         <p:nvSpPr>
-          <p:cNvPr id="3" name="Content Placeholder 2"/>
+          <p:cNvPr id="5" name="Content Placeholder 4"/>
           <p:cNvSpPr>
             <a:spLocks noGrp="1"/>
           </p:cNvSpPr>
@@ -19551,8 +19376,8 @@
         </p:nvSpPr>
         <p:spPr>
           <a:xfrm>
-            <a:off x="457200" y="714376"/>
-            <a:ext cx="8153400" cy="861774"/>
+            <a:off x="457200" y="990601"/>
+            <a:ext cx="8153400" cy="2600712"/>
           </a:xfrm>
         </p:spPr>
         <p:txBody>
@@ -19561,140 +19386,195 @@
           </a:bodyPr>
           <a:lstStyle/>
           <a:p>
-            <a:pPr marL="0" lvl="0" indent="0">
+            <a:r>
+              <a:rPr lang="en-US" sz="2400" dirty="0"/>
+              <a:t>Systems that use mathematical models to emulate (or partially simulate) the human cognition process to find solutions to complex problems and situations where the potential answers can be imprecise</a:t>
+            </a:r>
+          </a:p>
+          <a:p>
+            <a:r>
+              <a:rPr lang="en-US" sz="2400" spc="-300" dirty="0"/>
+              <a:t>I B </a:t>
+            </a:r>
+            <a:r>
+              <a:rPr lang="en-US" sz="2400" dirty="0"/>
+              <a:t>M Watson on </a:t>
+            </a:r>
+            <a:r>
+              <a:rPr lang="en-US" sz="2400" i="1" dirty="0"/>
+              <a:t>Jeopardy! </a:t>
+            </a:r>
+          </a:p>
+          <a:p>
+            <a:r>
+              <a:rPr lang="en-US" sz="2400" dirty="0"/>
+              <a:t>How does cognitive computing work? </a:t>
+            </a:r>
+          </a:p>
+        </p:txBody>
+      </p:sp>
+      <p:sp>
+        <p:nvSpPr>
+          <p:cNvPr id="3" name="Content Placeholder 2"/>
+          <p:cNvSpPr>
+            <a:spLocks noGrp="1"/>
+          </p:cNvSpPr>
+          <p:nvPr>
+            <p:ph idx="13"/>
+          </p:nvPr>
+        </p:nvSpPr>
+        <p:spPr>
+          <a:xfrm>
+            <a:off x="466725" y="3676650"/>
+            <a:ext cx="4105275" cy="1708160"/>
+          </a:xfrm>
+        </p:spPr>
+        <p:txBody>
+          <a:bodyPr wrap="square">
+            <a:spAutoFit/>
+          </a:bodyPr>
+          <a:lstStyle/>
+          <a:p>
+            <a:pPr lvl="1"/>
+            <a:r>
+              <a:rPr lang="en-US" sz="2400" dirty="0"/>
+              <a:t>Adaptive </a:t>
+            </a:r>
+          </a:p>
+          <a:p>
+            <a:pPr lvl="1"/>
+            <a:r>
+              <a:rPr lang="en-US" sz="2400" dirty="0"/>
+              <a:t>Interactive</a:t>
+            </a:r>
+          </a:p>
+          <a:p>
+            <a:pPr lvl="1"/>
+            <a:r>
+              <a:rPr lang="en-US" sz="2400" dirty="0"/>
+              <a:t>Iterative and </a:t>
+            </a:r>
+            <a:r>
+              <a:rPr lang="en-US" sz="2400" dirty="0" err="1"/>
+              <a:t>stateful</a:t>
+            </a:r>
+            <a:endParaRPr lang="en-US" sz="2400" dirty="0"/>
+          </a:p>
+          <a:p>
+            <a:pPr lvl="1"/>
+            <a:r>
+              <a:rPr lang="en-US" sz="2400" dirty="0"/>
+              <a:t>Contextual</a:t>
+            </a:r>
+          </a:p>
+        </p:txBody>
+      </p:sp>
+      <p:sp>
+        <p:nvSpPr>
+          <p:cNvPr id="4" name="Content Placeholder 3"/>
+          <p:cNvSpPr>
+            <a:spLocks noGrp="1"/>
+          </p:cNvSpPr>
+          <p:nvPr>
+            <p:ph sz="quarter" idx="14"/>
+          </p:nvPr>
+        </p:nvSpPr>
+        <p:spPr>
+          <a:xfrm>
+            <a:off x="5657850" y="3665339"/>
+            <a:ext cx="2943225" cy="2154436"/>
+          </a:xfrm>
+          <a:solidFill>
+            <a:srgbClr val="D4EAE4"/>
+          </a:solidFill>
+        </p:spPr>
+        <p:txBody>
+          <a:bodyPr wrap="square">
+            <a:spAutoFit/>
+          </a:bodyPr>
+          <a:lstStyle/>
+          <a:p>
+            <a:pPr>
               <a:spcBef>
-                <a:spcPts val="0"/>
+                <a:spcPts val="600"/>
               </a:spcBef>
               <a:buClr>
-                <a:schemeClr val="lt1"/>
+                <a:schemeClr val="bg2"/>
               </a:buClr>
-              <a:buSzPct val="25000"/>
-              <a:buNone/>
-              <a:tabLst>
-                <a:tab pos="628650" algn="l"/>
-              </a:tabLst>
             </a:pPr>
             <a:r>
-              <a:rPr lang="en-IN" sz="2800" b="1" dirty="0">
+              <a:rPr lang="en-US" sz="2000" dirty="0"/>
+              <a:t>Data mining,</a:t>
+            </a:r>
+          </a:p>
+          <a:p>
+            <a:pPr>
+              <a:spcBef>
+                <a:spcPts val="600"/>
+              </a:spcBef>
+              <a:buClr>
+                <a:schemeClr val="bg2"/>
+              </a:buClr>
+            </a:pPr>
+            <a:r>
+              <a:rPr lang="en-US" sz="2000" dirty="0"/>
+              <a:t>Pattern recognition,</a:t>
+            </a:r>
+          </a:p>
+          <a:p>
+            <a:pPr>
+              <a:spcBef>
+                <a:spcPts val="600"/>
+              </a:spcBef>
+              <a:buClr>
+                <a:schemeClr val="bg2"/>
+              </a:buClr>
+            </a:pPr>
+            <a:r>
+              <a:rPr lang="en-US" sz="2000" dirty="0"/>
+              <a:t>Deep learning, and </a:t>
+            </a:r>
+          </a:p>
+          <a:p>
+            <a:pPr>
+              <a:spcBef>
+                <a:spcPts val="600"/>
+              </a:spcBef>
+              <a:buClr>
+                <a:schemeClr val="bg2"/>
+              </a:buClr>
+            </a:pPr>
+            <a:r>
+              <a:rPr lang="en-US" sz="2000" spc="-200" dirty="0"/>
+              <a:t>N L </a:t>
+            </a:r>
+            <a:r>
+              <a:rPr lang="en-US" sz="2000" dirty="0"/>
+              <a:t>P</a:t>
+            </a:r>
+            <a:endParaRPr lang="en-US" sz="2000" dirty="0">
+              <a:effectLst>
+                <a:outerShdw blurRad="38100" dist="38100" dir="2700000" algn="tl">
+                  <a:srgbClr val="000000">
+                    <a:alpha val="43137"/>
+                  </a:srgbClr>
+                </a:outerShdw>
+              </a:effectLst>
+            </a:endParaRPr>
+          </a:p>
+          <a:p>
+            <a:pPr lvl="1">
+              <a:buClr>
+                <a:schemeClr val="bg2"/>
+              </a:buClr>
+            </a:pPr>
+            <a:r>
+              <a:rPr lang="en-US" sz="2000" dirty="0">
                 <a:solidFill>
-                  <a:srgbClr val="007FA3"/>
+                  <a:schemeClr val="bg2"/>
                 </a:solidFill>
               </a:rPr>
-              <a:t>Deliver Innovation by Understanding Customer Sentiments</a:t>
-            </a:r>
-          </a:p>
-        </p:txBody>
-      </p:sp>
-      <p:pic>
-        <p:nvPicPr>
-          <p:cNvPr id="10242" name="Picture 2" descr="• The upper left quarter of the circle has two large clusters of yellow dots and a patch of multicolored dots, mostly pink and green. There are also two small clusters of purple. &#10;• The upper right quarter of the circle has one large cluster of blue dots and one large cluster of pink dots. There is a patch of multicolored dots. At the edge there is a cluster of green dots, of purple dots, and of orange dots. &#10;• The lower right quarter of the circle is mostly covered by a large patch of multicolored dots, most visibly pink, blue, and green. There is a small cluster of red dots towards the center and of green dots at the edge. &#10;• The lower left quarter of the circle is dominated by one large cluster of blue dots flanked by a small cluster of pink dots on one side and a small cluster of green dots on the other."/>
-          <p:cNvPicPr>
-            <a:picLocks noChangeAspect="1" noChangeArrowheads="1"/>
-          </p:cNvPicPr>
-          <p:nvPr/>
-        </p:nvPicPr>
-        <p:blipFill rotWithShape="1">
-          <a:blip r:embed="rId3" cstate="print">
-            <a:extLst>
-              <a:ext uri="{28A0092B-C50C-407E-A947-70E740481C1C}">
-                <a14:useLocalDpi xmlns:a14="http://schemas.microsoft.com/office/drawing/2010/main" val="0"/>
-              </a:ext>
-            </a:extLst>
-          </a:blip>
-          <a:srcRect b="3116"/>
-          <a:stretch/>
-        </p:blipFill>
-        <p:spPr bwMode="auto">
-          <a:xfrm>
-            <a:off x="3482608" y="1652100"/>
-            <a:ext cx="2160921" cy="2190549"/>
-          </a:xfrm>
-          <a:prstGeom prst="rect">
-            <a:avLst/>
-          </a:prstGeom>
-          <a:noFill/>
-          <a:extLst>
-            <a:ext uri="{909E8E84-426E-40DD-AFC4-6F175D3DCCD1}">
-              <a14:hiddenFill xmlns:a14="http://schemas.microsoft.com/office/drawing/2010/main">
-                <a:solidFill>
-                  <a:srgbClr val="FFFFFF"/>
-                </a:solidFill>
-              </a14:hiddenFill>
-            </a:ext>
-          </a:extLst>
-        </p:spPr>
-      </p:pic>
-      <p:sp>
-        <p:nvSpPr>
-          <p:cNvPr id="5" name="Content Placeholder 4"/>
-          <p:cNvSpPr>
-            <a:spLocks noGrp="1"/>
-          </p:cNvSpPr>
-          <p:nvPr>
-            <p:ph sz="quarter" idx="14"/>
-          </p:nvPr>
-        </p:nvSpPr>
-        <p:spPr>
-          <a:xfrm>
-            <a:off x="457200" y="3905250"/>
-            <a:ext cx="8153400" cy="2400657"/>
-          </a:xfrm>
-        </p:spPr>
-        <p:txBody>
-          <a:bodyPr>
-            <a:spAutoFit/>
-          </a:bodyPr>
-          <a:lstStyle/>
-          <a:p>
-            <a:pPr marL="0" indent="0">
-              <a:spcBef>
-                <a:spcPts val="1200"/>
-              </a:spcBef>
-              <a:buSzPct val="100000"/>
-              <a:buNone/>
-            </a:pPr>
-            <a:r>
-              <a:rPr lang="en-US" sz="1800" b="1" dirty="0"/>
-              <a:t>Discussion Questions: </a:t>
-            </a:r>
-          </a:p>
-          <a:p>
-            <a:pPr marL="457200" indent="-457200">
-              <a:spcBef>
-                <a:spcPts val="1200"/>
-              </a:spcBef>
-              <a:buFont typeface="+mj-lt"/>
-              <a:buAutoNum type="arabicPeriod"/>
-            </a:pPr>
-            <a:r>
-              <a:rPr lang="en-US" sz="1800" dirty="0"/>
-              <a:t>Why do you think sentiment analysis is gaining overwhelming popularity?</a:t>
-            </a:r>
-          </a:p>
-          <a:p>
-            <a:pPr marL="457200" indent="-457200">
-              <a:spcBef>
-                <a:spcPts val="1200"/>
-              </a:spcBef>
-              <a:buFont typeface="+mj-lt"/>
-              <a:buAutoNum type="arabicPeriod"/>
-            </a:pPr>
-            <a:r>
-              <a:rPr lang="en-US" sz="1800" dirty="0"/>
-              <a:t>How does sentiment analysis work? What does it produce?</a:t>
-            </a:r>
-          </a:p>
-          <a:p>
-            <a:pPr marL="457200" indent="-457200">
-              <a:spcBef>
-                <a:spcPts val="1200"/>
-              </a:spcBef>
-              <a:buFont typeface="+mj-lt"/>
-              <a:buAutoNum type="arabicPeriod"/>
-            </a:pPr>
-            <a:r>
-              <a:rPr lang="en-US" sz="1800" dirty="0"/>
-              <a:t>In addition to the specific examples in this case, can you think of other businesses and industries that can benefit from sentiment analysis? What is common among the companies that can benefit greatly from sentiment analysis?</a:t>
+              <a:t>Mimic the way the human brain works</a:t>
             </a:r>
           </a:p>
         </p:txBody>
@@ -19702,7 +19582,7 @@
     </p:spTree>
     <p:extLst>
       <p:ext uri="{BB962C8B-B14F-4D97-AF65-F5344CB8AC3E}">
-        <p14:creationId xmlns:p14="http://schemas.microsoft.com/office/powerpoint/2010/main" val="1263355788"/>
+        <p14:creationId xmlns:p14="http://schemas.microsoft.com/office/powerpoint/2010/main" val="2822843189"/>
       </p:ext>
     </p:extLst>
   </p:cSld>
@@ -19731,772 +19611,6 @@
       </p:grpSpPr>
       <p:sp>
         <p:nvSpPr>
-          <p:cNvPr id="2" name="Title 1" descr="The diagram shows a series of operators in small rectangles forming a chain connected by arrows going from left to right. The details are as follows: &#10;• The first rectangle contains the word Input. &#10;• An arrow labeled p connects the input rectangle to a rectangle that contains a multiplication symbol with the term w superscript 1 written above it and connected to the rectangle with a downward arrow. &#10;• Another arrow labeled with the term z superscript 1 connects the multiplication symbol to the next rectangle which contains the sigma symbol, with the term b superscript 1 written above it and connected to the rectangle with a downward arrow. &#10;• Another arrow to the right with the term n superscript 1 connects the sigma symbol to the next rectangle on the right, which contains the term f superscript 1.&#10;• Another arrow labeled a superscript 1 connects f superscript 1 to the next rectangle on the right. &#10;• The three rectangles (from the multiplication symbol to f superscript 1) are grouped together to give the formula: a superscript 1 equals f superscript 1 open bracket w superscript 1 times p plus b superscript 1 close bracket. &#10;• The rectangle on the right contains the multiplication symbol with the term w superscript 2 above it connected to the rectangle with a downward arrow. &#10;• Another arrow to the right labeled z superscript 2 above it connects the multiplication symbol to the rectangle on the right.&#10;• The rectangle on the right contains the sigma symbol labeled superscript 2 connects it to the rectangle with a downward arrow. &#10;• Another arrow to the right labeled n superscript 2 connects the sigma symbol to the rectangle on the right. &#10;• The rectangle on the right contains the term f superscript 2. &#10;• Another arrow to the right labeled a superscript 2 connects f superscript 2 to the rectangle on the right. &#10;• The three rectangles (from the multiplication symbol to f superscript 2) are grouped together to give the formula: a superscript 2 equals f superscript 2 open bracket w superscript 2 times a superscript 1 plus b superscript 2 close bracket.&#10;• The rectangle on the right contains the multiplication symbol. The term w superscript 3 is written above it with a downward arrow leading to the rectangle. An arrow to the right with z superscript 3 written above it connects the multiplication symbol to the rectangle on the right.&#10;• The rectangle on the right contains the sigma symbol. The term b superscript 3 is written above it with a downward arrow leading to the rectangle. An arrow to the right with n superscript 3 written above it connects the sigma symbol to the rectangle on the right. &#10;• The rectangle on the right contains the term f superscript 3. An arrow leads from the rectangle to the right with a superscript 3 written above it. &#10;• The three rectangles (from the multiplication symbol to f superscript 3) are grouped together to give the formula: a superscript 3 equals f superscript 3 open bracket w superscript 3 times a superscript 2 plus b superscript 3 close bracket.&#10;• The three formulas are grouped together to give the formula: a superscript 3 equals f superscript 3 open bracket w superscript 3 times f superscript 2 open bracket w superscript 2 times f superscript 1 open bracket w superscript 1 times p plus b superscript 1 close bracket plus b superscript 2 close bracket plus b superscript 3 close bracket. "/>
-          <p:cNvSpPr>
-            <a:spLocks noGrp="1"/>
-          </p:cNvSpPr>
-          <p:nvPr>
-            <p:ph type="title"/>
-          </p:nvPr>
-        </p:nvSpPr>
-        <p:spPr>
-          <a:xfrm>
-            <a:off x="457200" y="59519"/>
-            <a:ext cx="8143462" cy="1538883"/>
-          </a:xfrm>
-        </p:spPr>
-        <p:txBody>
-          <a:bodyPr wrap="square">
-            <a:spAutoFit/>
-          </a:bodyPr>
-          <a:lstStyle/>
-          <a:p>
-            <a:r>
-              <a:rPr lang="en-IN" sz="3600" dirty="0">
-                <a:latin typeface="+mj-lt"/>
-              </a:rPr>
-              <a:t>Recurrent Neural Networks (</a:t>
-            </a:r>
-            <a:r>
-              <a:rPr lang="en-IN" sz="3600" spc="-450" dirty="0">
-                <a:latin typeface="+mj-lt"/>
-              </a:rPr>
-              <a:t>R N </a:t>
-            </a:r>
-            <a:r>
-              <a:rPr lang="en-IN" sz="3600" dirty="0">
-                <a:latin typeface="+mj-lt"/>
-              </a:rPr>
-              <a:t>N) &amp; Long Short-Term Memory (</a:t>
-            </a:r>
-            <a:r>
-              <a:rPr lang="en-IN" sz="3600" spc="-450" dirty="0">
-                <a:latin typeface="+mj-lt"/>
-              </a:rPr>
-              <a:t>L S T </a:t>
-            </a:r>
-            <a:r>
-              <a:rPr lang="en-IN" sz="3600" dirty="0">
-                <a:latin typeface="+mj-lt"/>
-              </a:rPr>
-              <a:t>M)     </a:t>
-            </a:r>
-            <a:r>
-              <a:rPr lang="en-IN" sz="2800" dirty="0">
-                <a:latin typeface="+mj-lt"/>
-              </a:rPr>
-              <a:t>(3 of 3) </a:t>
-            </a:r>
-            <a:endParaRPr lang="en-US" sz="3600" dirty="0">
-              <a:latin typeface="+mj-lt"/>
-            </a:endParaRPr>
-          </a:p>
-        </p:txBody>
-      </p:sp>
-      <p:sp>
-        <p:nvSpPr>
-          <p:cNvPr id="3" name="Content Placeholder 2"/>
-          <p:cNvSpPr>
-            <a:spLocks noGrp="1"/>
-          </p:cNvSpPr>
-          <p:nvPr>
-            <p:ph idx="1"/>
-          </p:nvPr>
-        </p:nvSpPr>
-        <p:spPr>
-          <a:xfrm>
-            <a:off x="457200" y="1885950"/>
-            <a:ext cx="8143462" cy="369332"/>
-          </a:xfrm>
-        </p:spPr>
-        <p:txBody>
-          <a:bodyPr wrap="square">
-            <a:spAutoFit/>
-          </a:bodyPr>
-          <a:lstStyle/>
-          <a:p>
-            <a:r>
-              <a:rPr lang="en-US" sz="2400" spc="-300" dirty="0"/>
-              <a:t>L S T </a:t>
-            </a:r>
-            <a:r>
-              <a:rPr lang="en-US" sz="2400" dirty="0"/>
-              <a:t>M Network Applications </a:t>
-            </a:r>
-          </a:p>
-        </p:txBody>
-      </p:sp>
-      <p:sp>
-        <p:nvSpPr>
-          <p:cNvPr id="6" name="Content Placeholder 5"/>
-          <p:cNvSpPr>
-            <a:spLocks noGrp="1"/>
-          </p:cNvSpPr>
-          <p:nvPr>
-            <p:ph idx="13"/>
-          </p:nvPr>
-        </p:nvSpPr>
-        <p:spPr>
-          <a:xfrm>
-            <a:off x="457200" y="2797018"/>
-            <a:ext cx="2209800" cy="2154436"/>
-          </a:xfrm>
-        </p:spPr>
-        <p:txBody>
-          <a:bodyPr wrap="square">
-            <a:spAutoFit/>
-          </a:bodyPr>
-          <a:lstStyle/>
-          <a:p>
-            <a:pPr marL="0" indent="0">
-              <a:buNone/>
-            </a:pPr>
-            <a:r>
-              <a:rPr lang="en-US" sz="2000" dirty="0">
-                <a:solidFill>
-                  <a:schemeClr val="bg2"/>
-                </a:solidFill>
-              </a:rPr>
-              <a:t>Example Indicating the Close-to-Human Performance of the Google Neural Machine Translator   (</a:t>
-            </a:r>
-            <a:r>
-              <a:rPr lang="en-US" sz="2000" spc="-200" dirty="0">
-                <a:solidFill>
-                  <a:schemeClr val="bg2"/>
-                </a:solidFill>
-              </a:rPr>
-              <a:t>G N M T</a:t>
-            </a:r>
-            <a:r>
-              <a:rPr lang="en-US" sz="2000" dirty="0">
-                <a:solidFill>
-                  <a:schemeClr val="bg2"/>
-                </a:solidFill>
-              </a:rPr>
-              <a:t>)</a:t>
-            </a:r>
-            <a:endParaRPr lang="en-US" sz="2000" dirty="0">
-              <a:solidFill>
-                <a:schemeClr val="bg2"/>
-              </a:solidFill>
-              <a:effectLst>
-                <a:outerShdw blurRad="38100" dist="38100" dir="2700000" algn="tl">
-                  <a:srgbClr val="000000">
-                    <a:alpha val="43137"/>
-                  </a:srgbClr>
-                </a:outerShdw>
-              </a:effectLst>
-            </a:endParaRPr>
-          </a:p>
-        </p:txBody>
-      </p:sp>
-      <p:pic>
-        <p:nvPicPr>
-          <p:cNvPr id="11266" name="Picture 2" descr="The translation scale marks three types of translations: phrase-based, neural network, and human. The markings of each type of translation on the scale are as follows:&#10;• English to Spanish: &#10;• Phrase-based translation marked at a little before 5 &#10;• Neural network marked between 5 and 6 &#10;• Human is also marked between 5 and 6, but closer to 6 than the neural network&#10;• English to French: &#10;• Phrase-based translation marked at a little before 5 &#10;• Neural network marked between 5 and 6, but closer to 5 &#10;• Human marked midway between 5 and 6  &#10;• English to Chinese: &#10;• Phrase-based translation marked at just past 4 &#10;• Neural network marked at a little ahead of the midway point between 4 and 5 &#10;• Human marked at 5  &#10;• Spanish to English: &#10;• Phrase-based translation marked at a little before 5&#10;• Neural network marked at a little ahead of 5 &#10;• Human marked at just before the midway point between 5 and 6&#10;• French to English: &#10;• Phrase-based translation marked just ahead of 5&#10;• Neural network marked at a little before the midway point between 5 and 6 &#10;• Human marked at just before the midway point between 5 and 6&#10;• French to English: &#10;• Phrase-based translation marked at some distance before 4. &#10;• Neural network marked at some distance ahead of 4. &#10;• Human marked at some distance before 5&#10;• The input sentence below the scale reads: Pour l’ancienne secrétaire d’Etat, il s’agit de faire oublier un mois de cafouillages et de convaincre l’auditoire que M. Trump n’a pas l’étoffe d’un président.&#10;• The translations for the sentence are given as:&#10;• Phrase-based: For the former secretary of state, this is to forget a month of bungling and convince the audience that Mr. Trump has not the makings of a president.&#10;• Neural network: For the former secretary of state, it is a question of forgetting a month of muddles and convincing the audience that Mr. Trump does not have the stuff of a president.&#10;• Human: The former secretary of state has to put behind her a month of setbacks and convince the audience that Mr. Trump does not have what it takes to be a president."/>
-          <p:cNvPicPr>
-            <a:picLocks noChangeAspect="1" noChangeArrowheads="1"/>
-          </p:cNvPicPr>
-          <p:nvPr/>
-        </p:nvPicPr>
-        <p:blipFill rotWithShape="1">
-          <a:blip r:embed="rId3">
-            <a:extLst>
-              <a:ext uri="{28A0092B-C50C-407E-A947-70E740481C1C}">
-                <a14:useLocalDpi xmlns:a14="http://schemas.microsoft.com/office/drawing/2010/main" val="0"/>
-              </a:ext>
-            </a:extLst>
-          </a:blip>
-          <a:srcRect b="3456"/>
-          <a:stretch/>
-        </p:blipFill>
-        <p:spPr bwMode="auto">
-          <a:xfrm>
-            <a:off x="2788715" y="2521720"/>
-            <a:ext cx="5813712" cy="3650480"/>
-          </a:xfrm>
-          <a:prstGeom prst="rect">
-            <a:avLst/>
-          </a:prstGeom>
-          <a:noFill/>
-          <a:extLst>
-            <a:ext uri="{909E8E84-426E-40DD-AFC4-6F175D3DCCD1}">
-              <a14:hiddenFill xmlns:a14="http://schemas.microsoft.com/office/drawing/2010/main">
-                <a:solidFill>
-                  <a:srgbClr val="FFFFFF"/>
-                </a:solidFill>
-              </a14:hiddenFill>
-            </a:ext>
-          </a:extLst>
-        </p:spPr>
-      </p:pic>
-    </p:spTree>
-    <p:extLst>
-      <p:ext uri="{BB962C8B-B14F-4D97-AF65-F5344CB8AC3E}">
-        <p14:creationId xmlns:p14="http://schemas.microsoft.com/office/powerpoint/2010/main" val="2139820781"/>
-      </p:ext>
-    </p:extLst>
-  </p:cSld>
-  <p:clrMapOvr>
-    <a:masterClrMapping/>
-  </p:clrMapOvr>
-</p:sld>
-</file>
-
-<file path=ppt/slides/slide46.xml><?xml version="1.0" encoding="utf-8"?>
-<p:sld xmlns:a="http://schemas.openxmlformats.org/drawingml/2006/main" xmlns:r="http://schemas.openxmlformats.org/officeDocument/2006/relationships" xmlns:p="http://schemas.openxmlformats.org/presentationml/2006/main">
-  <p:cSld>
-    <p:spTree>
-      <p:nvGrpSpPr>
-        <p:cNvPr id="1" name=""/>
-        <p:cNvGrpSpPr/>
-        <p:nvPr/>
-      </p:nvGrpSpPr>
-      <p:grpSpPr>
-        <a:xfrm>
-          <a:off x="0" y="0"/>
-          <a:ext cx="0" cy="0"/>
-          <a:chOff x="0" y="0"/>
-          <a:chExt cx="0" cy="0"/>
-        </a:xfrm>
-      </p:grpSpPr>
-      <p:sp>
-        <p:nvSpPr>
-          <p:cNvPr id="2" name="Title 1"/>
-          <p:cNvSpPr>
-            <a:spLocks noGrp="1"/>
-          </p:cNvSpPr>
-          <p:nvPr>
-            <p:ph type="title"/>
-          </p:nvPr>
-        </p:nvSpPr>
-        <p:spPr>
-          <a:xfrm>
-            <a:off x="457200" y="61781"/>
-            <a:ext cx="8153400" cy="1107996"/>
-          </a:xfrm>
-        </p:spPr>
-        <p:txBody>
-          <a:bodyPr wrap="square">
-            <a:spAutoFit/>
-          </a:bodyPr>
-          <a:lstStyle/>
-          <a:p>
-            <a:r>
-              <a:rPr lang="en-US" sz="3600" dirty="0">
-                <a:latin typeface="+mj-lt"/>
-              </a:rPr>
-              <a:t>Computer Frameworks for Implementation of Deep Learning </a:t>
-            </a:r>
-          </a:p>
-        </p:txBody>
-      </p:sp>
-      <p:sp>
-        <p:nvSpPr>
-          <p:cNvPr id="5" name="Content Placeholder 4"/>
-          <p:cNvSpPr>
-            <a:spLocks noGrp="1"/>
-          </p:cNvSpPr>
-          <p:nvPr>
-            <p:ph sz="quarter" idx="14"/>
-          </p:nvPr>
-        </p:nvSpPr>
-        <p:spPr>
-          <a:xfrm>
-            <a:off x="457200" y="1371600"/>
-            <a:ext cx="8153400" cy="4847481"/>
-          </a:xfrm>
-        </p:spPr>
-        <p:txBody>
-          <a:bodyPr>
-            <a:spAutoFit/>
-          </a:bodyPr>
-          <a:lstStyle/>
-          <a:p>
-            <a:r>
-              <a:rPr lang="en-US" sz="2400" dirty="0"/>
-              <a:t>Torch (</a:t>
-            </a:r>
-            <a:r>
-              <a:rPr lang="en-US" sz="2400" dirty="0">
-                <a:hlinkClick r:id="rId3" tooltip="www.torch.ch"/>
-              </a:rPr>
-              <a:t>http://www.torch.ch</a:t>
-            </a:r>
-            <a:r>
-              <a:rPr lang="en-US" sz="2400" dirty="0"/>
-              <a:t>)</a:t>
-            </a:r>
-          </a:p>
-          <a:p>
-            <a:pPr lvl="1"/>
-            <a:r>
-              <a:rPr lang="en-US" sz="2400" spc="-300" dirty="0"/>
-              <a:t>M </a:t>
-            </a:r>
-            <a:r>
-              <a:rPr lang="en-US" sz="2400" dirty="0"/>
-              <a:t>L with </a:t>
-            </a:r>
-            <a:r>
-              <a:rPr lang="en-US" sz="2400" spc="-300" dirty="0"/>
-              <a:t>G P </a:t>
-            </a:r>
-            <a:r>
-              <a:rPr lang="en-US" sz="2400" dirty="0"/>
-              <a:t>U</a:t>
-            </a:r>
-          </a:p>
-          <a:p>
-            <a:r>
-              <a:rPr lang="en-US" sz="2400" dirty="0" err="1"/>
-              <a:t>Caffe</a:t>
-            </a:r>
-            <a:r>
-              <a:rPr lang="en-US" sz="2400" dirty="0"/>
-              <a:t> (</a:t>
-            </a:r>
-            <a:r>
-              <a:rPr lang="en-US" sz="2400" dirty="0">
-                <a:hlinkClick r:id="rId4" tooltip="caffe.berkeleyvision.org"/>
-              </a:rPr>
-              <a:t>caffe.berkeleyvision.org</a:t>
-            </a:r>
-            <a:r>
-              <a:rPr lang="en-US" sz="2400" dirty="0"/>
-              <a:t>)</a:t>
-            </a:r>
-          </a:p>
-          <a:p>
-            <a:pPr lvl="1"/>
-            <a:r>
-              <a:rPr lang="en-US" sz="2400" dirty="0"/>
-              <a:t>Facebook’s improved version (</a:t>
-            </a:r>
-            <a:r>
-              <a:rPr lang="en-US" sz="2400" dirty="0">
-                <a:hlinkClick r:id="rId5" tooltip="www.caffe2.ai"/>
-              </a:rPr>
-              <a:t>www.caffe2.ai</a:t>
-            </a:r>
-            <a:r>
-              <a:rPr lang="en-US" sz="2400" dirty="0"/>
-              <a:t>)</a:t>
-            </a:r>
-          </a:p>
-          <a:p>
-            <a:r>
-              <a:rPr lang="en-US" sz="2400" dirty="0" err="1"/>
-              <a:t>TensorFlow</a:t>
-            </a:r>
-            <a:r>
-              <a:rPr lang="en-US" sz="2400" dirty="0"/>
-              <a:t> (</a:t>
-            </a:r>
-            <a:r>
-              <a:rPr lang="en-US" sz="2400" dirty="0">
-                <a:hlinkClick r:id="rId6" tooltip="www.tensorflow.org"/>
-              </a:rPr>
-              <a:t>www.tensorflow.org</a:t>
-            </a:r>
-            <a:r>
-              <a:rPr lang="en-US" sz="2400" dirty="0"/>
-              <a:t>) </a:t>
-            </a:r>
-          </a:p>
-          <a:p>
-            <a:pPr lvl="1"/>
-            <a:r>
-              <a:rPr lang="en-US" sz="2400" dirty="0"/>
-              <a:t>Google - Tensor Processing Units (</a:t>
-            </a:r>
-            <a:r>
-              <a:rPr lang="en-US" sz="2400" spc="-300" dirty="0"/>
-              <a:t>T P U </a:t>
-            </a:r>
-            <a:r>
-              <a:rPr lang="en-US" sz="2400" dirty="0"/>
-              <a:t>s)</a:t>
-            </a:r>
-          </a:p>
-          <a:p>
-            <a:r>
-              <a:rPr lang="en-US" sz="2400" dirty="0" err="1"/>
-              <a:t>Theano</a:t>
-            </a:r>
-            <a:r>
-              <a:rPr lang="en-US" sz="2400" dirty="0"/>
-              <a:t> (</a:t>
-            </a:r>
-            <a:r>
-              <a:rPr lang="en-US" sz="2400" dirty="0">
-                <a:hlinkClick r:id="rId7" action="ppaction://hlinkfile" tooltip="deeplearning.net/software/theano"/>
-              </a:rPr>
-              <a:t>deeplearning.net/software/</a:t>
-            </a:r>
-            <a:r>
-              <a:rPr lang="en-US" sz="2400" dirty="0" err="1">
-                <a:hlinkClick r:id="rId7" action="ppaction://hlinkfile" tooltip="deeplearning.net/software/theano"/>
-              </a:rPr>
-              <a:t>theano</a:t>
-            </a:r>
-            <a:r>
-              <a:rPr lang="en-US" sz="2400" dirty="0"/>
-              <a:t>)</a:t>
-            </a:r>
-          </a:p>
-          <a:p>
-            <a:pPr lvl="1"/>
-            <a:r>
-              <a:rPr lang="en-US" sz="2400" dirty="0"/>
-              <a:t>Deep Learning Group at the University of Montreal</a:t>
-            </a:r>
-          </a:p>
-          <a:p>
-            <a:r>
-              <a:rPr lang="en-US" sz="2400" dirty="0" err="1"/>
-              <a:t>Keras</a:t>
-            </a:r>
-            <a:r>
-              <a:rPr lang="en-US" sz="2400" dirty="0"/>
-              <a:t> (</a:t>
-            </a:r>
-            <a:r>
-              <a:rPr lang="en-US" sz="2400" dirty="0">
-                <a:hlinkClick r:id="rId8" action="ppaction://hlinkfile" tooltip="keras.io"/>
-              </a:rPr>
-              <a:t>keras.io</a:t>
-            </a:r>
-            <a:r>
-              <a:rPr lang="en-US" sz="2400" dirty="0"/>
-              <a:t>)</a:t>
-            </a:r>
-          </a:p>
-          <a:p>
-            <a:pPr lvl="1"/>
-            <a:r>
-              <a:rPr lang="en-US" sz="2400" dirty="0"/>
-              <a:t>Application Programming Interface</a:t>
-            </a:r>
-          </a:p>
-        </p:txBody>
-      </p:sp>
-    </p:spTree>
-    <p:extLst>
-      <p:ext uri="{BB962C8B-B14F-4D97-AF65-F5344CB8AC3E}">
-        <p14:creationId xmlns:p14="http://schemas.microsoft.com/office/powerpoint/2010/main" val="1660349218"/>
-      </p:ext>
-    </p:extLst>
-  </p:cSld>
-  <p:clrMapOvr>
-    <a:masterClrMapping/>
-  </p:clrMapOvr>
-</p:sld>
-</file>
-
-<file path=ppt/slides/slide47.xml><?xml version="1.0" encoding="utf-8"?>
-<p:sld xmlns:a="http://schemas.openxmlformats.org/drawingml/2006/main" xmlns:r="http://schemas.openxmlformats.org/officeDocument/2006/relationships" xmlns:p="http://schemas.openxmlformats.org/presentationml/2006/main">
-  <p:cSld>
-    <p:spTree>
-      <p:nvGrpSpPr>
-        <p:cNvPr id="1" name=""/>
-        <p:cNvGrpSpPr/>
-        <p:nvPr/>
-      </p:nvGrpSpPr>
-      <p:grpSpPr>
-        <a:xfrm>
-          <a:off x="0" y="0"/>
-          <a:ext cx="0" cy="0"/>
-          <a:chOff x="0" y="0"/>
-          <a:chExt cx="0" cy="0"/>
-        </a:xfrm>
-      </p:grpSpPr>
-      <p:sp>
-        <p:nvSpPr>
-          <p:cNvPr id="2" name="Title 1"/>
-          <p:cNvSpPr>
-            <a:spLocks noGrp="1"/>
-          </p:cNvSpPr>
-          <p:nvPr>
-            <p:ph type="title"/>
-          </p:nvPr>
-        </p:nvSpPr>
-        <p:spPr>
-          <a:xfrm>
-            <a:off x="457200" y="74652"/>
-            <a:ext cx="8153400" cy="553998"/>
-          </a:xfrm>
-        </p:spPr>
-        <p:txBody>
-          <a:bodyPr wrap="square">
-            <a:spAutoFit/>
-          </a:bodyPr>
-          <a:lstStyle/>
-          <a:p>
-            <a:r>
-              <a:rPr lang="en-US" sz="3600" dirty="0">
-                <a:latin typeface="+mj-lt"/>
-              </a:rPr>
-              <a:t>Cognitive Computing </a:t>
-            </a:r>
-            <a:r>
-              <a:rPr lang="en-US" sz="2800" dirty="0">
-                <a:latin typeface="+mj-lt"/>
-              </a:rPr>
-              <a:t>(1 of 3)</a:t>
-            </a:r>
-            <a:endParaRPr lang="en-US" sz="3600" dirty="0">
-              <a:latin typeface="+mj-lt"/>
-            </a:endParaRPr>
-          </a:p>
-        </p:txBody>
-      </p:sp>
-      <p:sp>
-        <p:nvSpPr>
-          <p:cNvPr id="5" name="Content Placeholder 4"/>
-          <p:cNvSpPr>
-            <a:spLocks noGrp="1"/>
-          </p:cNvSpPr>
-          <p:nvPr>
-            <p:ph idx="1"/>
-          </p:nvPr>
-        </p:nvSpPr>
-        <p:spPr>
-          <a:xfrm>
-            <a:off x="457200" y="990601"/>
-            <a:ext cx="8153400" cy="2600712"/>
-          </a:xfrm>
-        </p:spPr>
-        <p:txBody>
-          <a:bodyPr wrap="square">
-            <a:spAutoFit/>
-          </a:bodyPr>
-          <a:lstStyle/>
-          <a:p>
-            <a:r>
-              <a:rPr lang="en-US" sz="2400" dirty="0"/>
-              <a:t>Systems that use mathematical models to emulate (or partially simulate) the human cognition process to find solutions to complex problems and situations where the potential answers can be imprecise</a:t>
-            </a:r>
-          </a:p>
-          <a:p>
-            <a:r>
-              <a:rPr lang="en-US" sz="2400" spc="-300" dirty="0"/>
-              <a:t>I B </a:t>
-            </a:r>
-            <a:r>
-              <a:rPr lang="en-US" sz="2400" dirty="0"/>
-              <a:t>M Watson on </a:t>
-            </a:r>
-            <a:r>
-              <a:rPr lang="en-US" sz="2400" i="1" dirty="0"/>
-              <a:t>Jeopardy! </a:t>
-            </a:r>
-          </a:p>
-          <a:p>
-            <a:r>
-              <a:rPr lang="en-US" sz="2400" dirty="0"/>
-              <a:t>How does cognitive computing work? </a:t>
-            </a:r>
-          </a:p>
-        </p:txBody>
-      </p:sp>
-      <p:sp>
-        <p:nvSpPr>
-          <p:cNvPr id="3" name="Content Placeholder 2"/>
-          <p:cNvSpPr>
-            <a:spLocks noGrp="1"/>
-          </p:cNvSpPr>
-          <p:nvPr>
-            <p:ph idx="13"/>
-          </p:nvPr>
-        </p:nvSpPr>
-        <p:spPr>
-          <a:xfrm>
-            <a:off x="466725" y="3676650"/>
-            <a:ext cx="4105275" cy="1708160"/>
-          </a:xfrm>
-        </p:spPr>
-        <p:txBody>
-          <a:bodyPr wrap="square">
-            <a:spAutoFit/>
-          </a:bodyPr>
-          <a:lstStyle/>
-          <a:p>
-            <a:pPr lvl="1"/>
-            <a:r>
-              <a:rPr lang="en-US" sz="2400" dirty="0"/>
-              <a:t>Adaptive </a:t>
-            </a:r>
-          </a:p>
-          <a:p>
-            <a:pPr lvl="1"/>
-            <a:r>
-              <a:rPr lang="en-US" sz="2400" dirty="0"/>
-              <a:t>Interactive</a:t>
-            </a:r>
-          </a:p>
-          <a:p>
-            <a:pPr lvl="1"/>
-            <a:r>
-              <a:rPr lang="en-US" sz="2400" dirty="0"/>
-              <a:t>Iterative and </a:t>
-            </a:r>
-            <a:r>
-              <a:rPr lang="en-US" sz="2400" dirty="0" err="1"/>
-              <a:t>stateful</a:t>
-            </a:r>
-            <a:endParaRPr lang="en-US" sz="2400" dirty="0"/>
-          </a:p>
-          <a:p>
-            <a:pPr lvl="1"/>
-            <a:r>
-              <a:rPr lang="en-US" sz="2400" dirty="0"/>
-              <a:t>Contextual</a:t>
-            </a:r>
-          </a:p>
-        </p:txBody>
-      </p:sp>
-      <p:sp>
-        <p:nvSpPr>
-          <p:cNvPr id="4" name="Content Placeholder 3"/>
-          <p:cNvSpPr>
-            <a:spLocks noGrp="1"/>
-          </p:cNvSpPr>
-          <p:nvPr>
-            <p:ph sz="quarter" idx="14"/>
-          </p:nvPr>
-        </p:nvSpPr>
-        <p:spPr>
-          <a:xfrm>
-            <a:off x="5657850" y="3665339"/>
-            <a:ext cx="2943225" cy="2154436"/>
-          </a:xfrm>
-          <a:solidFill>
-            <a:srgbClr val="D4EAE4"/>
-          </a:solidFill>
-        </p:spPr>
-        <p:txBody>
-          <a:bodyPr wrap="square">
-            <a:spAutoFit/>
-          </a:bodyPr>
-          <a:lstStyle/>
-          <a:p>
-            <a:pPr>
-              <a:spcBef>
-                <a:spcPts val="600"/>
-              </a:spcBef>
-              <a:buClr>
-                <a:schemeClr val="bg2"/>
-              </a:buClr>
-            </a:pPr>
-            <a:r>
-              <a:rPr lang="en-US" sz="2000" dirty="0"/>
-              <a:t>Data mining,</a:t>
-            </a:r>
-          </a:p>
-          <a:p>
-            <a:pPr>
-              <a:spcBef>
-                <a:spcPts val="600"/>
-              </a:spcBef>
-              <a:buClr>
-                <a:schemeClr val="bg2"/>
-              </a:buClr>
-            </a:pPr>
-            <a:r>
-              <a:rPr lang="en-US" sz="2000" dirty="0"/>
-              <a:t>Pattern recognition,</a:t>
-            </a:r>
-          </a:p>
-          <a:p>
-            <a:pPr>
-              <a:spcBef>
-                <a:spcPts val="600"/>
-              </a:spcBef>
-              <a:buClr>
-                <a:schemeClr val="bg2"/>
-              </a:buClr>
-            </a:pPr>
-            <a:r>
-              <a:rPr lang="en-US" sz="2000" dirty="0"/>
-              <a:t>Deep learning, and </a:t>
-            </a:r>
-          </a:p>
-          <a:p>
-            <a:pPr>
-              <a:spcBef>
-                <a:spcPts val="600"/>
-              </a:spcBef>
-              <a:buClr>
-                <a:schemeClr val="bg2"/>
-              </a:buClr>
-            </a:pPr>
-            <a:r>
-              <a:rPr lang="en-US" sz="2000" spc="-200" dirty="0"/>
-              <a:t>N L </a:t>
-            </a:r>
-            <a:r>
-              <a:rPr lang="en-US" sz="2000" dirty="0"/>
-              <a:t>P</a:t>
-            </a:r>
-            <a:endParaRPr lang="en-US" sz="2000" dirty="0">
-              <a:effectLst>
-                <a:outerShdw blurRad="38100" dist="38100" dir="2700000" algn="tl">
-                  <a:srgbClr val="000000">
-                    <a:alpha val="43137"/>
-                  </a:srgbClr>
-                </a:outerShdw>
-              </a:effectLst>
-            </a:endParaRPr>
-          </a:p>
-          <a:p>
-            <a:pPr lvl="1">
-              <a:buClr>
-                <a:schemeClr val="bg2"/>
-              </a:buClr>
-            </a:pPr>
-            <a:r>
-              <a:rPr lang="en-US" sz="2000" dirty="0">
-                <a:solidFill>
-                  <a:schemeClr val="bg2"/>
-                </a:solidFill>
-              </a:rPr>
-              <a:t>Mimic the way the human brain works</a:t>
-            </a:r>
-          </a:p>
-        </p:txBody>
-      </p:sp>
-    </p:spTree>
-    <p:extLst>
-      <p:ext uri="{BB962C8B-B14F-4D97-AF65-F5344CB8AC3E}">
-        <p14:creationId xmlns:p14="http://schemas.microsoft.com/office/powerpoint/2010/main" val="2822843189"/>
-      </p:ext>
-    </p:extLst>
-  </p:cSld>
-  <p:clrMapOvr>
-    <a:masterClrMapping/>
-  </p:clrMapOvr>
-</p:sld>
-</file>
-
-<file path=ppt/slides/slide48.xml><?xml version="1.0" encoding="utf-8"?>
-<p:sld xmlns:a="http://schemas.openxmlformats.org/drawingml/2006/main" xmlns:r="http://schemas.openxmlformats.org/officeDocument/2006/relationships" xmlns:p="http://schemas.openxmlformats.org/presentationml/2006/main">
-  <p:cSld>
-    <p:spTree>
-      <p:nvGrpSpPr>
-        <p:cNvPr id="1" name=""/>
-        <p:cNvGrpSpPr/>
-        <p:nvPr/>
-      </p:nvGrpSpPr>
-      <p:grpSpPr>
-        <a:xfrm>
-          <a:off x="0" y="0"/>
-          <a:ext cx="0" cy="0"/>
-          <a:chOff x="0" y="0"/>
-          <a:chExt cx="0" cy="0"/>
-        </a:xfrm>
-      </p:grpSpPr>
-      <p:sp>
-        <p:nvSpPr>
           <p:cNvPr id="2" name="Title 1"/>
           <p:cNvSpPr>
             <a:spLocks noGrp="1"/>
@@ -20581,7 +19695,7 @@
 </p:sld>
 </file>
 
-<file path=ppt/slides/slide49.xml><?xml version="1.0" encoding="utf-8"?>
+<file path=ppt/slides/slide46.xml><?xml version="1.0" encoding="utf-8"?>
 <p:sld xmlns:a="http://schemas.openxmlformats.org/drawingml/2006/main" xmlns:r="http://schemas.openxmlformats.org/officeDocument/2006/relationships" xmlns:p="http://schemas.openxmlformats.org/presentationml/2006/main">
   <p:cSld>
     <p:spTree>
@@ -21331,6 +20445,423 @@
 </p:sld>
 </file>
 
+<file path=ppt/slides/slide47.xml><?xml version="1.0" encoding="utf-8"?>
+<p:sld xmlns:a="http://schemas.openxmlformats.org/drawingml/2006/main" xmlns:r="http://schemas.openxmlformats.org/officeDocument/2006/relationships" xmlns:p="http://schemas.openxmlformats.org/presentationml/2006/main">
+  <p:cSld>
+    <p:spTree>
+      <p:nvGrpSpPr>
+        <p:cNvPr id="1" name=""/>
+        <p:cNvGrpSpPr/>
+        <p:nvPr/>
+      </p:nvGrpSpPr>
+      <p:grpSpPr>
+        <a:xfrm>
+          <a:off x="0" y="0"/>
+          <a:ext cx="0" cy="0"/>
+          <a:chOff x="0" y="0"/>
+          <a:chExt cx="0" cy="0"/>
+        </a:xfrm>
+      </p:grpSpPr>
+      <p:sp>
+        <p:nvSpPr>
+          <p:cNvPr id="2" name="Title 1"/>
+          <p:cNvSpPr>
+            <a:spLocks noGrp="1"/>
+          </p:cNvSpPr>
+          <p:nvPr>
+            <p:ph type="title"/>
+          </p:nvPr>
+        </p:nvSpPr>
+        <p:spPr>
+          <a:xfrm>
+            <a:off x="457200" y="72854"/>
+            <a:ext cx="8153400" cy="553998"/>
+          </a:xfrm>
+        </p:spPr>
+        <p:txBody>
+          <a:bodyPr wrap="square">
+            <a:spAutoFit/>
+          </a:bodyPr>
+          <a:lstStyle/>
+          <a:p>
+            <a:r>
+              <a:rPr lang="en-US" sz="3600" dirty="0">
+                <a:latin typeface="+mj-lt"/>
+              </a:rPr>
+              <a:t>Cognitive Computing </a:t>
+            </a:r>
+            <a:r>
+              <a:rPr lang="en-US" sz="2800" dirty="0">
+                <a:latin typeface="+mj-lt"/>
+              </a:rPr>
+              <a:t>(3 of 3)</a:t>
+            </a:r>
+            <a:endParaRPr lang="en-US" sz="3600" dirty="0">
+              <a:latin typeface="+mj-lt"/>
+            </a:endParaRPr>
+          </a:p>
+        </p:txBody>
+      </p:sp>
+      <p:sp>
+        <p:nvSpPr>
+          <p:cNvPr id="5" name="Content Placeholder 4"/>
+          <p:cNvSpPr>
+            <a:spLocks noGrp="1"/>
+          </p:cNvSpPr>
+          <p:nvPr>
+            <p:ph idx="1"/>
+          </p:nvPr>
+        </p:nvSpPr>
+        <p:spPr>
+          <a:xfrm>
+            <a:off x="457200" y="990600"/>
+            <a:ext cx="8153400" cy="4947508"/>
+          </a:xfrm>
+        </p:spPr>
+        <p:txBody>
+          <a:bodyPr wrap="square">
+            <a:spAutoFit/>
+          </a:bodyPr>
+          <a:lstStyle/>
+          <a:p>
+            <a:r>
+              <a:rPr lang="en-US" sz="2400" dirty="0"/>
+              <a:t>Cognitive computing use cases</a:t>
+            </a:r>
+          </a:p>
+          <a:p>
+            <a:pPr lvl="1"/>
+            <a:r>
+              <a:rPr lang="en-US" sz="2400" dirty="0"/>
+              <a:t>Development of smart and adaptive search engines</a:t>
+            </a:r>
+          </a:p>
+          <a:p>
+            <a:pPr lvl="1"/>
+            <a:r>
+              <a:rPr lang="en-US" sz="2400" dirty="0"/>
+              <a:t>Effective use of natural language processing</a:t>
+            </a:r>
+          </a:p>
+          <a:p>
+            <a:pPr lvl="1"/>
+            <a:r>
+              <a:rPr lang="en-US" sz="2400" dirty="0"/>
+              <a:t>Speech recognition</a:t>
+            </a:r>
+          </a:p>
+          <a:p>
+            <a:pPr lvl="1"/>
+            <a:r>
+              <a:rPr lang="en-US" sz="2400" dirty="0"/>
+              <a:t>Language translation</a:t>
+            </a:r>
+          </a:p>
+          <a:p>
+            <a:pPr lvl="1"/>
+            <a:r>
+              <a:rPr lang="en-US" sz="2400" dirty="0"/>
+              <a:t>Context-based sentiment analysis</a:t>
+            </a:r>
+          </a:p>
+          <a:p>
+            <a:pPr lvl="1"/>
+            <a:r>
+              <a:rPr lang="en-US" sz="2400" dirty="0"/>
+              <a:t>Face recognition and facial emotion detection</a:t>
+            </a:r>
+          </a:p>
+          <a:p>
+            <a:pPr lvl="1"/>
+            <a:r>
+              <a:rPr lang="en-US" sz="2400" dirty="0"/>
+              <a:t>Risk assessment and mitigation</a:t>
+            </a:r>
+          </a:p>
+          <a:p>
+            <a:pPr lvl="1"/>
+            <a:r>
+              <a:rPr lang="en-US" sz="2400" dirty="0"/>
+              <a:t>Fraud detection and mitigation</a:t>
+            </a:r>
+          </a:p>
+          <a:p>
+            <a:pPr lvl="1"/>
+            <a:r>
+              <a:rPr lang="en-US" sz="2400" dirty="0"/>
+              <a:t>Behavioral assessment and recommendations, …</a:t>
+            </a:r>
+          </a:p>
+          <a:p>
+            <a:r>
+              <a:rPr lang="en-US" sz="2400" dirty="0"/>
+              <a:t>Cognitive analytics?</a:t>
+            </a:r>
+          </a:p>
+        </p:txBody>
+      </p:sp>
+    </p:spTree>
+    <p:extLst>
+      <p:ext uri="{BB962C8B-B14F-4D97-AF65-F5344CB8AC3E}">
+        <p14:creationId xmlns:p14="http://schemas.microsoft.com/office/powerpoint/2010/main" val="4070035299"/>
+      </p:ext>
+    </p:extLst>
+  </p:cSld>
+  <p:clrMapOvr>
+    <a:masterClrMapping/>
+  </p:clrMapOvr>
+</p:sld>
+</file>
+
+<file path=ppt/slides/slide48.xml><?xml version="1.0" encoding="utf-8"?>
+<p:sld xmlns:a="http://schemas.openxmlformats.org/drawingml/2006/main" xmlns:r="http://schemas.openxmlformats.org/officeDocument/2006/relationships" xmlns:p="http://schemas.openxmlformats.org/presentationml/2006/main">
+  <p:cSld>
+    <p:spTree>
+      <p:nvGrpSpPr>
+        <p:cNvPr id="1" name=""/>
+        <p:cNvGrpSpPr/>
+        <p:nvPr/>
+      </p:nvGrpSpPr>
+      <p:grpSpPr>
+        <a:xfrm>
+          <a:off x="0" y="0"/>
+          <a:ext cx="0" cy="0"/>
+          <a:chOff x="0" y="0"/>
+          <a:chExt cx="0" cy="0"/>
+        </a:xfrm>
+      </p:grpSpPr>
+      <p:sp>
+        <p:nvSpPr>
+          <p:cNvPr id="2" name="Title 1"/>
+          <p:cNvSpPr>
+            <a:spLocks noGrp="1"/>
+          </p:cNvSpPr>
+          <p:nvPr>
+            <p:ph type="title"/>
+          </p:nvPr>
+        </p:nvSpPr>
+        <p:spPr>
+          <a:xfrm>
+            <a:off x="457200" y="72854"/>
+            <a:ext cx="8153400" cy="553998"/>
+          </a:xfrm>
+        </p:spPr>
+        <p:txBody>
+          <a:bodyPr wrap="square">
+            <a:spAutoFit/>
+          </a:bodyPr>
+          <a:lstStyle/>
+          <a:p>
+            <a:r>
+              <a:rPr lang="en-US" sz="3600" dirty="0">
+                <a:latin typeface="+mj-lt"/>
+              </a:rPr>
+              <a:t>Cognitive Search</a:t>
+            </a:r>
+          </a:p>
+        </p:txBody>
+      </p:sp>
+      <p:sp>
+        <p:nvSpPr>
+          <p:cNvPr id="5" name="Content Placeholder 4"/>
+          <p:cNvSpPr>
+            <a:spLocks noGrp="1"/>
+          </p:cNvSpPr>
+          <p:nvPr>
+            <p:ph idx="1"/>
+          </p:nvPr>
+        </p:nvSpPr>
+        <p:spPr>
+          <a:xfrm>
+            <a:off x="457200" y="990600"/>
+            <a:ext cx="8153400" cy="2423740"/>
+          </a:xfrm>
+        </p:spPr>
+        <p:txBody>
+          <a:bodyPr wrap="square">
+            <a:spAutoFit/>
+          </a:bodyPr>
+          <a:lstStyle/>
+          <a:p>
+            <a:r>
+              <a:rPr lang="en-US" sz="2400" dirty="0"/>
+              <a:t>Can handle a variety of data types</a:t>
+            </a:r>
+          </a:p>
+          <a:p>
+            <a:r>
+              <a:rPr lang="en-US" sz="2400" dirty="0"/>
+              <a:t>Can contextualize the search space</a:t>
+            </a:r>
+          </a:p>
+          <a:p>
+            <a:r>
+              <a:rPr lang="en-US" sz="2400" dirty="0"/>
+              <a:t>Employ advanced </a:t>
+            </a:r>
+            <a:r>
+              <a:rPr lang="en-US" sz="2400" spc="-300" dirty="0"/>
+              <a:t>A </a:t>
+            </a:r>
+            <a:r>
+              <a:rPr lang="en-US" sz="2400" dirty="0"/>
+              <a:t>I technologies.</a:t>
+            </a:r>
+          </a:p>
+          <a:p>
+            <a:r>
+              <a:rPr lang="en-US" sz="2400" dirty="0"/>
+              <a:t>Enable developers to build enterprise-specific search applications</a:t>
+            </a:r>
+          </a:p>
+        </p:txBody>
+      </p:sp>
+      <p:pic>
+        <p:nvPicPr>
+          <p:cNvPr id="14338" name="Picture 2" descr="The ease of use is represented on the y-axis while the value proposition is represented on the x-axis.&#10;• The line graph starts from the origin and rises with a positive slope to the first marked point. The word Indexing is written under the point. An icon labeled Keyword Search lies just above this point. &#10;• The slope of the graph increases slightly and remains constant until the second marked point. A list under this point includes Indexing and Natural Language Processing or N L P. An icon labeled Semantic Search lies just above this point. &#10;• The slope of the graph increases further, and the graph curves slightly upwards until the third marked point. A list under this point includes Indexing, N L P, and Machine Learning. An icon labeled Contextual Search lies just above this point. &#10;• The slope of the graph increases further, and graph curves slightly upwards until the fourth marked point. A list under this point includes Indexing, N L P, Machine Learning, and Natural Human Interaction or N H I. An icon labeled Cognitive Search lies just above this point. The graph continues to rise beyond this point."/>
+          <p:cNvPicPr>
+            <a:picLocks noChangeAspect="1" noChangeArrowheads="1"/>
+          </p:cNvPicPr>
+          <p:nvPr/>
+        </p:nvPicPr>
+        <p:blipFill rotWithShape="1">
+          <a:blip r:embed="rId3">
+            <a:extLst>
+              <a:ext uri="{28A0092B-C50C-407E-A947-70E740481C1C}">
+                <a14:useLocalDpi xmlns:a14="http://schemas.microsoft.com/office/drawing/2010/main" val="0"/>
+              </a:ext>
+            </a:extLst>
+          </a:blip>
+          <a:srcRect b="4323"/>
+          <a:stretch/>
+        </p:blipFill>
+        <p:spPr bwMode="auto">
+          <a:xfrm>
+            <a:off x="2117518" y="3500163"/>
+            <a:ext cx="4908965" cy="2802473"/>
+          </a:xfrm>
+          <a:prstGeom prst="rect">
+            <a:avLst/>
+          </a:prstGeom>
+          <a:noFill/>
+          <a:extLst>
+            <a:ext uri="{909E8E84-426E-40DD-AFC4-6F175D3DCCD1}">
+              <a14:hiddenFill xmlns:a14="http://schemas.microsoft.com/office/drawing/2010/main">
+                <a:solidFill>
+                  <a:srgbClr val="FFFFFF"/>
+                </a:solidFill>
+              </a14:hiddenFill>
+            </a:ext>
+          </a:extLst>
+        </p:spPr>
+      </p:pic>
+    </p:spTree>
+    <p:extLst>
+      <p:ext uri="{BB962C8B-B14F-4D97-AF65-F5344CB8AC3E}">
+        <p14:creationId xmlns:p14="http://schemas.microsoft.com/office/powerpoint/2010/main" val="1786028586"/>
+      </p:ext>
+    </p:extLst>
+  </p:cSld>
+  <p:clrMapOvr>
+    <a:masterClrMapping/>
+  </p:clrMapOvr>
+</p:sld>
+</file>
+
+<file path=ppt/slides/slide49.xml><?xml version="1.0" encoding="utf-8"?>
+<p:sld xmlns:a="http://schemas.openxmlformats.org/drawingml/2006/main" xmlns:r="http://schemas.openxmlformats.org/officeDocument/2006/relationships" xmlns:p="http://schemas.openxmlformats.org/presentationml/2006/main">
+  <p:cSld>
+    <p:spTree>
+      <p:nvGrpSpPr>
+        <p:cNvPr id="1" name=""/>
+        <p:cNvGrpSpPr/>
+        <p:nvPr/>
+      </p:nvGrpSpPr>
+      <p:grpSpPr>
+        <a:xfrm>
+          <a:off x="0" y="0"/>
+          <a:ext cx="0" cy="0"/>
+          <a:chOff x="0" y="0"/>
+          <a:chExt cx="0" cy="0"/>
+        </a:xfrm>
+      </p:grpSpPr>
+      <p:sp>
+        <p:nvSpPr>
+          <p:cNvPr id="2" name="Title 1"/>
+          <p:cNvSpPr>
+            <a:spLocks noGrp="1"/>
+          </p:cNvSpPr>
+          <p:nvPr>
+            <p:ph type="title"/>
+          </p:nvPr>
+        </p:nvSpPr>
+        <p:spPr>
+          <a:xfrm>
+            <a:off x="457200" y="72854"/>
+            <a:ext cx="8153400" cy="553998"/>
+          </a:xfrm>
+        </p:spPr>
+        <p:txBody>
+          <a:bodyPr wrap="square">
+            <a:spAutoFit/>
+          </a:bodyPr>
+          <a:lstStyle/>
+          <a:p>
+            <a:r>
+              <a:rPr lang="en-US" sz="3600" dirty="0">
+                <a:latin typeface="+mj-lt"/>
+              </a:rPr>
+              <a:t>End of Chapter 6</a:t>
+            </a:r>
+          </a:p>
+        </p:txBody>
+      </p:sp>
+      <p:sp>
+        <p:nvSpPr>
+          <p:cNvPr id="4" name="Content Placeholder 3"/>
+          <p:cNvSpPr>
+            <a:spLocks noGrp="1"/>
+          </p:cNvSpPr>
+          <p:nvPr>
+            <p:ph sz="quarter" idx="14"/>
+          </p:nvPr>
+        </p:nvSpPr>
+        <p:spPr>
+          <a:xfrm>
+            <a:off x="457200" y="990600"/>
+            <a:ext cx="8153400" cy="369332"/>
+          </a:xfrm>
+        </p:spPr>
+        <p:txBody>
+          <a:bodyPr>
+            <a:spAutoFit/>
+          </a:bodyPr>
+          <a:lstStyle/>
+          <a:p>
+            <a:pPr marL="231775" indent="-231775">
+              <a:buSzPct val="100000"/>
+            </a:pPr>
+            <a:r>
+              <a:rPr lang="en-US" sz="2400" dirty="0"/>
+              <a:t>Questions / Comments</a:t>
+            </a:r>
+            <a:endParaRPr lang="en-IN" sz="2400" dirty="0"/>
+          </a:p>
+        </p:txBody>
+      </p:sp>
+    </p:spTree>
+    <p:extLst>
+      <p:ext uri="{BB962C8B-B14F-4D97-AF65-F5344CB8AC3E}">
+        <p14:creationId xmlns:p14="http://schemas.microsoft.com/office/powerpoint/2010/main" val="2666502357"/>
+      </p:ext>
+    </p:extLst>
+  </p:cSld>
+  <p:clrMapOvr>
+    <a:masterClrMapping/>
+  </p:clrMapOvr>
+</p:sld>
+</file>
+
 <file path=ppt/slides/slide5.xml><?xml version="1.0" encoding="utf-8"?>
 <p:sld xmlns:a="http://schemas.openxmlformats.org/drawingml/2006/main" xmlns:r="http://schemas.openxmlformats.org/officeDocument/2006/relationships" xmlns:p="http://schemas.openxmlformats.org/presentationml/2006/main">
   <p:cSld>
@@ -21560,423 +21091,6 @@
 </file>
 
 <file path=ppt/slides/slide50.xml><?xml version="1.0" encoding="utf-8"?>
-<p:sld xmlns:a="http://schemas.openxmlformats.org/drawingml/2006/main" xmlns:r="http://schemas.openxmlformats.org/officeDocument/2006/relationships" xmlns:p="http://schemas.openxmlformats.org/presentationml/2006/main">
-  <p:cSld>
-    <p:spTree>
-      <p:nvGrpSpPr>
-        <p:cNvPr id="1" name=""/>
-        <p:cNvGrpSpPr/>
-        <p:nvPr/>
-      </p:nvGrpSpPr>
-      <p:grpSpPr>
-        <a:xfrm>
-          <a:off x="0" y="0"/>
-          <a:ext cx="0" cy="0"/>
-          <a:chOff x="0" y="0"/>
-          <a:chExt cx="0" cy="0"/>
-        </a:xfrm>
-      </p:grpSpPr>
-      <p:sp>
-        <p:nvSpPr>
-          <p:cNvPr id="2" name="Title 1"/>
-          <p:cNvSpPr>
-            <a:spLocks noGrp="1"/>
-          </p:cNvSpPr>
-          <p:nvPr>
-            <p:ph type="title"/>
-          </p:nvPr>
-        </p:nvSpPr>
-        <p:spPr>
-          <a:xfrm>
-            <a:off x="457200" y="72854"/>
-            <a:ext cx="8153400" cy="553998"/>
-          </a:xfrm>
-        </p:spPr>
-        <p:txBody>
-          <a:bodyPr wrap="square">
-            <a:spAutoFit/>
-          </a:bodyPr>
-          <a:lstStyle/>
-          <a:p>
-            <a:r>
-              <a:rPr lang="en-US" sz="3600" dirty="0">
-                <a:latin typeface="+mj-lt"/>
-              </a:rPr>
-              <a:t>Cognitive Computing </a:t>
-            </a:r>
-            <a:r>
-              <a:rPr lang="en-US" sz="2800" dirty="0">
-                <a:latin typeface="+mj-lt"/>
-              </a:rPr>
-              <a:t>(3 of 3)</a:t>
-            </a:r>
-            <a:endParaRPr lang="en-US" sz="3600" dirty="0">
-              <a:latin typeface="+mj-lt"/>
-            </a:endParaRPr>
-          </a:p>
-        </p:txBody>
-      </p:sp>
-      <p:sp>
-        <p:nvSpPr>
-          <p:cNvPr id="5" name="Content Placeholder 4"/>
-          <p:cNvSpPr>
-            <a:spLocks noGrp="1"/>
-          </p:cNvSpPr>
-          <p:nvPr>
-            <p:ph idx="1"/>
-          </p:nvPr>
-        </p:nvSpPr>
-        <p:spPr>
-          <a:xfrm>
-            <a:off x="457200" y="990600"/>
-            <a:ext cx="8153400" cy="4947508"/>
-          </a:xfrm>
-        </p:spPr>
-        <p:txBody>
-          <a:bodyPr wrap="square">
-            <a:spAutoFit/>
-          </a:bodyPr>
-          <a:lstStyle/>
-          <a:p>
-            <a:r>
-              <a:rPr lang="en-US" sz="2400" dirty="0"/>
-              <a:t>Cognitive computing use cases</a:t>
-            </a:r>
-          </a:p>
-          <a:p>
-            <a:pPr lvl="1"/>
-            <a:r>
-              <a:rPr lang="en-US" sz="2400" dirty="0"/>
-              <a:t>Development of smart and adaptive search engines</a:t>
-            </a:r>
-          </a:p>
-          <a:p>
-            <a:pPr lvl="1"/>
-            <a:r>
-              <a:rPr lang="en-US" sz="2400" dirty="0"/>
-              <a:t>Effective use of natural language processing</a:t>
-            </a:r>
-          </a:p>
-          <a:p>
-            <a:pPr lvl="1"/>
-            <a:r>
-              <a:rPr lang="en-US" sz="2400" dirty="0"/>
-              <a:t>Speech recognition</a:t>
-            </a:r>
-          </a:p>
-          <a:p>
-            <a:pPr lvl="1"/>
-            <a:r>
-              <a:rPr lang="en-US" sz="2400" dirty="0"/>
-              <a:t>Language translation</a:t>
-            </a:r>
-          </a:p>
-          <a:p>
-            <a:pPr lvl="1"/>
-            <a:r>
-              <a:rPr lang="en-US" sz="2400" dirty="0"/>
-              <a:t>Context-based sentiment analysis</a:t>
-            </a:r>
-          </a:p>
-          <a:p>
-            <a:pPr lvl="1"/>
-            <a:r>
-              <a:rPr lang="en-US" sz="2400" dirty="0"/>
-              <a:t>Face recognition and facial emotion detection</a:t>
-            </a:r>
-          </a:p>
-          <a:p>
-            <a:pPr lvl="1"/>
-            <a:r>
-              <a:rPr lang="en-US" sz="2400" dirty="0"/>
-              <a:t>Risk assessment and mitigation</a:t>
-            </a:r>
-          </a:p>
-          <a:p>
-            <a:pPr lvl="1"/>
-            <a:r>
-              <a:rPr lang="en-US" sz="2400" dirty="0"/>
-              <a:t>Fraud detection and mitigation</a:t>
-            </a:r>
-          </a:p>
-          <a:p>
-            <a:pPr lvl="1"/>
-            <a:r>
-              <a:rPr lang="en-US" sz="2400" dirty="0"/>
-              <a:t>Behavioral assessment and recommendations, …</a:t>
-            </a:r>
-          </a:p>
-          <a:p>
-            <a:r>
-              <a:rPr lang="en-US" sz="2400" dirty="0"/>
-              <a:t>Cognitive analytics?</a:t>
-            </a:r>
-          </a:p>
-        </p:txBody>
-      </p:sp>
-    </p:spTree>
-    <p:extLst>
-      <p:ext uri="{BB962C8B-B14F-4D97-AF65-F5344CB8AC3E}">
-        <p14:creationId xmlns:p14="http://schemas.microsoft.com/office/powerpoint/2010/main" val="4070035299"/>
-      </p:ext>
-    </p:extLst>
-  </p:cSld>
-  <p:clrMapOvr>
-    <a:masterClrMapping/>
-  </p:clrMapOvr>
-</p:sld>
-</file>
-
-<file path=ppt/slides/slide51.xml><?xml version="1.0" encoding="utf-8"?>
-<p:sld xmlns:a="http://schemas.openxmlformats.org/drawingml/2006/main" xmlns:r="http://schemas.openxmlformats.org/officeDocument/2006/relationships" xmlns:p="http://schemas.openxmlformats.org/presentationml/2006/main">
-  <p:cSld>
-    <p:spTree>
-      <p:nvGrpSpPr>
-        <p:cNvPr id="1" name=""/>
-        <p:cNvGrpSpPr/>
-        <p:nvPr/>
-      </p:nvGrpSpPr>
-      <p:grpSpPr>
-        <a:xfrm>
-          <a:off x="0" y="0"/>
-          <a:ext cx="0" cy="0"/>
-          <a:chOff x="0" y="0"/>
-          <a:chExt cx="0" cy="0"/>
-        </a:xfrm>
-      </p:grpSpPr>
-      <p:sp>
-        <p:nvSpPr>
-          <p:cNvPr id="2" name="Title 1"/>
-          <p:cNvSpPr>
-            <a:spLocks noGrp="1"/>
-          </p:cNvSpPr>
-          <p:nvPr>
-            <p:ph type="title"/>
-          </p:nvPr>
-        </p:nvSpPr>
-        <p:spPr>
-          <a:xfrm>
-            <a:off x="457200" y="72854"/>
-            <a:ext cx="8153400" cy="553998"/>
-          </a:xfrm>
-        </p:spPr>
-        <p:txBody>
-          <a:bodyPr wrap="square">
-            <a:spAutoFit/>
-          </a:bodyPr>
-          <a:lstStyle/>
-          <a:p>
-            <a:r>
-              <a:rPr lang="en-US" sz="3600" dirty="0">
-                <a:latin typeface="+mj-lt"/>
-              </a:rPr>
-              <a:t>Cognitive Search</a:t>
-            </a:r>
-          </a:p>
-        </p:txBody>
-      </p:sp>
-      <p:sp>
-        <p:nvSpPr>
-          <p:cNvPr id="5" name="Content Placeholder 4"/>
-          <p:cNvSpPr>
-            <a:spLocks noGrp="1"/>
-          </p:cNvSpPr>
-          <p:nvPr>
-            <p:ph idx="1"/>
-          </p:nvPr>
-        </p:nvSpPr>
-        <p:spPr>
-          <a:xfrm>
-            <a:off x="457200" y="990600"/>
-            <a:ext cx="8153400" cy="2423740"/>
-          </a:xfrm>
-        </p:spPr>
-        <p:txBody>
-          <a:bodyPr wrap="square">
-            <a:spAutoFit/>
-          </a:bodyPr>
-          <a:lstStyle/>
-          <a:p>
-            <a:r>
-              <a:rPr lang="en-US" sz="2400" dirty="0"/>
-              <a:t>Can handle a variety of data types</a:t>
-            </a:r>
-          </a:p>
-          <a:p>
-            <a:r>
-              <a:rPr lang="en-US" sz="2400" dirty="0"/>
-              <a:t>Can contextualize the search space</a:t>
-            </a:r>
-          </a:p>
-          <a:p>
-            <a:r>
-              <a:rPr lang="en-US" sz="2400" dirty="0"/>
-              <a:t>Employ advanced </a:t>
-            </a:r>
-            <a:r>
-              <a:rPr lang="en-US" sz="2400" spc="-300" dirty="0"/>
-              <a:t>A </a:t>
-            </a:r>
-            <a:r>
-              <a:rPr lang="en-US" sz="2400" dirty="0"/>
-              <a:t>I technologies.</a:t>
-            </a:r>
-          </a:p>
-          <a:p>
-            <a:r>
-              <a:rPr lang="en-US" sz="2400" dirty="0"/>
-              <a:t>Enable developers to build enterprise-specific search applications</a:t>
-            </a:r>
-          </a:p>
-        </p:txBody>
-      </p:sp>
-      <p:pic>
-        <p:nvPicPr>
-          <p:cNvPr id="14338" name="Picture 2" descr="The ease of use is represented on the y-axis while the value proposition is represented on the x-axis.&#10;• The line graph starts from the origin and rises with a positive slope to the first marked point. The word Indexing is written under the point. An icon labeled Keyword Search lies just above this point. &#10;• The slope of the graph increases slightly and remains constant until the second marked point. A list under this point includes Indexing and Natural Language Processing or N L P. An icon labeled Semantic Search lies just above this point. &#10;• The slope of the graph increases further, and the graph curves slightly upwards until the third marked point. A list under this point includes Indexing, N L P, and Machine Learning. An icon labeled Contextual Search lies just above this point. &#10;• The slope of the graph increases further, and graph curves slightly upwards until the fourth marked point. A list under this point includes Indexing, N L P, Machine Learning, and Natural Human Interaction or N H I. An icon labeled Cognitive Search lies just above this point. The graph continues to rise beyond this point."/>
-          <p:cNvPicPr>
-            <a:picLocks noChangeAspect="1" noChangeArrowheads="1"/>
-          </p:cNvPicPr>
-          <p:nvPr/>
-        </p:nvPicPr>
-        <p:blipFill rotWithShape="1">
-          <a:blip r:embed="rId3">
-            <a:extLst>
-              <a:ext uri="{28A0092B-C50C-407E-A947-70E740481C1C}">
-                <a14:useLocalDpi xmlns:a14="http://schemas.microsoft.com/office/drawing/2010/main" val="0"/>
-              </a:ext>
-            </a:extLst>
-          </a:blip>
-          <a:srcRect b="4323"/>
-          <a:stretch/>
-        </p:blipFill>
-        <p:spPr bwMode="auto">
-          <a:xfrm>
-            <a:off x="2117518" y="3500163"/>
-            <a:ext cx="4908965" cy="2802473"/>
-          </a:xfrm>
-          <a:prstGeom prst="rect">
-            <a:avLst/>
-          </a:prstGeom>
-          <a:noFill/>
-          <a:extLst>
-            <a:ext uri="{909E8E84-426E-40DD-AFC4-6F175D3DCCD1}">
-              <a14:hiddenFill xmlns:a14="http://schemas.microsoft.com/office/drawing/2010/main">
-                <a:solidFill>
-                  <a:srgbClr val="FFFFFF"/>
-                </a:solidFill>
-              </a14:hiddenFill>
-            </a:ext>
-          </a:extLst>
-        </p:spPr>
-      </p:pic>
-    </p:spTree>
-    <p:extLst>
-      <p:ext uri="{BB962C8B-B14F-4D97-AF65-F5344CB8AC3E}">
-        <p14:creationId xmlns:p14="http://schemas.microsoft.com/office/powerpoint/2010/main" val="1786028586"/>
-      </p:ext>
-    </p:extLst>
-  </p:cSld>
-  <p:clrMapOvr>
-    <a:masterClrMapping/>
-  </p:clrMapOvr>
-</p:sld>
-</file>
-
-<file path=ppt/slides/slide52.xml><?xml version="1.0" encoding="utf-8"?>
-<p:sld xmlns:a="http://schemas.openxmlformats.org/drawingml/2006/main" xmlns:r="http://schemas.openxmlformats.org/officeDocument/2006/relationships" xmlns:p="http://schemas.openxmlformats.org/presentationml/2006/main">
-  <p:cSld>
-    <p:spTree>
-      <p:nvGrpSpPr>
-        <p:cNvPr id="1" name=""/>
-        <p:cNvGrpSpPr/>
-        <p:nvPr/>
-      </p:nvGrpSpPr>
-      <p:grpSpPr>
-        <a:xfrm>
-          <a:off x="0" y="0"/>
-          <a:ext cx="0" cy="0"/>
-          <a:chOff x="0" y="0"/>
-          <a:chExt cx="0" cy="0"/>
-        </a:xfrm>
-      </p:grpSpPr>
-      <p:sp>
-        <p:nvSpPr>
-          <p:cNvPr id="2" name="Title 1"/>
-          <p:cNvSpPr>
-            <a:spLocks noGrp="1"/>
-          </p:cNvSpPr>
-          <p:nvPr>
-            <p:ph type="title"/>
-          </p:nvPr>
-        </p:nvSpPr>
-        <p:spPr>
-          <a:xfrm>
-            <a:off x="457200" y="72854"/>
-            <a:ext cx="8153400" cy="553998"/>
-          </a:xfrm>
-        </p:spPr>
-        <p:txBody>
-          <a:bodyPr wrap="square">
-            <a:spAutoFit/>
-          </a:bodyPr>
-          <a:lstStyle/>
-          <a:p>
-            <a:r>
-              <a:rPr lang="en-US" sz="3600" dirty="0">
-                <a:latin typeface="+mj-lt"/>
-              </a:rPr>
-              <a:t>End of Chapter 6</a:t>
-            </a:r>
-          </a:p>
-        </p:txBody>
-      </p:sp>
-      <p:sp>
-        <p:nvSpPr>
-          <p:cNvPr id="4" name="Content Placeholder 3"/>
-          <p:cNvSpPr>
-            <a:spLocks noGrp="1"/>
-          </p:cNvSpPr>
-          <p:nvPr>
-            <p:ph sz="quarter" idx="14"/>
-          </p:nvPr>
-        </p:nvSpPr>
-        <p:spPr>
-          <a:xfrm>
-            <a:off x="457200" y="990600"/>
-            <a:ext cx="8153400" cy="369332"/>
-          </a:xfrm>
-        </p:spPr>
-        <p:txBody>
-          <a:bodyPr>
-            <a:spAutoFit/>
-          </a:bodyPr>
-          <a:lstStyle/>
-          <a:p>
-            <a:pPr marL="231775" indent="-231775">
-              <a:buSzPct val="100000"/>
-            </a:pPr>
-            <a:r>
-              <a:rPr lang="en-US" sz="2400" dirty="0"/>
-              <a:t>Questions / Comments</a:t>
-            </a:r>
-            <a:endParaRPr lang="en-IN" sz="2400" dirty="0"/>
-          </a:p>
-        </p:txBody>
-      </p:sp>
-    </p:spTree>
-    <p:extLst>
-      <p:ext uri="{BB962C8B-B14F-4D97-AF65-F5344CB8AC3E}">
-        <p14:creationId xmlns:p14="http://schemas.microsoft.com/office/powerpoint/2010/main" val="2666502357"/>
-      </p:ext>
-    </p:extLst>
-  </p:cSld>
-  <p:clrMapOvr>
-    <a:masterClrMapping/>
-  </p:clrMapOvr>
-</p:sld>
-</file>
-
-<file path=ppt/slides/slide53.xml><?xml version="1.0" encoding="utf-8"?>
 <p:sld xmlns:a="http://schemas.openxmlformats.org/drawingml/2006/main" xmlns:r="http://schemas.openxmlformats.org/officeDocument/2006/relationships" xmlns:p="http://schemas.openxmlformats.org/presentationml/2006/main">
   <p:cSld>
     <p:spTree>
